--- a/2.Output/2020-06-18.pptx
+++ b/2.Output/2020-06-18.pptx
@@ -8607,7 +8607,7 @@
           <p:cNvPr id="2" name="표 1">
             <a:extLst>
               <a:ext uri="{FF2B5EF4-FFF2-40B4-BE49-F238E27FC236}">
-                <a16:creationId xmlns:a16="http://schemas.microsoft.com/office/drawing/2014/main" id="{118AC0A6-D9B3-4197-B953-A0A447C6A224}"/>
+                <a16:creationId xmlns:a16="http://schemas.microsoft.com/office/drawing/2014/main" id="{25710F36-3493-4679-926F-7208BFFB9E89}"/>
               </a:ext>
             </a:extLst>
           </p:cNvPr>
@@ -8617,8 +8617,8 @@
           <p:nvPr/>
         </p:nvGraphicFramePr>
         <p:xfrm>
-          <a:off x="2108200" y="2857500"/>
-          <a:ext cx="5689600" cy="1143000"/>
+          <a:off x="2108200" y="2641600"/>
+          <a:ext cx="5689600" cy="1577340"/>
         </p:xfrm>
         <a:graphic>
           <a:graphicData uri="http://schemas.openxmlformats.org/drawingml/2006/table">
@@ -8630,56 +8630,56 @@
                 <a:gridCol w="711200">
                   <a:extLst>
                     <a:ext uri="{9D8B030D-6E8A-4147-A177-3AD203B41FA5}">
-                      <a16:colId xmlns:a16="http://schemas.microsoft.com/office/drawing/2014/main" val="1579242076"/>
+                      <a16:colId xmlns:a16="http://schemas.microsoft.com/office/drawing/2014/main" val="2397650860"/>
                     </a:ext>
                   </a:extLst>
                 </a:gridCol>
                 <a:gridCol w="711200">
                   <a:extLst>
                     <a:ext uri="{9D8B030D-6E8A-4147-A177-3AD203B41FA5}">
-                      <a16:colId xmlns:a16="http://schemas.microsoft.com/office/drawing/2014/main" val="2506152032"/>
+                      <a16:colId xmlns:a16="http://schemas.microsoft.com/office/drawing/2014/main" val="3863550789"/>
                     </a:ext>
                   </a:extLst>
                 </a:gridCol>
                 <a:gridCol w="711200">
                   <a:extLst>
                     <a:ext uri="{9D8B030D-6E8A-4147-A177-3AD203B41FA5}">
-                      <a16:colId xmlns:a16="http://schemas.microsoft.com/office/drawing/2014/main" val="3250902844"/>
+                      <a16:colId xmlns:a16="http://schemas.microsoft.com/office/drawing/2014/main" val="4231407061"/>
                     </a:ext>
                   </a:extLst>
                 </a:gridCol>
                 <a:gridCol w="711200">
                   <a:extLst>
                     <a:ext uri="{9D8B030D-6E8A-4147-A177-3AD203B41FA5}">
-                      <a16:colId xmlns:a16="http://schemas.microsoft.com/office/drawing/2014/main" val="1351498352"/>
+                      <a16:colId xmlns:a16="http://schemas.microsoft.com/office/drawing/2014/main" val="443749680"/>
                     </a:ext>
                   </a:extLst>
                 </a:gridCol>
                 <a:gridCol w="711200">
                   <a:extLst>
                     <a:ext uri="{9D8B030D-6E8A-4147-A177-3AD203B41FA5}">
-                      <a16:colId xmlns:a16="http://schemas.microsoft.com/office/drawing/2014/main" val="447011944"/>
+                      <a16:colId xmlns:a16="http://schemas.microsoft.com/office/drawing/2014/main" val="3996806877"/>
                     </a:ext>
                   </a:extLst>
                 </a:gridCol>
                 <a:gridCol w="711200">
                   <a:extLst>
                     <a:ext uri="{9D8B030D-6E8A-4147-A177-3AD203B41FA5}">
-                      <a16:colId xmlns:a16="http://schemas.microsoft.com/office/drawing/2014/main" val="3547555059"/>
+                      <a16:colId xmlns:a16="http://schemas.microsoft.com/office/drawing/2014/main" val="2850986981"/>
                     </a:ext>
                   </a:extLst>
                 </a:gridCol>
                 <a:gridCol w="711200">
                   <a:extLst>
                     <a:ext uri="{9D8B030D-6E8A-4147-A177-3AD203B41FA5}">
-                      <a16:colId xmlns:a16="http://schemas.microsoft.com/office/drawing/2014/main" val="3137552869"/>
+                      <a16:colId xmlns:a16="http://schemas.microsoft.com/office/drawing/2014/main" val="3410007783"/>
                     </a:ext>
                   </a:extLst>
                 </a:gridCol>
                 <a:gridCol w="711200">
                   <a:extLst>
                     <a:ext uri="{9D8B030D-6E8A-4147-A177-3AD203B41FA5}">
-                      <a16:colId xmlns:a16="http://schemas.microsoft.com/office/drawing/2014/main" val="3198570873"/>
+                      <a16:colId xmlns:a16="http://schemas.microsoft.com/office/drawing/2014/main" val="1852279470"/>
                     </a:ext>
                   </a:extLst>
                 </a:gridCol>
@@ -8879,24 +8879,24 @@
                 </a:tc>
                 <a:extLst>
                   <a:ext uri="{0D108BD9-81ED-4DB2-BD59-A6C34878D82A}">
-                    <a16:rowId xmlns:a16="http://schemas.microsoft.com/office/drawing/2014/main" val="761856993"/>
+                    <a16:rowId xmlns:a16="http://schemas.microsoft.com/office/drawing/2014/main" val="525524232"/>
                   </a:ext>
                 </a:extLst>
               </a:tr>
-              <a:tr h="167640">
-                <a:tc>
-                  <a:txBody>
-                    <a:bodyPr/>
-                    <a:lstStyle/>
-                    <a:p>
-                      <a:pPr algn="ctr" fontAlgn="ctr"/>
-                      <a:r>
-                        <a:rPr lang="ko-KR" altLang="en-US" sz="1000" u="none" strike="noStrike">
+              <a:tr h="182880">
+                <a:tc>
+                  <a:txBody>
+                    <a:bodyPr/>
+                    <a:lstStyle/>
+                    <a:p>
+                      <a:pPr algn="ctr" fontAlgn="ctr"/>
+                      <a:r>
+                        <a:rPr lang="ko-KR" altLang="en-US" sz="1100" u="none" strike="noStrike">
                           <a:effectLst/>
                         </a:rPr>
                         <a:t>합계</a:t>
                       </a:r>
-                      <a:endParaRPr lang="ko-KR" altLang="en-US" sz="1000" b="0" i="0" u="none" strike="noStrike">
+                      <a:endParaRPr lang="ko-KR" altLang="en-US" sz="1100" b="1" i="0" u="none" strike="noStrike">
                         <a:solidFill>
                           <a:srgbClr val="000000"/>
                         </a:solidFill>
@@ -8913,14 +8913,14 @@
                     <a:bodyPr/>
                     <a:lstStyle/>
                     <a:p>
-                      <a:pPr algn="r" fontAlgn="ctr"/>
-                      <a:r>
-                        <a:rPr lang="en-US" altLang="ko-KR" sz="1000" u="none" strike="noStrike">
+                      <a:pPr algn="ctr" fontAlgn="ctr"/>
+                      <a:r>
+                        <a:rPr lang="en-US" altLang="ko-KR" sz="1100" u="none" strike="noStrike">
                           <a:effectLst/>
                         </a:rPr>
                         <a:t>950</a:t>
                       </a:r>
-                      <a:endParaRPr lang="en-US" altLang="ko-KR" sz="1000" b="0" i="0" u="none" strike="noStrike">
+                      <a:endParaRPr lang="en-US" altLang="ko-KR" sz="1100" b="1" i="0" u="none" strike="noStrike">
                         <a:solidFill>
                           <a:srgbClr val="000000"/>
                         </a:solidFill>
@@ -8937,14 +8937,14 @@
                     <a:bodyPr/>
                     <a:lstStyle/>
                     <a:p>
-                      <a:pPr algn="r" fontAlgn="ctr"/>
-                      <a:r>
-                        <a:rPr lang="en-US" altLang="ko-KR" sz="1000" u="none" strike="noStrike">
+                      <a:pPr algn="ctr" fontAlgn="ctr"/>
+                      <a:r>
+                        <a:rPr lang="en-US" altLang="ko-KR" sz="1100" u="none" strike="noStrike">
                           <a:effectLst/>
                         </a:rPr>
                         <a:t>380</a:t>
                       </a:r>
-                      <a:endParaRPr lang="en-US" altLang="ko-KR" sz="1000" b="0" i="0" u="none" strike="noStrike">
+                      <a:endParaRPr lang="en-US" altLang="ko-KR" sz="1100" b="1" i="0" u="none" strike="noStrike">
                         <a:solidFill>
                           <a:srgbClr val="000000"/>
                         </a:solidFill>
@@ -8961,14 +8961,14 @@
                     <a:bodyPr/>
                     <a:lstStyle/>
                     <a:p>
-                      <a:pPr algn="r" fontAlgn="ctr"/>
-                      <a:r>
-                        <a:rPr lang="en-US" altLang="ko-KR" sz="1000" u="none" strike="noStrike">
+                      <a:pPr algn="ctr" fontAlgn="ctr"/>
+                      <a:r>
+                        <a:rPr lang="en-US" altLang="ko-KR" sz="1100" u="none" strike="noStrike">
                           <a:effectLst/>
                         </a:rPr>
                         <a:t>1,013</a:t>
                       </a:r>
-                      <a:endParaRPr lang="en-US" altLang="ko-KR" sz="1000" b="0" i="0" u="none" strike="noStrike">
+                      <a:endParaRPr lang="en-US" altLang="ko-KR" sz="1100" b="1" i="0" u="none" strike="noStrike">
                         <a:solidFill>
                           <a:srgbClr val="000000"/>
                         </a:solidFill>
@@ -8985,14 +8985,14 @@
                     <a:bodyPr/>
                     <a:lstStyle/>
                     <a:p>
-                      <a:pPr algn="r" fontAlgn="ctr"/>
-                      <a:r>
-                        <a:rPr lang="en-US" altLang="ko-KR" sz="1000" u="none" strike="noStrike">
+                      <a:pPr algn="ctr" fontAlgn="ctr"/>
+                      <a:r>
+                        <a:rPr lang="en-US" altLang="ko-KR" sz="1100" u="none" strike="noStrike">
                           <a:effectLst/>
                         </a:rPr>
                         <a:t>1,110</a:t>
                       </a:r>
-                      <a:endParaRPr lang="en-US" altLang="ko-KR" sz="1000" b="0" i="0" u="none" strike="noStrike">
+                      <a:endParaRPr lang="en-US" altLang="ko-KR" sz="1100" b="1" i="0" u="none" strike="noStrike">
                         <a:solidFill>
                           <a:srgbClr val="000000"/>
                         </a:solidFill>
@@ -9009,14 +9009,14 @@
                     <a:bodyPr/>
                     <a:lstStyle/>
                     <a:p>
-                      <a:pPr algn="r" fontAlgn="ctr"/>
-                      <a:r>
-                        <a:rPr lang="en-US" altLang="ko-KR" sz="1000" u="none" strike="noStrike">
+                      <a:pPr algn="ctr" fontAlgn="ctr"/>
+                      <a:r>
+                        <a:rPr lang="en-US" altLang="ko-KR" sz="1100" u="none" strike="noStrike">
                           <a:effectLst/>
                         </a:rPr>
                         <a:t>1,161</a:t>
                       </a:r>
-                      <a:endParaRPr lang="en-US" altLang="ko-KR" sz="1000" b="0" i="0" u="none" strike="noStrike">
+                      <a:endParaRPr lang="en-US" altLang="ko-KR" sz="1100" b="1" i="0" u="none" strike="noStrike">
                         <a:solidFill>
                           <a:srgbClr val="000000"/>
                         </a:solidFill>
@@ -9033,14 +9033,14 @@
                     <a:bodyPr/>
                     <a:lstStyle/>
                     <a:p>
-                      <a:pPr algn="r" fontAlgn="ctr"/>
-                      <a:r>
-                        <a:rPr lang="en-US" altLang="ko-KR" sz="1000" u="none" strike="noStrike">
+                      <a:pPr algn="ctr" fontAlgn="ctr"/>
+                      <a:r>
+                        <a:rPr lang="en-US" altLang="ko-KR" sz="1100" u="none" strike="noStrike">
                           <a:effectLst/>
                         </a:rPr>
                         <a:t>879</a:t>
                       </a:r>
-                      <a:endParaRPr lang="en-US" altLang="ko-KR" sz="1000" b="0" i="0" u="none" strike="noStrike">
+                      <a:endParaRPr lang="en-US" altLang="ko-KR" sz="1100" b="1" i="0" u="none" strike="noStrike">
                         <a:solidFill>
                           <a:srgbClr val="000000"/>
                         </a:solidFill>
@@ -9057,14 +9057,14 @@
                     <a:bodyPr/>
                     <a:lstStyle/>
                     <a:p>
-                      <a:pPr algn="r" fontAlgn="ctr"/>
-                      <a:r>
-                        <a:rPr lang="en-US" altLang="ko-KR" sz="1000" u="none" strike="noStrike">
+                      <a:pPr algn="ctr" fontAlgn="ctr"/>
+                      <a:r>
+                        <a:rPr lang="en-US" altLang="ko-KR" sz="1100" u="none" strike="noStrike">
                           <a:effectLst/>
                         </a:rPr>
                         <a:t>5,492</a:t>
                       </a:r>
-                      <a:endParaRPr lang="en-US" altLang="ko-KR" sz="1000" b="0" i="0" u="none" strike="noStrike">
+                      <a:endParaRPr lang="en-US" altLang="ko-KR" sz="1100" b="1" i="0" u="none" strike="noStrike">
                         <a:solidFill>
                           <a:srgbClr val="000000"/>
                         </a:solidFill>
@@ -9078,24 +9078,24 @@
                 </a:tc>
                 <a:extLst>
                   <a:ext uri="{0D108BD9-81ED-4DB2-BD59-A6C34878D82A}">
-                    <a16:rowId xmlns:a16="http://schemas.microsoft.com/office/drawing/2014/main" val="1857883300"/>
+                    <a16:rowId xmlns:a16="http://schemas.microsoft.com/office/drawing/2014/main" val="1371334676"/>
                   </a:ext>
                 </a:extLst>
               </a:tr>
-              <a:tr h="167640">
-                <a:tc>
-                  <a:txBody>
-                    <a:bodyPr/>
-                    <a:lstStyle/>
-                    <a:p>
-                      <a:pPr algn="ctr" fontAlgn="ctr"/>
-                      <a:r>
-                        <a:rPr lang="ko-KR" altLang="en-US" sz="1000" u="none" strike="noStrike">
+              <a:tr h="182880">
+                <a:tc>
+                  <a:txBody>
+                    <a:bodyPr/>
+                    <a:lstStyle/>
+                    <a:p>
+                      <a:pPr algn="ctr" fontAlgn="ctr"/>
+                      <a:r>
+                        <a:rPr lang="ko-KR" altLang="en-US" sz="1100" u="none" strike="noStrike">
                           <a:effectLst/>
                         </a:rPr>
                         <a:t>과일류계</a:t>
                       </a:r>
-                      <a:endParaRPr lang="ko-KR" altLang="en-US" sz="1000" b="0" i="0" u="none" strike="noStrike">
+                      <a:endParaRPr lang="ko-KR" altLang="en-US" sz="1100" b="1" i="0" u="none" strike="noStrike">
                         <a:solidFill>
                           <a:srgbClr val="000000"/>
                         </a:solidFill>
@@ -9112,14 +9112,14 @@
                     <a:bodyPr/>
                     <a:lstStyle/>
                     <a:p>
-                      <a:pPr algn="r" fontAlgn="ctr"/>
-                      <a:r>
-                        <a:rPr lang="en-US" altLang="ko-KR" sz="1000" u="none" strike="noStrike">
+                      <a:pPr algn="ctr" fontAlgn="ctr"/>
+                      <a:r>
+                        <a:rPr lang="en-US" altLang="ko-KR" sz="1100" u="none" strike="noStrike">
                           <a:effectLst/>
                         </a:rPr>
                         <a:t>169</a:t>
                       </a:r>
-                      <a:endParaRPr lang="en-US" altLang="ko-KR" sz="1000" b="0" i="0" u="none" strike="noStrike">
+                      <a:endParaRPr lang="en-US" altLang="ko-KR" sz="1100" b="1" i="0" u="none" strike="noStrike">
                         <a:solidFill>
                           <a:srgbClr val="000000"/>
                         </a:solidFill>
@@ -9136,14 +9136,14 @@
                     <a:bodyPr/>
                     <a:lstStyle/>
                     <a:p>
-                      <a:pPr algn="r" fontAlgn="ctr"/>
-                      <a:r>
-                        <a:rPr lang="en-US" altLang="ko-KR" sz="1000" u="none" strike="noStrike">
+                      <a:pPr algn="ctr" fontAlgn="ctr"/>
+                      <a:r>
+                        <a:rPr lang="en-US" altLang="ko-KR" sz="1100" u="none" strike="noStrike">
                           <a:effectLst/>
                         </a:rPr>
                         <a:t>26</a:t>
                       </a:r>
-                      <a:endParaRPr lang="en-US" altLang="ko-KR" sz="1000" b="0" i="0" u="none" strike="noStrike">
+                      <a:endParaRPr lang="en-US" altLang="ko-KR" sz="1100" b="1" i="0" u="none" strike="noStrike">
                         <a:solidFill>
                           <a:srgbClr val="000000"/>
                         </a:solidFill>
@@ -9160,14 +9160,14 @@
                     <a:bodyPr/>
                     <a:lstStyle/>
                     <a:p>
-                      <a:pPr algn="r" fontAlgn="ctr"/>
-                      <a:r>
-                        <a:rPr lang="en-US" altLang="ko-KR" sz="1000" u="none" strike="noStrike">
+                      <a:pPr algn="ctr" fontAlgn="ctr"/>
+                      <a:r>
+                        <a:rPr lang="en-US" altLang="ko-KR" sz="1100" u="none" strike="noStrike">
                           <a:effectLst/>
                         </a:rPr>
                         <a:t>208</a:t>
                       </a:r>
-                      <a:endParaRPr lang="en-US" altLang="ko-KR" sz="1000" b="0" i="0" u="none" strike="noStrike">
+                      <a:endParaRPr lang="en-US" altLang="ko-KR" sz="1100" b="1" i="0" u="none" strike="noStrike">
                         <a:solidFill>
                           <a:srgbClr val="000000"/>
                         </a:solidFill>
@@ -9184,14 +9184,14 @@
                     <a:bodyPr/>
                     <a:lstStyle/>
                     <a:p>
-                      <a:pPr algn="r" fontAlgn="ctr"/>
-                      <a:r>
-                        <a:rPr lang="en-US" altLang="ko-KR" sz="1000" u="none" strike="noStrike">
+                      <a:pPr algn="ctr" fontAlgn="ctr"/>
+                      <a:r>
+                        <a:rPr lang="en-US" altLang="ko-KR" sz="1100" u="none" strike="noStrike">
                           <a:effectLst/>
                         </a:rPr>
                         <a:t>101</a:t>
                       </a:r>
-                      <a:endParaRPr lang="en-US" altLang="ko-KR" sz="1000" b="0" i="0" u="none" strike="noStrike">
+                      <a:endParaRPr lang="en-US" altLang="ko-KR" sz="1100" b="1" i="0" u="none" strike="noStrike">
                         <a:solidFill>
                           <a:srgbClr val="000000"/>
                         </a:solidFill>
@@ -9208,14 +9208,14 @@
                     <a:bodyPr/>
                     <a:lstStyle/>
                     <a:p>
-                      <a:pPr algn="r" fontAlgn="ctr"/>
-                      <a:r>
-                        <a:rPr lang="en-US" altLang="ko-KR" sz="1000" u="none" strike="noStrike">
+                      <a:pPr algn="ctr" fontAlgn="ctr"/>
+                      <a:r>
+                        <a:rPr lang="en-US" altLang="ko-KR" sz="1100" u="none" strike="noStrike">
                           <a:effectLst/>
                         </a:rPr>
                         <a:t>75</a:t>
                       </a:r>
-                      <a:endParaRPr lang="en-US" altLang="ko-KR" sz="1000" b="0" i="0" u="none" strike="noStrike">
+                      <a:endParaRPr lang="en-US" altLang="ko-KR" sz="1100" b="1" i="0" u="none" strike="noStrike">
                         <a:solidFill>
                           <a:srgbClr val="000000"/>
                         </a:solidFill>
@@ -9232,14 +9232,14 @@
                     <a:bodyPr/>
                     <a:lstStyle/>
                     <a:p>
-                      <a:pPr algn="r" fontAlgn="ctr"/>
-                      <a:r>
-                        <a:rPr lang="en-US" altLang="ko-KR" sz="1000" u="none" strike="noStrike">
+                      <a:pPr algn="ctr" fontAlgn="ctr"/>
+                      <a:r>
+                        <a:rPr lang="en-US" altLang="ko-KR" sz="1100" u="none" strike="noStrike">
                           <a:effectLst/>
                         </a:rPr>
                         <a:t>0</a:t>
                       </a:r>
-                      <a:endParaRPr lang="en-US" altLang="ko-KR" sz="1000" b="0" i="0" u="none" strike="noStrike">
+                      <a:endParaRPr lang="en-US" altLang="ko-KR" sz="1100" b="1" i="0" u="none" strike="noStrike">
                         <a:solidFill>
                           <a:srgbClr val="000000"/>
                         </a:solidFill>
@@ -9256,14 +9256,14 @@
                     <a:bodyPr/>
                     <a:lstStyle/>
                     <a:p>
-                      <a:pPr algn="r" fontAlgn="ctr"/>
-                      <a:r>
-                        <a:rPr lang="en-US" altLang="ko-KR" sz="1000" u="none" strike="noStrike">
+                      <a:pPr algn="ctr" fontAlgn="ctr"/>
+                      <a:r>
+                        <a:rPr lang="en-US" altLang="ko-KR" sz="1100" u="none" strike="noStrike">
                           <a:effectLst/>
                         </a:rPr>
                         <a:t>579</a:t>
                       </a:r>
-                      <a:endParaRPr lang="en-US" altLang="ko-KR" sz="1000" b="0" i="0" u="none" strike="noStrike">
+                      <a:endParaRPr lang="en-US" altLang="ko-KR" sz="1100" b="1" i="0" u="none" strike="noStrike">
                         <a:solidFill>
                           <a:srgbClr val="000000"/>
                         </a:solidFill>
@@ -9277,24 +9277,24 @@
                 </a:tc>
                 <a:extLst>
                   <a:ext uri="{0D108BD9-81ED-4DB2-BD59-A6C34878D82A}">
-                    <a16:rowId xmlns:a16="http://schemas.microsoft.com/office/drawing/2014/main" val="1416308031"/>
+                    <a16:rowId xmlns:a16="http://schemas.microsoft.com/office/drawing/2014/main" val="2210295368"/>
                   </a:ext>
                 </a:extLst>
               </a:tr>
-              <a:tr h="167640">
-                <a:tc>
-                  <a:txBody>
-                    <a:bodyPr/>
-                    <a:lstStyle/>
-                    <a:p>
-                      <a:pPr algn="ctr" fontAlgn="ctr"/>
-                      <a:r>
-                        <a:rPr lang="ko-KR" altLang="en-US" sz="1000" u="none" strike="noStrike">
+              <a:tr h="182880">
+                <a:tc>
+                  <a:txBody>
+                    <a:bodyPr/>
+                    <a:lstStyle/>
+                    <a:p>
+                      <a:pPr algn="ctr" fontAlgn="ctr"/>
+                      <a:r>
+                        <a:rPr lang="ko-KR" altLang="en-US" sz="1100" u="none" strike="noStrike">
                           <a:effectLst/>
                         </a:rPr>
                         <a:t>과일과채류계</a:t>
                       </a:r>
-                      <a:endParaRPr lang="ko-KR" altLang="en-US" sz="1000" b="0" i="0" u="none" strike="noStrike">
+                      <a:endParaRPr lang="ko-KR" altLang="en-US" sz="1100" b="1" i="0" u="none" strike="noStrike">
                         <a:solidFill>
                           <a:srgbClr val="000000"/>
                         </a:solidFill>
@@ -9311,14 +9311,14 @@
                     <a:bodyPr/>
                     <a:lstStyle/>
                     <a:p>
-                      <a:pPr algn="r" fontAlgn="ctr"/>
-                      <a:r>
-                        <a:rPr lang="en-US" altLang="ko-KR" sz="1000" u="none" strike="noStrike">
+                      <a:pPr algn="ctr" fontAlgn="ctr"/>
+                      <a:r>
+                        <a:rPr lang="en-US" altLang="ko-KR" sz="1100" u="none" strike="noStrike">
                           <a:effectLst/>
                         </a:rPr>
                         <a:t>246</a:t>
                       </a:r>
-                      <a:endParaRPr lang="en-US" altLang="ko-KR" sz="1000" b="0" i="0" u="none" strike="noStrike">
+                      <a:endParaRPr lang="en-US" altLang="ko-KR" sz="1100" b="1" i="0" u="none" strike="noStrike">
                         <a:solidFill>
                           <a:srgbClr val="000000"/>
                         </a:solidFill>
@@ -9335,14 +9335,14 @@
                     <a:bodyPr/>
                     <a:lstStyle/>
                     <a:p>
-                      <a:pPr algn="r" fontAlgn="ctr"/>
-                      <a:r>
-                        <a:rPr lang="en-US" altLang="ko-KR" sz="1000" u="none" strike="noStrike">
+                      <a:pPr algn="ctr" fontAlgn="ctr"/>
+                      <a:r>
+                        <a:rPr lang="en-US" altLang="ko-KR" sz="1100" u="none" strike="noStrike">
                           <a:effectLst/>
                         </a:rPr>
                         <a:t>217</a:t>
                       </a:r>
-                      <a:endParaRPr lang="en-US" altLang="ko-KR" sz="1000" b="0" i="0" u="none" strike="noStrike">
+                      <a:endParaRPr lang="en-US" altLang="ko-KR" sz="1100" b="1" i="0" u="none" strike="noStrike">
                         <a:solidFill>
                           <a:srgbClr val="000000"/>
                         </a:solidFill>
@@ -9359,14 +9359,14 @@
                     <a:bodyPr/>
                     <a:lstStyle/>
                     <a:p>
-                      <a:pPr algn="r" fontAlgn="ctr"/>
-                      <a:r>
-                        <a:rPr lang="en-US" altLang="ko-KR" sz="1000" u="none" strike="noStrike">
+                      <a:pPr algn="ctr" fontAlgn="ctr"/>
+                      <a:r>
+                        <a:rPr lang="en-US" altLang="ko-KR" sz="1100" u="none" strike="noStrike">
                           <a:effectLst/>
                         </a:rPr>
                         <a:t>256</a:t>
                       </a:r>
-                      <a:endParaRPr lang="en-US" altLang="ko-KR" sz="1000" b="0" i="0" u="none" strike="noStrike">
+                      <a:endParaRPr lang="en-US" altLang="ko-KR" sz="1100" b="1" i="0" u="none" strike="noStrike">
                         <a:solidFill>
                           <a:srgbClr val="000000"/>
                         </a:solidFill>
@@ -9383,14 +9383,14 @@
                     <a:bodyPr/>
                     <a:lstStyle/>
                     <a:p>
-                      <a:pPr algn="r" fontAlgn="ctr"/>
-                      <a:r>
-                        <a:rPr lang="en-US" altLang="ko-KR" sz="1000" u="none" strike="noStrike">
+                      <a:pPr algn="ctr" fontAlgn="ctr"/>
+                      <a:r>
+                        <a:rPr lang="en-US" altLang="ko-KR" sz="1100" u="none" strike="noStrike">
                           <a:effectLst/>
                         </a:rPr>
                         <a:t>210</a:t>
                       </a:r>
-                      <a:endParaRPr lang="en-US" altLang="ko-KR" sz="1000" b="0" i="0" u="none" strike="noStrike">
+                      <a:endParaRPr lang="en-US" altLang="ko-KR" sz="1100" b="1" i="0" u="none" strike="noStrike">
                         <a:solidFill>
                           <a:srgbClr val="000000"/>
                         </a:solidFill>
@@ -9407,14 +9407,14 @@
                     <a:bodyPr/>
                     <a:lstStyle/>
                     <a:p>
-                      <a:pPr algn="r" fontAlgn="ctr"/>
-                      <a:r>
-                        <a:rPr lang="en-US" altLang="ko-KR" sz="1000" u="none" strike="noStrike">
+                      <a:pPr algn="ctr" fontAlgn="ctr"/>
+                      <a:r>
+                        <a:rPr lang="en-US" altLang="ko-KR" sz="1100" u="none" strike="noStrike">
                           <a:effectLst/>
                         </a:rPr>
                         <a:t>269</a:t>
                       </a:r>
-                      <a:endParaRPr lang="en-US" altLang="ko-KR" sz="1000" b="0" i="0" u="none" strike="noStrike">
+                      <a:endParaRPr lang="en-US" altLang="ko-KR" sz="1100" b="1" i="0" u="none" strike="noStrike">
                         <a:solidFill>
                           <a:srgbClr val="000000"/>
                         </a:solidFill>
@@ -9431,14 +9431,14 @@
                     <a:bodyPr/>
                     <a:lstStyle/>
                     <a:p>
-                      <a:pPr algn="r" fontAlgn="ctr"/>
-                      <a:r>
-                        <a:rPr lang="en-US" altLang="ko-KR" sz="1000" u="none" strike="noStrike">
+                      <a:pPr algn="ctr" fontAlgn="ctr"/>
+                      <a:r>
+                        <a:rPr lang="en-US" altLang="ko-KR" sz="1100" u="none" strike="noStrike">
                           <a:effectLst/>
                         </a:rPr>
                         <a:t>0</a:t>
                       </a:r>
-                      <a:endParaRPr lang="en-US" altLang="ko-KR" sz="1000" b="0" i="0" u="none" strike="noStrike">
+                      <a:endParaRPr lang="en-US" altLang="ko-KR" sz="1100" b="1" i="0" u="none" strike="noStrike">
                         <a:solidFill>
                           <a:srgbClr val="000000"/>
                         </a:solidFill>
@@ -9455,14 +9455,14 @@
                     <a:bodyPr/>
                     <a:lstStyle/>
                     <a:p>
-                      <a:pPr algn="r" fontAlgn="ctr"/>
-                      <a:r>
-                        <a:rPr lang="en-US" altLang="ko-KR" sz="1000" u="none" strike="noStrike">
+                      <a:pPr algn="ctr" fontAlgn="ctr"/>
+                      <a:r>
+                        <a:rPr lang="en-US" altLang="ko-KR" sz="1100" u="none" strike="noStrike">
                           <a:effectLst/>
                         </a:rPr>
                         <a:t>1,198</a:t>
                       </a:r>
-                      <a:endParaRPr lang="en-US" altLang="ko-KR" sz="1000" b="0" i="0" u="none" strike="noStrike">
+                      <a:endParaRPr lang="en-US" altLang="ko-KR" sz="1100" b="1" i="0" u="none" strike="noStrike">
                         <a:solidFill>
                           <a:srgbClr val="000000"/>
                         </a:solidFill>
@@ -9476,24 +9476,24 @@
                 </a:tc>
                 <a:extLst>
                   <a:ext uri="{0D108BD9-81ED-4DB2-BD59-A6C34878D82A}">
-                    <a16:rowId xmlns:a16="http://schemas.microsoft.com/office/drawing/2014/main" val="3537400057"/>
+                    <a16:rowId xmlns:a16="http://schemas.microsoft.com/office/drawing/2014/main" val="2859820657"/>
                   </a:ext>
                 </a:extLst>
               </a:tr>
-              <a:tr h="167640">
-                <a:tc>
-                  <a:txBody>
-                    <a:bodyPr/>
-                    <a:lstStyle/>
-                    <a:p>
-                      <a:pPr algn="ctr" fontAlgn="ctr"/>
-                      <a:r>
-                        <a:rPr lang="ko-KR" altLang="en-US" sz="1000" u="none" strike="noStrike">
+              <a:tr h="182880">
+                <a:tc>
+                  <a:txBody>
+                    <a:bodyPr/>
+                    <a:lstStyle/>
+                    <a:p>
+                      <a:pPr algn="ctr" fontAlgn="ctr"/>
+                      <a:r>
+                        <a:rPr lang="ko-KR" altLang="en-US" sz="1100" u="none" strike="noStrike">
                           <a:effectLst/>
                         </a:rPr>
                         <a:t>일반채소류계</a:t>
                       </a:r>
-                      <a:endParaRPr lang="ko-KR" altLang="en-US" sz="1000" b="0" i="0" u="none" strike="noStrike">
+                      <a:endParaRPr lang="ko-KR" altLang="en-US" sz="1100" b="1" i="0" u="none" strike="noStrike">
                         <a:solidFill>
                           <a:srgbClr val="000000"/>
                         </a:solidFill>
@@ -9510,14 +9510,14 @@
                     <a:bodyPr/>
                     <a:lstStyle/>
                     <a:p>
-                      <a:pPr algn="r" fontAlgn="ctr"/>
-                      <a:r>
-                        <a:rPr lang="en-US" altLang="ko-KR" sz="1000" u="none" strike="noStrike">
+                      <a:pPr algn="ctr" fontAlgn="ctr"/>
+                      <a:r>
+                        <a:rPr lang="en-US" altLang="ko-KR" sz="1100" u="none" strike="noStrike">
                           <a:effectLst/>
                         </a:rPr>
                         <a:t>535</a:t>
                       </a:r>
-                      <a:endParaRPr lang="en-US" altLang="ko-KR" sz="1000" b="0" i="0" u="none" strike="noStrike">
+                      <a:endParaRPr lang="en-US" altLang="ko-KR" sz="1100" b="1" i="0" u="none" strike="noStrike">
                         <a:solidFill>
                           <a:srgbClr val="000000"/>
                         </a:solidFill>
@@ -9534,14 +9534,14 @@
                     <a:bodyPr/>
                     <a:lstStyle/>
                     <a:p>
-                      <a:pPr algn="r" fontAlgn="ctr"/>
-                      <a:r>
-                        <a:rPr lang="en-US" altLang="ko-KR" sz="1000" u="none" strike="noStrike">
+                      <a:pPr algn="ctr" fontAlgn="ctr"/>
+                      <a:r>
+                        <a:rPr lang="en-US" altLang="ko-KR" sz="1100" u="none" strike="noStrike">
                           <a:effectLst/>
                         </a:rPr>
                         <a:t>137</a:t>
                       </a:r>
-                      <a:endParaRPr lang="en-US" altLang="ko-KR" sz="1000" b="0" i="0" u="none" strike="noStrike">
+                      <a:endParaRPr lang="en-US" altLang="ko-KR" sz="1100" b="1" i="0" u="none" strike="noStrike">
                         <a:solidFill>
                           <a:srgbClr val="000000"/>
                         </a:solidFill>
@@ -9558,14 +9558,14 @@
                     <a:bodyPr/>
                     <a:lstStyle/>
                     <a:p>
-                      <a:pPr algn="r" fontAlgn="ctr"/>
-                      <a:r>
-                        <a:rPr lang="en-US" altLang="ko-KR" sz="1000" u="none" strike="noStrike">
+                      <a:pPr algn="ctr" fontAlgn="ctr"/>
+                      <a:r>
+                        <a:rPr lang="en-US" altLang="ko-KR" sz="1100" u="none" strike="noStrike">
                           <a:effectLst/>
                         </a:rPr>
                         <a:t>548</a:t>
                       </a:r>
-                      <a:endParaRPr lang="en-US" altLang="ko-KR" sz="1000" b="0" i="0" u="none" strike="noStrike">
+                      <a:endParaRPr lang="en-US" altLang="ko-KR" sz="1100" b="1" i="0" u="none" strike="noStrike">
                         <a:solidFill>
                           <a:srgbClr val="000000"/>
                         </a:solidFill>
@@ -9582,14 +9582,14 @@
                     <a:bodyPr/>
                     <a:lstStyle/>
                     <a:p>
-                      <a:pPr algn="r" fontAlgn="ctr"/>
-                      <a:r>
-                        <a:rPr lang="en-US" altLang="ko-KR" sz="1000" u="none" strike="noStrike">
+                      <a:pPr algn="ctr" fontAlgn="ctr"/>
+                      <a:r>
+                        <a:rPr lang="en-US" altLang="ko-KR" sz="1100" u="none" strike="noStrike">
                           <a:effectLst/>
                         </a:rPr>
                         <a:t>799</a:t>
                       </a:r>
-                      <a:endParaRPr lang="en-US" altLang="ko-KR" sz="1000" b="0" i="0" u="none" strike="noStrike">
+                      <a:endParaRPr lang="en-US" altLang="ko-KR" sz="1100" b="1" i="0" u="none" strike="noStrike">
                         <a:solidFill>
                           <a:srgbClr val="000000"/>
                         </a:solidFill>
@@ -9606,14 +9606,14 @@
                     <a:bodyPr/>
                     <a:lstStyle/>
                     <a:p>
-                      <a:pPr algn="r" fontAlgn="ctr"/>
-                      <a:r>
-                        <a:rPr lang="en-US" altLang="ko-KR" sz="1000" u="none" strike="noStrike">
+                      <a:pPr algn="ctr" fontAlgn="ctr"/>
+                      <a:r>
+                        <a:rPr lang="en-US" altLang="ko-KR" sz="1100" u="none" strike="noStrike">
                           <a:effectLst/>
                         </a:rPr>
                         <a:t>817</a:t>
                       </a:r>
-                      <a:endParaRPr lang="en-US" altLang="ko-KR" sz="1000" b="0" i="0" u="none" strike="noStrike">
+                      <a:endParaRPr lang="en-US" altLang="ko-KR" sz="1100" b="1" i="0" u="none" strike="noStrike">
                         <a:solidFill>
                           <a:srgbClr val="000000"/>
                         </a:solidFill>
@@ -9630,14 +9630,14 @@
                     <a:bodyPr/>
                     <a:lstStyle/>
                     <a:p>
-                      <a:pPr algn="r" fontAlgn="ctr"/>
-                      <a:r>
-                        <a:rPr lang="en-US" altLang="ko-KR" sz="1000" u="none" strike="noStrike">
+                      <a:pPr algn="ctr" fontAlgn="ctr"/>
+                      <a:r>
+                        <a:rPr lang="en-US" altLang="ko-KR" sz="1100" u="none" strike="noStrike">
                           <a:effectLst/>
                         </a:rPr>
                         <a:t>879</a:t>
                       </a:r>
-                      <a:endParaRPr lang="en-US" altLang="ko-KR" sz="1000" b="0" i="0" u="none" strike="noStrike">
+                      <a:endParaRPr lang="en-US" altLang="ko-KR" sz="1100" b="1" i="0" u="none" strike="noStrike">
                         <a:solidFill>
                           <a:srgbClr val="000000"/>
                         </a:solidFill>
@@ -9654,14 +9654,14 @@
                     <a:bodyPr/>
                     <a:lstStyle/>
                     <a:p>
-                      <a:pPr algn="r" fontAlgn="ctr"/>
-                      <a:r>
-                        <a:rPr lang="en-US" altLang="ko-KR" sz="1000" u="none" strike="noStrike" dirty="0">
+                      <a:pPr algn="ctr" fontAlgn="ctr"/>
+                      <a:r>
+                        <a:rPr lang="en-US" altLang="ko-KR" sz="1100" u="none" strike="noStrike">
                           <a:effectLst/>
                         </a:rPr>
                         <a:t>3,716</a:t>
                       </a:r>
-                      <a:endParaRPr lang="en-US" altLang="ko-KR" sz="1000" b="0" i="0" u="none" strike="noStrike" dirty="0">
+                      <a:endParaRPr lang="en-US" altLang="ko-KR" sz="1100" b="1" i="0" u="none" strike="noStrike">
                         <a:solidFill>
                           <a:srgbClr val="000000"/>
                         </a:solidFill>
@@ -9675,7 +9675,206 @@
                 </a:tc>
                 <a:extLst>
                   <a:ext uri="{0D108BD9-81ED-4DB2-BD59-A6C34878D82A}">
-                    <a16:rowId xmlns:a16="http://schemas.microsoft.com/office/drawing/2014/main" val="62307890"/>
+                    <a16:rowId xmlns:a16="http://schemas.microsoft.com/office/drawing/2014/main" val="3986339128"/>
+                  </a:ext>
+                </a:extLst>
+              </a:tr>
+              <a:tr h="182880">
+                <a:tc>
+                  <a:txBody>
+                    <a:bodyPr/>
+                    <a:lstStyle/>
+                    <a:p>
+                      <a:pPr algn="ctr" fontAlgn="ctr"/>
+                      <a:r>
+                        <a:rPr lang="ko-KR" altLang="en-US" sz="1100" u="none" strike="noStrike">
+                          <a:effectLst/>
+                        </a:rPr>
+                        <a:t>일반채소류계</a:t>
+                      </a:r>
+                      <a:endParaRPr lang="ko-KR" altLang="en-US" sz="1100" b="1" i="0" u="none" strike="noStrike">
+                        <a:solidFill>
+                          <a:srgbClr val="000000"/>
+                        </a:solidFill>
+                        <a:effectLst/>
+                        <a:latin typeface="굴림" panose="020B0600000101010101" pitchFamily="50" charset="-127"/>
+                        <a:ea typeface="굴림" panose="020B0600000101010101" pitchFamily="50" charset="-127"/>
+                      </a:endParaRPr>
+                    </a:p>
+                  </a:txBody>
+                  <a:tcPr marL="7620" marR="7620" marT="7620" marB="0" anchor="ctr"/>
+                </a:tc>
+                <a:tc>
+                  <a:txBody>
+                    <a:bodyPr/>
+                    <a:lstStyle/>
+                    <a:p>
+                      <a:pPr algn="ctr" fontAlgn="ctr"/>
+                      <a:r>
+                        <a:rPr lang="en-US" altLang="ko-KR" sz="1100" u="none" strike="noStrike">
+                          <a:effectLst/>
+                        </a:rPr>
+                        <a:t>535</a:t>
+                      </a:r>
+                      <a:endParaRPr lang="en-US" altLang="ko-KR" sz="1100" b="1" i="0" u="none" strike="noStrike">
+                        <a:solidFill>
+                          <a:srgbClr val="000000"/>
+                        </a:solidFill>
+                        <a:effectLst/>
+                        <a:latin typeface="굴림" panose="020B0600000101010101" pitchFamily="50" charset="-127"/>
+                        <a:ea typeface="굴림" panose="020B0600000101010101" pitchFamily="50" charset="-127"/>
+                      </a:endParaRPr>
+                    </a:p>
+                  </a:txBody>
+                  <a:tcPr marL="7620" marR="7620" marT="7620" marB="0" anchor="ctr"/>
+                </a:tc>
+                <a:tc>
+                  <a:txBody>
+                    <a:bodyPr/>
+                    <a:lstStyle/>
+                    <a:p>
+                      <a:pPr algn="ctr" fontAlgn="ctr"/>
+                      <a:r>
+                        <a:rPr lang="en-US" altLang="ko-KR" sz="1100" u="none" strike="noStrike">
+                          <a:effectLst/>
+                        </a:rPr>
+                        <a:t>137</a:t>
+                      </a:r>
+                      <a:endParaRPr lang="en-US" altLang="ko-KR" sz="1100" b="1" i="0" u="none" strike="noStrike">
+                        <a:solidFill>
+                          <a:srgbClr val="000000"/>
+                        </a:solidFill>
+                        <a:effectLst/>
+                        <a:latin typeface="굴림" panose="020B0600000101010101" pitchFamily="50" charset="-127"/>
+                        <a:ea typeface="굴림" panose="020B0600000101010101" pitchFamily="50" charset="-127"/>
+                      </a:endParaRPr>
+                    </a:p>
+                  </a:txBody>
+                  <a:tcPr marL="7620" marR="7620" marT="7620" marB="0" anchor="ctr"/>
+                </a:tc>
+                <a:tc>
+                  <a:txBody>
+                    <a:bodyPr/>
+                    <a:lstStyle/>
+                    <a:p>
+                      <a:pPr algn="ctr" fontAlgn="ctr"/>
+                      <a:r>
+                        <a:rPr lang="en-US" altLang="ko-KR" sz="1100" u="none" strike="noStrike">
+                          <a:effectLst/>
+                        </a:rPr>
+                        <a:t>548</a:t>
+                      </a:r>
+                      <a:endParaRPr lang="en-US" altLang="ko-KR" sz="1100" b="1" i="0" u="none" strike="noStrike">
+                        <a:solidFill>
+                          <a:srgbClr val="000000"/>
+                        </a:solidFill>
+                        <a:effectLst/>
+                        <a:latin typeface="굴림" panose="020B0600000101010101" pitchFamily="50" charset="-127"/>
+                        <a:ea typeface="굴림" panose="020B0600000101010101" pitchFamily="50" charset="-127"/>
+                      </a:endParaRPr>
+                    </a:p>
+                  </a:txBody>
+                  <a:tcPr marL="7620" marR="7620" marT="7620" marB="0" anchor="ctr"/>
+                </a:tc>
+                <a:tc>
+                  <a:txBody>
+                    <a:bodyPr/>
+                    <a:lstStyle/>
+                    <a:p>
+                      <a:pPr algn="ctr" fontAlgn="ctr"/>
+                      <a:r>
+                        <a:rPr lang="en-US" altLang="ko-KR" sz="1100" u="none" strike="noStrike">
+                          <a:effectLst/>
+                        </a:rPr>
+                        <a:t>799</a:t>
+                      </a:r>
+                      <a:endParaRPr lang="en-US" altLang="ko-KR" sz="1100" b="1" i="0" u="none" strike="noStrike">
+                        <a:solidFill>
+                          <a:srgbClr val="000000"/>
+                        </a:solidFill>
+                        <a:effectLst/>
+                        <a:latin typeface="굴림" panose="020B0600000101010101" pitchFamily="50" charset="-127"/>
+                        <a:ea typeface="굴림" panose="020B0600000101010101" pitchFamily="50" charset="-127"/>
+                      </a:endParaRPr>
+                    </a:p>
+                  </a:txBody>
+                  <a:tcPr marL="7620" marR="7620" marT="7620" marB="0" anchor="ctr"/>
+                </a:tc>
+                <a:tc>
+                  <a:txBody>
+                    <a:bodyPr/>
+                    <a:lstStyle/>
+                    <a:p>
+                      <a:pPr algn="ctr" fontAlgn="ctr"/>
+                      <a:r>
+                        <a:rPr lang="en-US" altLang="ko-KR" sz="1100" u="none" strike="noStrike">
+                          <a:effectLst/>
+                        </a:rPr>
+                        <a:t>817</a:t>
+                      </a:r>
+                      <a:endParaRPr lang="en-US" altLang="ko-KR" sz="1100" b="1" i="0" u="none" strike="noStrike">
+                        <a:solidFill>
+                          <a:srgbClr val="000000"/>
+                        </a:solidFill>
+                        <a:effectLst/>
+                        <a:latin typeface="굴림" panose="020B0600000101010101" pitchFamily="50" charset="-127"/>
+                        <a:ea typeface="굴림" panose="020B0600000101010101" pitchFamily="50" charset="-127"/>
+                      </a:endParaRPr>
+                    </a:p>
+                  </a:txBody>
+                  <a:tcPr marL="7620" marR="7620" marT="7620" marB="0" anchor="ctr"/>
+                </a:tc>
+                <a:tc>
+                  <a:txBody>
+                    <a:bodyPr/>
+                    <a:lstStyle/>
+                    <a:p>
+                      <a:pPr algn="ctr" fontAlgn="ctr"/>
+                      <a:r>
+                        <a:rPr lang="en-US" altLang="ko-KR" sz="1100" u="none" strike="noStrike">
+                          <a:effectLst/>
+                        </a:rPr>
+                        <a:t>879</a:t>
+                      </a:r>
+                      <a:endParaRPr lang="en-US" altLang="ko-KR" sz="1100" b="1" i="0" u="none" strike="noStrike">
+                        <a:solidFill>
+                          <a:srgbClr val="000000"/>
+                        </a:solidFill>
+                        <a:effectLst/>
+                        <a:latin typeface="굴림" panose="020B0600000101010101" pitchFamily="50" charset="-127"/>
+                        <a:ea typeface="굴림" panose="020B0600000101010101" pitchFamily="50" charset="-127"/>
+                      </a:endParaRPr>
+                    </a:p>
+                  </a:txBody>
+                  <a:tcPr marL="7620" marR="7620" marT="7620" marB="0" anchor="ctr"/>
+                </a:tc>
+                <a:tc>
+                  <a:txBody>
+                    <a:bodyPr/>
+                    <a:lstStyle/>
+                    <a:p>
+                      <a:pPr algn="ctr" fontAlgn="ctr"/>
+                      <a:r>
+                        <a:rPr lang="en-US" altLang="ko-KR" sz="1100" u="none" strike="noStrike" dirty="0">
+                          <a:effectLst/>
+                        </a:rPr>
+                        <a:t>3,716</a:t>
+                      </a:r>
+                      <a:endParaRPr lang="en-US" altLang="ko-KR" sz="1100" b="1" i="0" u="none" strike="noStrike" dirty="0">
+                        <a:solidFill>
+                          <a:srgbClr val="000000"/>
+                        </a:solidFill>
+                        <a:effectLst/>
+                        <a:latin typeface="굴림" panose="020B0600000101010101" pitchFamily="50" charset="-127"/>
+                        <a:ea typeface="굴림" panose="020B0600000101010101" pitchFamily="50" charset="-127"/>
+                      </a:endParaRPr>
+                    </a:p>
+                  </a:txBody>
+                  <a:tcPr marL="7620" marR="7620" marT="7620" marB="0" anchor="ctr"/>
+                </a:tc>
+                <a:extLst>
+                  <a:ext uri="{0D108BD9-81ED-4DB2-BD59-A6C34878D82A}">
+                    <a16:rowId xmlns:a16="http://schemas.microsoft.com/office/drawing/2014/main" val="464081462"/>
                   </a:ext>
                 </a:extLst>
               </a:tr>
@@ -9896,7 +10095,7 @@
           <p:cNvPr id="2" name="표 1">
             <a:extLst>
               <a:ext uri="{FF2B5EF4-FFF2-40B4-BE49-F238E27FC236}">
-                <a16:creationId xmlns:a16="http://schemas.microsoft.com/office/drawing/2014/main" id="{D83EBC2D-0A03-4E70-90E3-81BC8A47A77E}"/>
+                <a16:creationId xmlns:a16="http://schemas.microsoft.com/office/drawing/2014/main" id="{DF3524FB-8BB6-4569-BDF6-468D77EFE734}"/>
               </a:ext>
             </a:extLst>
           </p:cNvPr>
@@ -9906,8 +10105,8 @@
           <p:nvPr/>
         </p:nvGraphicFramePr>
         <p:xfrm>
-          <a:off x="2108200" y="1673225"/>
-          <a:ext cx="5689600" cy="3512820"/>
+          <a:off x="2232025" y="1246188"/>
+          <a:ext cx="5442208" cy="4365936"/>
         </p:xfrm>
         <a:graphic>
           <a:graphicData uri="http://schemas.openxmlformats.org/drawingml/2006/table">
@@ -9916,64 +10115,64 @@
                 <a:tableStyleId>{5C22544A-7EE6-4342-B048-85BDC9FD1C3A}</a:tableStyleId>
               </a:tblPr>
               <a:tblGrid>
-                <a:gridCol w="711200">
+                <a:gridCol w="680276">
                   <a:extLst>
                     <a:ext uri="{9D8B030D-6E8A-4147-A177-3AD203B41FA5}">
-                      <a16:colId xmlns:a16="http://schemas.microsoft.com/office/drawing/2014/main" val="1399722583"/>
+                      <a16:colId xmlns:a16="http://schemas.microsoft.com/office/drawing/2014/main" val="150963413"/>
                     </a:ext>
                   </a:extLst>
                 </a:gridCol>
-                <a:gridCol w="711200">
+                <a:gridCol w="680276">
                   <a:extLst>
                     <a:ext uri="{9D8B030D-6E8A-4147-A177-3AD203B41FA5}">
-                      <a16:colId xmlns:a16="http://schemas.microsoft.com/office/drawing/2014/main" val="2715693419"/>
+                      <a16:colId xmlns:a16="http://schemas.microsoft.com/office/drawing/2014/main" val="4042496107"/>
                     </a:ext>
                   </a:extLst>
                 </a:gridCol>
-                <a:gridCol w="711200">
+                <a:gridCol w="680276">
                   <a:extLst>
                     <a:ext uri="{9D8B030D-6E8A-4147-A177-3AD203B41FA5}">
-                      <a16:colId xmlns:a16="http://schemas.microsoft.com/office/drawing/2014/main" val="2369422770"/>
+                      <a16:colId xmlns:a16="http://schemas.microsoft.com/office/drawing/2014/main" val="3983460429"/>
                     </a:ext>
                   </a:extLst>
                 </a:gridCol>
-                <a:gridCol w="711200">
+                <a:gridCol w="680276">
                   <a:extLst>
                     <a:ext uri="{9D8B030D-6E8A-4147-A177-3AD203B41FA5}">
-                      <a16:colId xmlns:a16="http://schemas.microsoft.com/office/drawing/2014/main" val="1025182666"/>
+                      <a16:colId xmlns:a16="http://schemas.microsoft.com/office/drawing/2014/main" val="3402083594"/>
                     </a:ext>
                   </a:extLst>
                 </a:gridCol>
-                <a:gridCol w="711200">
+                <a:gridCol w="680276">
                   <a:extLst>
                     <a:ext uri="{9D8B030D-6E8A-4147-A177-3AD203B41FA5}">
-                      <a16:colId xmlns:a16="http://schemas.microsoft.com/office/drawing/2014/main" val="3395296471"/>
+                      <a16:colId xmlns:a16="http://schemas.microsoft.com/office/drawing/2014/main" val="287101877"/>
                     </a:ext>
                   </a:extLst>
                 </a:gridCol>
-                <a:gridCol w="711200">
+                <a:gridCol w="680276">
                   <a:extLst>
                     <a:ext uri="{9D8B030D-6E8A-4147-A177-3AD203B41FA5}">
-                      <a16:colId xmlns:a16="http://schemas.microsoft.com/office/drawing/2014/main" val="1415493175"/>
+                      <a16:colId xmlns:a16="http://schemas.microsoft.com/office/drawing/2014/main" val="3937791822"/>
                     </a:ext>
                   </a:extLst>
                 </a:gridCol>
-                <a:gridCol w="711200">
+                <a:gridCol w="680276">
                   <a:extLst>
                     <a:ext uri="{9D8B030D-6E8A-4147-A177-3AD203B41FA5}">
-                      <a16:colId xmlns:a16="http://schemas.microsoft.com/office/drawing/2014/main" val="3911287405"/>
+                      <a16:colId xmlns:a16="http://schemas.microsoft.com/office/drawing/2014/main" val="768468679"/>
                     </a:ext>
                   </a:extLst>
                 </a:gridCol>
-                <a:gridCol w="711200">
+                <a:gridCol w="680276">
                   <a:extLst>
                     <a:ext uri="{9D8B030D-6E8A-4147-A177-3AD203B41FA5}">
-                      <a16:colId xmlns:a16="http://schemas.microsoft.com/office/drawing/2014/main" val="1406555876"/>
+                      <a16:colId xmlns:a16="http://schemas.microsoft.com/office/drawing/2014/main" val="2904167382"/>
                     </a:ext>
                   </a:extLst>
                 </a:gridCol>
               </a:tblGrid>
-              <a:tr h="182880">
+              <a:tr h="174928">
                 <a:tc>
                   <a:txBody>
                     <a:bodyPr/>
@@ -9996,7 +10195,7 @@
                       </a:endParaRPr>
                     </a:p>
                   </a:txBody>
-                  <a:tcPr marL="7620" marR="7620" marT="7620" marB="0" anchor="ctr"/>
+                  <a:tcPr marL="7289" marR="7289" marT="7289" marB="0" anchor="ctr"/>
                 </a:tc>
                 <a:tc>
                   <a:txBody>
@@ -10020,7 +10219,7 @@
                       </a:endParaRPr>
                     </a:p>
                   </a:txBody>
-                  <a:tcPr marL="7620" marR="7620" marT="7620" marB="0" anchor="ctr"/>
+                  <a:tcPr marL="7289" marR="7289" marT="7289" marB="0" anchor="ctr"/>
                 </a:tc>
                 <a:tc>
                   <a:txBody>
@@ -10044,7 +10243,7 @@
                       </a:endParaRPr>
                     </a:p>
                   </a:txBody>
-                  <a:tcPr marL="7620" marR="7620" marT="7620" marB="0" anchor="ctr"/>
+                  <a:tcPr marL="7289" marR="7289" marT="7289" marB="0" anchor="ctr"/>
                 </a:tc>
                 <a:tc>
                   <a:txBody>
@@ -10068,7 +10267,7 @@
                       </a:endParaRPr>
                     </a:p>
                   </a:txBody>
-                  <a:tcPr marL="7620" marR="7620" marT="7620" marB="0" anchor="ctr"/>
+                  <a:tcPr marL="7289" marR="7289" marT="7289" marB="0" anchor="ctr"/>
                 </a:tc>
                 <a:tc>
                   <a:txBody>
@@ -10092,7 +10291,7 @@
                       </a:endParaRPr>
                     </a:p>
                   </a:txBody>
-                  <a:tcPr marL="7620" marR="7620" marT="7620" marB="0" anchor="ctr"/>
+                  <a:tcPr marL="7289" marR="7289" marT="7289" marB="0" anchor="ctr"/>
                 </a:tc>
                 <a:tc>
                   <a:txBody>
@@ -10116,7 +10315,7 @@
                       </a:endParaRPr>
                     </a:p>
                   </a:txBody>
-                  <a:tcPr marL="7620" marR="7620" marT="7620" marB="0" anchor="ctr"/>
+                  <a:tcPr marL="7289" marR="7289" marT="7289" marB="0" anchor="ctr"/>
                 </a:tc>
                 <a:tc>
                   <a:txBody>
@@ -10140,7 +10339,7 @@
                       </a:endParaRPr>
                     </a:p>
                   </a:txBody>
-                  <a:tcPr marL="7620" marR="7620" marT="7620" marB="0" anchor="ctr"/>
+                  <a:tcPr marL="7289" marR="7289" marT="7289" marB="0" anchor="ctr"/>
                 </a:tc>
                 <a:tc>
                   <a:txBody>
@@ -10164,3792 +10363,4588 @@
                       </a:endParaRPr>
                     </a:p>
                   </a:txBody>
-                  <a:tcPr marL="7620" marR="7620" marT="7620" marB="0" anchor="ctr"/>
+                  <a:tcPr marL="7289" marR="7289" marT="7289" marB="0" anchor="ctr"/>
                 </a:tc>
                 <a:extLst>
                   <a:ext uri="{0D108BD9-81ED-4DB2-BD59-A6C34878D82A}">
-                    <a16:rowId xmlns:a16="http://schemas.microsoft.com/office/drawing/2014/main" val="3818321428"/>
+                    <a16:rowId xmlns:a16="http://schemas.microsoft.com/office/drawing/2014/main" val="4027928290"/>
                   </a:ext>
                 </a:extLst>
               </a:tr>
-              <a:tr h="167640">
-                <a:tc>
-                  <a:txBody>
-                    <a:bodyPr/>
-                    <a:lstStyle/>
-                    <a:p>
-                      <a:pPr algn="ctr" fontAlgn="ctr"/>
-                      <a:r>
-                        <a:rPr lang="ko-KR" altLang="en-US" sz="1000" u="none" strike="noStrike">
+              <a:tr h="174928">
+                <a:tc>
+                  <a:txBody>
+                    <a:bodyPr/>
+                    <a:lstStyle/>
+                    <a:p>
+                      <a:pPr algn="ctr" fontAlgn="ctr"/>
+                      <a:r>
+                        <a:rPr lang="ko-KR" altLang="en-US" sz="1100" u="none" strike="noStrike">
                           <a:effectLst/>
                         </a:rPr>
                         <a:t>계</a:t>
                       </a:r>
-                      <a:endParaRPr lang="ko-KR" altLang="en-US" sz="1000" b="0" i="0" u="none" strike="noStrike">
-                        <a:solidFill>
-                          <a:srgbClr val="000000"/>
-                        </a:solidFill>
-                        <a:effectLst/>
-                        <a:latin typeface="굴림" panose="020B0600000101010101" pitchFamily="50" charset="-127"/>
-                        <a:ea typeface="굴림" panose="020B0600000101010101" pitchFamily="50" charset="-127"/>
-                      </a:endParaRPr>
-                    </a:p>
-                  </a:txBody>
-                  <a:tcPr marL="7620" marR="7620" marT="7620" marB="0" anchor="ctr"/>
-                </a:tc>
-                <a:tc>
-                  <a:txBody>
-                    <a:bodyPr/>
-                    <a:lstStyle/>
-                    <a:p>
-                      <a:pPr algn="r" fontAlgn="ctr"/>
-                      <a:r>
-                        <a:rPr lang="en-US" altLang="ko-KR" sz="1000" u="none" strike="noStrike">
+                      <a:endParaRPr lang="ko-KR" altLang="en-US" sz="1100" b="1" i="0" u="none" strike="noStrike">
+                        <a:solidFill>
+                          <a:srgbClr val="000000"/>
+                        </a:solidFill>
+                        <a:effectLst/>
+                        <a:latin typeface="굴림" panose="020B0600000101010101" pitchFamily="50" charset="-127"/>
+                        <a:ea typeface="굴림" panose="020B0600000101010101" pitchFamily="50" charset="-127"/>
+                      </a:endParaRPr>
+                    </a:p>
+                  </a:txBody>
+                  <a:tcPr marL="7289" marR="7289" marT="7289" marB="0" anchor="ctr"/>
+                </a:tc>
+                <a:tc>
+                  <a:txBody>
+                    <a:bodyPr/>
+                    <a:lstStyle/>
+                    <a:p>
+                      <a:pPr algn="ctr" fontAlgn="ctr"/>
+                      <a:r>
+                        <a:rPr lang="en-US" altLang="ko-KR" sz="1100" u="none" strike="noStrike">
                           <a:effectLst/>
                         </a:rPr>
                         <a:t>169</a:t>
                       </a:r>
-                      <a:endParaRPr lang="en-US" altLang="ko-KR" sz="1000" b="0" i="0" u="none" strike="noStrike">
-                        <a:solidFill>
-                          <a:srgbClr val="000000"/>
-                        </a:solidFill>
-                        <a:effectLst/>
-                        <a:latin typeface="굴림" panose="020B0600000101010101" pitchFamily="50" charset="-127"/>
-                        <a:ea typeface="굴림" panose="020B0600000101010101" pitchFamily="50" charset="-127"/>
-                      </a:endParaRPr>
-                    </a:p>
-                  </a:txBody>
-                  <a:tcPr marL="7620" marR="7620" marT="7620" marB="0" anchor="ctr"/>
-                </a:tc>
-                <a:tc>
-                  <a:txBody>
-                    <a:bodyPr/>
-                    <a:lstStyle/>
-                    <a:p>
-                      <a:pPr algn="r" fontAlgn="ctr"/>
-                      <a:r>
-                        <a:rPr lang="en-US" altLang="ko-KR" sz="1000" u="none" strike="noStrike">
+                      <a:endParaRPr lang="en-US" altLang="ko-KR" sz="1100" b="1" i="0" u="none" strike="noStrike">
+                        <a:solidFill>
+                          <a:srgbClr val="000000"/>
+                        </a:solidFill>
+                        <a:effectLst/>
+                        <a:latin typeface="굴림" panose="020B0600000101010101" pitchFamily="50" charset="-127"/>
+                        <a:ea typeface="굴림" panose="020B0600000101010101" pitchFamily="50" charset="-127"/>
+                      </a:endParaRPr>
+                    </a:p>
+                  </a:txBody>
+                  <a:tcPr marL="7289" marR="7289" marT="7289" marB="0" anchor="ctr"/>
+                </a:tc>
+                <a:tc>
+                  <a:txBody>
+                    <a:bodyPr/>
+                    <a:lstStyle/>
+                    <a:p>
+                      <a:pPr algn="ctr" fontAlgn="ctr"/>
+                      <a:r>
+                        <a:rPr lang="en-US" altLang="ko-KR" sz="1100" u="none" strike="noStrike">
                           <a:effectLst/>
                         </a:rPr>
                         <a:t>26</a:t>
                       </a:r>
-                      <a:endParaRPr lang="en-US" altLang="ko-KR" sz="1000" b="0" i="0" u="none" strike="noStrike">
-                        <a:solidFill>
-                          <a:srgbClr val="000000"/>
-                        </a:solidFill>
-                        <a:effectLst/>
-                        <a:latin typeface="굴림" panose="020B0600000101010101" pitchFamily="50" charset="-127"/>
-                        <a:ea typeface="굴림" panose="020B0600000101010101" pitchFamily="50" charset="-127"/>
-                      </a:endParaRPr>
-                    </a:p>
-                  </a:txBody>
-                  <a:tcPr marL="7620" marR="7620" marT="7620" marB="0" anchor="ctr"/>
-                </a:tc>
-                <a:tc>
-                  <a:txBody>
-                    <a:bodyPr/>
-                    <a:lstStyle/>
-                    <a:p>
-                      <a:pPr algn="r" fontAlgn="ctr"/>
-                      <a:r>
-                        <a:rPr lang="en-US" altLang="ko-KR" sz="1000" u="none" strike="noStrike">
+                      <a:endParaRPr lang="en-US" altLang="ko-KR" sz="1100" b="1" i="0" u="none" strike="noStrike">
+                        <a:solidFill>
+                          <a:srgbClr val="000000"/>
+                        </a:solidFill>
+                        <a:effectLst/>
+                        <a:latin typeface="굴림" panose="020B0600000101010101" pitchFamily="50" charset="-127"/>
+                        <a:ea typeface="굴림" panose="020B0600000101010101" pitchFamily="50" charset="-127"/>
+                      </a:endParaRPr>
+                    </a:p>
+                  </a:txBody>
+                  <a:tcPr marL="7289" marR="7289" marT="7289" marB="0" anchor="ctr"/>
+                </a:tc>
+                <a:tc>
+                  <a:txBody>
+                    <a:bodyPr/>
+                    <a:lstStyle/>
+                    <a:p>
+                      <a:pPr algn="ctr" fontAlgn="ctr"/>
+                      <a:r>
+                        <a:rPr lang="en-US" altLang="ko-KR" sz="1100" u="none" strike="noStrike">
                           <a:effectLst/>
                         </a:rPr>
                         <a:t>208</a:t>
                       </a:r>
-                      <a:endParaRPr lang="en-US" altLang="ko-KR" sz="1000" b="0" i="0" u="none" strike="noStrike">
-                        <a:solidFill>
-                          <a:srgbClr val="000000"/>
-                        </a:solidFill>
-                        <a:effectLst/>
-                        <a:latin typeface="굴림" panose="020B0600000101010101" pitchFamily="50" charset="-127"/>
-                        <a:ea typeface="굴림" panose="020B0600000101010101" pitchFamily="50" charset="-127"/>
-                      </a:endParaRPr>
-                    </a:p>
-                  </a:txBody>
-                  <a:tcPr marL="7620" marR="7620" marT="7620" marB="0" anchor="ctr"/>
-                </a:tc>
-                <a:tc>
-                  <a:txBody>
-                    <a:bodyPr/>
-                    <a:lstStyle/>
-                    <a:p>
-                      <a:pPr algn="r" fontAlgn="ctr"/>
-                      <a:r>
-                        <a:rPr lang="en-US" altLang="ko-KR" sz="1000" u="none" strike="noStrike">
+                      <a:endParaRPr lang="en-US" altLang="ko-KR" sz="1100" b="1" i="0" u="none" strike="noStrike">
+                        <a:solidFill>
+                          <a:srgbClr val="000000"/>
+                        </a:solidFill>
+                        <a:effectLst/>
+                        <a:latin typeface="굴림" panose="020B0600000101010101" pitchFamily="50" charset="-127"/>
+                        <a:ea typeface="굴림" panose="020B0600000101010101" pitchFamily="50" charset="-127"/>
+                      </a:endParaRPr>
+                    </a:p>
+                  </a:txBody>
+                  <a:tcPr marL="7289" marR="7289" marT="7289" marB="0" anchor="ctr"/>
+                </a:tc>
+                <a:tc>
+                  <a:txBody>
+                    <a:bodyPr/>
+                    <a:lstStyle/>
+                    <a:p>
+                      <a:pPr algn="ctr" fontAlgn="ctr"/>
+                      <a:r>
+                        <a:rPr lang="en-US" altLang="ko-KR" sz="1100" u="none" strike="noStrike">
                           <a:effectLst/>
                         </a:rPr>
                         <a:t>101</a:t>
                       </a:r>
-                      <a:endParaRPr lang="en-US" altLang="ko-KR" sz="1000" b="0" i="0" u="none" strike="noStrike">
-                        <a:solidFill>
-                          <a:srgbClr val="000000"/>
-                        </a:solidFill>
-                        <a:effectLst/>
-                        <a:latin typeface="굴림" panose="020B0600000101010101" pitchFamily="50" charset="-127"/>
-                        <a:ea typeface="굴림" panose="020B0600000101010101" pitchFamily="50" charset="-127"/>
-                      </a:endParaRPr>
-                    </a:p>
-                  </a:txBody>
-                  <a:tcPr marL="7620" marR="7620" marT="7620" marB="0" anchor="ctr"/>
-                </a:tc>
-                <a:tc>
-                  <a:txBody>
-                    <a:bodyPr/>
-                    <a:lstStyle/>
-                    <a:p>
-                      <a:pPr algn="r" fontAlgn="ctr"/>
-                      <a:r>
-                        <a:rPr lang="en-US" altLang="ko-KR" sz="1000" u="none" strike="noStrike">
+                      <a:endParaRPr lang="en-US" altLang="ko-KR" sz="1100" b="1" i="0" u="none" strike="noStrike">
+                        <a:solidFill>
+                          <a:srgbClr val="000000"/>
+                        </a:solidFill>
+                        <a:effectLst/>
+                        <a:latin typeface="굴림" panose="020B0600000101010101" pitchFamily="50" charset="-127"/>
+                        <a:ea typeface="굴림" panose="020B0600000101010101" pitchFamily="50" charset="-127"/>
+                      </a:endParaRPr>
+                    </a:p>
+                  </a:txBody>
+                  <a:tcPr marL="7289" marR="7289" marT="7289" marB="0" anchor="ctr"/>
+                </a:tc>
+                <a:tc>
+                  <a:txBody>
+                    <a:bodyPr/>
+                    <a:lstStyle/>
+                    <a:p>
+                      <a:pPr algn="ctr" fontAlgn="ctr"/>
+                      <a:r>
+                        <a:rPr lang="en-US" altLang="ko-KR" sz="1100" u="none" strike="noStrike">
                           <a:effectLst/>
                         </a:rPr>
                         <a:t>75</a:t>
                       </a:r>
-                      <a:endParaRPr lang="en-US" altLang="ko-KR" sz="1000" b="0" i="0" u="none" strike="noStrike">
-                        <a:solidFill>
-                          <a:srgbClr val="000000"/>
-                        </a:solidFill>
-                        <a:effectLst/>
-                        <a:latin typeface="굴림" panose="020B0600000101010101" pitchFamily="50" charset="-127"/>
-                        <a:ea typeface="굴림" panose="020B0600000101010101" pitchFamily="50" charset="-127"/>
-                      </a:endParaRPr>
-                    </a:p>
-                  </a:txBody>
-                  <a:tcPr marL="7620" marR="7620" marT="7620" marB="0" anchor="ctr"/>
-                </a:tc>
-                <a:tc>
-                  <a:txBody>
-                    <a:bodyPr/>
-                    <a:lstStyle/>
-                    <a:p>
-                      <a:pPr algn="r" fontAlgn="ctr"/>
-                      <a:r>
-                        <a:rPr lang="en-US" altLang="ko-KR" sz="1000" u="none" strike="noStrike">
+                      <a:endParaRPr lang="en-US" altLang="ko-KR" sz="1100" b="1" i="0" u="none" strike="noStrike">
+                        <a:solidFill>
+                          <a:srgbClr val="000000"/>
+                        </a:solidFill>
+                        <a:effectLst/>
+                        <a:latin typeface="굴림" panose="020B0600000101010101" pitchFamily="50" charset="-127"/>
+                        <a:ea typeface="굴림" panose="020B0600000101010101" pitchFamily="50" charset="-127"/>
+                      </a:endParaRPr>
+                    </a:p>
+                  </a:txBody>
+                  <a:tcPr marL="7289" marR="7289" marT="7289" marB="0" anchor="ctr"/>
+                </a:tc>
+                <a:tc>
+                  <a:txBody>
+                    <a:bodyPr/>
+                    <a:lstStyle/>
+                    <a:p>
+                      <a:pPr algn="ctr" fontAlgn="ctr"/>
+                      <a:r>
+                        <a:rPr lang="en-US" altLang="ko-KR" sz="1100" u="none" strike="noStrike">
                           <a:effectLst/>
                         </a:rPr>
                         <a:t>0</a:t>
                       </a:r>
-                      <a:endParaRPr lang="en-US" altLang="ko-KR" sz="1000" b="0" i="0" u="none" strike="noStrike">
-                        <a:solidFill>
-                          <a:srgbClr val="000000"/>
-                        </a:solidFill>
-                        <a:effectLst/>
-                        <a:latin typeface="굴림" panose="020B0600000101010101" pitchFamily="50" charset="-127"/>
-                        <a:ea typeface="굴림" panose="020B0600000101010101" pitchFamily="50" charset="-127"/>
-                      </a:endParaRPr>
-                    </a:p>
-                  </a:txBody>
-                  <a:tcPr marL="7620" marR="7620" marT="7620" marB="0" anchor="ctr"/>
-                </a:tc>
-                <a:tc>
-                  <a:txBody>
-                    <a:bodyPr/>
-                    <a:lstStyle/>
-                    <a:p>
-                      <a:pPr algn="r" fontAlgn="ctr"/>
-                      <a:r>
-                        <a:rPr lang="en-US" altLang="ko-KR" sz="1000" u="none" strike="noStrike">
+                      <a:endParaRPr lang="en-US" altLang="ko-KR" sz="1100" b="1" i="0" u="none" strike="noStrike">
+                        <a:solidFill>
+                          <a:srgbClr val="000000"/>
+                        </a:solidFill>
+                        <a:effectLst/>
+                        <a:latin typeface="굴림" panose="020B0600000101010101" pitchFamily="50" charset="-127"/>
+                        <a:ea typeface="굴림" panose="020B0600000101010101" pitchFamily="50" charset="-127"/>
+                      </a:endParaRPr>
+                    </a:p>
+                  </a:txBody>
+                  <a:tcPr marL="7289" marR="7289" marT="7289" marB="0" anchor="ctr"/>
+                </a:tc>
+                <a:tc>
+                  <a:txBody>
+                    <a:bodyPr/>
+                    <a:lstStyle/>
+                    <a:p>
+                      <a:pPr algn="ctr" fontAlgn="ctr"/>
+                      <a:r>
+                        <a:rPr lang="en-US" altLang="ko-KR" sz="1100" u="none" strike="noStrike">
                           <a:effectLst/>
                         </a:rPr>
                         <a:t>579</a:t>
                       </a:r>
-                      <a:endParaRPr lang="en-US" altLang="ko-KR" sz="1000" b="0" i="0" u="none" strike="noStrike">
-                        <a:solidFill>
-                          <a:srgbClr val="000000"/>
-                        </a:solidFill>
-                        <a:effectLst/>
-                        <a:latin typeface="굴림" panose="020B0600000101010101" pitchFamily="50" charset="-127"/>
-                        <a:ea typeface="굴림" panose="020B0600000101010101" pitchFamily="50" charset="-127"/>
-                      </a:endParaRPr>
-                    </a:p>
-                  </a:txBody>
-                  <a:tcPr marL="7620" marR="7620" marT="7620" marB="0" anchor="ctr"/>
+                      <a:endParaRPr lang="en-US" altLang="ko-KR" sz="1100" b="1" i="0" u="none" strike="noStrike">
+                        <a:solidFill>
+                          <a:srgbClr val="000000"/>
+                        </a:solidFill>
+                        <a:effectLst/>
+                        <a:latin typeface="굴림" panose="020B0600000101010101" pitchFamily="50" charset="-127"/>
+                        <a:ea typeface="굴림" panose="020B0600000101010101" pitchFamily="50" charset="-127"/>
+                      </a:endParaRPr>
+                    </a:p>
+                  </a:txBody>
+                  <a:tcPr marL="7289" marR="7289" marT="7289" marB="0" anchor="ctr"/>
                 </a:tc>
                 <a:extLst>
                   <a:ext uri="{0D108BD9-81ED-4DB2-BD59-A6C34878D82A}">
-                    <a16:rowId xmlns:a16="http://schemas.microsoft.com/office/drawing/2014/main" val="2978259779"/>
+                    <a16:rowId xmlns:a16="http://schemas.microsoft.com/office/drawing/2014/main" val="4207243742"/>
                   </a:ext>
                 </a:extLst>
               </a:tr>
-              <a:tr h="167640">
-                <a:tc>
-                  <a:txBody>
-                    <a:bodyPr/>
-                    <a:lstStyle/>
-                    <a:p>
-                      <a:pPr algn="ctr" fontAlgn="ctr"/>
-                      <a:r>
-                        <a:rPr lang="ko-KR" altLang="en-US" sz="1000" u="none" strike="noStrike">
+              <a:tr h="174928">
+                <a:tc>
+                  <a:txBody>
+                    <a:bodyPr/>
+                    <a:lstStyle/>
+                    <a:p>
+                      <a:pPr algn="ctr" fontAlgn="ctr"/>
+                      <a:r>
+                        <a:rPr lang="ko-KR" altLang="en-US" sz="1100" u="none" strike="noStrike">
                           <a:effectLst/>
                         </a:rPr>
                         <a:t>사과</a:t>
                       </a:r>
-                      <a:endParaRPr lang="ko-KR" altLang="en-US" sz="1000" b="0" i="0" u="none" strike="noStrike">
-                        <a:solidFill>
-                          <a:srgbClr val="000000"/>
-                        </a:solidFill>
-                        <a:effectLst/>
-                        <a:latin typeface="굴림" panose="020B0600000101010101" pitchFamily="50" charset="-127"/>
-                        <a:ea typeface="굴림" panose="020B0600000101010101" pitchFamily="50" charset="-127"/>
-                      </a:endParaRPr>
-                    </a:p>
-                  </a:txBody>
-                  <a:tcPr marL="7620" marR="7620" marT="7620" marB="0" anchor="ctr"/>
-                </a:tc>
-                <a:tc>
-                  <a:txBody>
-                    <a:bodyPr/>
-                    <a:lstStyle/>
-                    <a:p>
-                      <a:pPr algn="r" fontAlgn="ctr"/>
-                      <a:r>
-                        <a:rPr lang="en-US" altLang="ko-KR" sz="1000" u="none" strike="noStrike">
+                      <a:endParaRPr lang="ko-KR" altLang="en-US" sz="1100" b="1" i="0" u="none" strike="noStrike">
+                        <a:solidFill>
+                          <a:srgbClr val="000000"/>
+                        </a:solidFill>
+                        <a:effectLst/>
+                        <a:latin typeface="굴림" panose="020B0600000101010101" pitchFamily="50" charset="-127"/>
+                        <a:ea typeface="굴림" panose="020B0600000101010101" pitchFamily="50" charset="-127"/>
+                      </a:endParaRPr>
+                    </a:p>
+                  </a:txBody>
+                  <a:tcPr marL="7289" marR="7289" marT="7289" marB="0" anchor="ctr"/>
+                </a:tc>
+                <a:tc>
+                  <a:txBody>
+                    <a:bodyPr/>
+                    <a:lstStyle/>
+                    <a:p>
+                      <a:pPr algn="ctr" fontAlgn="ctr"/>
+                      <a:r>
+                        <a:rPr lang="en-US" altLang="ko-KR" sz="1100" u="none" strike="noStrike">
                           <a:effectLst/>
                         </a:rPr>
                         <a:t>8</a:t>
                       </a:r>
-                      <a:endParaRPr lang="en-US" altLang="ko-KR" sz="1000" b="0" i="0" u="none" strike="noStrike">
-                        <a:solidFill>
-                          <a:srgbClr val="000000"/>
-                        </a:solidFill>
-                        <a:effectLst/>
-                        <a:latin typeface="굴림" panose="020B0600000101010101" pitchFamily="50" charset="-127"/>
-                        <a:ea typeface="굴림" panose="020B0600000101010101" pitchFamily="50" charset="-127"/>
-                      </a:endParaRPr>
-                    </a:p>
-                  </a:txBody>
-                  <a:tcPr marL="7620" marR="7620" marT="7620" marB="0" anchor="ctr"/>
-                </a:tc>
-                <a:tc>
-                  <a:txBody>
-                    <a:bodyPr/>
-                    <a:lstStyle/>
-                    <a:p>
-                      <a:pPr algn="r" fontAlgn="ctr"/>
-                      <a:r>
-                        <a:rPr lang="en-US" altLang="ko-KR" sz="1000" u="none" strike="noStrike">
+                      <a:endParaRPr lang="en-US" altLang="ko-KR" sz="1100" b="1" i="0" u="none" strike="noStrike">
+                        <a:solidFill>
+                          <a:srgbClr val="000000"/>
+                        </a:solidFill>
+                        <a:effectLst/>
+                        <a:latin typeface="굴림" panose="020B0600000101010101" pitchFamily="50" charset="-127"/>
+                        <a:ea typeface="굴림" panose="020B0600000101010101" pitchFamily="50" charset="-127"/>
+                      </a:endParaRPr>
+                    </a:p>
+                  </a:txBody>
+                  <a:tcPr marL="7289" marR="7289" marT="7289" marB="0" anchor="ctr"/>
+                </a:tc>
+                <a:tc>
+                  <a:txBody>
+                    <a:bodyPr/>
+                    <a:lstStyle/>
+                    <a:p>
+                      <a:pPr algn="ctr" fontAlgn="ctr"/>
+                      <a:r>
+                        <a:rPr lang="en-US" altLang="ko-KR" sz="1100" u="none" strike="noStrike">
                           <a:effectLst/>
                         </a:rPr>
                         <a:t>6</a:t>
                       </a:r>
-                      <a:endParaRPr lang="en-US" altLang="ko-KR" sz="1000" b="0" i="0" u="none" strike="noStrike">
-                        <a:solidFill>
-                          <a:srgbClr val="000000"/>
-                        </a:solidFill>
-                        <a:effectLst/>
-                        <a:latin typeface="굴림" panose="020B0600000101010101" pitchFamily="50" charset="-127"/>
-                        <a:ea typeface="굴림" panose="020B0600000101010101" pitchFamily="50" charset="-127"/>
-                      </a:endParaRPr>
-                    </a:p>
-                  </a:txBody>
-                  <a:tcPr marL="7620" marR="7620" marT="7620" marB="0" anchor="ctr"/>
-                </a:tc>
-                <a:tc>
-                  <a:txBody>
-                    <a:bodyPr/>
-                    <a:lstStyle/>
-                    <a:p>
-                      <a:pPr algn="r" fontAlgn="ctr"/>
-                      <a:r>
-                        <a:rPr lang="en-US" altLang="ko-KR" sz="1000" u="none" strike="noStrike">
+                      <a:endParaRPr lang="en-US" altLang="ko-KR" sz="1100" b="1" i="0" u="none" strike="noStrike">
+                        <a:solidFill>
+                          <a:srgbClr val="000000"/>
+                        </a:solidFill>
+                        <a:effectLst/>
+                        <a:latin typeface="굴림" panose="020B0600000101010101" pitchFamily="50" charset="-127"/>
+                        <a:ea typeface="굴림" panose="020B0600000101010101" pitchFamily="50" charset="-127"/>
+                      </a:endParaRPr>
+                    </a:p>
+                  </a:txBody>
+                  <a:tcPr marL="7289" marR="7289" marT="7289" marB="0" anchor="ctr"/>
+                </a:tc>
+                <a:tc>
+                  <a:txBody>
+                    <a:bodyPr/>
+                    <a:lstStyle/>
+                    <a:p>
+                      <a:pPr algn="ctr" fontAlgn="ctr"/>
+                      <a:r>
+                        <a:rPr lang="en-US" altLang="ko-KR" sz="1100" u="none" strike="noStrike">
                           <a:effectLst/>
                         </a:rPr>
                         <a:t>5</a:t>
                       </a:r>
-                      <a:endParaRPr lang="en-US" altLang="ko-KR" sz="1000" b="0" i="0" u="none" strike="noStrike">
-                        <a:solidFill>
-                          <a:srgbClr val="000000"/>
-                        </a:solidFill>
-                        <a:effectLst/>
-                        <a:latin typeface="굴림" panose="020B0600000101010101" pitchFamily="50" charset="-127"/>
-                        <a:ea typeface="굴림" panose="020B0600000101010101" pitchFamily="50" charset="-127"/>
-                      </a:endParaRPr>
-                    </a:p>
-                  </a:txBody>
-                  <a:tcPr marL="7620" marR="7620" marT="7620" marB="0" anchor="ctr"/>
-                </a:tc>
-                <a:tc>
-                  <a:txBody>
-                    <a:bodyPr/>
-                    <a:lstStyle/>
-                    <a:p>
-                      <a:pPr algn="r" fontAlgn="ctr"/>
-                      <a:r>
-                        <a:rPr lang="en-US" altLang="ko-KR" sz="1000" u="none" strike="noStrike">
+                      <a:endParaRPr lang="en-US" altLang="ko-KR" sz="1100" b="1" i="0" u="none" strike="noStrike">
+                        <a:solidFill>
+                          <a:srgbClr val="000000"/>
+                        </a:solidFill>
+                        <a:effectLst/>
+                        <a:latin typeface="굴림" panose="020B0600000101010101" pitchFamily="50" charset="-127"/>
+                        <a:ea typeface="굴림" panose="020B0600000101010101" pitchFamily="50" charset="-127"/>
+                      </a:endParaRPr>
+                    </a:p>
+                  </a:txBody>
+                  <a:tcPr marL="7289" marR="7289" marT="7289" marB="0" anchor="ctr"/>
+                </a:tc>
+                <a:tc>
+                  <a:txBody>
+                    <a:bodyPr/>
+                    <a:lstStyle/>
+                    <a:p>
+                      <a:pPr algn="ctr" fontAlgn="ctr"/>
+                      <a:r>
+                        <a:rPr lang="en-US" altLang="ko-KR" sz="1100" u="none" strike="noStrike">
                           <a:effectLst/>
                         </a:rPr>
                         <a:t>14</a:t>
                       </a:r>
-                      <a:endParaRPr lang="en-US" altLang="ko-KR" sz="1000" b="0" i="0" u="none" strike="noStrike">
-                        <a:solidFill>
-                          <a:srgbClr val="000000"/>
-                        </a:solidFill>
-                        <a:effectLst/>
-                        <a:latin typeface="굴림" panose="020B0600000101010101" pitchFamily="50" charset="-127"/>
-                        <a:ea typeface="굴림" panose="020B0600000101010101" pitchFamily="50" charset="-127"/>
-                      </a:endParaRPr>
-                    </a:p>
-                  </a:txBody>
-                  <a:tcPr marL="7620" marR="7620" marT="7620" marB="0" anchor="ctr"/>
-                </a:tc>
-                <a:tc>
-                  <a:txBody>
-                    <a:bodyPr/>
-                    <a:lstStyle/>
-                    <a:p>
-                      <a:pPr algn="r" fontAlgn="ctr"/>
-                      <a:r>
-                        <a:rPr lang="en-US" altLang="ko-KR" sz="1000" u="none" strike="noStrike">
+                      <a:endParaRPr lang="en-US" altLang="ko-KR" sz="1100" b="1" i="0" u="none" strike="noStrike">
+                        <a:solidFill>
+                          <a:srgbClr val="000000"/>
+                        </a:solidFill>
+                        <a:effectLst/>
+                        <a:latin typeface="굴림" panose="020B0600000101010101" pitchFamily="50" charset="-127"/>
+                        <a:ea typeface="굴림" panose="020B0600000101010101" pitchFamily="50" charset="-127"/>
+                      </a:endParaRPr>
+                    </a:p>
+                  </a:txBody>
+                  <a:tcPr marL="7289" marR="7289" marT="7289" marB="0" anchor="ctr"/>
+                </a:tc>
+                <a:tc>
+                  <a:txBody>
+                    <a:bodyPr/>
+                    <a:lstStyle/>
+                    <a:p>
+                      <a:pPr algn="ctr" fontAlgn="ctr"/>
+                      <a:r>
+                        <a:rPr lang="en-US" altLang="ko-KR" sz="1100" u="none" strike="noStrike">
                           <a:effectLst/>
                         </a:rPr>
                         <a:t>3</a:t>
                       </a:r>
-                      <a:endParaRPr lang="en-US" altLang="ko-KR" sz="1000" b="0" i="0" u="none" strike="noStrike">
-                        <a:solidFill>
-                          <a:srgbClr val="000000"/>
-                        </a:solidFill>
-                        <a:effectLst/>
-                        <a:latin typeface="굴림" panose="020B0600000101010101" pitchFamily="50" charset="-127"/>
-                        <a:ea typeface="굴림" panose="020B0600000101010101" pitchFamily="50" charset="-127"/>
-                      </a:endParaRPr>
-                    </a:p>
-                  </a:txBody>
-                  <a:tcPr marL="7620" marR="7620" marT="7620" marB="0" anchor="ctr"/>
-                </a:tc>
-                <a:tc>
-                  <a:txBody>
-                    <a:bodyPr/>
-                    <a:lstStyle/>
-                    <a:p>
-                      <a:pPr algn="r" fontAlgn="ctr"/>
-                      <a:r>
-                        <a:rPr lang="en-US" altLang="ko-KR" sz="1000" u="none" strike="noStrike">
+                      <a:endParaRPr lang="en-US" altLang="ko-KR" sz="1100" b="1" i="0" u="none" strike="noStrike">
+                        <a:solidFill>
+                          <a:srgbClr val="000000"/>
+                        </a:solidFill>
+                        <a:effectLst/>
+                        <a:latin typeface="굴림" panose="020B0600000101010101" pitchFamily="50" charset="-127"/>
+                        <a:ea typeface="굴림" panose="020B0600000101010101" pitchFamily="50" charset="-127"/>
+                      </a:endParaRPr>
+                    </a:p>
+                  </a:txBody>
+                  <a:tcPr marL="7289" marR="7289" marT="7289" marB="0" anchor="ctr"/>
+                </a:tc>
+                <a:tc>
+                  <a:txBody>
+                    <a:bodyPr/>
+                    <a:lstStyle/>
+                    <a:p>
+                      <a:pPr algn="ctr" fontAlgn="ctr"/>
+                      <a:r>
+                        <a:rPr lang="en-US" altLang="ko-KR" sz="1100" u="none" strike="noStrike">
                           <a:effectLst/>
                         </a:rPr>
                         <a:t>0</a:t>
                       </a:r>
-                      <a:endParaRPr lang="en-US" altLang="ko-KR" sz="1000" b="0" i="0" u="none" strike="noStrike">
-                        <a:solidFill>
-                          <a:srgbClr val="000000"/>
-                        </a:solidFill>
-                        <a:effectLst/>
-                        <a:latin typeface="굴림" panose="020B0600000101010101" pitchFamily="50" charset="-127"/>
-                        <a:ea typeface="굴림" panose="020B0600000101010101" pitchFamily="50" charset="-127"/>
-                      </a:endParaRPr>
-                    </a:p>
-                  </a:txBody>
-                  <a:tcPr marL="7620" marR="7620" marT="7620" marB="0" anchor="ctr"/>
-                </a:tc>
-                <a:tc>
-                  <a:txBody>
-                    <a:bodyPr/>
-                    <a:lstStyle/>
-                    <a:p>
-                      <a:pPr algn="r" fontAlgn="ctr"/>
-                      <a:r>
-                        <a:rPr lang="en-US" altLang="ko-KR" sz="1000" u="none" strike="noStrike">
+                      <a:endParaRPr lang="en-US" altLang="ko-KR" sz="1100" b="1" i="0" u="none" strike="noStrike">
+                        <a:solidFill>
+                          <a:srgbClr val="000000"/>
+                        </a:solidFill>
+                        <a:effectLst/>
+                        <a:latin typeface="굴림" panose="020B0600000101010101" pitchFamily="50" charset="-127"/>
+                        <a:ea typeface="굴림" panose="020B0600000101010101" pitchFamily="50" charset="-127"/>
+                      </a:endParaRPr>
+                    </a:p>
+                  </a:txBody>
+                  <a:tcPr marL="7289" marR="7289" marT="7289" marB="0" anchor="ctr"/>
+                </a:tc>
+                <a:tc>
+                  <a:txBody>
+                    <a:bodyPr/>
+                    <a:lstStyle/>
+                    <a:p>
+                      <a:pPr algn="ctr" fontAlgn="ctr"/>
+                      <a:r>
+                        <a:rPr lang="en-US" altLang="ko-KR" sz="1100" u="none" strike="noStrike">
                           <a:effectLst/>
                         </a:rPr>
                         <a:t>36</a:t>
                       </a:r>
-                      <a:endParaRPr lang="en-US" altLang="ko-KR" sz="1000" b="0" i="0" u="none" strike="noStrike">
-                        <a:solidFill>
-                          <a:srgbClr val="000000"/>
-                        </a:solidFill>
-                        <a:effectLst/>
-                        <a:latin typeface="굴림" panose="020B0600000101010101" pitchFamily="50" charset="-127"/>
-                        <a:ea typeface="굴림" panose="020B0600000101010101" pitchFamily="50" charset="-127"/>
-                      </a:endParaRPr>
-                    </a:p>
-                  </a:txBody>
-                  <a:tcPr marL="7620" marR="7620" marT="7620" marB="0" anchor="ctr"/>
+                      <a:endParaRPr lang="en-US" altLang="ko-KR" sz="1100" b="1" i="0" u="none" strike="noStrike">
+                        <a:solidFill>
+                          <a:srgbClr val="000000"/>
+                        </a:solidFill>
+                        <a:effectLst/>
+                        <a:latin typeface="굴림" panose="020B0600000101010101" pitchFamily="50" charset="-127"/>
+                        <a:ea typeface="굴림" panose="020B0600000101010101" pitchFamily="50" charset="-127"/>
+                      </a:endParaRPr>
+                    </a:p>
+                  </a:txBody>
+                  <a:tcPr marL="7289" marR="7289" marT="7289" marB="0" anchor="ctr"/>
                 </a:tc>
                 <a:extLst>
                   <a:ext uri="{0D108BD9-81ED-4DB2-BD59-A6C34878D82A}">
-                    <a16:rowId xmlns:a16="http://schemas.microsoft.com/office/drawing/2014/main" val="3265393050"/>
+                    <a16:rowId xmlns:a16="http://schemas.microsoft.com/office/drawing/2014/main" val="1606004139"/>
                   </a:ext>
                 </a:extLst>
               </a:tr>
-              <a:tr h="167640">
-                <a:tc>
-                  <a:txBody>
-                    <a:bodyPr/>
-                    <a:lstStyle/>
-                    <a:p>
-                      <a:pPr algn="ctr" fontAlgn="ctr"/>
-                      <a:r>
-                        <a:rPr lang="ko-KR" altLang="en-US" sz="1000" u="none" strike="noStrike">
+              <a:tr h="174928">
+                <a:tc>
+                  <a:txBody>
+                    <a:bodyPr/>
+                    <a:lstStyle/>
+                    <a:p>
+                      <a:pPr algn="ctr" fontAlgn="ctr"/>
+                      <a:r>
+                        <a:rPr lang="ko-KR" altLang="en-US" sz="1100" u="none" strike="noStrike">
                           <a:effectLst/>
                         </a:rPr>
                         <a:t>배</a:t>
                       </a:r>
-                      <a:endParaRPr lang="ko-KR" altLang="en-US" sz="1000" b="0" i="0" u="none" strike="noStrike">
-                        <a:solidFill>
-                          <a:srgbClr val="000000"/>
-                        </a:solidFill>
-                        <a:effectLst/>
-                        <a:latin typeface="굴림" panose="020B0600000101010101" pitchFamily="50" charset="-127"/>
-                        <a:ea typeface="굴림" panose="020B0600000101010101" pitchFamily="50" charset="-127"/>
-                      </a:endParaRPr>
-                    </a:p>
-                  </a:txBody>
-                  <a:tcPr marL="7620" marR="7620" marT="7620" marB="0" anchor="ctr"/>
-                </a:tc>
-                <a:tc>
-                  <a:txBody>
-                    <a:bodyPr/>
-                    <a:lstStyle/>
-                    <a:p>
-                      <a:pPr algn="r" fontAlgn="ctr"/>
-                      <a:r>
-                        <a:rPr lang="en-US" altLang="ko-KR" sz="1000" u="none" strike="noStrike">
+                      <a:endParaRPr lang="ko-KR" altLang="en-US" sz="1100" b="1" i="0" u="none" strike="noStrike">
+                        <a:solidFill>
+                          <a:srgbClr val="000000"/>
+                        </a:solidFill>
+                        <a:effectLst/>
+                        <a:latin typeface="굴림" panose="020B0600000101010101" pitchFamily="50" charset="-127"/>
+                        <a:ea typeface="굴림" panose="020B0600000101010101" pitchFamily="50" charset="-127"/>
+                      </a:endParaRPr>
+                    </a:p>
+                  </a:txBody>
+                  <a:tcPr marL="7289" marR="7289" marT="7289" marB="0" anchor="ctr"/>
+                </a:tc>
+                <a:tc>
+                  <a:txBody>
+                    <a:bodyPr/>
+                    <a:lstStyle/>
+                    <a:p>
+                      <a:pPr algn="ctr" fontAlgn="ctr"/>
+                      <a:r>
+                        <a:rPr lang="en-US" altLang="ko-KR" sz="1100" u="none" strike="noStrike">
                           <a:effectLst/>
                         </a:rPr>
                         <a:t>0</a:t>
                       </a:r>
-                      <a:endParaRPr lang="en-US" altLang="ko-KR" sz="1000" b="0" i="0" u="none" strike="noStrike">
-                        <a:solidFill>
-                          <a:srgbClr val="000000"/>
-                        </a:solidFill>
-                        <a:effectLst/>
-                        <a:latin typeface="굴림" panose="020B0600000101010101" pitchFamily="50" charset="-127"/>
-                        <a:ea typeface="굴림" panose="020B0600000101010101" pitchFamily="50" charset="-127"/>
-                      </a:endParaRPr>
-                    </a:p>
-                  </a:txBody>
-                  <a:tcPr marL="7620" marR="7620" marT="7620" marB="0" anchor="ctr"/>
-                </a:tc>
-                <a:tc>
-                  <a:txBody>
-                    <a:bodyPr/>
-                    <a:lstStyle/>
-                    <a:p>
-                      <a:pPr algn="r" fontAlgn="ctr"/>
-                      <a:r>
-                        <a:rPr lang="en-US" altLang="ko-KR" sz="1000" u="none" strike="noStrike">
+                      <a:endParaRPr lang="en-US" altLang="ko-KR" sz="1100" b="1" i="0" u="none" strike="noStrike">
+                        <a:solidFill>
+                          <a:srgbClr val="000000"/>
+                        </a:solidFill>
+                        <a:effectLst/>
+                        <a:latin typeface="굴림" panose="020B0600000101010101" pitchFamily="50" charset="-127"/>
+                        <a:ea typeface="굴림" panose="020B0600000101010101" pitchFamily="50" charset="-127"/>
+                      </a:endParaRPr>
+                    </a:p>
+                  </a:txBody>
+                  <a:tcPr marL="7289" marR="7289" marT="7289" marB="0" anchor="ctr"/>
+                </a:tc>
+                <a:tc>
+                  <a:txBody>
+                    <a:bodyPr/>
+                    <a:lstStyle/>
+                    <a:p>
+                      <a:pPr algn="ctr" fontAlgn="ctr"/>
+                      <a:r>
+                        <a:rPr lang="en-US" altLang="ko-KR" sz="1100" u="none" strike="noStrike">
                           <a:effectLst/>
                         </a:rPr>
                         <a:t>0</a:t>
                       </a:r>
-                      <a:endParaRPr lang="en-US" altLang="ko-KR" sz="1000" b="0" i="0" u="none" strike="noStrike">
-                        <a:solidFill>
-                          <a:srgbClr val="000000"/>
-                        </a:solidFill>
-                        <a:effectLst/>
-                        <a:latin typeface="굴림" panose="020B0600000101010101" pitchFamily="50" charset="-127"/>
-                        <a:ea typeface="굴림" panose="020B0600000101010101" pitchFamily="50" charset="-127"/>
-                      </a:endParaRPr>
-                    </a:p>
-                  </a:txBody>
-                  <a:tcPr marL="7620" marR="7620" marT="7620" marB="0" anchor="ctr"/>
-                </a:tc>
-                <a:tc>
-                  <a:txBody>
-                    <a:bodyPr/>
-                    <a:lstStyle/>
-                    <a:p>
-                      <a:pPr algn="r" fontAlgn="ctr"/>
-                      <a:r>
-                        <a:rPr lang="en-US" altLang="ko-KR" sz="1000" u="none" strike="noStrike">
+                      <a:endParaRPr lang="en-US" altLang="ko-KR" sz="1100" b="1" i="0" u="none" strike="noStrike">
+                        <a:solidFill>
+                          <a:srgbClr val="000000"/>
+                        </a:solidFill>
+                        <a:effectLst/>
+                        <a:latin typeface="굴림" panose="020B0600000101010101" pitchFamily="50" charset="-127"/>
+                        <a:ea typeface="굴림" panose="020B0600000101010101" pitchFamily="50" charset="-127"/>
+                      </a:endParaRPr>
+                    </a:p>
+                  </a:txBody>
+                  <a:tcPr marL="7289" marR="7289" marT="7289" marB="0" anchor="ctr"/>
+                </a:tc>
+                <a:tc>
+                  <a:txBody>
+                    <a:bodyPr/>
+                    <a:lstStyle/>
+                    <a:p>
+                      <a:pPr algn="ctr" fontAlgn="ctr"/>
+                      <a:r>
+                        <a:rPr lang="en-US" altLang="ko-KR" sz="1100" u="none" strike="noStrike">
                           <a:effectLst/>
                         </a:rPr>
                         <a:t>5</a:t>
                       </a:r>
-                      <a:endParaRPr lang="en-US" altLang="ko-KR" sz="1000" b="0" i="0" u="none" strike="noStrike">
-                        <a:solidFill>
-                          <a:srgbClr val="000000"/>
-                        </a:solidFill>
-                        <a:effectLst/>
-                        <a:latin typeface="굴림" panose="020B0600000101010101" pitchFamily="50" charset="-127"/>
-                        <a:ea typeface="굴림" panose="020B0600000101010101" pitchFamily="50" charset="-127"/>
-                      </a:endParaRPr>
-                    </a:p>
-                  </a:txBody>
-                  <a:tcPr marL="7620" marR="7620" marT="7620" marB="0" anchor="ctr"/>
-                </a:tc>
-                <a:tc>
-                  <a:txBody>
-                    <a:bodyPr/>
-                    <a:lstStyle/>
-                    <a:p>
-                      <a:pPr algn="r" fontAlgn="ctr"/>
-                      <a:r>
-                        <a:rPr lang="en-US" altLang="ko-KR" sz="1000" u="none" strike="noStrike">
+                      <a:endParaRPr lang="en-US" altLang="ko-KR" sz="1100" b="1" i="0" u="none" strike="noStrike">
+                        <a:solidFill>
+                          <a:srgbClr val="000000"/>
+                        </a:solidFill>
+                        <a:effectLst/>
+                        <a:latin typeface="굴림" panose="020B0600000101010101" pitchFamily="50" charset="-127"/>
+                        <a:ea typeface="굴림" panose="020B0600000101010101" pitchFamily="50" charset="-127"/>
+                      </a:endParaRPr>
+                    </a:p>
+                  </a:txBody>
+                  <a:tcPr marL="7289" marR="7289" marT="7289" marB="0" anchor="ctr"/>
+                </a:tc>
+                <a:tc>
+                  <a:txBody>
+                    <a:bodyPr/>
+                    <a:lstStyle/>
+                    <a:p>
+                      <a:pPr algn="ctr" fontAlgn="ctr"/>
+                      <a:r>
+                        <a:rPr lang="en-US" altLang="ko-KR" sz="1100" u="none" strike="noStrike">
                           <a:effectLst/>
                         </a:rPr>
                         <a:t>0</a:t>
                       </a:r>
-                      <a:endParaRPr lang="en-US" altLang="ko-KR" sz="1000" b="0" i="0" u="none" strike="noStrike">
-                        <a:solidFill>
-                          <a:srgbClr val="000000"/>
-                        </a:solidFill>
-                        <a:effectLst/>
-                        <a:latin typeface="굴림" panose="020B0600000101010101" pitchFamily="50" charset="-127"/>
-                        <a:ea typeface="굴림" panose="020B0600000101010101" pitchFamily="50" charset="-127"/>
-                      </a:endParaRPr>
-                    </a:p>
-                  </a:txBody>
-                  <a:tcPr marL="7620" marR="7620" marT="7620" marB="0" anchor="ctr"/>
-                </a:tc>
-                <a:tc>
-                  <a:txBody>
-                    <a:bodyPr/>
-                    <a:lstStyle/>
-                    <a:p>
-                      <a:pPr algn="r" fontAlgn="ctr"/>
-                      <a:r>
-                        <a:rPr lang="en-US" altLang="ko-KR" sz="1000" u="none" strike="noStrike">
+                      <a:endParaRPr lang="en-US" altLang="ko-KR" sz="1100" b="1" i="0" u="none" strike="noStrike">
+                        <a:solidFill>
+                          <a:srgbClr val="000000"/>
+                        </a:solidFill>
+                        <a:effectLst/>
+                        <a:latin typeface="굴림" panose="020B0600000101010101" pitchFamily="50" charset="-127"/>
+                        <a:ea typeface="굴림" panose="020B0600000101010101" pitchFamily="50" charset="-127"/>
+                      </a:endParaRPr>
+                    </a:p>
+                  </a:txBody>
+                  <a:tcPr marL="7289" marR="7289" marT="7289" marB="0" anchor="ctr"/>
+                </a:tc>
+                <a:tc>
+                  <a:txBody>
+                    <a:bodyPr/>
+                    <a:lstStyle/>
+                    <a:p>
+                      <a:pPr algn="ctr" fontAlgn="ctr"/>
+                      <a:r>
+                        <a:rPr lang="en-US" altLang="ko-KR" sz="1100" u="none" strike="noStrike">
                           <a:effectLst/>
                         </a:rPr>
                         <a:t>0</a:t>
                       </a:r>
-                      <a:endParaRPr lang="en-US" altLang="ko-KR" sz="1000" b="0" i="0" u="none" strike="noStrike">
-                        <a:solidFill>
-                          <a:srgbClr val="000000"/>
-                        </a:solidFill>
-                        <a:effectLst/>
-                        <a:latin typeface="굴림" panose="020B0600000101010101" pitchFamily="50" charset="-127"/>
-                        <a:ea typeface="굴림" panose="020B0600000101010101" pitchFamily="50" charset="-127"/>
-                      </a:endParaRPr>
-                    </a:p>
-                  </a:txBody>
-                  <a:tcPr marL="7620" marR="7620" marT="7620" marB="0" anchor="ctr"/>
-                </a:tc>
-                <a:tc>
-                  <a:txBody>
-                    <a:bodyPr/>
-                    <a:lstStyle/>
-                    <a:p>
-                      <a:pPr algn="r" fontAlgn="ctr"/>
-                      <a:r>
-                        <a:rPr lang="en-US" altLang="ko-KR" sz="1000" u="none" strike="noStrike">
+                      <a:endParaRPr lang="en-US" altLang="ko-KR" sz="1100" b="1" i="0" u="none" strike="noStrike">
+                        <a:solidFill>
+                          <a:srgbClr val="000000"/>
+                        </a:solidFill>
+                        <a:effectLst/>
+                        <a:latin typeface="굴림" panose="020B0600000101010101" pitchFamily="50" charset="-127"/>
+                        <a:ea typeface="굴림" panose="020B0600000101010101" pitchFamily="50" charset="-127"/>
+                      </a:endParaRPr>
+                    </a:p>
+                  </a:txBody>
+                  <a:tcPr marL="7289" marR="7289" marT="7289" marB="0" anchor="ctr"/>
+                </a:tc>
+                <a:tc>
+                  <a:txBody>
+                    <a:bodyPr/>
+                    <a:lstStyle/>
+                    <a:p>
+                      <a:pPr algn="ctr" fontAlgn="ctr"/>
+                      <a:r>
+                        <a:rPr lang="en-US" altLang="ko-KR" sz="1100" u="none" strike="noStrike">
                           <a:effectLst/>
                         </a:rPr>
                         <a:t>0</a:t>
                       </a:r>
-                      <a:endParaRPr lang="en-US" altLang="ko-KR" sz="1000" b="0" i="0" u="none" strike="noStrike">
-                        <a:solidFill>
-                          <a:srgbClr val="000000"/>
-                        </a:solidFill>
-                        <a:effectLst/>
-                        <a:latin typeface="굴림" panose="020B0600000101010101" pitchFamily="50" charset="-127"/>
-                        <a:ea typeface="굴림" panose="020B0600000101010101" pitchFamily="50" charset="-127"/>
-                      </a:endParaRPr>
-                    </a:p>
-                  </a:txBody>
-                  <a:tcPr marL="7620" marR="7620" marT="7620" marB="0" anchor="ctr"/>
-                </a:tc>
-                <a:tc>
-                  <a:txBody>
-                    <a:bodyPr/>
-                    <a:lstStyle/>
-                    <a:p>
-                      <a:pPr algn="r" fontAlgn="ctr"/>
-                      <a:r>
-                        <a:rPr lang="en-US" altLang="ko-KR" sz="1000" u="none" strike="noStrike">
+                      <a:endParaRPr lang="en-US" altLang="ko-KR" sz="1100" b="1" i="0" u="none" strike="noStrike">
+                        <a:solidFill>
+                          <a:srgbClr val="000000"/>
+                        </a:solidFill>
+                        <a:effectLst/>
+                        <a:latin typeface="굴림" panose="020B0600000101010101" pitchFamily="50" charset="-127"/>
+                        <a:ea typeface="굴림" panose="020B0600000101010101" pitchFamily="50" charset="-127"/>
+                      </a:endParaRPr>
+                    </a:p>
+                  </a:txBody>
+                  <a:tcPr marL="7289" marR="7289" marT="7289" marB="0" anchor="ctr"/>
+                </a:tc>
+                <a:tc>
+                  <a:txBody>
+                    <a:bodyPr/>
+                    <a:lstStyle/>
+                    <a:p>
+                      <a:pPr algn="ctr" fontAlgn="ctr"/>
+                      <a:r>
+                        <a:rPr lang="en-US" altLang="ko-KR" sz="1100" u="none" strike="noStrike">
                           <a:effectLst/>
                         </a:rPr>
                         <a:t>5</a:t>
                       </a:r>
-                      <a:endParaRPr lang="en-US" altLang="ko-KR" sz="1000" b="0" i="0" u="none" strike="noStrike">
-                        <a:solidFill>
-                          <a:srgbClr val="000000"/>
-                        </a:solidFill>
-                        <a:effectLst/>
-                        <a:latin typeface="굴림" panose="020B0600000101010101" pitchFamily="50" charset="-127"/>
-                        <a:ea typeface="굴림" panose="020B0600000101010101" pitchFamily="50" charset="-127"/>
-                      </a:endParaRPr>
-                    </a:p>
-                  </a:txBody>
-                  <a:tcPr marL="7620" marR="7620" marT="7620" marB="0" anchor="ctr"/>
+                      <a:endParaRPr lang="en-US" altLang="ko-KR" sz="1100" b="1" i="0" u="none" strike="noStrike">
+                        <a:solidFill>
+                          <a:srgbClr val="000000"/>
+                        </a:solidFill>
+                        <a:effectLst/>
+                        <a:latin typeface="굴림" panose="020B0600000101010101" pitchFamily="50" charset="-127"/>
+                        <a:ea typeface="굴림" panose="020B0600000101010101" pitchFamily="50" charset="-127"/>
+                      </a:endParaRPr>
+                    </a:p>
+                  </a:txBody>
+                  <a:tcPr marL="7289" marR="7289" marT="7289" marB="0" anchor="ctr"/>
                 </a:tc>
                 <a:extLst>
                   <a:ext uri="{0D108BD9-81ED-4DB2-BD59-A6C34878D82A}">
-                    <a16:rowId xmlns:a16="http://schemas.microsoft.com/office/drawing/2014/main" val="483395926"/>
+                    <a16:rowId xmlns:a16="http://schemas.microsoft.com/office/drawing/2014/main" val="3509516401"/>
                   </a:ext>
                 </a:extLst>
               </a:tr>
-              <a:tr h="167640">
-                <a:tc>
-                  <a:txBody>
-                    <a:bodyPr/>
-                    <a:lstStyle/>
-                    <a:p>
-                      <a:pPr algn="ctr" fontAlgn="ctr"/>
-                      <a:r>
-                        <a:rPr lang="ko-KR" altLang="en-US" sz="1000" u="none" strike="noStrike">
+              <a:tr h="174928">
+                <a:tc>
+                  <a:txBody>
+                    <a:bodyPr/>
+                    <a:lstStyle/>
+                    <a:p>
+                      <a:pPr algn="ctr" fontAlgn="ctr"/>
+                      <a:r>
+                        <a:rPr lang="ko-KR" altLang="en-US" sz="1100" u="none" strike="noStrike">
                           <a:effectLst/>
                         </a:rPr>
                         <a:t>포도</a:t>
                       </a:r>
-                      <a:endParaRPr lang="ko-KR" altLang="en-US" sz="1000" b="0" i="0" u="none" strike="noStrike">
-                        <a:solidFill>
-                          <a:srgbClr val="000000"/>
-                        </a:solidFill>
-                        <a:effectLst/>
-                        <a:latin typeface="굴림" panose="020B0600000101010101" pitchFamily="50" charset="-127"/>
-                        <a:ea typeface="굴림" panose="020B0600000101010101" pitchFamily="50" charset="-127"/>
-                      </a:endParaRPr>
-                    </a:p>
-                  </a:txBody>
-                  <a:tcPr marL="7620" marR="7620" marT="7620" marB="0" anchor="ctr"/>
-                </a:tc>
-                <a:tc>
-                  <a:txBody>
-                    <a:bodyPr/>
-                    <a:lstStyle/>
-                    <a:p>
-                      <a:pPr algn="r" fontAlgn="ctr"/>
-                      <a:r>
-                        <a:rPr lang="en-US" altLang="ko-KR" sz="1000" u="none" strike="noStrike">
+                      <a:endParaRPr lang="ko-KR" altLang="en-US" sz="1100" b="1" i="0" u="none" strike="noStrike">
+                        <a:solidFill>
+                          <a:srgbClr val="000000"/>
+                        </a:solidFill>
+                        <a:effectLst/>
+                        <a:latin typeface="굴림" panose="020B0600000101010101" pitchFamily="50" charset="-127"/>
+                        <a:ea typeface="굴림" panose="020B0600000101010101" pitchFamily="50" charset="-127"/>
+                      </a:endParaRPr>
+                    </a:p>
+                  </a:txBody>
+                  <a:tcPr marL="7289" marR="7289" marT="7289" marB="0" anchor="ctr"/>
+                </a:tc>
+                <a:tc>
+                  <a:txBody>
+                    <a:bodyPr/>
+                    <a:lstStyle/>
+                    <a:p>
+                      <a:pPr algn="ctr" fontAlgn="ctr"/>
+                      <a:r>
+                        <a:rPr lang="en-US" altLang="ko-KR" sz="1100" u="none" strike="noStrike">
                           <a:effectLst/>
                         </a:rPr>
                         <a:t>27</a:t>
                       </a:r>
-                      <a:endParaRPr lang="en-US" altLang="ko-KR" sz="1000" b="0" i="0" u="none" strike="noStrike">
-                        <a:solidFill>
-                          <a:srgbClr val="000000"/>
-                        </a:solidFill>
-                        <a:effectLst/>
-                        <a:latin typeface="굴림" panose="020B0600000101010101" pitchFamily="50" charset="-127"/>
-                        <a:ea typeface="굴림" panose="020B0600000101010101" pitchFamily="50" charset="-127"/>
-                      </a:endParaRPr>
-                    </a:p>
-                  </a:txBody>
-                  <a:tcPr marL="7620" marR="7620" marT="7620" marB="0" anchor="ctr"/>
-                </a:tc>
-                <a:tc>
-                  <a:txBody>
-                    <a:bodyPr/>
-                    <a:lstStyle/>
-                    <a:p>
-                      <a:pPr algn="r" fontAlgn="ctr"/>
-                      <a:r>
-                        <a:rPr lang="en-US" altLang="ko-KR" sz="1000" u="none" strike="noStrike">
+                      <a:endParaRPr lang="en-US" altLang="ko-KR" sz="1100" b="1" i="0" u="none" strike="noStrike">
+                        <a:solidFill>
+                          <a:srgbClr val="000000"/>
+                        </a:solidFill>
+                        <a:effectLst/>
+                        <a:latin typeface="굴림" panose="020B0600000101010101" pitchFamily="50" charset="-127"/>
+                        <a:ea typeface="굴림" panose="020B0600000101010101" pitchFamily="50" charset="-127"/>
+                      </a:endParaRPr>
+                    </a:p>
+                  </a:txBody>
+                  <a:tcPr marL="7289" marR="7289" marT="7289" marB="0" anchor="ctr"/>
+                </a:tc>
+                <a:tc>
+                  <a:txBody>
+                    <a:bodyPr/>
+                    <a:lstStyle/>
+                    <a:p>
+                      <a:pPr algn="ctr" fontAlgn="ctr"/>
+                      <a:r>
+                        <a:rPr lang="en-US" altLang="ko-KR" sz="1100" u="none" strike="noStrike">
                           <a:effectLst/>
                         </a:rPr>
                         <a:t>0</a:t>
                       </a:r>
-                      <a:endParaRPr lang="en-US" altLang="ko-KR" sz="1000" b="0" i="0" u="none" strike="noStrike">
-                        <a:solidFill>
-                          <a:srgbClr val="000000"/>
-                        </a:solidFill>
-                        <a:effectLst/>
-                        <a:latin typeface="굴림" panose="020B0600000101010101" pitchFamily="50" charset="-127"/>
-                        <a:ea typeface="굴림" panose="020B0600000101010101" pitchFamily="50" charset="-127"/>
-                      </a:endParaRPr>
-                    </a:p>
-                  </a:txBody>
-                  <a:tcPr marL="7620" marR="7620" marT="7620" marB="0" anchor="ctr"/>
-                </a:tc>
-                <a:tc>
-                  <a:txBody>
-                    <a:bodyPr/>
-                    <a:lstStyle/>
-                    <a:p>
-                      <a:pPr algn="r" fontAlgn="ctr"/>
-                      <a:r>
-                        <a:rPr lang="en-US" altLang="ko-KR" sz="1000" u="none" strike="noStrike">
+                      <a:endParaRPr lang="en-US" altLang="ko-KR" sz="1100" b="1" i="0" u="none" strike="noStrike">
+                        <a:solidFill>
+                          <a:srgbClr val="000000"/>
+                        </a:solidFill>
+                        <a:effectLst/>
+                        <a:latin typeface="굴림" panose="020B0600000101010101" pitchFamily="50" charset="-127"/>
+                        <a:ea typeface="굴림" panose="020B0600000101010101" pitchFamily="50" charset="-127"/>
+                      </a:endParaRPr>
+                    </a:p>
+                  </a:txBody>
+                  <a:tcPr marL="7289" marR="7289" marT="7289" marB="0" anchor="ctr"/>
+                </a:tc>
+                <a:tc>
+                  <a:txBody>
+                    <a:bodyPr/>
+                    <a:lstStyle/>
+                    <a:p>
+                      <a:pPr algn="ctr" fontAlgn="ctr"/>
+                      <a:r>
+                        <a:rPr lang="en-US" altLang="ko-KR" sz="1100" u="none" strike="noStrike">
                           <a:effectLst/>
                         </a:rPr>
                         <a:t>7</a:t>
                       </a:r>
-                      <a:endParaRPr lang="en-US" altLang="ko-KR" sz="1000" b="0" i="0" u="none" strike="noStrike">
-                        <a:solidFill>
-                          <a:srgbClr val="000000"/>
-                        </a:solidFill>
-                        <a:effectLst/>
-                        <a:latin typeface="굴림" panose="020B0600000101010101" pitchFamily="50" charset="-127"/>
-                        <a:ea typeface="굴림" panose="020B0600000101010101" pitchFamily="50" charset="-127"/>
-                      </a:endParaRPr>
-                    </a:p>
-                  </a:txBody>
-                  <a:tcPr marL="7620" marR="7620" marT="7620" marB="0" anchor="ctr"/>
-                </a:tc>
-                <a:tc>
-                  <a:txBody>
-                    <a:bodyPr/>
-                    <a:lstStyle/>
-                    <a:p>
-                      <a:pPr algn="r" fontAlgn="ctr"/>
-                      <a:r>
-                        <a:rPr lang="en-US" altLang="ko-KR" sz="1000" u="none" strike="noStrike">
+                      <a:endParaRPr lang="en-US" altLang="ko-KR" sz="1100" b="1" i="0" u="none" strike="noStrike">
+                        <a:solidFill>
+                          <a:srgbClr val="000000"/>
+                        </a:solidFill>
+                        <a:effectLst/>
+                        <a:latin typeface="굴림" panose="020B0600000101010101" pitchFamily="50" charset="-127"/>
+                        <a:ea typeface="굴림" panose="020B0600000101010101" pitchFamily="50" charset="-127"/>
+                      </a:endParaRPr>
+                    </a:p>
+                  </a:txBody>
+                  <a:tcPr marL="7289" marR="7289" marT="7289" marB="0" anchor="ctr"/>
+                </a:tc>
+                <a:tc>
+                  <a:txBody>
+                    <a:bodyPr/>
+                    <a:lstStyle/>
+                    <a:p>
+                      <a:pPr algn="ctr" fontAlgn="ctr"/>
+                      <a:r>
+                        <a:rPr lang="en-US" altLang="ko-KR" sz="1100" u="none" strike="noStrike">
                           <a:effectLst/>
                         </a:rPr>
                         <a:t>7</a:t>
                       </a:r>
-                      <a:endParaRPr lang="en-US" altLang="ko-KR" sz="1000" b="0" i="0" u="none" strike="noStrike">
-                        <a:solidFill>
-                          <a:srgbClr val="000000"/>
-                        </a:solidFill>
-                        <a:effectLst/>
-                        <a:latin typeface="굴림" panose="020B0600000101010101" pitchFamily="50" charset="-127"/>
-                        <a:ea typeface="굴림" panose="020B0600000101010101" pitchFamily="50" charset="-127"/>
-                      </a:endParaRPr>
-                    </a:p>
-                  </a:txBody>
-                  <a:tcPr marL="7620" marR="7620" marT="7620" marB="0" anchor="ctr"/>
-                </a:tc>
-                <a:tc>
-                  <a:txBody>
-                    <a:bodyPr/>
-                    <a:lstStyle/>
-                    <a:p>
-                      <a:pPr algn="r" fontAlgn="ctr"/>
-                      <a:r>
-                        <a:rPr lang="en-US" altLang="ko-KR" sz="1000" u="none" strike="noStrike">
+                      <a:endParaRPr lang="en-US" altLang="ko-KR" sz="1100" b="1" i="0" u="none" strike="noStrike">
+                        <a:solidFill>
+                          <a:srgbClr val="000000"/>
+                        </a:solidFill>
+                        <a:effectLst/>
+                        <a:latin typeface="굴림" panose="020B0600000101010101" pitchFamily="50" charset="-127"/>
+                        <a:ea typeface="굴림" panose="020B0600000101010101" pitchFamily="50" charset="-127"/>
+                      </a:endParaRPr>
+                    </a:p>
+                  </a:txBody>
+                  <a:tcPr marL="7289" marR="7289" marT="7289" marB="0" anchor="ctr"/>
+                </a:tc>
+                <a:tc>
+                  <a:txBody>
+                    <a:bodyPr/>
+                    <a:lstStyle/>
+                    <a:p>
+                      <a:pPr algn="ctr" fontAlgn="ctr"/>
+                      <a:r>
+                        <a:rPr lang="en-US" altLang="ko-KR" sz="1100" u="none" strike="noStrike">
                           <a:effectLst/>
                         </a:rPr>
                         <a:t>7</a:t>
                       </a:r>
-                      <a:endParaRPr lang="en-US" altLang="ko-KR" sz="1000" b="0" i="0" u="none" strike="noStrike">
-                        <a:solidFill>
-                          <a:srgbClr val="000000"/>
-                        </a:solidFill>
-                        <a:effectLst/>
-                        <a:latin typeface="굴림" panose="020B0600000101010101" pitchFamily="50" charset="-127"/>
-                        <a:ea typeface="굴림" panose="020B0600000101010101" pitchFamily="50" charset="-127"/>
-                      </a:endParaRPr>
-                    </a:p>
-                  </a:txBody>
-                  <a:tcPr marL="7620" marR="7620" marT="7620" marB="0" anchor="ctr"/>
-                </a:tc>
-                <a:tc>
-                  <a:txBody>
-                    <a:bodyPr/>
-                    <a:lstStyle/>
-                    <a:p>
-                      <a:pPr algn="r" fontAlgn="ctr"/>
-                      <a:r>
-                        <a:rPr lang="en-US" altLang="ko-KR" sz="1000" u="none" strike="noStrike">
+                      <a:endParaRPr lang="en-US" altLang="ko-KR" sz="1100" b="1" i="0" u="none" strike="noStrike">
+                        <a:solidFill>
+                          <a:srgbClr val="000000"/>
+                        </a:solidFill>
+                        <a:effectLst/>
+                        <a:latin typeface="굴림" panose="020B0600000101010101" pitchFamily="50" charset="-127"/>
+                        <a:ea typeface="굴림" panose="020B0600000101010101" pitchFamily="50" charset="-127"/>
+                      </a:endParaRPr>
+                    </a:p>
+                  </a:txBody>
+                  <a:tcPr marL="7289" marR="7289" marT="7289" marB="0" anchor="ctr"/>
+                </a:tc>
+                <a:tc>
+                  <a:txBody>
+                    <a:bodyPr/>
+                    <a:lstStyle/>
+                    <a:p>
+                      <a:pPr algn="ctr" fontAlgn="ctr"/>
+                      <a:r>
+                        <a:rPr lang="en-US" altLang="ko-KR" sz="1100" u="none" strike="noStrike">
                           <a:effectLst/>
                         </a:rPr>
                         <a:t>0</a:t>
                       </a:r>
-                      <a:endParaRPr lang="en-US" altLang="ko-KR" sz="1000" b="0" i="0" u="none" strike="noStrike">
-                        <a:solidFill>
-                          <a:srgbClr val="000000"/>
-                        </a:solidFill>
-                        <a:effectLst/>
-                        <a:latin typeface="굴림" panose="020B0600000101010101" pitchFamily="50" charset="-127"/>
-                        <a:ea typeface="굴림" panose="020B0600000101010101" pitchFamily="50" charset="-127"/>
-                      </a:endParaRPr>
-                    </a:p>
-                  </a:txBody>
-                  <a:tcPr marL="7620" marR="7620" marT="7620" marB="0" anchor="ctr"/>
-                </a:tc>
-                <a:tc>
-                  <a:txBody>
-                    <a:bodyPr/>
-                    <a:lstStyle/>
-                    <a:p>
-                      <a:pPr algn="r" fontAlgn="ctr"/>
-                      <a:r>
-                        <a:rPr lang="en-US" altLang="ko-KR" sz="1000" u="none" strike="noStrike">
+                      <a:endParaRPr lang="en-US" altLang="ko-KR" sz="1100" b="1" i="0" u="none" strike="noStrike">
+                        <a:solidFill>
+                          <a:srgbClr val="000000"/>
+                        </a:solidFill>
+                        <a:effectLst/>
+                        <a:latin typeface="굴림" panose="020B0600000101010101" pitchFamily="50" charset="-127"/>
+                        <a:ea typeface="굴림" panose="020B0600000101010101" pitchFamily="50" charset="-127"/>
+                      </a:endParaRPr>
+                    </a:p>
+                  </a:txBody>
+                  <a:tcPr marL="7289" marR="7289" marT="7289" marB="0" anchor="ctr"/>
+                </a:tc>
+                <a:tc>
+                  <a:txBody>
+                    <a:bodyPr/>
+                    <a:lstStyle/>
+                    <a:p>
+                      <a:pPr algn="ctr" fontAlgn="ctr"/>
+                      <a:r>
+                        <a:rPr lang="en-US" altLang="ko-KR" sz="1100" u="none" strike="noStrike">
                           <a:effectLst/>
                         </a:rPr>
                         <a:t>47</a:t>
                       </a:r>
-                      <a:endParaRPr lang="en-US" altLang="ko-KR" sz="1000" b="0" i="0" u="none" strike="noStrike">
-                        <a:solidFill>
-                          <a:srgbClr val="000000"/>
-                        </a:solidFill>
-                        <a:effectLst/>
-                        <a:latin typeface="굴림" panose="020B0600000101010101" pitchFamily="50" charset="-127"/>
-                        <a:ea typeface="굴림" panose="020B0600000101010101" pitchFamily="50" charset="-127"/>
-                      </a:endParaRPr>
-                    </a:p>
-                  </a:txBody>
-                  <a:tcPr marL="7620" marR="7620" marT="7620" marB="0" anchor="ctr"/>
+                      <a:endParaRPr lang="en-US" altLang="ko-KR" sz="1100" b="1" i="0" u="none" strike="noStrike">
+                        <a:solidFill>
+                          <a:srgbClr val="000000"/>
+                        </a:solidFill>
+                        <a:effectLst/>
+                        <a:latin typeface="굴림" panose="020B0600000101010101" pitchFamily="50" charset="-127"/>
+                        <a:ea typeface="굴림" panose="020B0600000101010101" pitchFamily="50" charset="-127"/>
+                      </a:endParaRPr>
+                    </a:p>
+                  </a:txBody>
+                  <a:tcPr marL="7289" marR="7289" marT="7289" marB="0" anchor="ctr"/>
                 </a:tc>
                 <a:extLst>
                   <a:ext uri="{0D108BD9-81ED-4DB2-BD59-A6C34878D82A}">
-                    <a16:rowId xmlns:a16="http://schemas.microsoft.com/office/drawing/2014/main" val="4202410763"/>
+                    <a16:rowId xmlns:a16="http://schemas.microsoft.com/office/drawing/2014/main" val="60670272"/>
                   </a:ext>
                 </a:extLst>
               </a:tr>
-              <a:tr h="167640">
-                <a:tc>
-                  <a:txBody>
-                    <a:bodyPr/>
-                    <a:lstStyle/>
-                    <a:p>
-                      <a:pPr algn="ctr" fontAlgn="ctr"/>
-                      <a:r>
-                        <a:rPr lang="ko-KR" altLang="en-US" sz="1000" u="none" strike="noStrike">
+              <a:tr h="174928">
+                <a:tc>
+                  <a:txBody>
+                    <a:bodyPr/>
+                    <a:lstStyle/>
+                    <a:p>
+                      <a:pPr algn="ctr" fontAlgn="ctr"/>
+                      <a:r>
+                        <a:rPr lang="ko-KR" altLang="en-US" sz="1100" u="none" strike="noStrike">
                           <a:effectLst/>
                         </a:rPr>
                         <a:t>감귤</a:t>
                       </a:r>
-                      <a:endParaRPr lang="ko-KR" altLang="en-US" sz="1000" b="0" i="0" u="none" strike="noStrike">
-                        <a:solidFill>
-                          <a:srgbClr val="000000"/>
-                        </a:solidFill>
-                        <a:effectLst/>
-                        <a:latin typeface="굴림" panose="020B0600000101010101" pitchFamily="50" charset="-127"/>
-                        <a:ea typeface="굴림" panose="020B0600000101010101" pitchFamily="50" charset="-127"/>
-                      </a:endParaRPr>
-                    </a:p>
-                  </a:txBody>
-                  <a:tcPr marL="7620" marR="7620" marT="7620" marB="0" anchor="ctr"/>
-                </a:tc>
-                <a:tc>
-                  <a:txBody>
-                    <a:bodyPr/>
-                    <a:lstStyle/>
-                    <a:p>
-                      <a:pPr algn="r" fontAlgn="ctr"/>
-                      <a:r>
-                        <a:rPr lang="en-US" altLang="ko-KR" sz="1000" u="none" strike="noStrike">
+                      <a:endParaRPr lang="ko-KR" altLang="en-US" sz="1100" b="1" i="0" u="none" strike="noStrike">
+                        <a:solidFill>
+                          <a:srgbClr val="000000"/>
+                        </a:solidFill>
+                        <a:effectLst/>
+                        <a:latin typeface="굴림" panose="020B0600000101010101" pitchFamily="50" charset="-127"/>
+                        <a:ea typeface="굴림" panose="020B0600000101010101" pitchFamily="50" charset="-127"/>
+                      </a:endParaRPr>
+                    </a:p>
+                  </a:txBody>
+                  <a:tcPr marL="7289" marR="7289" marT="7289" marB="0" anchor="ctr"/>
+                </a:tc>
+                <a:tc>
+                  <a:txBody>
+                    <a:bodyPr/>
+                    <a:lstStyle/>
+                    <a:p>
+                      <a:pPr algn="ctr" fontAlgn="ctr"/>
+                      <a:r>
+                        <a:rPr lang="en-US" altLang="ko-KR" sz="1100" u="none" strike="noStrike">
                           <a:effectLst/>
                         </a:rPr>
                         <a:t>21</a:t>
                       </a:r>
-                      <a:endParaRPr lang="en-US" altLang="ko-KR" sz="1000" b="0" i="0" u="none" strike="noStrike">
-                        <a:solidFill>
-                          <a:srgbClr val="000000"/>
-                        </a:solidFill>
-                        <a:effectLst/>
-                        <a:latin typeface="굴림" panose="020B0600000101010101" pitchFamily="50" charset="-127"/>
-                        <a:ea typeface="굴림" panose="020B0600000101010101" pitchFamily="50" charset="-127"/>
-                      </a:endParaRPr>
-                    </a:p>
-                  </a:txBody>
-                  <a:tcPr marL="7620" marR="7620" marT="7620" marB="0" anchor="ctr"/>
-                </a:tc>
-                <a:tc>
-                  <a:txBody>
-                    <a:bodyPr/>
-                    <a:lstStyle/>
-                    <a:p>
-                      <a:pPr algn="r" fontAlgn="ctr"/>
-                      <a:r>
-                        <a:rPr lang="en-US" altLang="ko-KR" sz="1000" u="none" strike="noStrike">
+                      <a:endParaRPr lang="en-US" altLang="ko-KR" sz="1100" b="1" i="0" u="none" strike="noStrike">
+                        <a:solidFill>
+                          <a:srgbClr val="000000"/>
+                        </a:solidFill>
+                        <a:effectLst/>
+                        <a:latin typeface="굴림" panose="020B0600000101010101" pitchFamily="50" charset="-127"/>
+                        <a:ea typeface="굴림" panose="020B0600000101010101" pitchFamily="50" charset="-127"/>
+                      </a:endParaRPr>
+                    </a:p>
+                  </a:txBody>
+                  <a:tcPr marL="7289" marR="7289" marT="7289" marB="0" anchor="ctr"/>
+                </a:tc>
+                <a:tc>
+                  <a:txBody>
+                    <a:bodyPr/>
+                    <a:lstStyle/>
+                    <a:p>
+                      <a:pPr algn="ctr" fontAlgn="ctr"/>
+                      <a:r>
+                        <a:rPr lang="en-US" altLang="ko-KR" sz="1100" u="none" strike="noStrike">
                           <a:effectLst/>
                         </a:rPr>
                         <a:t>14</a:t>
                       </a:r>
-                      <a:endParaRPr lang="en-US" altLang="ko-KR" sz="1000" b="0" i="0" u="none" strike="noStrike">
-                        <a:solidFill>
-                          <a:srgbClr val="000000"/>
-                        </a:solidFill>
-                        <a:effectLst/>
-                        <a:latin typeface="굴림" panose="020B0600000101010101" pitchFamily="50" charset="-127"/>
-                        <a:ea typeface="굴림" panose="020B0600000101010101" pitchFamily="50" charset="-127"/>
-                      </a:endParaRPr>
-                    </a:p>
-                  </a:txBody>
-                  <a:tcPr marL="7620" marR="7620" marT="7620" marB="0" anchor="ctr"/>
-                </a:tc>
-                <a:tc>
-                  <a:txBody>
-                    <a:bodyPr/>
-                    <a:lstStyle/>
-                    <a:p>
-                      <a:pPr algn="r" fontAlgn="ctr"/>
-                      <a:r>
-                        <a:rPr lang="en-US" altLang="ko-KR" sz="1000" u="none" strike="noStrike">
+                      <a:endParaRPr lang="en-US" altLang="ko-KR" sz="1100" b="1" i="0" u="none" strike="noStrike">
+                        <a:solidFill>
+                          <a:srgbClr val="000000"/>
+                        </a:solidFill>
+                        <a:effectLst/>
+                        <a:latin typeface="굴림" panose="020B0600000101010101" pitchFamily="50" charset="-127"/>
+                        <a:ea typeface="굴림" panose="020B0600000101010101" pitchFamily="50" charset="-127"/>
+                      </a:endParaRPr>
+                    </a:p>
+                  </a:txBody>
+                  <a:tcPr marL="7289" marR="7289" marT="7289" marB="0" anchor="ctr"/>
+                </a:tc>
+                <a:tc>
+                  <a:txBody>
+                    <a:bodyPr/>
+                    <a:lstStyle/>
+                    <a:p>
+                      <a:pPr algn="ctr" fontAlgn="ctr"/>
+                      <a:r>
+                        <a:rPr lang="en-US" altLang="ko-KR" sz="1100" u="none" strike="noStrike">
                           <a:effectLst/>
                         </a:rPr>
                         <a:t>21</a:t>
                       </a:r>
-                      <a:endParaRPr lang="en-US" altLang="ko-KR" sz="1000" b="0" i="0" u="none" strike="noStrike">
-                        <a:solidFill>
-                          <a:srgbClr val="000000"/>
-                        </a:solidFill>
-                        <a:effectLst/>
-                        <a:latin typeface="굴림" panose="020B0600000101010101" pitchFamily="50" charset="-127"/>
-                        <a:ea typeface="굴림" panose="020B0600000101010101" pitchFamily="50" charset="-127"/>
-                      </a:endParaRPr>
-                    </a:p>
-                  </a:txBody>
-                  <a:tcPr marL="7620" marR="7620" marT="7620" marB="0" anchor="ctr"/>
-                </a:tc>
-                <a:tc>
-                  <a:txBody>
-                    <a:bodyPr/>
-                    <a:lstStyle/>
-                    <a:p>
-                      <a:pPr algn="r" fontAlgn="ctr"/>
-                      <a:r>
-                        <a:rPr lang="en-US" altLang="ko-KR" sz="1000" u="none" strike="noStrike">
+                      <a:endParaRPr lang="en-US" altLang="ko-KR" sz="1100" b="1" i="0" u="none" strike="noStrike">
+                        <a:solidFill>
+                          <a:srgbClr val="000000"/>
+                        </a:solidFill>
+                        <a:effectLst/>
+                        <a:latin typeface="굴림" panose="020B0600000101010101" pitchFamily="50" charset="-127"/>
+                        <a:ea typeface="굴림" panose="020B0600000101010101" pitchFamily="50" charset="-127"/>
+                      </a:endParaRPr>
+                    </a:p>
+                  </a:txBody>
+                  <a:tcPr marL="7289" marR="7289" marT="7289" marB="0" anchor="ctr"/>
+                </a:tc>
+                <a:tc>
+                  <a:txBody>
+                    <a:bodyPr/>
+                    <a:lstStyle/>
+                    <a:p>
+                      <a:pPr algn="ctr" fontAlgn="ctr"/>
+                      <a:r>
+                        <a:rPr lang="en-US" altLang="ko-KR" sz="1100" u="none" strike="noStrike">
                           <a:effectLst/>
                         </a:rPr>
                         <a:t>5</a:t>
                       </a:r>
-                      <a:endParaRPr lang="en-US" altLang="ko-KR" sz="1000" b="0" i="0" u="none" strike="noStrike">
-                        <a:solidFill>
-                          <a:srgbClr val="000000"/>
-                        </a:solidFill>
-                        <a:effectLst/>
-                        <a:latin typeface="굴림" panose="020B0600000101010101" pitchFamily="50" charset="-127"/>
-                        <a:ea typeface="굴림" panose="020B0600000101010101" pitchFamily="50" charset="-127"/>
-                      </a:endParaRPr>
-                    </a:p>
-                  </a:txBody>
-                  <a:tcPr marL="7620" marR="7620" marT="7620" marB="0" anchor="ctr"/>
-                </a:tc>
-                <a:tc>
-                  <a:txBody>
-                    <a:bodyPr/>
-                    <a:lstStyle/>
-                    <a:p>
-                      <a:pPr algn="r" fontAlgn="ctr"/>
-                      <a:r>
-                        <a:rPr lang="en-US" altLang="ko-KR" sz="1000" u="none" strike="noStrike">
+                      <a:endParaRPr lang="en-US" altLang="ko-KR" sz="1100" b="1" i="0" u="none" strike="noStrike">
+                        <a:solidFill>
+                          <a:srgbClr val="000000"/>
+                        </a:solidFill>
+                        <a:effectLst/>
+                        <a:latin typeface="굴림" panose="020B0600000101010101" pitchFamily="50" charset="-127"/>
+                        <a:ea typeface="굴림" panose="020B0600000101010101" pitchFamily="50" charset="-127"/>
+                      </a:endParaRPr>
+                    </a:p>
+                  </a:txBody>
+                  <a:tcPr marL="7289" marR="7289" marT="7289" marB="0" anchor="ctr"/>
+                </a:tc>
+                <a:tc>
+                  <a:txBody>
+                    <a:bodyPr/>
+                    <a:lstStyle/>
+                    <a:p>
+                      <a:pPr algn="ctr" fontAlgn="ctr"/>
+                      <a:r>
+                        <a:rPr lang="en-US" altLang="ko-KR" sz="1100" u="none" strike="noStrike">
                           <a:effectLst/>
                         </a:rPr>
                         <a:t>4</a:t>
                       </a:r>
-                      <a:endParaRPr lang="en-US" altLang="ko-KR" sz="1000" b="0" i="0" u="none" strike="noStrike">
-                        <a:solidFill>
-                          <a:srgbClr val="000000"/>
-                        </a:solidFill>
-                        <a:effectLst/>
-                        <a:latin typeface="굴림" panose="020B0600000101010101" pitchFamily="50" charset="-127"/>
-                        <a:ea typeface="굴림" panose="020B0600000101010101" pitchFamily="50" charset="-127"/>
-                      </a:endParaRPr>
-                    </a:p>
-                  </a:txBody>
-                  <a:tcPr marL="7620" marR="7620" marT="7620" marB="0" anchor="ctr"/>
-                </a:tc>
-                <a:tc>
-                  <a:txBody>
-                    <a:bodyPr/>
-                    <a:lstStyle/>
-                    <a:p>
-                      <a:pPr algn="r" fontAlgn="ctr"/>
-                      <a:r>
-                        <a:rPr lang="en-US" altLang="ko-KR" sz="1000" u="none" strike="noStrike">
+                      <a:endParaRPr lang="en-US" altLang="ko-KR" sz="1100" b="1" i="0" u="none" strike="noStrike">
+                        <a:solidFill>
+                          <a:srgbClr val="000000"/>
+                        </a:solidFill>
+                        <a:effectLst/>
+                        <a:latin typeface="굴림" panose="020B0600000101010101" pitchFamily="50" charset="-127"/>
+                        <a:ea typeface="굴림" panose="020B0600000101010101" pitchFamily="50" charset="-127"/>
+                      </a:endParaRPr>
+                    </a:p>
+                  </a:txBody>
+                  <a:tcPr marL="7289" marR="7289" marT="7289" marB="0" anchor="ctr"/>
+                </a:tc>
+                <a:tc>
+                  <a:txBody>
+                    <a:bodyPr/>
+                    <a:lstStyle/>
+                    <a:p>
+                      <a:pPr algn="ctr" fontAlgn="ctr"/>
+                      <a:r>
+                        <a:rPr lang="en-US" altLang="ko-KR" sz="1100" u="none" strike="noStrike">
                           <a:effectLst/>
                         </a:rPr>
                         <a:t>0</a:t>
                       </a:r>
-                      <a:endParaRPr lang="en-US" altLang="ko-KR" sz="1000" b="0" i="0" u="none" strike="noStrike">
-                        <a:solidFill>
-                          <a:srgbClr val="000000"/>
-                        </a:solidFill>
-                        <a:effectLst/>
-                        <a:latin typeface="굴림" panose="020B0600000101010101" pitchFamily="50" charset="-127"/>
-                        <a:ea typeface="굴림" panose="020B0600000101010101" pitchFamily="50" charset="-127"/>
-                      </a:endParaRPr>
-                    </a:p>
-                  </a:txBody>
-                  <a:tcPr marL="7620" marR="7620" marT="7620" marB="0" anchor="ctr"/>
-                </a:tc>
-                <a:tc>
-                  <a:txBody>
-                    <a:bodyPr/>
-                    <a:lstStyle/>
-                    <a:p>
-                      <a:pPr algn="r" fontAlgn="ctr"/>
-                      <a:r>
-                        <a:rPr lang="en-US" altLang="ko-KR" sz="1000" u="none" strike="noStrike">
+                      <a:endParaRPr lang="en-US" altLang="ko-KR" sz="1100" b="1" i="0" u="none" strike="noStrike">
+                        <a:solidFill>
+                          <a:srgbClr val="000000"/>
+                        </a:solidFill>
+                        <a:effectLst/>
+                        <a:latin typeface="굴림" panose="020B0600000101010101" pitchFamily="50" charset="-127"/>
+                        <a:ea typeface="굴림" panose="020B0600000101010101" pitchFamily="50" charset="-127"/>
+                      </a:endParaRPr>
+                    </a:p>
+                  </a:txBody>
+                  <a:tcPr marL="7289" marR="7289" marT="7289" marB="0" anchor="ctr"/>
+                </a:tc>
+                <a:tc>
+                  <a:txBody>
+                    <a:bodyPr/>
+                    <a:lstStyle/>
+                    <a:p>
+                      <a:pPr algn="ctr" fontAlgn="ctr"/>
+                      <a:r>
+                        <a:rPr lang="en-US" altLang="ko-KR" sz="1100" u="none" strike="noStrike">
                           <a:effectLst/>
                         </a:rPr>
                         <a:t>65</a:t>
                       </a:r>
-                      <a:endParaRPr lang="en-US" altLang="ko-KR" sz="1000" b="0" i="0" u="none" strike="noStrike">
-                        <a:solidFill>
-                          <a:srgbClr val="000000"/>
-                        </a:solidFill>
-                        <a:effectLst/>
-                        <a:latin typeface="굴림" panose="020B0600000101010101" pitchFamily="50" charset="-127"/>
-                        <a:ea typeface="굴림" panose="020B0600000101010101" pitchFamily="50" charset="-127"/>
-                      </a:endParaRPr>
-                    </a:p>
-                  </a:txBody>
-                  <a:tcPr marL="7620" marR="7620" marT="7620" marB="0" anchor="ctr"/>
+                      <a:endParaRPr lang="en-US" altLang="ko-KR" sz="1100" b="1" i="0" u="none" strike="noStrike">
+                        <a:solidFill>
+                          <a:srgbClr val="000000"/>
+                        </a:solidFill>
+                        <a:effectLst/>
+                        <a:latin typeface="굴림" panose="020B0600000101010101" pitchFamily="50" charset="-127"/>
+                        <a:ea typeface="굴림" panose="020B0600000101010101" pitchFamily="50" charset="-127"/>
+                      </a:endParaRPr>
+                    </a:p>
+                  </a:txBody>
+                  <a:tcPr marL="7289" marR="7289" marT="7289" marB="0" anchor="ctr"/>
                 </a:tc>
                 <a:extLst>
                   <a:ext uri="{0D108BD9-81ED-4DB2-BD59-A6C34878D82A}">
-                    <a16:rowId xmlns:a16="http://schemas.microsoft.com/office/drawing/2014/main" val="2417565635"/>
+                    <a16:rowId xmlns:a16="http://schemas.microsoft.com/office/drawing/2014/main" val="931252448"/>
                   </a:ext>
                 </a:extLst>
               </a:tr>
-              <a:tr h="167640">
-                <a:tc>
-                  <a:txBody>
-                    <a:bodyPr/>
-                    <a:lstStyle/>
-                    <a:p>
-                      <a:pPr algn="ctr" fontAlgn="ctr"/>
-                      <a:r>
-                        <a:rPr lang="ko-KR" altLang="en-US" sz="1000" u="none" strike="noStrike">
+              <a:tr h="174928">
+                <a:tc>
+                  <a:txBody>
+                    <a:bodyPr/>
+                    <a:lstStyle/>
+                    <a:p>
+                      <a:pPr algn="ctr" fontAlgn="ctr"/>
+                      <a:r>
+                        <a:rPr lang="ko-KR" altLang="en-US" sz="1100" u="none" strike="noStrike">
                           <a:effectLst/>
                         </a:rPr>
                         <a:t>단감</a:t>
                       </a:r>
-                      <a:endParaRPr lang="ko-KR" altLang="en-US" sz="1000" b="0" i="0" u="none" strike="noStrike">
-                        <a:solidFill>
-                          <a:srgbClr val="000000"/>
-                        </a:solidFill>
-                        <a:effectLst/>
-                        <a:latin typeface="굴림" panose="020B0600000101010101" pitchFamily="50" charset="-127"/>
-                        <a:ea typeface="굴림" panose="020B0600000101010101" pitchFamily="50" charset="-127"/>
-                      </a:endParaRPr>
-                    </a:p>
-                  </a:txBody>
-                  <a:tcPr marL="7620" marR="7620" marT="7620" marB="0" anchor="ctr"/>
-                </a:tc>
-                <a:tc>
-                  <a:txBody>
-                    <a:bodyPr/>
-                    <a:lstStyle/>
-                    <a:p>
-                      <a:pPr algn="r" fontAlgn="ctr"/>
-                      <a:r>
-                        <a:rPr lang="en-US" altLang="ko-KR" sz="1000" u="none" strike="noStrike">
+                      <a:endParaRPr lang="ko-KR" altLang="en-US" sz="1100" b="1" i="0" u="none" strike="noStrike">
+                        <a:solidFill>
+                          <a:srgbClr val="000000"/>
+                        </a:solidFill>
+                        <a:effectLst/>
+                        <a:latin typeface="굴림" panose="020B0600000101010101" pitchFamily="50" charset="-127"/>
+                        <a:ea typeface="굴림" panose="020B0600000101010101" pitchFamily="50" charset="-127"/>
+                      </a:endParaRPr>
+                    </a:p>
+                  </a:txBody>
+                  <a:tcPr marL="7289" marR="7289" marT="7289" marB="0" anchor="ctr"/>
+                </a:tc>
+                <a:tc>
+                  <a:txBody>
+                    <a:bodyPr/>
+                    <a:lstStyle/>
+                    <a:p>
+                      <a:pPr algn="ctr" fontAlgn="ctr"/>
+                      <a:r>
+                        <a:rPr lang="en-US" altLang="ko-KR" sz="1100" u="none" strike="noStrike">
                           <a:effectLst/>
                         </a:rPr>
                         <a:t>2</a:t>
                       </a:r>
-                      <a:endParaRPr lang="en-US" altLang="ko-KR" sz="1000" b="0" i="0" u="none" strike="noStrike">
-                        <a:solidFill>
-                          <a:srgbClr val="000000"/>
-                        </a:solidFill>
-                        <a:effectLst/>
-                        <a:latin typeface="굴림" panose="020B0600000101010101" pitchFamily="50" charset="-127"/>
-                        <a:ea typeface="굴림" panose="020B0600000101010101" pitchFamily="50" charset="-127"/>
-                      </a:endParaRPr>
-                    </a:p>
-                  </a:txBody>
-                  <a:tcPr marL="7620" marR="7620" marT="7620" marB="0" anchor="ctr"/>
-                </a:tc>
-                <a:tc>
-                  <a:txBody>
-                    <a:bodyPr/>
-                    <a:lstStyle/>
-                    <a:p>
-                      <a:pPr algn="r" fontAlgn="ctr"/>
-                      <a:r>
-                        <a:rPr lang="en-US" altLang="ko-KR" sz="1000" u="none" strike="noStrike">
+                      <a:endParaRPr lang="en-US" altLang="ko-KR" sz="1100" b="1" i="0" u="none" strike="noStrike">
+                        <a:solidFill>
+                          <a:srgbClr val="000000"/>
+                        </a:solidFill>
+                        <a:effectLst/>
+                        <a:latin typeface="굴림" panose="020B0600000101010101" pitchFamily="50" charset="-127"/>
+                        <a:ea typeface="굴림" panose="020B0600000101010101" pitchFamily="50" charset="-127"/>
+                      </a:endParaRPr>
+                    </a:p>
+                  </a:txBody>
+                  <a:tcPr marL="7289" marR="7289" marT="7289" marB="0" anchor="ctr"/>
+                </a:tc>
+                <a:tc>
+                  <a:txBody>
+                    <a:bodyPr/>
+                    <a:lstStyle/>
+                    <a:p>
+                      <a:pPr algn="ctr" fontAlgn="ctr"/>
+                      <a:r>
+                        <a:rPr lang="en-US" altLang="ko-KR" sz="1100" u="none" strike="noStrike">
                           <a:effectLst/>
                         </a:rPr>
                         <a:t>0</a:t>
                       </a:r>
-                      <a:endParaRPr lang="en-US" altLang="ko-KR" sz="1000" b="0" i="0" u="none" strike="noStrike">
-                        <a:solidFill>
-                          <a:srgbClr val="000000"/>
-                        </a:solidFill>
-                        <a:effectLst/>
-                        <a:latin typeface="굴림" panose="020B0600000101010101" pitchFamily="50" charset="-127"/>
-                        <a:ea typeface="굴림" panose="020B0600000101010101" pitchFamily="50" charset="-127"/>
-                      </a:endParaRPr>
-                    </a:p>
-                  </a:txBody>
-                  <a:tcPr marL="7620" marR="7620" marT="7620" marB="0" anchor="ctr"/>
-                </a:tc>
-                <a:tc>
-                  <a:txBody>
-                    <a:bodyPr/>
-                    <a:lstStyle/>
-                    <a:p>
-                      <a:pPr algn="r" fontAlgn="ctr"/>
-                      <a:r>
-                        <a:rPr lang="en-US" altLang="ko-KR" sz="1000" u="none" strike="noStrike">
+                      <a:endParaRPr lang="en-US" altLang="ko-KR" sz="1100" b="1" i="0" u="none" strike="noStrike">
+                        <a:solidFill>
+                          <a:srgbClr val="000000"/>
+                        </a:solidFill>
+                        <a:effectLst/>
+                        <a:latin typeface="굴림" panose="020B0600000101010101" pitchFamily="50" charset="-127"/>
+                        <a:ea typeface="굴림" panose="020B0600000101010101" pitchFamily="50" charset="-127"/>
+                      </a:endParaRPr>
+                    </a:p>
+                  </a:txBody>
+                  <a:tcPr marL="7289" marR="7289" marT="7289" marB="0" anchor="ctr"/>
+                </a:tc>
+                <a:tc>
+                  <a:txBody>
+                    <a:bodyPr/>
+                    <a:lstStyle/>
+                    <a:p>
+                      <a:pPr algn="ctr" fontAlgn="ctr"/>
+                      <a:r>
+                        <a:rPr lang="en-US" altLang="ko-KR" sz="1100" u="none" strike="noStrike">
                           <a:effectLst/>
                         </a:rPr>
                         <a:t>1</a:t>
                       </a:r>
-                      <a:endParaRPr lang="en-US" altLang="ko-KR" sz="1000" b="0" i="0" u="none" strike="noStrike">
-                        <a:solidFill>
-                          <a:srgbClr val="000000"/>
-                        </a:solidFill>
-                        <a:effectLst/>
-                        <a:latin typeface="굴림" panose="020B0600000101010101" pitchFamily="50" charset="-127"/>
-                        <a:ea typeface="굴림" panose="020B0600000101010101" pitchFamily="50" charset="-127"/>
-                      </a:endParaRPr>
-                    </a:p>
-                  </a:txBody>
-                  <a:tcPr marL="7620" marR="7620" marT="7620" marB="0" anchor="ctr"/>
-                </a:tc>
-                <a:tc>
-                  <a:txBody>
-                    <a:bodyPr/>
-                    <a:lstStyle/>
-                    <a:p>
-                      <a:pPr algn="r" fontAlgn="ctr"/>
-                      <a:r>
-                        <a:rPr lang="en-US" altLang="ko-KR" sz="1000" u="none" strike="noStrike">
+                      <a:endParaRPr lang="en-US" altLang="ko-KR" sz="1100" b="1" i="0" u="none" strike="noStrike">
+                        <a:solidFill>
+                          <a:srgbClr val="000000"/>
+                        </a:solidFill>
+                        <a:effectLst/>
+                        <a:latin typeface="굴림" panose="020B0600000101010101" pitchFamily="50" charset="-127"/>
+                        <a:ea typeface="굴림" panose="020B0600000101010101" pitchFamily="50" charset="-127"/>
+                      </a:endParaRPr>
+                    </a:p>
+                  </a:txBody>
+                  <a:tcPr marL="7289" marR="7289" marT="7289" marB="0" anchor="ctr"/>
+                </a:tc>
+                <a:tc>
+                  <a:txBody>
+                    <a:bodyPr/>
+                    <a:lstStyle/>
+                    <a:p>
+                      <a:pPr algn="ctr" fontAlgn="ctr"/>
+                      <a:r>
+                        <a:rPr lang="en-US" altLang="ko-KR" sz="1100" u="none" strike="noStrike">
                           <a:effectLst/>
                         </a:rPr>
                         <a:t>0</a:t>
                       </a:r>
-                      <a:endParaRPr lang="en-US" altLang="ko-KR" sz="1000" b="0" i="0" u="none" strike="noStrike">
-                        <a:solidFill>
-                          <a:srgbClr val="000000"/>
-                        </a:solidFill>
-                        <a:effectLst/>
-                        <a:latin typeface="굴림" panose="020B0600000101010101" pitchFamily="50" charset="-127"/>
-                        <a:ea typeface="굴림" panose="020B0600000101010101" pitchFamily="50" charset="-127"/>
-                      </a:endParaRPr>
-                    </a:p>
-                  </a:txBody>
-                  <a:tcPr marL="7620" marR="7620" marT="7620" marB="0" anchor="ctr"/>
-                </a:tc>
-                <a:tc>
-                  <a:txBody>
-                    <a:bodyPr/>
-                    <a:lstStyle/>
-                    <a:p>
-                      <a:pPr algn="r" fontAlgn="ctr"/>
-                      <a:r>
-                        <a:rPr lang="en-US" altLang="ko-KR" sz="1000" u="none" strike="noStrike">
+                      <a:endParaRPr lang="en-US" altLang="ko-KR" sz="1100" b="1" i="0" u="none" strike="noStrike">
+                        <a:solidFill>
+                          <a:srgbClr val="000000"/>
+                        </a:solidFill>
+                        <a:effectLst/>
+                        <a:latin typeface="굴림" panose="020B0600000101010101" pitchFamily="50" charset="-127"/>
+                        <a:ea typeface="굴림" panose="020B0600000101010101" pitchFamily="50" charset="-127"/>
+                      </a:endParaRPr>
+                    </a:p>
+                  </a:txBody>
+                  <a:tcPr marL="7289" marR="7289" marT="7289" marB="0" anchor="ctr"/>
+                </a:tc>
+                <a:tc>
+                  <a:txBody>
+                    <a:bodyPr/>
+                    <a:lstStyle/>
+                    <a:p>
+                      <a:pPr algn="ctr" fontAlgn="ctr"/>
+                      <a:r>
+                        <a:rPr lang="en-US" altLang="ko-KR" sz="1100" u="none" strike="noStrike">
                           <a:effectLst/>
                         </a:rPr>
                         <a:t>1</a:t>
                       </a:r>
-                      <a:endParaRPr lang="en-US" altLang="ko-KR" sz="1000" b="0" i="0" u="none" strike="noStrike">
-                        <a:solidFill>
-                          <a:srgbClr val="000000"/>
-                        </a:solidFill>
-                        <a:effectLst/>
-                        <a:latin typeface="굴림" panose="020B0600000101010101" pitchFamily="50" charset="-127"/>
-                        <a:ea typeface="굴림" panose="020B0600000101010101" pitchFamily="50" charset="-127"/>
-                      </a:endParaRPr>
-                    </a:p>
-                  </a:txBody>
-                  <a:tcPr marL="7620" marR="7620" marT="7620" marB="0" anchor="ctr"/>
-                </a:tc>
-                <a:tc>
-                  <a:txBody>
-                    <a:bodyPr/>
-                    <a:lstStyle/>
-                    <a:p>
-                      <a:pPr algn="r" fontAlgn="ctr"/>
-                      <a:r>
-                        <a:rPr lang="en-US" altLang="ko-KR" sz="1000" u="none" strike="noStrike">
+                      <a:endParaRPr lang="en-US" altLang="ko-KR" sz="1100" b="1" i="0" u="none" strike="noStrike">
+                        <a:solidFill>
+                          <a:srgbClr val="000000"/>
+                        </a:solidFill>
+                        <a:effectLst/>
+                        <a:latin typeface="굴림" panose="020B0600000101010101" pitchFamily="50" charset="-127"/>
+                        <a:ea typeface="굴림" panose="020B0600000101010101" pitchFamily="50" charset="-127"/>
+                      </a:endParaRPr>
+                    </a:p>
+                  </a:txBody>
+                  <a:tcPr marL="7289" marR="7289" marT="7289" marB="0" anchor="ctr"/>
+                </a:tc>
+                <a:tc>
+                  <a:txBody>
+                    <a:bodyPr/>
+                    <a:lstStyle/>
+                    <a:p>
+                      <a:pPr algn="ctr" fontAlgn="ctr"/>
+                      <a:r>
+                        <a:rPr lang="en-US" altLang="ko-KR" sz="1100" u="none" strike="noStrike">
                           <a:effectLst/>
                         </a:rPr>
                         <a:t>0</a:t>
                       </a:r>
-                      <a:endParaRPr lang="en-US" altLang="ko-KR" sz="1000" b="0" i="0" u="none" strike="noStrike">
-                        <a:solidFill>
-                          <a:srgbClr val="000000"/>
-                        </a:solidFill>
-                        <a:effectLst/>
-                        <a:latin typeface="굴림" panose="020B0600000101010101" pitchFamily="50" charset="-127"/>
-                        <a:ea typeface="굴림" panose="020B0600000101010101" pitchFamily="50" charset="-127"/>
-                      </a:endParaRPr>
-                    </a:p>
-                  </a:txBody>
-                  <a:tcPr marL="7620" marR="7620" marT="7620" marB="0" anchor="ctr"/>
-                </a:tc>
-                <a:tc>
-                  <a:txBody>
-                    <a:bodyPr/>
-                    <a:lstStyle/>
-                    <a:p>
-                      <a:pPr algn="r" fontAlgn="ctr"/>
-                      <a:r>
-                        <a:rPr lang="en-US" altLang="ko-KR" sz="1000" u="none" strike="noStrike">
+                      <a:endParaRPr lang="en-US" altLang="ko-KR" sz="1100" b="1" i="0" u="none" strike="noStrike">
+                        <a:solidFill>
+                          <a:srgbClr val="000000"/>
+                        </a:solidFill>
+                        <a:effectLst/>
+                        <a:latin typeface="굴림" panose="020B0600000101010101" pitchFamily="50" charset="-127"/>
+                        <a:ea typeface="굴림" panose="020B0600000101010101" pitchFamily="50" charset="-127"/>
+                      </a:endParaRPr>
+                    </a:p>
+                  </a:txBody>
+                  <a:tcPr marL="7289" marR="7289" marT="7289" marB="0" anchor="ctr"/>
+                </a:tc>
+                <a:tc>
+                  <a:txBody>
+                    <a:bodyPr/>
+                    <a:lstStyle/>
+                    <a:p>
+                      <a:pPr algn="ctr" fontAlgn="ctr"/>
+                      <a:r>
+                        <a:rPr lang="en-US" altLang="ko-KR" sz="1100" u="none" strike="noStrike">
                           <a:effectLst/>
                         </a:rPr>
                         <a:t>4</a:t>
                       </a:r>
-                      <a:endParaRPr lang="en-US" altLang="ko-KR" sz="1000" b="0" i="0" u="none" strike="noStrike">
-                        <a:solidFill>
-                          <a:srgbClr val="000000"/>
-                        </a:solidFill>
-                        <a:effectLst/>
-                        <a:latin typeface="굴림" panose="020B0600000101010101" pitchFamily="50" charset="-127"/>
-                        <a:ea typeface="굴림" panose="020B0600000101010101" pitchFamily="50" charset="-127"/>
-                      </a:endParaRPr>
-                    </a:p>
-                  </a:txBody>
-                  <a:tcPr marL="7620" marR="7620" marT="7620" marB="0" anchor="ctr"/>
+                      <a:endParaRPr lang="en-US" altLang="ko-KR" sz="1100" b="1" i="0" u="none" strike="noStrike">
+                        <a:solidFill>
+                          <a:srgbClr val="000000"/>
+                        </a:solidFill>
+                        <a:effectLst/>
+                        <a:latin typeface="굴림" panose="020B0600000101010101" pitchFamily="50" charset="-127"/>
+                        <a:ea typeface="굴림" panose="020B0600000101010101" pitchFamily="50" charset="-127"/>
+                      </a:endParaRPr>
+                    </a:p>
+                  </a:txBody>
+                  <a:tcPr marL="7289" marR="7289" marT="7289" marB="0" anchor="ctr"/>
                 </a:tc>
                 <a:extLst>
                   <a:ext uri="{0D108BD9-81ED-4DB2-BD59-A6C34878D82A}">
-                    <a16:rowId xmlns:a16="http://schemas.microsoft.com/office/drawing/2014/main" val="54012309"/>
+                    <a16:rowId xmlns:a16="http://schemas.microsoft.com/office/drawing/2014/main" val="1236996051"/>
                   </a:ext>
                 </a:extLst>
               </a:tr>
-              <a:tr h="167640">
-                <a:tc>
-                  <a:txBody>
-                    <a:bodyPr/>
-                    <a:lstStyle/>
-                    <a:p>
-                      <a:pPr algn="ctr" fontAlgn="ctr"/>
-                      <a:r>
-                        <a:rPr lang="ko-KR" altLang="en-US" sz="1000" u="none" strike="noStrike">
-                          <a:effectLst/>
-                        </a:rPr>
-                        <a:t>곶감</a:t>
-                      </a:r>
-                      <a:endParaRPr lang="ko-KR" altLang="en-US" sz="1000" b="0" i="0" u="none" strike="noStrike">
-                        <a:solidFill>
-                          <a:srgbClr val="000000"/>
-                        </a:solidFill>
-                        <a:effectLst/>
-                        <a:latin typeface="굴림" panose="020B0600000101010101" pitchFamily="50" charset="-127"/>
-                        <a:ea typeface="굴림" panose="020B0600000101010101" pitchFamily="50" charset="-127"/>
-                      </a:endParaRPr>
-                    </a:p>
-                  </a:txBody>
-                  <a:tcPr marL="7620" marR="7620" marT="7620" marB="0" anchor="ctr"/>
-                </a:tc>
-                <a:tc>
-                  <a:txBody>
-                    <a:bodyPr/>
-                    <a:lstStyle/>
-                    <a:p>
-                      <a:pPr algn="r" fontAlgn="ctr"/>
-                      <a:r>
-                        <a:rPr lang="en-US" altLang="ko-KR" sz="1000" u="none" strike="noStrike">
+              <a:tr h="174928">
+                <a:tc>
+                  <a:txBody>
+                    <a:bodyPr/>
+                    <a:lstStyle/>
+                    <a:p>
+                      <a:pPr algn="ctr" fontAlgn="ctr"/>
+                      <a:r>
+                        <a:rPr lang="ko-KR" altLang="en-US" sz="1100" u="none" strike="noStrike">
+                          <a:effectLst/>
+                        </a:rPr>
+                        <a:t>바나나</a:t>
+                      </a:r>
+                      <a:endParaRPr lang="ko-KR" altLang="en-US" sz="1100" b="1" i="0" u="none" strike="noStrike">
+                        <a:solidFill>
+                          <a:srgbClr val="000000"/>
+                        </a:solidFill>
+                        <a:effectLst/>
+                        <a:latin typeface="굴림" panose="020B0600000101010101" pitchFamily="50" charset="-127"/>
+                        <a:ea typeface="굴림" panose="020B0600000101010101" pitchFamily="50" charset="-127"/>
+                      </a:endParaRPr>
+                    </a:p>
+                  </a:txBody>
+                  <a:tcPr marL="7289" marR="7289" marT="7289" marB="0" anchor="ctr"/>
+                </a:tc>
+                <a:tc>
+                  <a:txBody>
+                    <a:bodyPr/>
+                    <a:lstStyle/>
+                    <a:p>
+                      <a:pPr algn="ctr" fontAlgn="ctr"/>
+                      <a:r>
+                        <a:rPr lang="en-US" altLang="ko-KR" sz="1100" u="none" strike="noStrike">
+                          <a:effectLst/>
+                        </a:rPr>
+                        <a:t>64</a:t>
+                      </a:r>
+                      <a:endParaRPr lang="en-US" altLang="ko-KR" sz="1100" b="1" i="0" u="none" strike="noStrike">
+                        <a:solidFill>
+                          <a:srgbClr val="000000"/>
+                        </a:solidFill>
+                        <a:effectLst/>
+                        <a:latin typeface="굴림" panose="020B0600000101010101" pitchFamily="50" charset="-127"/>
+                        <a:ea typeface="굴림" panose="020B0600000101010101" pitchFamily="50" charset="-127"/>
+                      </a:endParaRPr>
+                    </a:p>
+                  </a:txBody>
+                  <a:tcPr marL="7289" marR="7289" marT="7289" marB="0" anchor="ctr"/>
+                </a:tc>
+                <a:tc>
+                  <a:txBody>
+                    <a:bodyPr/>
+                    <a:lstStyle/>
+                    <a:p>
+                      <a:pPr algn="ctr" fontAlgn="ctr"/>
+                      <a:r>
+                        <a:rPr lang="en-US" altLang="ko-KR" sz="1100" u="none" strike="noStrike">
                           <a:effectLst/>
                         </a:rPr>
                         <a:t>0</a:t>
                       </a:r>
-                      <a:endParaRPr lang="en-US" altLang="ko-KR" sz="1000" b="0" i="0" u="none" strike="noStrike">
-                        <a:solidFill>
-                          <a:srgbClr val="000000"/>
-                        </a:solidFill>
-                        <a:effectLst/>
-                        <a:latin typeface="굴림" panose="020B0600000101010101" pitchFamily="50" charset="-127"/>
-                        <a:ea typeface="굴림" panose="020B0600000101010101" pitchFamily="50" charset="-127"/>
-                      </a:endParaRPr>
-                    </a:p>
-                  </a:txBody>
-                  <a:tcPr marL="7620" marR="7620" marT="7620" marB="0" anchor="ctr"/>
-                </a:tc>
-                <a:tc>
-                  <a:txBody>
-                    <a:bodyPr/>
-                    <a:lstStyle/>
-                    <a:p>
-                      <a:pPr algn="r" fontAlgn="ctr"/>
-                      <a:r>
-                        <a:rPr lang="en-US" altLang="ko-KR" sz="1000" u="none" strike="noStrike">
+                      <a:endParaRPr lang="en-US" altLang="ko-KR" sz="1100" b="1" i="0" u="none" strike="noStrike">
+                        <a:solidFill>
+                          <a:srgbClr val="000000"/>
+                        </a:solidFill>
+                        <a:effectLst/>
+                        <a:latin typeface="굴림" panose="020B0600000101010101" pitchFamily="50" charset="-127"/>
+                        <a:ea typeface="굴림" panose="020B0600000101010101" pitchFamily="50" charset="-127"/>
+                      </a:endParaRPr>
+                    </a:p>
+                  </a:txBody>
+                  <a:tcPr marL="7289" marR="7289" marT="7289" marB="0" anchor="ctr"/>
+                </a:tc>
+                <a:tc>
+                  <a:txBody>
+                    <a:bodyPr/>
+                    <a:lstStyle/>
+                    <a:p>
+                      <a:pPr algn="ctr" fontAlgn="ctr"/>
+                      <a:r>
+                        <a:rPr lang="en-US" altLang="ko-KR" sz="1100" u="none" strike="noStrike">
+                          <a:effectLst/>
+                        </a:rPr>
+                        <a:t>82</a:t>
+                      </a:r>
+                      <a:endParaRPr lang="en-US" altLang="ko-KR" sz="1100" b="1" i="0" u="none" strike="noStrike">
+                        <a:solidFill>
+                          <a:srgbClr val="000000"/>
+                        </a:solidFill>
+                        <a:effectLst/>
+                        <a:latin typeface="굴림" panose="020B0600000101010101" pitchFamily="50" charset="-127"/>
+                        <a:ea typeface="굴림" panose="020B0600000101010101" pitchFamily="50" charset="-127"/>
+                      </a:endParaRPr>
+                    </a:p>
+                  </a:txBody>
+                  <a:tcPr marL="7289" marR="7289" marT="7289" marB="0" anchor="ctr"/>
+                </a:tc>
+                <a:tc>
+                  <a:txBody>
+                    <a:bodyPr/>
+                    <a:lstStyle/>
+                    <a:p>
+                      <a:pPr algn="ctr" fontAlgn="ctr"/>
+                      <a:r>
+                        <a:rPr lang="en-US" altLang="ko-KR" sz="1100" u="none" strike="noStrike">
+                          <a:effectLst/>
+                        </a:rPr>
+                        <a:t>25</a:t>
+                      </a:r>
+                      <a:endParaRPr lang="en-US" altLang="ko-KR" sz="1100" b="1" i="0" u="none" strike="noStrike">
+                        <a:solidFill>
+                          <a:srgbClr val="000000"/>
+                        </a:solidFill>
+                        <a:effectLst/>
+                        <a:latin typeface="굴림" panose="020B0600000101010101" pitchFamily="50" charset="-127"/>
+                        <a:ea typeface="굴림" panose="020B0600000101010101" pitchFamily="50" charset="-127"/>
+                      </a:endParaRPr>
+                    </a:p>
+                  </a:txBody>
+                  <a:tcPr marL="7289" marR="7289" marT="7289" marB="0" anchor="ctr"/>
+                </a:tc>
+                <a:tc>
+                  <a:txBody>
+                    <a:bodyPr/>
+                    <a:lstStyle/>
+                    <a:p>
+                      <a:pPr algn="ctr" fontAlgn="ctr"/>
+                      <a:r>
+                        <a:rPr lang="en-US" altLang="ko-KR" sz="1100" u="none" strike="noStrike">
+                          <a:effectLst/>
+                        </a:rPr>
+                        <a:t>27</a:t>
+                      </a:r>
+                      <a:endParaRPr lang="en-US" altLang="ko-KR" sz="1100" b="1" i="0" u="none" strike="noStrike">
+                        <a:solidFill>
+                          <a:srgbClr val="000000"/>
+                        </a:solidFill>
+                        <a:effectLst/>
+                        <a:latin typeface="굴림" panose="020B0600000101010101" pitchFamily="50" charset="-127"/>
+                        <a:ea typeface="굴림" panose="020B0600000101010101" pitchFamily="50" charset="-127"/>
+                      </a:endParaRPr>
+                    </a:p>
+                  </a:txBody>
+                  <a:tcPr marL="7289" marR="7289" marT="7289" marB="0" anchor="ctr"/>
+                </a:tc>
+                <a:tc>
+                  <a:txBody>
+                    <a:bodyPr/>
+                    <a:lstStyle/>
+                    <a:p>
+                      <a:pPr algn="ctr" fontAlgn="ctr"/>
+                      <a:r>
+                        <a:rPr lang="en-US" altLang="ko-KR" sz="1100" u="none" strike="noStrike">
                           <a:effectLst/>
                         </a:rPr>
                         <a:t>0</a:t>
                       </a:r>
-                      <a:endParaRPr lang="en-US" altLang="ko-KR" sz="1000" b="0" i="0" u="none" strike="noStrike">
-                        <a:solidFill>
-                          <a:srgbClr val="000000"/>
-                        </a:solidFill>
-                        <a:effectLst/>
-                        <a:latin typeface="굴림" panose="020B0600000101010101" pitchFamily="50" charset="-127"/>
-                        <a:ea typeface="굴림" panose="020B0600000101010101" pitchFamily="50" charset="-127"/>
-                      </a:endParaRPr>
-                    </a:p>
-                  </a:txBody>
-                  <a:tcPr marL="7620" marR="7620" marT="7620" marB="0" anchor="ctr"/>
-                </a:tc>
-                <a:tc>
-                  <a:txBody>
-                    <a:bodyPr/>
-                    <a:lstStyle/>
-                    <a:p>
-                      <a:pPr algn="r" fontAlgn="ctr"/>
-                      <a:r>
-                        <a:rPr lang="en-US" altLang="ko-KR" sz="1000" u="none" strike="noStrike">
-                          <a:effectLst/>
-                        </a:rPr>
-                        <a:t>0</a:t>
-                      </a:r>
-                      <a:endParaRPr lang="en-US" altLang="ko-KR" sz="1000" b="0" i="0" u="none" strike="noStrike">
-                        <a:solidFill>
-                          <a:srgbClr val="000000"/>
-                        </a:solidFill>
-                        <a:effectLst/>
-                        <a:latin typeface="굴림" panose="020B0600000101010101" pitchFamily="50" charset="-127"/>
-                        <a:ea typeface="굴림" panose="020B0600000101010101" pitchFamily="50" charset="-127"/>
-                      </a:endParaRPr>
-                    </a:p>
-                  </a:txBody>
-                  <a:tcPr marL="7620" marR="7620" marT="7620" marB="0" anchor="ctr"/>
-                </a:tc>
-                <a:tc>
-                  <a:txBody>
-                    <a:bodyPr/>
-                    <a:lstStyle/>
-                    <a:p>
-                      <a:pPr algn="r" fontAlgn="ctr"/>
-                      <a:r>
-                        <a:rPr lang="en-US" altLang="ko-KR" sz="1000" u="none" strike="noStrike">
-                          <a:effectLst/>
-                        </a:rPr>
-                        <a:t>0</a:t>
-                      </a:r>
-                      <a:endParaRPr lang="en-US" altLang="ko-KR" sz="1000" b="0" i="0" u="none" strike="noStrike">
-                        <a:solidFill>
-                          <a:srgbClr val="000000"/>
-                        </a:solidFill>
-                        <a:effectLst/>
-                        <a:latin typeface="굴림" panose="020B0600000101010101" pitchFamily="50" charset="-127"/>
-                        <a:ea typeface="굴림" panose="020B0600000101010101" pitchFamily="50" charset="-127"/>
-                      </a:endParaRPr>
-                    </a:p>
-                  </a:txBody>
-                  <a:tcPr marL="7620" marR="7620" marT="7620" marB="0" anchor="ctr"/>
-                </a:tc>
-                <a:tc>
-                  <a:txBody>
-                    <a:bodyPr/>
-                    <a:lstStyle/>
-                    <a:p>
-                      <a:pPr algn="r" fontAlgn="ctr"/>
-                      <a:r>
-                        <a:rPr lang="en-US" altLang="ko-KR" sz="1000" u="none" strike="noStrike">
-                          <a:effectLst/>
-                        </a:rPr>
-                        <a:t>0</a:t>
-                      </a:r>
-                      <a:endParaRPr lang="en-US" altLang="ko-KR" sz="1000" b="0" i="0" u="none" strike="noStrike">
-                        <a:solidFill>
-                          <a:srgbClr val="000000"/>
-                        </a:solidFill>
-                        <a:effectLst/>
-                        <a:latin typeface="굴림" panose="020B0600000101010101" pitchFamily="50" charset="-127"/>
-                        <a:ea typeface="굴림" panose="020B0600000101010101" pitchFamily="50" charset="-127"/>
-                      </a:endParaRPr>
-                    </a:p>
-                  </a:txBody>
-                  <a:tcPr marL="7620" marR="7620" marT="7620" marB="0" anchor="ctr"/>
-                </a:tc>
-                <a:tc>
-                  <a:txBody>
-                    <a:bodyPr/>
-                    <a:lstStyle/>
-                    <a:p>
-                      <a:pPr algn="r" fontAlgn="ctr"/>
-                      <a:r>
-                        <a:rPr lang="en-US" altLang="ko-KR" sz="1000" u="none" strike="noStrike">
-                          <a:effectLst/>
-                        </a:rPr>
-                        <a:t>0</a:t>
-                      </a:r>
-                      <a:endParaRPr lang="en-US" altLang="ko-KR" sz="1000" b="0" i="0" u="none" strike="noStrike">
-                        <a:solidFill>
-                          <a:srgbClr val="000000"/>
-                        </a:solidFill>
-                        <a:effectLst/>
-                        <a:latin typeface="굴림" panose="020B0600000101010101" pitchFamily="50" charset="-127"/>
-                        <a:ea typeface="굴림" panose="020B0600000101010101" pitchFamily="50" charset="-127"/>
-                      </a:endParaRPr>
-                    </a:p>
-                  </a:txBody>
-                  <a:tcPr marL="7620" marR="7620" marT="7620" marB="0" anchor="ctr"/>
-                </a:tc>
-                <a:tc>
-                  <a:txBody>
-                    <a:bodyPr/>
-                    <a:lstStyle/>
-                    <a:p>
-                      <a:pPr algn="r" fontAlgn="ctr"/>
-                      <a:r>
-                        <a:rPr lang="en-US" altLang="ko-KR" sz="1000" u="none" strike="noStrike">
-                          <a:effectLst/>
-                        </a:rPr>
-                        <a:t>0</a:t>
-                      </a:r>
-                      <a:endParaRPr lang="en-US" altLang="ko-KR" sz="1000" b="0" i="0" u="none" strike="noStrike">
-                        <a:solidFill>
-                          <a:srgbClr val="000000"/>
-                        </a:solidFill>
-                        <a:effectLst/>
-                        <a:latin typeface="굴림" panose="020B0600000101010101" pitchFamily="50" charset="-127"/>
-                        <a:ea typeface="굴림" panose="020B0600000101010101" pitchFamily="50" charset="-127"/>
-                      </a:endParaRPr>
-                    </a:p>
-                  </a:txBody>
-                  <a:tcPr marL="7620" marR="7620" marT="7620" marB="0" anchor="ctr"/>
+                      <a:endParaRPr lang="en-US" altLang="ko-KR" sz="1100" b="1" i="0" u="none" strike="noStrike">
+                        <a:solidFill>
+                          <a:srgbClr val="000000"/>
+                        </a:solidFill>
+                        <a:effectLst/>
+                        <a:latin typeface="굴림" panose="020B0600000101010101" pitchFamily="50" charset="-127"/>
+                        <a:ea typeface="굴림" panose="020B0600000101010101" pitchFamily="50" charset="-127"/>
+                      </a:endParaRPr>
+                    </a:p>
+                  </a:txBody>
+                  <a:tcPr marL="7289" marR="7289" marT="7289" marB="0" anchor="ctr"/>
+                </a:tc>
+                <a:tc>
+                  <a:txBody>
+                    <a:bodyPr/>
+                    <a:lstStyle/>
+                    <a:p>
+                      <a:pPr algn="ctr" fontAlgn="ctr"/>
+                      <a:r>
+                        <a:rPr lang="en-US" altLang="ko-KR" sz="1100" u="none" strike="noStrike">
+                          <a:effectLst/>
+                        </a:rPr>
+                        <a:t>198</a:t>
+                      </a:r>
+                      <a:endParaRPr lang="en-US" altLang="ko-KR" sz="1100" b="1" i="0" u="none" strike="noStrike">
+                        <a:solidFill>
+                          <a:srgbClr val="000000"/>
+                        </a:solidFill>
+                        <a:effectLst/>
+                        <a:latin typeface="굴림" panose="020B0600000101010101" pitchFamily="50" charset="-127"/>
+                        <a:ea typeface="굴림" panose="020B0600000101010101" pitchFamily="50" charset="-127"/>
+                      </a:endParaRPr>
+                    </a:p>
+                  </a:txBody>
+                  <a:tcPr marL="7289" marR="7289" marT="7289" marB="0" anchor="ctr"/>
                 </a:tc>
                 <a:extLst>
                   <a:ext uri="{0D108BD9-81ED-4DB2-BD59-A6C34878D82A}">
-                    <a16:rowId xmlns:a16="http://schemas.microsoft.com/office/drawing/2014/main" val="4156767568"/>
+                    <a16:rowId xmlns:a16="http://schemas.microsoft.com/office/drawing/2014/main" val="2066184944"/>
                   </a:ext>
                 </a:extLst>
               </a:tr>
-              <a:tr h="167640">
-                <a:tc>
-                  <a:txBody>
-                    <a:bodyPr/>
-                    <a:lstStyle/>
-                    <a:p>
-                      <a:pPr algn="ctr" fontAlgn="ctr"/>
-                      <a:r>
-                        <a:rPr lang="ko-KR" altLang="en-US" sz="1000" u="none" strike="noStrike">
-                          <a:effectLst/>
-                        </a:rPr>
-                        <a:t>다래</a:t>
-                      </a:r>
-                      <a:endParaRPr lang="ko-KR" altLang="en-US" sz="1000" b="0" i="0" u="none" strike="noStrike">
-                        <a:solidFill>
-                          <a:srgbClr val="000000"/>
-                        </a:solidFill>
-                        <a:effectLst/>
-                        <a:latin typeface="굴림" panose="020B0600000101010101" pitchFamily="50" charset="-127"/>
-                        <a:ea typeface="굴림" panose="020B0600000101010101" pitchFamily="50" charset="-127"/>
-                      </a:endParaRPr>
-                    </a:p>
-                  </a:txBody>
-                  <a:tcPr marL="7620" marR="7620" marT="7620" marB="0" anchor="ctr"/>
-                </a:tc>
-                <a:tc>
-                  <a:txBody>
-                    <a:bodyPr/>
-                    <a:lstStyle/>
-                    <a:p>
-                      <a:pPr algn="r" fontAlgn="ctr"/>
-                      <a:r>
-                        <a:rPr lang="en-US" altLang="ko-KR" sz="1000" u="none" strike="noStrike">
+              <a:tr h="174928">
+                <a:tc>
+                  <a:txBody>
+                    <a:bodyPr/>
+                    <a:lstStyle/>
+                    <a:p>
+                      <a:pPr algn="ctr" fontAlgn="ctr"/>
+                      <a:r>
+                        <a:rPr lang="ko-KR" altLang="en-US" sz="1100" u="none" strike="noStrike">
+                          <a:effectLst/>
+                        </a:rPr>
+                        <a:t>파인애플</a:t>
+                      </a:r>
+                      <a:endParaRPr lang="ko-KR" altLang="en-US" sz="1100" b="1" i="0" u="none" strike="noStrike">
+                        <a:solidFill>
+                          <a:srgbClr val="000000"/>
+                        </a:solidFill>
+                        <a:effectLst/>
+                        <a:latin typeface="굴림" panose="020B0600000101010101" pitchFamily="50" charset="-127"/>
+                        <a:ea typeface="굴림" panose="020B0600000101010101" pitchFamily="50" charset="-127"/>
+                      </a:endParaRPr>
+                    </a:p>
+                  </a:txBody>
+                  <a:tcPr marL="7289" marR="7289" marT="7289" marB="0" anchor="ctr"/>
+                </a:tc>
+                <a:tc>
+                  <a:txBody>
+                    <a:bodyPr/>
+                    <a:lstStyle/>
+                    <a:p>
+                      <a:pPr algn="ctr" fontAlgn="ctr"/>
+                      <a:r>
+                        <a:rPr lang="en-US" altLang="ko-KR" sz="1100" u="none" strike="noStrike">
+                          <a:effectLst/>
+                        </a:rPr>
+                        <a:t>12</a:t>
+                      </a:r>
+                      <a:endParaRPr lang="en-US" altLang="ko-KR" sz="1100" b="1" i="0" u="none" strike="noStrike">
+                        <a:solidFill>
+                          <a:srgbClr val="000000"/>
+                        </a:solidFill>
+                        <a:effectLst/>
+                        <a:latin typeface="굴림" panose="020B0600000101010101" pitchFamily="50" charset="-127"/>
+                        <a:ea typeface="굴림" panose="020B0600000101010101" pitchFamily="50" charset="-127"/>
+                      </a:endParaRPr>
+                    </a:p>
+                  </a:txBody>
+                  <a:tcPr marL="7289" marR="7289" marT="7289" marB="0" anchor="ctr"/>
+                </a:tc>
+                <a:tc>
+                  <a:txBody>
+                    <a:bodyPr/>
+                    <a:lstStyle/>
+                    <a:p>
+                      <a:pPr algn="ctr" fontAlgn="ctr"/>
+                      <a:r>
+                        <a:rPr lang="en-US" altLang="ko-KR" sz="1100" u="none" strike="noStrike">
+                          <a:effectLst/>
+                        </a:rPr>
+                        <a:t>0</a:t>
+                      </a:r>
+                      <a:endParaRPr lang="en-US" altLang="ko-KR" sz="1100" b="1" i="0" u="none" strike="noStrike">
+                        <a:solidFill>
+                          <a:srgbClr val="000000"/>
+                        </a:solidFill>
+                        <a:effectLst/>
+                        <a:latin typeface="굴림" panose="020B0600000101010101" pitchFamily="50" charset="-127"/>
+                        <a:ea typeface="굴림" panose="020B0600000101010101" pitchFamily="50" charset="-127"/>
+                      </a:endParaRPr>
+                    </a:p>
+                  </a:txBody>
+                  <a:tcPr marL="7289" marR="7289" marT="7289" marB="0" anchor="ctr"/>
+                </a:tc>
+                <a:tc>
+                  <a:txBody>
+                    <a:bodyPr/>
+                    <a:lstStyle/>
+                    <a:p>
+                      <a:pPr algn="ctr" fontAlgn="ctr"/>
+                      <a:r>
+                        <a:rPr lang="en-US" altLang="ko-KR" sz="1100" u="none" strike="noStrike">
                           <a:effectLst/>
                         </a:rPr>
                         <a:t>1</a:t>
                       </a:r>
-                      <a:endParaRPr lang="en-US" altLang="ko-KR" sz="1000" b="0" i="0" u="none" strike="noStrike">
-                        <a:solidFill>
-                          <a:srgbClr val="000000"/>
-                        </a:solidFill>
-                        <a:effectLst/>
-                        <a:latin typeface="굴림" panose="020B0600000101010101" pitchFamily="50" charset="-127"/>
-                        <a:ea typeface="굴림" panose="020B0600000101010101" pitchFamily="50" charset="-127"/>
-                      </a:endParaRPr>
-                    </a:p>
-                  </a:txBody>
-                  <a:tcPr marL="7620" marR="7620" marT="7620" marB="0" anchor="ctr"/>
-                </a:tc>
-                <a:tc>
-                  <a:txBody>
-                    <a:bodyPr/>
-                    <a:lstStyle/>
-                    <a:p>
-                      <a:pPr algn="r" fontAlgn="ctr"/>
-                      <a:r>
-                        <a:rPr lang="en-US" altLang="ko-KR" sz="1000" u="none" strike="noStrike">
-                          <a:effectLst/>
-                        </a:rPr>
-                        <a:t>1</a:t>
-                      </a:r>
-                      <a:endParaRPr lang="en-US" altLang="ko-KR" sz="1000" b="0" i="0" u="none" strike="noStrike">
-                        <a:solidFill>
-                          <a:srgbClr val="000000"/>
-                        </a:solidFill>
-                        <a:effectLst/>
-                        <a:latin typeface="굴림" panose="020B0600000101010101" pitchFamily="50" charset="-127"/>
-                        <a:ea typeface="굴림" panose="020B0600000101010101" pitchFamily="50" charset="-127"/>
-                      </a:endParaRPr>
-                    </a:p>
-                  </a:txBody>
-                  <a:tcPr marL="7620" marR="7620" marT="7620" marB="0" anchor="ctr"/>
-                </a:tc>
-                <a:tc>
-                  <a:txBody>
-                    <a:bodyPr/>
-                    <a:lstStyle/>
-                    <a:p>
-                      <a:pPr algn="r" fontAlgn="ctr"/>
-                      <a:r>
-                        <a:rPr lang="en-US" altLang="ko-KR" sz="1000" u="none" strike="noStrike">
-                          <a:effectLst/>
-                        </a:rPr>
-                        <a:t>1</a:t>
-                      </a:r>
-                      <a:endParaRPr lang="en-US" altLang="ko-KR" sz="1000" b="0" i="0" u="none" strike="noStrike">
-                        <a:solidFill>
-                          <a:srgbClr val="000000"/>
-                        </a:solidFill>
-                        <a:effectLst/>
-                        <a:latin typeface="굴림" panose="020B0600000101010101" pitchFamily="50" charset="-127"/>
-                        <a:ea typeface="굴림" panose="020B0600000101010101" pitchFamily="50" charset="-127"/>
-                      </a:endParaRPr>
-                    </a:p>
-                  </a:txBody>
-                  <a:tcPr marL="7620" marR="7620" marT="7620" marB="0" anchor="ctr"/>
-                </a:tc>
-                <a:tc>
-                  <a:txBody>
-                    <a:bodyPr/>
-                    <a:lstStyle/>
-                    <a:p>
-                      <a:pPr algn="r" fontAlgn="ctr"/>
-                      <a:r>
-                        <a:rPr lang="en-US" altLang="ko-KR" sz="1000" u="none" strike="noStrike">
-                          <a:effectLst/>
-                        </a:rPr>
-                        <a:t>1</a:t>
-                      </a:r>
-                      <a:endParaRPr lang="en-US" altLang="ko-KR" sz="1000" b="0" i="0" u="none" strike="noStrike">
-                        <a:solidFill>
-                          <a:srgbClr val="000000"/>
-                        </a:solidFill>
-                        <a:effectLst/>
-                        <a:latin typeface="굴림" panose="020B0600000101010101" pitchFamily="50" charset="-127"/>
-                        <a:ea typeface="굴림" panose="020B0600000101010101" pitchFamily="50" charset="-127"/>
-                      </a:endParaRPr>
-                    </a:p>
-                  </a:txBody>
-                  <a:tcPr marL="7620" marR="7620" marT="7620" marB="0" anchor="ctr"/>
-                </a:tc>
-                <a:tc>
-                  <a:txBody>
-                    <a:bodyPr/>
-                    <a:lstStyle/>
-                    <a:p>
-                      <a:pPr algn="r" fontAlgn="ctr"/>
-                      <a:r>
-                        <a:rPr lang="en-US" altLang="ko-KR" sz="1000" u="none" strike="noStrike">
+                      <a:endParaRPr lang="en-US" altLang="ko-KR" sz="1100" b="1" i="0" u="none" strike="noStrike">
+                        <a:solidFill>
+                          <a:srgbClr val="000000"/>
+                        </a:solidFill>
+                        <a:effectLst/>
+                        <a:latin typeface="굴림" panose="020B0600000101010101" pitchFamily="50" charset="-127"/>
+                        <a:ea typeface="굴림" panose="020B0600000101010101" pitchFamily="50" charset="-127"/>
+                      </a:endParaRPr>
+                    </a:p>
+                  </a:txBody>
+                  <a:tcPr marL="7289" marR="7289" marT="7289" marB="0" anchor="ctr"/>
+                </a:tc>
+                <a:tc>
+                  <a:txBody>
+                    <a:bodyPr/>
+                    <a:lstStyle/>
+                    <a:p>
+                      <a:pPr algn="ctr" fontAlgn="ctr"/>
+                      <a:r>
+                        <a:rPr lang="en-US" altLang="ko-KR" sz="1100" u="none" strike="noStrike">
                           <a:effectLst/>
                         </a:rPr>
                         <a:t>0</a:t>
                       </a:r>
-                      <a:endParaRPr lang="en-US" altLang="ko-KR" sz="1000" b="0" i="0" u="none" strike="noStrike">
-                        <a:solidFill>
-                          <a:srgbClr val="000000"/>
-                        </a:solidFill>
-                        <a:effectLst/>
-                        <a:latin typeface="굴림" panose="020B0600000101010101" pitchFamily="50" charset="-127"/>
-                        <a:ea typeface="굴림" panose="020B0600000101010101" pitchFamily="50" charset="-127"/>
-                      </a:endParaRPr>
-                    </a:p>
-                  </a:txBody>
-                  <a:tcPr marL="7620" marR="7620" marT="7620" marB="0" anchor="ctr"/>
-                </a:tc>
-                <a:tc>
-                  <a:txBody>
-                    <a:bodyPr/>
-                    <a:lstStyle/>
-                    <a:p>
-                      <a:pPr algn="r" fontAlgn="ctr"/>
-                      <a:r>
-                        <a:rPr lang="en-US" altLang="ko-KR" sz="1000" u="none" strike="noStrike">
+                      <a:endParaRPr lang="en-US" altLang="ko-KR" sz="1100" b="1" i="0" u="none" strike="noStrike">
+                        <a:solidFill>
+                          <a:srgbClr val="000000"/>
+                        </a:solidFill>
+                        <a:effectLst/>
+                        <a:latin typeface="굴림" panose="020B0600000101010101" pitchFamily="50" charset="-127"/>
+                        <a:ea typeface="굴림" panose="020B0600000101010101" pitchFamily="50" charset="-127"/>
+                      </a:endParaRPr>
+                    </a:p>
+                  </a:txBody>
+                  <a:tcPr marL="7289" marR="7289" marT="7289" marB="0" anchor="ctr"/>
+                </a:tc>
+                <a:tc>
+                  <a:txBody>
+                    <a:bodyPr/>
+                    <a:lstStyle/>
+                    <a:p>
+                      <a:pPr algn="ctr" fontAlgn="ctr"/>
+                      <a:r>
+                        <a:rPr lang="en-US" altLang="ko-KR" sz="1100" u="none" strike="noStrike">
                           <a:effectLst/>
                         </a:rPr>
                         <a:t>0</a:t>
                       </a:r>
-                      <a:endParaRPr lang="en-US" altLang="ko-KR" sz="1000" b="0" i="0" u="none" strike="noStrike">
-                        <a:solidFill>
-                          <a:srgbClr val="000000"/>
-                        </a:solidFill>
-                        <a:effectLst/>
-                        <a:latin typeface="굴림" panose="020B0600000101010101" pitchFamily="50" charset="-127"/>
-                        <a:ea typeface="굴림" panose="020B0600000101010101" pitchFamily="50" charset="-127"/>
-                      </a:endParaRPr>
-                    </a:p>
-                  </a:txBody>
-                  <a:tcPr marL="7620" marR="7620" marT="7620" marB="0" anchor="ctr"/>
-                </a:tc>
-                <a:tc>
-                  <a:txBody>
-                    <a:bodyPr/>
-                    <a:lstStyle/>
-                    <a:p>
-                      <a:pPr algn="r" fontAlgn="ctr"/>
-                      <a:r>
-                        <a:rPr lang="en-US" altLang="ko-KR" sz="1000" u="none" strike="noStrike">
-                          <a:effectLst/>
-                        </a:rPr>
-                        <a:t>4</a:t>
-                      </a:r>
-                      <a:endParaRPr lang="en-US" altLang="ko-KR" sz="1000" b="0" i="0" u="none" strike="noStrike">
-                        <a:solidFill>
-                          <a:srgbClr val="000000"/>
-                        </a:solidFill>
-                        <a:effectLst/>
-                        <a:latin typeface="굴림" panose="020B0600000101010101" pitchFamily="50" charset="-127"/>
-                        <a:ea typeface="굴림" panose="020B0600000101010101" pitchFamily="50" charset="-127"/>
-                      </a:endParaRPr>
-                    </a:p>
-                  </a:txBody>
-                  <a:tcPr marL="7620" marR="7620" marT="7620" marB="0" anchor="ctr"/>
+                      <a:endParaRPr lang="en-US" altLang="ko-KR" sz="1100" b="1" i="0" u="none" strike="noStrike">
+                        <a:solidFill>
+                          <a:srgbClr val="000000"/>
+                        </a:solidFill>
+                        <a:effectLst/>
+                        <a:latin typeface="굴림" panose="020B0600000101010101" pitchFamily="50" charset="-127"/>
+                        <a:ea typeface="굴림" panose="020B0600000101010101" pitchFamily="50" charset="-127"/>
+                      </a:endParaRPr>
+                    </a:p>
+                  </a:txBody>
+                  <a:tcPr marL="7289" marR="7289" marT="7289" marB="0" anchor="ctr"/>
+                </a:tc>
+                <a:tc>
+                  <a:txBody>
+                    <a:bodyPr/>
+                    <a:lstStyle/>
+                    <a:p>
+                      <a:pPr algn="ctr" fontAlgn="ctr"/>
+                      <a:r>
+                        <a:rPr lang="en-US" altLang="ko-KR" sz="1100" u="none" strike="noStrike">
+                          <a:effectLst/>
+                        </a:rPr>
+                        <a:t>0</a:t>
+                      </a:r>
+                      <a:endParaRPr lang="en-US" altLang="ko-KR" sz="1100" b="1" i="0" u="none" strike="noStrike">
+                        <a:solidFill>
+                          <a:srgbClr val="000000"/>
+                        </a:solidFill>
+                        <a:effectLst/>
+                        <a:latin typeface="굴림" panose="020B0600000101010101" pitchFamily="50" charset="-127"/>
+                        <a:ea typeface="굴림" panose="020B0600000101010101" pitchFamily="50" charset="-127"/>
+                      </a:endParaRPr>
+                    </a:p>
+                  </a:txBody>
+                  <a:tcPr marL="7289" marR="7289" marT="7289" marB="0" anchor="ctr"/>
+                </a:tc>
+                <a:tc>
+                  <a:txBody>
+                    <a:bodyPr/>
+                    <a:lstStyle/>
+                    <a:p>
+                      <a:pPr algn="ctr" fontAlgn="ctr"/>
+                      <a:r>
+                        <a:rPr lang="en-US" altLang="ko-KR" sz="1100" u="none" strike="noStrike">
+                          <a:effectLst/>
+                        </a:rPr>
+                        <a:t>13</a:t>
+                      </a:r>
+                      <a:endParaRPr lang="en-US" altLang="ko-KR" sz="1100" b="1" i="0" u="none" strike="noStrike">
+                        <a:solidFill>
+                          <a:srgbClr val="000000"/>
+                        </a:solidFill>
+                        <a:effectLst/>
+                        <a:latin typeface="굴림" panose="020B0600000101010101" pitchFamily="50" charset="-127"/>
+                        <a:ea typeface="굴림" panose="020B0600000101010101" pitchFamily="50" charset="-127"/>
+                      </a:endParaRPr>
+                    </a:p>
+                  </a:txBody>
+                  <a:tcPr marL="7289" marR="7289" marT="7289" marB="0" anchor="ctr"/>
                 </a:tc>
                 <a:extLst>
                   <a:ext uri="{0D108BD9-81ED-4DB2-BD59-A6C34878D82A}">
-                    <a16:rowId xmlns:a16="http://schemas.microsoft.com/office/drawing/2014/main" val="4279202983"/>
+                    <a16:rowId xmlns:a16="http://schemas.microsoft.com/office/drawing/2014/main" val="3850735488"/>
                   </a:ext>
                 </a:extLst>
               </a:tr>
-              <a:tr h="167640">
-                <a:tc>
-                  <a:txBody>
-                    <a:bodyPr/>
-                    <a:lstStyle/>
-                    <a:p>
-                      <a:pPr algn="ctr" fontAlgn="ctr"/>
-                      <a:r>
-                        <a:rPr lang="ko-KR" altLang="en-US" sz="1000" u="none" strike="noStrike">
-                          <a:effectLst/>
-                        </a:rPr>
-                        <a:t>바나나</a:t>
-                      </a:r>
-                      <a:endParaRPr lang="ko-KR" altLang="en-US" sz="1000" b="0" i="0" u="none" strike="noStrike">
-                        <a:solidFill>
-                          <a:srgbClr val="000000"/>
-                        </a:solidFill>
-                        <a:effectLst/>
-                        <a:latin typeface="굴림" panose="020B0600000101010101" pitchFamily="50" charset="-127"/>
-                        <a:ea typeface="굴림" panose="020B0600000101010101" pitchFamily="50" charset="-127"/>
-                      </a:endParaRPr>
-                    </a:p>
-                  </a:txBody>
-                  <a:tcPr marL="7620" marR="7620" marT="7620" marB="0" anchor="ctr"/>
-                </a:tc>
-                <a:tc>
-                  <a:txBody>
-                    <a:bodyPr/>
-                    <a:lstStyle/>
-                    <a:p>
-                      <a:pPr algn="r" fontAlgn="ctr"/>
-                      <a:r>
-                        <a:rPr lang="en-US" altLang="ko-KR" sz="1000" u="none" strike="noStrike">
-                          <a:effectLst/>
-                        </a:rPr>
-                        <a:t>64</a:t>
-                      </a:r>
-                      <a:endParaRPr lang="en-US" altLang="ko-KR" sz="1000" b="0" i="0" u="none" strike="noStrike">
-                        <a:solidFill>
-                          <a:srgbClr val="000000"/>
-                        </a:solidFill>
-                        <a:effectLst/>
-                        <a:latin typeface="굴림" panose="020B0600000101010101" pitchFamily="50" charset="-127"/>
-                        <a:ea typeface="굴림" panose="020B0600000101010101" pitchFamily="50" charset="-127"/>
-                      </a:endParaRPr>
-                    </a:p>
-                  </a:txBody>
-                  <a:tcPr marL="7620" marR="7620" marT="7620" marB="0" anchor="ctr"/>
-                </a:tc>
-                <a:tc>
-                  <a:txBody>
-                    <a:bodyPr/>
-                    <a:lstStyle/>
-                    <a:p>
-                      <a:pPr algn="r" fontAlgn="ctr"/>
-                      <a:r>
-                        <a:rPr lang="en-US" altLang="ko-KR" sz="1000" u="none" strike="noStrike">
+              <a:tr h="174928">
+                <a:tc>
+                  <a:txBody>
+                    <a:bodyPr/>
+                    <a:lstStyle/>
+                    <a:p>
+                      <a:pPr algn="ctr" fontAlgn="ctr"/>
+                      <a:r>
+                        <a:rPr lang="ko-KR" altLang="en-US" sz="1100" u="none" strike="noStrike">
+                          <a:effectLst/>
+                        </a:rPr>
+                        <a:t>레몬</a:t>
+                      </a:r>
+                      <a:endParaRPr lang="ko-KR" altLang="en-US" sz="1100" b="1" i="0" u="none" strike="noStrike">
+                        <a:solidFill>
+                          <a:srgbClr val="000000"/>
+                        </a:solidFill>
+                        <a:effectLst/>
+                        <a:latin typeface="굴림" panose="020B0600000101010101" pitchFamily="50" charset="-127"/>
+                        <a:ea typeface="굴림" panose="020B0600000101010101" pitchFamily="50" charset="-127"/>
+                      </a:endParaRPr>
+                    </a:p>
+                  </a:txBody>
+                  <a:tcPr marL="7289" marR="7289" marT="7289" marB="0" anchor="ctr"/>
+                </a:tc>
+                <a:tc>
+                  <a:txBody>
+                    <a:bodyPr/>
+                    <a:lstStyle/>
+                    <a:p>
+                      <a:pPr algn="ctr" fontAlgn="ctr"/>
+                      <a:r>
+                        <a:rPr lang="en-US" altLang="ko-KR" sz="1100" u="none" strike="noStrike">
+                          <a:effectLst/>
+                        </a:rPr>
+                        <a:t>1</a:t>
+                      </a:r>
+                      <a:endParaRPr lang="en-US" altLang="ko-KR" sz="1100" b="1" i="0" u="none" strike="noStrike">
+                        <a:solidFill>
+                          <a:srgbClr val="000000"/>
+                        </a:solidFill>
+                        <a:effectLst/>
+                        <a:latin typeface="굴림" panose="020B0600000101010101" pitchFamily="50" charset="-127"/>
+                        <a:ea typeface="굴림" panose="020B0600000101010101" pitchFamily="50" charset="-127"/>
+                      </a:endParaRPr>
+                    </a:p>
+                  </a:txBody>
+                  <a:tcPr marL="7289" marR="7289" marT="7289" marB="0" anchor="ctr"/>
+                </a:tc>
+                <a:tc>
+                  <a:txBody>
+                    <a:bodyPr/>
+                    <a:lstStyle/>
+                    <a:p>
+                      <a:pPr algn="ctr" fontAlgn="ctr"/>
+                      <a:r>
+                        <a:rPr lang="en-US" altLang="ko-KR" sz="1100" u="none" strike="noStrike">
                           <a:effectLst/>
                         </a:rPr>
                         <a:t>0</a:t>
                       </a:r>
-                      <a:endParaRPr lang="en-US" altLang="ko-KR" sz="1000" b="0" i="0" u="none" strike="noStrike">
-                        <a:solidFill>
-                          <a:srgbClr val="000000"/>
-                        </a:solidFill>
-                        <a:effectLst/>
-                        <a:latin typeface="굴림" panose="020B0600000101010101" pitchFamily="50" charset="-127"/>
-                        <a:ea typeface="굴림" panose="020B0600000101010101" pitchFamily="50" charset="-127"/>
-                      </a:endParaRPr>
-                    </a:p>
-                  </a:txBody>
-                  <a:tcPr marL="7620" marR="7620" marT="7620" marB="0" anchor="ctr"/>
-                </a:tc>
-                <a:tc>
-                  <a:txBody>
-                    <a:bodyPr/>
-                    <a:lstStyle/>
-                    <a:p>
-                      <a:pPr algn="r" fontAlgn="ctr"/>
-                      <a:r>
-                        <a:rPr lang="en-US" altLang="ko-KR" sz="1000" u="none" strike="noStrike">
-                          <a:effectLst/>
-                        </a:rPr>
-                        <a:t>82</a:t>
-                      </a:r>
-                      <a:endParaRPr lang="en-US" altLang="ko-KR" sz="1000" b="0" i="0" u="none" strike="noStrike">
-                        <a:solidFill>
-                          <a:srgbClr val="000000"/>
-                        </a:solidFill>
-                        <a:effectLst/>
-                        <a:latin typeface="굴림" panose="020B0600000101010101" pitchFamily="50" charset="-127"/>
-                        <a:ea typeface="굴림" panose="020B0600000101010101" pitchFamily="50" charset="-127"/>
-                      </a:endParaRPr>
-                    </a:p>
-                  </a:txBody>
-                  <a:tcPr marL="7620" marR="7620" marT="7620" marB="0" anchor="ctr"/>
-                </a:tc>
-                <a:tc>
-                  <a:txBody>
-                    <a:bodyPr/>
-                    <a:lstStyle/>
-                    <a:p>
-                      <a:pPr algn="r" fontAlgn="ctr"/>
-                      <a:r>
-                        <a:rPr lang="en-US" altLang="ko-KR" sz="1000" u="none" strike="noStrike">
-                          <a:effectLst/>
-                        </a:rPr>
-                        <a:t>25</a:t>
-                      </a:r>
-                      <a:endParaRPr lang="en-US" altLang="ko-KR" sz="1000" b="0" i="0" u="none" strike="noStrike">
-                        <a:solidFill>
-                          <a:srgbClr val="000000"/>
-                        </a:solidFill>
-                        <a:effectLst/>
-                        <a:latin typeface="굴림" panose="020B0600000101010101" pitchFamily="50" charset="-127"/>
-                        <a:ea typeface="굴림" panose="020B0600000101010101" pitchFamily="50" charset="-127"/>
-                      </a:endParaRPr>
-                    </a:p>
-                  </a:txBody>
-                  <a:tcPr marL="7620" marR="7620" marT="7620" marB="0" anchor="ctr"/>
-                </a:tc>
-                <a:tc>
-                  <a:txBody>
-                    <a:bodyPr/>
-                    <a:lstStyle/>
-                    <a:p>
-                      <a:pPr algn="r" fontAlgn="ctr"/>
-                      <a:r>
-                        <a:rPr lang="en-US" altLang="ko-KR" sz="1000" u="none" strike="noStrike">
-                          <a:effectLst/>
-                        </a:rPr>
-                        <a:t>27</a:t>
-                      </a:r>
-                      <a:endParaRPr lang="en-US" altLang="ko-KR" sz="1000" b="0" i="0" u="none" strike="noStrike">
-                        <a:solidFill>
-                          <a:srgbClr val="000000"/>
-                        </a:solidFill>
-                        <a:effectLst/>
-                        <a:latin typeface="굴림" panose="020B0600000101010101" pitchFamily="50" charset="-127"/>
-                        <a:ea typeface="굴림" panose="020B0600000101010101" pitchFamily="50" charset="-127"/>
-                      </a:endParaRPr>
-                    </a:p>
-                  </a:txBody>
-                  <a:tcPr marL="7620" marR="7620" marT="7620" marB="0" anchor="ctr"/>
-                </a:tc>
-                <a:tc>
-                  <a:txBody>
-                    <a:bodyPr/>
-                    <a:lstStyle/>
-                    <a:p>
-                      <a:pPr algn="r" fontAlgn="ctr"/>
-                      <a:r>
-                        <a:rPr lang="en-US" altLang="ko-KR" sz="1000" u="none" strike="noStrike">
+                      <a:endParaRPr lang="en-US" altLang="ko-KR" sz="1100" b="1" i="0" u="none" strike="noStrike">
+                        <a:solidFill>
+                          <a:srgbClr val="000000"/>
+                        </a:solidFill>
+                        <a:effectLst/>
+                        <a:latin typeface="굴림" panose="020B0600000101010101" pitchFamily="50" charset="-127"/>
+                        <a:ea typeface="굴림" panose="020B0600000101010101" pitchFamily="50" charset="-127"/>
+                      </a:endParaRPr>
+                    </a:p>
+                  </a:txBody>
+                  <a:tcPr marL="7289" marR="7289" marT="7289" marB="0" anchor="ctr"/>
+                </a:tc>
+                <a:tc>
+                  <a:txBody>
+                    <a:bodyPr/>
+                    <a:lstStyle/>
+                    <a:p>
+                      <a:pPr algn="ctr" fontAlgn="ctr"/>
+                      <a:r>
+                        <a:rPr lang="en-US" altLang="ko-KR" sz="1100" u="none" strike="noStrike">
                           <a:effectLst/>
                         </a:rPr>
                         <a:t>0</a:t>
                       </a:r>
-                      <a:endParaRPr lang="en-US" altLang="ko-KR" sz="1000" b="0" i="0" u="none" strike="noStrike">
-                        <a:solidFill>
-                          <a:srgbClr val="000000"/>
-                        </a:solidFill>
-                        <a:effectLst/>
-                        <a:latin typeface="굴림" panose="020B0600000101010101" pitchFamily="50" charset="-127"/>
-                        <a:ea typeface="굴림" panose="020B0600000101010101" pitchFamily="50" charset="-127"/>
-                      </a:endParaRPr>
-                    </a:p>
-                  </a:txBody>
-                  <a:tcPr marL="7620" marR="7620" marT="7620" marB="0" anchor="ctr"/>
-                </a:tc>
-                <a:tc>
-                  <a:txBody>
-                    <a:bodyPr/>
-                    <a:lstStyle/>
-                    <a:p>
-                      <a:pPr algn="r" fontAlgn="ctr"/>
-                      <a:r>
-                        <a:rPr lang="en-US" altLang="ko-KR" sz="1000" u="none" strike="noStrike">
-                          <a:effectLst/>
-                        </a:rPr>
-                        <a:t>198</a:t>
-                      </a:r>
-                      <a:endParaRPr lang="en-US" altLang="ko-KR" sz="1000" b="0" i="0" u="none" strike="noStrike">
-                        <a:solidFill>
-                          <a:srgbClr val="000000"/>
-                        </a:solidFill>
-                        <a:effectLst/>
-                        <a:latin typeface="굴림" panose="020B0600000101010101" pitchFamily="50" charset="-127"/>
-                        <a:ea typeface="굴림" panose="020B0600000101010101" pitchFamily="50" charset="-127"/>
-                      </a:endParaRPr>
-                    </a:p>
-                  </a:txBody>
-                  <a:tcPr marL="7620" marR="7620" marT="7620" marB="0" anchor="ctr"/>
+                      <a:endParaRPr lang="en-US" altLang="ko-KR" sz="1100" b="1" i="0" u="none" strike="noStrike">
+                        <a:solidFill>
+                          <a:srgbClr val="000000"/>
+                        </a:solidFill>
+                        <a:effectLst/>
+                        <a:latin typeface="굴림" panose="020B0600000101010101" pitchFamily="50" charset="-127"/>
+                        <a:ea typeface="굴림" panose="020B0600000101010101" pitchFamily="50" charset="-127"/>
+                      </a:endParaRPr>
+                    </a:p>
+                  </a:txBody>
+                  <a:tcPr marL="7289" marR="7289" marT="7289" marB="0" anchor="ctr"/>
+                </a:tc>
+                <a:tc>
+                  <a:txBody>
+                    <a:bodyPr/>
+                    <a:lstStyle/>
+                    <a:p>
+                      <a:pPr algn="ctr" fontAlgn="ctr"/>
+                      <a:r>
+                        <a:rPr lang="en-US" altLang="ko-KR" sz="1100" u="none" strike="noStrike">
+                          <a:effectLst/>
+                        </a:rPr>
+                        <a:t>0</a:t>
+                      </a:r>
+                      <a:endParaRPr lang="en-US" altLang="ko-KR" sz="1100" b="1" i="0" u="none" strike="noStrike">
+                        <a:solidFill>
+                          <a:srgbClr val="000000"/>
+                        </a:solidFill>
+                        <a:effectLst/>
+                        <a:latin typeface="굴림" panose="020B0600000101010101" pitchFamily="50" charset="-127"/>
+                        <a:ea typeface="굴림" panose="020B0600000101010101" pitchFamily="50" charset="-127"/>
+                      </a:endParaRPr>
+                    </a:p>
+                  </a:txBody>
+                  <a:tcPr marL="7289" marR="7289" marT="7289" marB="0" anchor="ctr"/>
+                </a:tc>
+                <a:tc>
+                  <a:txBody>
+                    <a:bodyPr/>
+                    <a:lstStyle/>
+                    <a:p>
+                      <a:pPr algn="ctr" fontAlgn="ctr"/>
+                      <a:r>
+                        <a:rPr lang="en-US" altLang="ko-KR" sz="1100" u="none" strike="noStrike">
+                          <a:effectLst/>
+                        </a:rPr>
+                        <a:t>0</a:t>
+                      </a:r>
+                      <a:endParaRPr lang="en-US" altLang="ko-KR" sz="1100" b="1" i="0" u="none" strike="noStrike">
+                        <a:solidFill>
+                          <a:srgbClr val="000000"/>
+                        </a:solidFill>
+                        <a:effectLst/>
+                        <a:latin typeface="굴림" panose="020B0600000101010101" pitchFamily="50" charset="-127"/>
+                        <a:ea typeface="굴림" panose="020B0600000101010101" pitchFamily="50" charset="-127"/>
+                      </a:endParaRPr>
+                    </a:p>
+                  </a:txBody>
+                  <a:tcPr marL="7289" marR="7289" marT="7289" marB="0" anchor="ctr"/>
+                </a:tc>
+                <a:tc>
+                  <a:txBody>
+                    <a:bodyPr/>
+                    <a:lstStyle/>
+                    <a:p>
+                      <a:pPr algn="ctr" fontAlgn="ctr"/>
+                      <a:r>
+                        <a:rPr lang="en-US" altLang="ko-KR" sz="1100" u="none" strike="noStrike">
+                          <a:effectLst/>
+                        </a:rPr>
+                        <a:t>0</a:t>
+                      </a:r>
+                      <a:endParaRPr lang="en-US" altLang="ko-KR" sz="1100" b="1" i="0" u="none" strike="noStrike">
+                        <a:solidFill>
+                          <a:srgbClr val="000000"/>
+                        </a:solidFill>
+                        <a:effectLst/>
+                        <a:latin typeface="굴림" panose="020B0600000101010101" pitchFamily="50" charset="-127"/>
+                        <a:ea typeface="굴림" panose="020B0600000101010101" pitchFamily="50" charset="-127"/>
+                      </a:endParaRPr>
+                    </a:p>
+                  </a:txBody>
+                  <a:tcPr marL="7289" marR="7289" marT="7289" marB="0" anchor="ctr"/>
+                </a:tc>
+                <a:tc>
+                  <a:txBody>
+                    <a:bodyPr/>
+                    <a:lstStyle/>
+                    <a:p>
+                      <a:pPr algn="ctr" fontAlgn="ctr"/>
+                      <a:r>
+                        <a:rPr lang="en-US" altLang="ko-KR" sz="1100" u="none" strike="noStrike">
+                          <a:effectLst/>
+                        </a:rPr>
+                        <a:t>2</a:t>
+                      </a:r>
+                      <a:endParaRPr lang="en-US" altLang="ko-KR" sz="1100" b="1" i="0" u="none" strike="noStrike">
+                        <a:solidFill>
+                          <a:srgbClr val="000000"/>
+                        </a:solidFill>
+                        <a:effectLst/>
+                        <a:latin typeface="굴림" panose="020B0600000101010101" pitchFamily="50" charset="-127"/>
+                        <a:ea typeface="굴림" panose="020B0600000101010101" pitchFamily="50" charset="-127"/>
+                      </a:endParaRPr>
+                    </a:p>
+                  </a:txBody>
+                  <a:tcPr marL="7289" marR="7289" marT="7289" marB="0" anchor="ctr"/>
                 </a:tc>
                 <a:extLst>
                   <a:ext uri="{0D108BD9-81ED-4DB2-BD59-A6C34878D82A}">
-                    <a16:rowId xmlns:a16="http://schemas.microsoft.com/office/drawing/2014/main" val="1102043981"/>
+                    <a16:rowId xmlns:a16="http://schemas.microsoft.com/office/drawing/2014/main" val="612273291"/>
                   </a:ext>
                 </a:extLst>
               </a:tr>
-              <a:tr h="167640">
-                <a:tc>
-                  <a:txBody>
-                    <a:bodyPr/>
-                    <a:lstStyle/>
-                    <a:p>
-                      <a:pPr algn="ctr" fontAlgn="ctr"/>
-                      <a:r>
-                        <a:rPr lang="ko-KR" altLang="en-US" sz="1000" u="none" strike="noStrike">
-                          <a:effectLst/>
-                        </a:rPr>
-                        <a:t>파인애플</a:t>
-                      </a:r>
-                      <a:endParaRPr lang="ko-KR" altLang="en-US" sz="1000" b="0" i="0" u="none" strike="noStrike">
-                        <a:solidFill>
-                          <a:srgbClr val="000000"/>
-                        </a:solidFill>
-                        <a:effectLst/>
-                        <a:latin typeface="굴림" panose="020B0600000101010101" pitchFamily="50" charset="-127"/>
-                        <a:ea typeface="굴림" panose="020B0600000101010101" pitchFamily="50" charset="-127"/>
-                      </a:endParaRPr>
-                    </a:p>
-                  </a:txBody>
-                  <a:tcPr marL="7620" marR="7620" marT="7620" marB="0" anchor="ctr"/>
-                </a:tc>
-                <a:tc>
-                  <a:txBody>
-                    <a:bodyPr/>
-                    <a:lstStyle/>
-                    <a:p>
-                      <a:pPr algn="r" fontAlgn="ctr"/>
-                      <a:r>
-                        <a:rPr lang="en-US" altLang="ko-KR" sz="1000" u="none" strike="noStrike">
-                          <a:effectLst/>
-                        </a:rPr>
-                        <a:t>12</a:t>
-                      </a:r>
-                      <a:endParaRPr lang="en-US" altLang="ko-KR" sz="1000" b="0" i="0" u="none" strike="noStrike">
-                        <a:solidFill>
-                          <a:srgbClr val="000000"/>
-                        </a:solidFill>
-                        <a:effectLst/>
-                        <a:latin typeface="굴림" panose="020B0600000101010101" pitchFamily="50" charset="-127"/>
-                        <a:ea typeface="굴림" panose="020B0600000101010101" pitchFamily="50" charset="-127"/>
-                      </a:endParaRPr>
-                    </a:p>
-                  </a:txBody>
-                  <a:tcPr marL="7620" marR="7620" marT="7620" marB="0" anchor="ctr"/>
-                </a:tc>
-                <a:tc>
-                  <a:txBody>
-                    <a:bodyPr/>
-                    <a:lstStyle/>
-                    <a:p>
-                      <a:pPr algn="r" fontAlgn="ctr"/>
-                      <a:r>
-                        <a:rPr lang="en-US" altLang="ko-KR" sz="1000" u="none" strike="noStrike">
+              <a:tr h="174928">
+                <a:tc>
+                  <a:txBody>
+                    <a:bodyPr/>
+                    <a:lstStyle/>
+                    <a:p>
+                      <a:pPr algn="ctr" fontAlgn="ctr"/>
+                      <a:r>
+                        <a:rPr lang="ko-KR" altLang="en-US" sz="1100" u="none" strike="noStrike">
+                          <a:effectLst/>
+                        </a:rPr>
+                        <a:t>산딸기</a:t>
+                      </a:r>
+                      <a:endParaRPr lang="ko-KR" altLang="en-US" sz="1100" b="1" i="0" u="none" strike="noStrike">
+                        <a:solidFill>
+                          <a:srgbClr val="000000"/>
+                        </a:solidFill>
+                        <a:effectLst/>
+                        <a:latin typeface="굴림" panose="020B0600000101010101" pitchFamily="50" charset="-127"/>
+                        <a:ea typeface="굴림" panose="020B0600000101010101" pitchFamily="50" charset="-127"/>
+                      </a:endParaRPr>
+                    </a:p>
+                  </a:txBody>
+                  <a:tcPr marL="7289" marR="7289" marT="7289" marB="0" anchor="ctr"/>
+                </a:tc>
+                <a:tc>
+                  <a:txBody>
+                    <a:bodyPr/>
+                    <a:lstStyle/>
+                    <a:p>
+                      <a:pPr algn="ctr" fontAlgn="ctr"/>
+                      <a:r>
+                        <a:rPr lang="en-US" altLang="ko-KR" sz="1100" u="none" strike="noStrike">
                           <a:effectLst/>
                         </a:rPr>
                         <a:t>0</a:t>
                       </a:r>
-                      <a:endParaRPr lang="en-US" altLang="ko-KR" sz="1000" b="0" i="0" u="none" strike="noStrike">
-                        <a:solidFill>
-                          <a:srgbClr val="000000"/>
-                        </a:solidFill>
-                        <a:effectLst/>
-                        <a:latin typeface="굴림" panose="020B0600000101010101" pitchFamily="50" charset="-127"/>
-                        <a:ea typeface="굴림" panose="020B0600000101010101" pitchFamily="50" charset="-127"/>
-                      </a:endParaRPr>
-                    </a:p>
-                  </a:txBody>
-                  <a:tcPr marL="7620" marR="7620" marT="7620" marB="0" anchor="ctr"/>
-                </a:tc>
-                <a:tc>
-                  <a:txBody>
-                    <a:bodyPr/>
-                    <a:lstStyle/>
-                    <a:p>
-                      <a:pPr algn="r" fontAlgn="ctr"/>
-                      <a:r>
-                        <a:rPr lang="en-US" altLang="ko-KR" sz="1000" u="none" strike="noStrike">
+                      <a:endParaRPr lang="en-US" altLang="ko-KR" sz="1100" b="1" i="0" u="none" strike="noStrike">
+                        <a:solidFill>
+                          <a:srgbClr val="000000"/>
+                        </a:solidFill>
+                        <a:effectLst/>
+                        <a:latin typeface="굴림" panose="020B0600000101010101" pitchFamily="50" charset="-127"/>
+                        <a:ea typeface="굴림" panose="020B0600000101010101" pitchFamily="50" charset="-127"/>
+                      </a:endParaRPr>
+                    </a:p>
+                  </a:txBody>
+                  <a:tcPr marL="7289" marR="7289" marT="7289" marB="0" anchor="ctr"/>
+                </a:tc>
+                <a:tc>
+                  <a:txBody>
+                    <a:bodyPr/>
+                    <a:lstStyle/>
+                    <a:p>
+                      <a:pPr algn="ctr" fontAlgn="ctr"/>
+                      <a:r>
+                        <a:rPr lang="en-US" altLang="ko-KR" sz="1100" u="none" strike="noStrike">
+                          <a:effectLst/>
+                        </a:rPr>
+                        <a:t>0</a:t>
+                      </a:r>
+                      <a:endParaRPr lang="en-US" altLang="ko-KR" sz="1100" b="1" i="0" u="none" strike="noStrike">
+                        <a:solidFill>
+                          <a:srgbClr val="000000"/>
+                        </a:solidFill>
+                        <a:effectLst/>
+                        <a:latin typeface="굴림" panose="020B0600000101010101" pitchFamily="50" charset="-127"/>
+                        <a:ea typeface="굴림" panose="020B0600000101010101" pitchFamily="50" charset="-127"/>
+                      </a:endParaRPr>
+                    </a:p>
+                  </a:txBody>
+                  <a:tcPr marL="7289" marR="7289" marT="7289" marB="0" anchor="ctr"/>
+                </a:tc>
+                <a:tc>
+                  <a:txBody>
+                    <a:bodyPr/>
+                    <a:lstStyle/>
+                    <a:p>
+                      <a:pPr algn="ctr" fontAlgn="ctr"/>
+                      <a:r>
+                        <a:rPr lang="en-US" altLang="ko-KR" sz="1100" u="none" strike="noStrike">
                           <a:effectLst/>
                         </a:rPr>
                         <a:t>1</a:t>
                       </a:r>
-                      <a:endParaRPr lang="en-US" altLang="ko-KR" sz="1000" b="0" i="0" u="none" strike="noStrike">
-                        <a:solidFill>
-                          <a:srgbClr val="000000"/>
-                        </a:solidFill>
-                        <a:effectLst/>
-                        <a:latin typeface="굴림" panose="020B0600000101010101" pitchFamily="50" charset="-127"/>
-                        <a:ea typeface="굴림" panose="020B0600000101010101" pitchFamily="50" charset="-127"/>
-                      </a:endParaRPr>
-                    </a:p>
-                  </a:txBody>
-                  <a:tcPr marL="7620" marR="7620" marT="7620" marB="0" anchor="ctr"/>
-                </a:tc>
-                <a:tc>
-                  <a:txBody>
-                    <a:bodyPr/>
-                    <a:lstStyle/>
-                    <a:p>
-                      <a:pPr algn="r" fontAlgn="ctr"/>
-                      <a:r>
-                        <a:rPr lang="en-US" altLang="ko-KR" sz="1000" u="none" strike="noStrike">
+                      <a:endParaRPr lang="en-US" altLang="ko-KR" sz="1100" b="1" i="0" u="none" strike="noStrike">
+                        <a:solidFill>
+                          <a:srgbClr val="000000"/>
+                        </a:solidFill>
+                        <a:effectLst/>
+                        <a:latin typeface="굴림" panose="020B0600000101010101" pitchFamily="50" charset="-127"/>
+                        <a:ea typeface="굴림" panose="020B0600000101010101" pitchFamily="50" charset="-127"/>
+                      </a:endParaRPr>
+                    </a:p>
+                  </a:txBody>
+                  <a:tcPr marL="7289" marR="7289" marT="7289" marB="0" anchor="ctr"/>
+                </a:tc>
+                <a:tc>
+                  <a:txBody>
+                    <a:bodyPr/>
+                    <a:lstStyle/>
+                    <a:p>
+                      <a:pPr algn="ctr" fontAlgn="ctr"/>
+                      <a:r>
+                        <a:rPr lang="en-US" altLang="ko-KR" sz="1100" u="none" strike="noStrike">
                           <a:effectLst/>
                         </a:rPr>
                         <a:t>0</a:t>
                       </a:r>
-                      <a:endParaRPr lang="en-US" altLang="ko-KR" sz="1000" b="0" i="0" u="none" strike="noStrike">
-                        <a:solidFill>
-                          <a:srgbClr val="000000"/>
-                        </a:solidFill>
-                        <a:effectLst/>
-                        <a:latin typeface="굴림" panose="020B0600000101010101" pitchFamily="50" charset="-127"/>
-                        <a:ea typeface="굴림" panose="020B0600000101010101" pitchFamily="50" charset="-127"/>
-                      </a:endParaRPr>
-                    </a:p>
-                  </a:txBody>
-                  <a:tcPr marL="7620" marR="7620" marT="7620" marB="0" anchor="ctr"/>
-                </a:tc>
-                <a:tc>
-                  <a:txBody>
-                    <a:bodyPr/>
-                    <a:lstStyle/>
-                    <a:p>
-                      <a:pPr algn="r" fontAlgn="ctr"/>
-                      <a:r>
-                        <a:rPr lang="en-US" altLang="ko-KR" sz="1000" u="none" strike="noStrike">
+                      <a:endParaRPr lang="en-US" altLang="ko-KR" sz="1100" b="1" i="0" u="none" strike="noStrike">
+                        <a:solidFill>
+                          <a:srgbClr val="000000"/>
+                        </a:solidFill>
+                        <a:effectLst/>
+                        <a:latin typeface="굴림" panose="020B0600000101010101" pitchFamily="50" charset="-127"/>
+                        <a:ea typeface="굴림" panose="020B0600000101010101" pitchFamily="50" charset="-127"/>
+                      </a:endParaRPr>
+                    </a:p>
+                  </a:txBody>
+                  <a:tcPr marL="7289" marR="7289" marT="7289" marB="0" anchor="ctr"/>
+                </a:tc>
+                <a:tc>
+                  <a:txBody>
+                    <a:bodyPr/>
+                    <a:lstStyle/>
+                    <a:p>
+                      <a:pPr algn="ctr" fontAlgn="ctr"/>
+                      <a:r>
+                        <a:rPr lang="en-US" altLang="ko-KR" sz="1100" u="none" strike="noStrike">
                           <a:effectLst/>
                         </a:rPr>
                         <a:t>0</a:t>
                       </a:r>
-                      <a:endParaRPr lang="en-US" altLang="ko-KR" sz="1000" b="0" i="0" u="none" strike="noStrike">
-                        <a:solidFill>
-                          <a:srgbClr val="000000"/>
-                        </a:solidFill>
-                        <a:effectLst/>
-                        <a:latin typeface="굴림" panose="020B0600000101010101" pitchFamily="50" charset="-127"/>
-                        <a:ea typeface="굴림" panose="020B0600000101010101" pitchFamily="50" charset="-127"/>
-                      </a:endParaRPr>
-                    </a:p>
-                  </a:txBody>
-                  <a:tcPr marL="7620" marR="7620" marT="7620" marB="0" anchor="ctr"/>
-                </a:tc>
-                <a:tc>
-                  <a:txBody>
-                    <a:bodyPr/>
-                    <a:lstStyle/>
-                    <a:p>
-                      <a:pPr algn="r" fontAlgn="ctr"/>
-                      <a:r>
-                        <a:rPr lang="en-US" altLang="ko-KR" sz="1000" u="none" strike="noStrike">
+                      <a:endParaRPr lang="en-US" altLang="ko-KR" sz="1100" b="1" i="0" u="none" strike="noStrike">
+                        <a:solidFill>
+                          <a:srgbClr val="000000"/>
+                        </a:solidFill>
+                        <a:effectLst/>
+                        <a:latin typeface="굴림" panose="020B0600000101010101" pitchFamily="50" charset="-127"/>
+                        <a:ea typeface="굴림" panose="020B0600000101010101" pitchFamily="50" charset="-127"/>
+                      </a:endParaRPr>
+                    </a:p>
+                  </a:txBody>
+                  <a:tcPr marL="7289" marR="7289" marT="7289" marB="0" anchor="ctr"/>
+                </a:tc>
+                <a:tc>
+                  <a:txBody>
+                    <a:bodyPr/>
+                    <a:lstStyle/>
+                    <a:p>
+                      <a:pPr algn="ctr" fontAlgn="ctr"/>
+                      <a:r>
+                        <a:rPr lang="en-US" altLang="ko-KR" sz="1100" u="none" strike="noStrike">
                           <a:effectLst/>
                         </a:rPr>
                         <a:t>0</a:t>
                       </a:r>
-                      <a:endParaRPr lang="en-US" altLang="ko-KR" sz="1000" b="0" i="0" u="none" strike="noStrike">
-                        <a:solidFill>
-                          <a:srgbClr val="000000"/>
-                        </a:solidFill>
-                        <a:effectLst/>
-                        <a:latin typeface="굴림" panose="020B0600000101010101" pitchFamily="50" charset="-127"/>
-                        <a:ea typeface="굴림" panose="020B0600000101010101" pitchFamily="50" charset="-127"/>
-                      </a:endParaRPr>
-                    </a:p>
-                  </a:txBody>
-                  <a:tcPr marL="7620" marR="7620" marT="7620" marB="0" anchor="ctr"/>
-                </a:tc>
-                <a:tc>
-                  <a:txBody>
-                    <a:bodyPr/>
-                    <a:lstStyle/>
-                    <a:p>
-                      <a:pPr algn="r" fontAlgn="ctr"/>
-                      <a:r>
-                        <a:rPr lang="en-US" altLang="ko-KR" sz="1000" u="none" strike="noStrike">
-                          <a:effectLst/>
-                        </a:rPr>
-                        <a:t>13</a:t>
-                      </a:r>
-                      <a:endParaRPr lang="en-US" altLang="ko-KR" sz="1000" b="0" i="0" u="none" strike="noStrike">
-                        <a:solidFill>
-                          <a:srgbClr val="000000"/>
-                        </a:solidFill>
-                        <a:effectLst/>
-                        <a:latin typeface="굴림" panose="020B0600000101010101" pitchFamily="50" charset="-127"/>
-                        <a:ea typeface="굴림" panose="020B0600000101010101" pitchFamily="50" charset="-127"/>
-                      </a:endParaRPr>
-                    </a:p>
-                  </a:txBody>
-                  <a:tcPr marL="7620" marR="7620" marT="7620" marB="0" anchor="ctr"/>
+                      <a:endParaRPr lang="en-US" altLang="ko-KR" sz="1100" b="1" i="0" u="none" strike="noStrike">
+                        <a:solidFill>
+                          <a:srgbClr val="000000"/>
+                        </a:solidFill>
+                        <a:effectLst/>
+                        <a:latin typeface="굴림" panose="020B0600000101010101" pitchFamily="50" charset="-127"/>
+                        <a:ea typeface="굴림" panose="020B0600000101010101" pitchFamily="50" charset="-127"/>
+                      </a:endParaRPr>
+                    </a:p>
+                  </a:txBody>
+                  <a:tcPr marL="7289" marR="7289" marT="7289" marB="0" anchor="ctr"/>
+                </a:tc>
+                <a:tc>
+                  <a:txBody>
+                    <a:bodyPr/>
+                    <a:lstStyle/>
+                    <a:p>
+                      <a:pPr algn="ctr" fontAlgn="ctr"/>
+                      <a:r>
+                        <a:rPr lang="en-US" altLang="ko-KR" sz="1100" u="none" strike="noStrike">
+                          <a:effectLst/>
+                        </a:rPr>
+                        <a:t>1</a:t>
+                      </a:r>
+                      <a:endParaRPr lang="en-US" altLang="ko-KR" sz="1100" b="1" i="0" u="none" strike="noStrike">
+                        <a:solidFill>
+                          <a:srgbClr val="000000"/>
+                        </a:solidFill>
+                        <a:effectLst/>
+                        <a:latin typeface="굴림" panose="020B0600000101010101" pitchFamily="50" charset="-127"/>
+                        <a:ea typeface="굴림" panose="020B0600000101010101" pitchFamily="50" charset="-127"/>
+                      </a:endParaRPr>
+                    </a:p>
+                  </a:txBody>
+                  <a:tcPr marL="7289" marR="7289" marT="7289" marB="0" anchor="ctr"/>
                 </a:tc>
                 <a:extLst>
                   <a:ext uri="{0D108BD9-81ED-4DB2-BD59-A6C34878D82A}">
-                    <a16:rowId xmlns:a16="http://schemas.microsoft.com/office/drawing/2014/main" val="412013482"/>
+                    <a16:rowId xmlns:a16="http://schemas.microsoft.com/office/drawing/2014/main" val="1419466667"/>
                   </a:ext>
                 </a:extLst>
               </a:tr>
-              <a:tr h="167640">
-                <a:tc>
-                  <a:txBody>
-                    <a:bodyPr/>
-                    <a:lstStyle/>
-                    <a:p>
-                      <a:pPr algn="ctr" fontAlgn="ctr"/>
-                      <a:r>
-                        <a:rPr lang="ko-KR" altLang="en-US" sz="1000" u="none" strike="noStrike">
-                          <a:effectLst/>
-                        </a:rPr>
-                        <a:t>레몬</a:t>
-                      </a:r>
-                      <a:endParaRPr lang="ko-KR" altLang="en-US" sz="1000" b="0" i="0" u="none" strike="noStrike">
-                        <a:solidFill>
-                          <a:srgbClr val="000000"/>
-                        </a:solidFill>
-                        <a:effectLst/>
-                        <a:latin typeface="굴림" panose="020B0600000101010101" pitchFamily="50" charset="-127"/>
-                        <a:ea typeface="굴림" panose="020B0600000101010101" pitchFamily="50" charset="-127"/>
-                      </a:endParaRPr>
-                    </a:p>
-                  </a:txBody>
-                  <a:tcPr marL="7620" marR="7620" marT="7620" marB="0" anchor="ctr"/>
-                </a:tc>
-                <a:tc>
-                  <a:txBody>
-                    <a:bodyPr/>
-                    <a:lstStyle/>
-                    <a:p>
-                      <a:pPr algn="r" fontAlgn="ctr"/>
-                      <a:r>
-                        <a:rPr lang="en-US" altLang="ko-KR" sz="1000" u="none" strike="noStrike">
-                          <a:effectLst/>
-                        </a:rPr>
-                        <a:t>1</a:t>
-                      </a:r>
-                      <a:endParaRPr lang="en-US" altLang="ko-KR" sz="1000" b="0" i="0" u="none" strike="noStrike">
-                        <a:solidFill>
-                          <a:srgbClr val="000000"/>
-                        </a:solidFill>
-                        <a:effectLst/>
-                        <a:latin typeface="굴림" panose="020B0600000101010101" pitchFamily="50" charset="-127"/>
-                        <a:ea typeface="굴림" panose="020B0600000101010101" pitchFamily="50" charset="-127"/>
-                      </a:endParaRPr>
-                    </a:p>
-                  </a:txBody>
-                  <a:tcPr marL="7620" marR="7620" marT="7620" marB="0" anchor="ctr"/>
-                </a:tc>
-                <a:tc>
-                  <a:txBody>
-                    <a:bodyPr/>
-                    <a:lstStyle/>
-                    <a:p>
-                      <a:pPr algn="r" fontAlgn="ctr"/>
-                      <a:r>
-                        <a:rPr lang="en-US" altLang="ko-KR" sz="1000" u="none" strike="noStrike">
+              <a:tr h="174928">
+                <a:tc>
+                  <a:txBody>
+                    <a:bodyPr/>
+                    <a:lstStyle/>
+                    <a:p>
+                      <a:pPr algn="ctr" fontAlgn="ctr"/>
+                      <a:r>
+                        <a:rPr lang="ko-KR" altLang="en-US" sz="1100" u="none" strike="noStrike">
+                          <a:effectLst/>
+                        </a:rPr>
+                        <a:t>곶감</a:t>
+                      </a:r>
+                      <a:endParaRPr lang="ko-KR" altLang="en-US" sz="1100" b="1" i="0" u="none" strike="noStrike">
+                        <a:solidFill>
+                          <a:srgbClr val="000000"/>
+                        </a:solidFill>
+                        <a:effectLst/>
+                        <a:latin typeface="굴림" panose="020B0600000101010101" pitchFamily="50" charset="-127"/>
+                        <a:ea typeface="굴림" panose="020B0600000101010101" pitchFamily="50" charset="-127"/>
+                      </a:endParaRPr>
+                    </a:p>
+                  </a:txBody>
+                  <a:tcPr marL="7289" marR="7289" marT="7289" marB="0" anchor="ctr"/>
+                </a:tc>
+                <a:tc>
+                  <a:txBody>
+                    <a:bodyPr/>
+                    <a:lstStyle/>
+                    <a:p>
+                      <a:pPr algn="ctr" fontAlgn="ctr"/>
+                      <a:r>
+                        <a:rPr lang="en-US" altLang="ko-KR" sz="1100" u="none" strike="noStrike">
                           <a:effectLst/>
                         </a:rPr>
                         <a:t>0</a:t>
                       </a:r>
-                      <a:endParaRPr lang="en-US" altLang="ko-KR" sz="1000" b="0" i="0" u="none" strike="noStrike">
-                        <a:solidFill>
-                          <a:srgbClr val="000000"/>
-                        </a:solidFill>
-                        <a:effectLst/>
-                        <a:latin typeface="굴림" panose="020B0600000101010101" pitchFamily="50" charset="-127"/>
-                        <a:ea typeface="굴림" panose="020B0600000101010101" pitchFamily="50" charset="-127"/>
-                      </a:endParaRPr>
-                    </a:p>
-                  </a:txBody>
-                  <a:tcPr marL="7620" marR="7620" marT="7620" marB="0" anchor="ctr"/>
-                </a:tc>
-                <a:tc>
-                  <a:txBody>
-                    <a:bodyPr/>
-                    <a:lstStyle/>
-                    <a:p>
-                      <a:pPr algn="r" fontAlgn="ctr"/>
-                      <a:r>
-                        <a:rPr lang="en-US" altLang="ko-KR" sz="1000" u="none" strike="noStrike">
+                      <a:endParaRPr lang="en-US" altLang="ko-KR" sz="1100" b="1" i="0" u="none" strike="noStrike">
+                        <a:solidFill>
+                          <a:srgbClr val="000000"/>
+                        </a:solidFill>
+                        <a:effectLst/>
+                        <a:latin typeface="굴림" panose="020B0600000101010101" pitchFamily="50" charset="-127"/>
+                        <a:ea typeface="굴림" panose="020B0600000101010101" pitchFamily="50" charset="-127"/>
+                      </a:endParaRPr>
+                    </a:p>
+                  </a:txBody>
+                  <a:tcPr marL="7289" marR="7289" marT="7289" marB="0" anchor="ctr"/>
+                </a:tc>
+                <a:tc>
+                  <a:txBody>
+                    <a:bodyPr/>
+                    <a:lstStyle/>
+                    <a:p>
+                      <a:pPr algn="ctr" fontAlgn="ctr"/>
+                      <a:r>
+                        <a:rPr lang="en-US" altLang="ko-KR" sz="1100" u="none" strike="noStrike">
                           <a:effectLst/>
                         </a:rPr>
                         <a:t>0</a:t>
                       </a:r>
-                      <a:endParaRPr lang="en-US" altLang="ko-KR" sz="1000" b="0" i="0" u="none" strike="noStrike">
-                        <a:solidFill>
-                          <a:srgbClr val="000000"/>
-                        </a:solidFill>
-                        <a:effectLst/>
-                        <a:latin typeface="굴림" panose="020B0600000101010101" pitchFamily="50" charset="-127"/>
-                        <a:ea typeface="굴림" panose="020B0600000101010101" pitchFamily="50" charset="-127"/>
-                      </a:endParaRPr>
-                    </a:p>
-                  </a:txBody>
-                  <a:tcPr marL="7620" marR="7620" marT="7620" marB="0" anchor="ctr"/>
-                </a:tc>
-                <a:tc>
-                  <a:txBody>
-                    <a:bodyPr/>
-                    <a:lstStyle/>
-                    <a:p>
-                      <a:pPr algn="r" fontAlgn="ctr"/>
-                      <a:r>
-                        <a:rPr lang="en-US" altLang="ko-KR" sz="1000" u="none" strike="noStrike">
+                      <a:endParaRPr lang="en-US" altLang="ko-KR" sz="1100" b="1" i="0" u="none" strike="noStrike">
+                        <a:solidFill>
+                          <a:srgbClr val="000000"/>
+                        </a:solidFill>
+                        <a:effectLst/>
+                        <a:latin typeface="굴림" panose="020B0600000101010101" pitchFamily="50" charset="-127"/>
+                        <a:ea typeface="굴림" panose="020B0600000101010101" pitchFamily="50" charset="-127"/>
+                      </a:endParaRPr>
+                    </a:p>
+                  </a:txBody>
+                  <a:tcPr marL="7289" marR="7289" marT="7289" marB="0" anchor="ctr"/>
+                </a:tc>
+                <a:tc>
+                  <a:txBody>
+                    <a:bodyPr/>
+                    <a:lstStyle/>
+                    <a:p>
+                      <a:pPr algn="ctr" fontAlgn="ctr"/>
+                      <a:r>
+                        <a:rPr lang="en-US" altLang="ko-KR" sz="1100" u="none" strike="noStrike">
                           <a:effectLst/>
                         </a:rPr>
                         <a:t>0</a:t>
                       </a:r>
-                      <a:endParaRPr lang="en-US" altLang="ko-KR" sz="1000" b="0" i="0" u="none" strike="noStrike">
-                        <a:solidFill>
-                          <a:srgbClr val="000000"/>
-                        </a:solidFill>
-                        <a:effectLst/>
-                        <a:latin typeface="굴림" panose="020B0600000101010101" pitchFamily="50" charset="-127"/>
-                        <a:ea typeface="굴림" panose="020B0600000101010101" pitchFamily="50" charset="-127"/>
-                      </a:endParaRPr>
-                    </a:p>
-                  </a:txBody>
-                  <a:tcPr marL="7620" marR="7620" marT="7620" marB="0" anchor="ctr"/>
-                </a:tc>
-                <a:tc>
-                  <a:txBody>
-                    <a:bodyPr/>
-                    <a:lstStyle/>
-                    <a:p>
-                      <a:pPr algn="r" fontAlgn="ctr"/>
-                      <a:r>
-                        <a:rPr lang="en-US" altLang="ko-KR" sz="1000" u="none" strike="noStrike">
+                      <a:endParaRPr lang="en-US" altLang="ko-KR" sz="1100" b="1" i="0" u="none" strike="noStrike">
+                        <a:solidFill>
+                          <a:srgbClr val="000000"/>
+                        </a:solidFill>
+                        <a:effectLst/>
+                        <a:latin typeface="굴림" panose="020B0600000101010101" pitchFamily="50" charset="-127"/>
+                        <a:ea typeface="굴림" panose="020B0600000101010101" pitchFamily="50" charset="-127"/>
+                      </a:endParaRPr>
+                    </a:p>
+                  </a:txBody>
+                  <a:tcPr marL="7289" marR="7289" marT="7289" marB="0" anchor="ctr"/>
+                </a:tc>
+                <a:tc>
+                  <a:txBody>
+                    <a:bodyPr/>
+                    <a:lstStyle/>
+                    <a:p>
+                      <a:pPr algn="ctr" fontAlgn="ctr"/>
+                      <a:r>
+                        <a:rPr lang="en-US" altLang="ko-KR" sz="1100" u="none" strike="noStrike">
                           <a:effectLst/>
                         </a:rPr>
                         <a:t>0</a:t>
                       </a:r>
-                      <a:endParaRPr lang="en-US" altLang="ko-KR" sz="1000" b="0" i="0" u="none" strike="noStrike">
-                        <a:solidFill>
-                          <a:srgbClr val="000000"/>
-                        </a:solidFill>
-                        <a:effectLst/>
-                        <a:latin typeface="굴림" panose="020B0600000101010101" pitchFamily="50" charset="-127"/>
-                        <a:ea typeface="굴림" panose="020B0600000101010101" pitchFamily="50" charset="-127"/>
-                      </a:endParaRPr>
-                    </a:p>
-                  </a:txBody>
-                  <a:tcPr marL="7620" marR="7620" marT="7620" marB="0" anchor="ctr"/>
-                </a:tc>
-                <a:tc>
-                  <a:txBody>
-                    <a:bodyPr/>
-                    <a:lstStyle/>
-                    <a:p>
-                      <a:pPr algn="r" fontAlgn="ctr"/>
-                      <a:r>
-                        <a:rPr lang="en-US" altLang="ko-KR" sz="1000" u="none" strike="noStrike">
+                      <a:endParaRPr lang="en-US" altLang="ko-KR" sz="1100" b="1" i="0" u="none" strike="noStrike">
+                        <a:solidFill>
+                          <a:srgbClr val="000000"/>
+                        </a:solidFill>
+                        <a:effectLst/>
+                        <a:latin typeface="굴림" panose="020B0600000101010101" pitchFamily="50" charset="-127"/>
+                        <a:ea typeface="굴림" panose="020B0600000101010101" pitchFamily="50" charset="-127"/>
+                      </a:endParaRPr>
+                    </a:p>
+                  </a:txBody>
+                  <a:tcPr marL="7289" marR="7289" marT="7289" marB="0" anchor="ctr"/>
+                </a:tc>
+                <a:tc>
+                  <a:txBody>
+                    <a:bodyPr/>
+                    <a:lstStyle/>
+                    <a:p>
+                      <a:pPr algn="ctr" fontAlgn="ctr"/>
+                      <a:r>
+                        <a:rPr lang="en-US" altLang="ko-KR" sz="1100" u="none" strike="noStrike">
                           <a:effectLst/>
                         </a:rPr>
                         <a:t>0</a:t>
                       </a:r>
-                      <a:endParaRPr lang="en-US" altLang="ko-KR" sz="1000" b="0" i="0" u="none" strike="noStrike">
-                        <a:solidFill>
-                          <a:srgbClr val="000000"/>
-                        </a:solidFill>
-                        <a:effectLst/>
-                        <a:latin typeface="굴림" panose="020B0600000101010101" pitchFamily="50" charset="-127"/>
-                        <a:ea typeface="굴림" panose="020B0600000101010101" pitchFamily="50" charset="-127"/>
-                      </a:endParaRPr>
-                    </a:p>
-                  </a:txBody>
-                  <a:tcPr marL="7620" marR="7620" marT="7620" marB="0" anchor="ctr"/>
-                </a:tc>
-                <a:tc>
-                  <a:txBody>
-                    <a:bodyPr/>
-                    <a:lstStyle/>
-                    <a:p>
-                      <a:pPr algn="r" fontAlgn="ctr"/>
-                      <a:r>
-                        <a:rPr lang="en-US" altLang="ko-KR" sz="1000" u="none" strike="noStrike">
-                          <a:effectLst/>
-                        </a:rPr>
-                        <a:t>2</a:t>
-                      </a:r>
-                      <a:endParaRPr lang="en-US" altLang="ko-KR" sz="1000" b="0" i="0" u="none" strike="noStrike">
-                        <a:solidFill>
-                          <a:srgbClr val="000000"/>
-                        </a:solidFill>
-                        <a:effectLst/>
-                        <a:latin typeface="굴림" panose="020B0600000101010101" pitchFamily="50" charset="-127"/>
-                        <a:ea typeface="굴림" panose="020B0600000101010101" pitchFamily="50" charset="-127"/>
-                      </a:endParaRPr>
-                    </a:p>
-                  </a:txBody>
-                  <a:tcPr marL="7620" marR="7620" marT="7620" marB="0" anchor="ctr"/>
+                      <a:endParaRPr lang="en-US" altLang="ko-KR" sz="1100" b="1" i="0" u="none" strike="noStrike">
+                        <a:solidFill>
+                          <a:srgbClr val="000000"/>
+                        </a:solidFill>
+                        <a:effectLst/>
+                        <a:latin typeface="굴림" panose="020B0600000101010101" pitchFamily="50" charset="-127"/>
+                        <a:ea typeface="굴림" panose="020B0600000101010101" pitchFamily="50" charset="-127"/>
+                      </a:endParaRPr>
+                    </a:p>
+                  </a:txBody>
+                  <a:tcPr marL="7289" marR="7289" marT="7289" marB="0" anchor="ctr"/>
+                </a:tc>
+                <a:tc>
+                  <a:txBody>
+                    <a:bodyPr/>
+                    <a:lstStyle/>
+                    <a:p>
+                      <a:pPr algn="ctr" fontAlgn="ctr"/>
+                      <a:r>
+                        <a:rPr lang="en-US" altLang="ko-KR" sz="1100" u="none" strike="noStrike">
+                          <a:effectLst/>
+                        </a:rPr>
+                        <a:t>0</a:t>
+                      </a:r>
+                      <a:endParaRPr lang="en-US" altLang="ko-KR" sz="1100" b="1" i="0" u="none" strike="noStrike">
+                        <a:solidFill>
+                          <a:srgbClr val="000000"/>
+                        </a:solidFill>
+                        <a:effectLst/>
+                        <a:latin typeface="굴림" panose="020B0600000101010101" pitchFamily="50" charset="-127"/>
+                        <a:ea typeface="굴림" panose="020B0600000101010101" pitchFamily="50" charset="-127"/>
+                      </a:endParaRPr>
+                    </a:p>
+                  </a:txBody>
+                  <a:tcPr marL="7289" marR="7289" marT="7289" marB="0" anchor="ctr"/>
+                </a:tc>
+                <a:tc>
+                  <a:txBody>
+                    <a:bodyPr/>
+                    <a:lstStyle/>
+                    <a:p>
+                      <a:pPr algn="ctr" fontAlgn="ctr"/>
+                      <a:r>
+                        <a:rPr lang="en-US" altLang="ko-KR" sz="1100" u="none" strike="noStrike">
+                          <a:effectLst/>
+                        </a:rPr>
+                        <a:t>0</a:t>
+                      </a:r>
+                      <a:endParaRPr lang="en-US" altLang="ko-KR" sz="1100" b="1" i="0" u="none" strike="noStrike">
+                        <a:solidFill>
+                          <a:srgbClr val="000000"/>
+                        </a:solidFill>
+                        <a:effectLst/>
+                        <a:latin typeface="굴림" panose="020B0600000101010101" pitchFamily="50" charset="-127"/>
+                        <a:ea typeface="굴림" panose="020B0600000101010101" pitchFamily="50" charset="-127"/>
+                      </a:endParaRPr>
+                    </a:p>
+                  </a:txBody>
+                  <a:tcPr marL="7289" marR="7289" marT="7289" marB="0" anchor="ctr"/>
                 </a:tc>
                 <a:extLst>
                   <a:ext uri="{0D108BD9-81ED-4DB2-BD59-A6C34878D82A}">
-                    <a16:rowId xmlns:a16="http://schemas.microsoft.com/office/drawing/2014/main" val="1065595476"/>
+                    <a16:rowId xmlns:a16="http://schemas.microsoft.com/office/drawing/2014/main" val="3154248976"/>
                   </a:ext>
                 </a:extLst>
               </a:tr>
-              <a:tr h="167640">
-                <a:tc>
-                  <a:txBody>
-                    <a:bodyPr/>
-                    <a:lstStyle/>
-                    <a:p>
-                      <a:pPr algn="ctr" fontAlgn="ctr"/>
-                      <a:r>
-                        <a:rPr lang="ko-KR" altLang="en-US" sz="1000" u="none" strike="noStrike">
-                          <a:effectLst/>
-                        </a:rPr>
-                        <a:t>산딸기</a:t>
-                      </a:r>
-                      <a:endParaRPr lang="ko-KR" altLang="en-US" sz="1000" b="0" i="0" u="none" strike="noStrike">
-                        <a:solidFill>
-                          <a:srgbClr val="000000"/>
-                        </a:solidFill>
-                        <a:effectLst/>
-                        <a:latin typeface="굴림" panose="020B0600000101010101" pitchFamily="50" charset="-127"/>
-                        <a:ea typeface="굴림" panose="020B0600000101010101" pitchFamily="50" charset="-127"/>
-                      </a:endParaRPr>
-                    </a:p>
-                  </a:txBody>
-                  <a:tcPr marL="7620" marR="7620" marT="7620" marB="0" anchor="ctr"/>
-                </a:tc>
-                <a:tc>
-                  <a:txBody>
-                    <a:bodyPr/>
-                    <a:lstStyle/>
-                    <a:p>
-                      <a:pPr algn="r" fontAlgn="ctr"/>
-                      <a:r>
-                        <a:rPr lang="en-US" altLang="ko-KR" sz="1000" u="none" strike="noStrike">
+              <a:tr h="174928">
+                <a:tc>
+                  <a:txBody>
+                    <a:bodyPr/>
+                    <a:lstStyle/>
+                    <a:p>
+                      <a:pPr algn="ctr" fontAlgn="ctr"/>
+                      <a:r>
+                        <a:rPr lang="ko-KR" altLang="en-US" sz="1100" u="none" strike="noStrike">
+                          <a:effectLst/>
+                        </a:rPr>
+                        <a:t>다래</a:t>
+                      </a:r>
+                      <a:endParaRPr lang="ko-KR" altLang="en-US" sz="1100" b="1" i="0" u="none" strike="noStrike">
+                        <a:solidFill>
+                          <a:srgbClr val="000000"/>
+                        </a:solidFill>
+                        <a:effectLst/>
+                        <a:latin typeface="굴림" panose="020B0600000101010101" pitchFamily="50" charset="-127"/>
+                        <a:ea typeface="굴림" panose="020B0600000101010101" pitchFamily="50" charset="-127"/>
+                      </a:endParaRPr>
+                    </a:p>
+                  </a:txBody>
+                  <a:tcPr marL="7289" marR="7289" marT="7289" marB="0" anchor="ctr"/>
+                </a:tc>
+                <a:tc>
+                  <a:txBody>
+                    <a:bodyPr/>
+                    <a:lstStyle/>
+                    <a:p>
+                      <a:pPr algn="ctr" fontAlgn="ctr"/>
+                      <a:r>
+                        <a:rPr lang="en-US" altLang="ko-KR" sz="1100" u="none" strike="noStrike">
+                          <a:effectLst/>
+                        </a:rPr>
+                        <a:t>1</a:t>
+                      </a:r>
+                      <a:endParaRPr lang="en-US" altLang="ko-KR" sz="1100" b="1" i="0" u="none" strike="noStrike">
+                        <a:solidFill>
+                          <a:srgbClr val="000000"/>
+                        </a:solidFill>
+                        <a:effectLst/>
+                        <a:latin typeface="굴림" panose="020B0600000101010101" pitchFamily="50" charset="-127"/>
+                        <a:ea typeface="굴림" panose="020B0600000101010101" pitchFamily="50" charset="-127"/>
+                      </a:endParaRPr>
+                    </a:p>
+                  </a:txBody>
+                  <a:tcPr marL="7289" marR="7289" marT="7289" marB="0" anchor="ctr"/>
+                </a:tc>
+                <a:tc>
+                  <a:txBody>
+                    <a:bodyPr/>
+                    <a:lstStyle/>
+                    <a:p>
+                      <a:pPr algn="ctr" fontAlgn="ctr"/>
+                      <a:r>
+                        <a:rPr lang="en-US" altLang="ko-KR" sz="1100" u="none" strike="noStrike">
+                          <a:effectLst/>
+                        </a:rPr>
+                        <a:t>1</a:t>
+                      </a:r>
+                      <a:endParaRPr lang="en-US" altLang="ko-KR" sz="1100" b="1" i="0" u="none" strike="noStrike">
+                        <a:solidFill>
+                          <a:srgbClr val="000000"/>
+                        </a:solidFill>
+                        <a:effectLst/>
+                        <a:latin typeface="굴림" panose="020B0600000101010101" pitchFamily="50" charset="-127"/>
+                        <a:ea typeface="굴림" panose="020B0600000101010101" pitchFamily="50" charset="-127"/>
+                      </a:endParaRPr>
+                    </a:p>
+                  </a:txBody>
+                  <a:tcPr marL="7289" marR="7289" marT="7289" marB="0" anchor="ctr"/>
+                </a:tc>
+                <a:tc>
+                  <a:txBody>
+                    <a:bodyPr/>
+                    <a:lstStyle/>
+                    <a:p>
+                      <a:pPr algn="ctr" fontAlgn="ctr"/>
+                      <a:r>
+                        <a:rPr lang="en-US" altLang="ko-KR" sz="1100" u="none" strike="noStrike">
+                          <a:effectLst/>
+                        </a:rPr>
+                        <a:t>1</a:t>
+                      </a:r>
+                      <a:endParaRPr lang="en-US" altLang="ko-KR" sz="1100" b="1" i="0" u="none" strike="noStrike">
+                        <a:solidFill>
+                          <a:srgbClr val="000000"/>
+                        </a:solidFill>
+                        <a:effectLst/>
+                        <a:latin typeface="굴림" panose="020B0600000101010101" pitchFamily="50" charset="-127"/>
+                        <a:ea typeface="굴림" panose="020B0600000101010101" pitchFamily="50" charset="-127"/>
+                      </a:endParaRPr>
+                    </a:p>
+                  </a:txBody>
+                  <a:tcPr marL="7289" marR="7289" marT="7289" marB="0" anchor="ctr"/>
+                </a:tc>
+                <a:tc>
+                  <a:txBody>
+                    <a:bodyPr/>
+                    <a:lstStyle/>
+                    <a:p>
+                      <a:pPr algn="ctr" fontAlgn="ctr"/>
+                      <a:r>
+                        <a:rPr lang="en-US" altLang="ko-KR" sz="1100" u="none" strike="noStrike">
+                          <a:effectLst/>
+                        </a:rPr>
+                        <a:t>1</a:t>
+                      </a:r>
+                      <a:endParaRPr lang="en-US" altLang="ko-KR" sz="1100" b="1" i="0" u="none" strike="noStrike">
+                        <a:solidFill>
+                          <a:srgbClr val="000000"/>
+                        </a:solidFill>
+                        <a:effectLst/>
+                        <a:latin typeface="굴림" panose="020B0600000101010101" pitchFamily="50" charset="-127"/>
+                        <a:ea typeface="굴림" panose="020B0600000101010101" pitchFamily="50" charset="-127"/>
+                      </a:endParaRPr>
+                    </a:p>
+                  </a:txBody>
+                  <a:tcPr marL="7289" marR="7289" marT="7289" marB="0" anchor="ctr"/>
+                </a:tc>
+                <a:tc>
+                  <a:txBody>
+                    <a:bodyPr/>
+                    <a:lstStyle/>
+                    <a:p>
+                      <a:pPr algn="ctr" fontAlgn="ctr"/>
+                      <a:r>
+                        <a:rPr lang="en-US" altLang="ko-KR" sz="1100" u="none" strike="noStrike">
                           <a:effectLst/>
                         </a:rPr>
                         <a:t>0</a:t>
                       </a:r>
-                      <a:endParaRPr lang="en-US" altLang="ko-KR" sz="1000" b="0" i="0" u="none" strike="noStrike">
-                        <a:solidFill>
-                          <a:srgbClr val="000000"/>
-                        </a:solidFill>
-                        <a:effectLst/>
-                        <a:latin typeface="굴림" panose="020B0600000101010101" pitchFamily="50" charset="-127"/>
-                        <a:ea typeface="굴림" panose="020B0600000101010101" pitchFamily="50" charset="-127"/>
-                      </a:endParaRPr>
-                    </a:p>
-                  </a:txBody>
-                  <a:tcPr marL="7620" marR="7620" marT="7620" marB="0" anchor="ctr"/>
-                </a:tc>
-                <a:tc>
-                  <a:txBody>
-                    <a:bodyPr/>
-                    <a:lstStyle/>
-                    <a:p>
-                      <a:pPr algn="r" fontAlgn="ctr"/>
-                      <a:r>
-                        <a:rPr lang="en-US" altLang="ko-KR" sz="1000" u="none" strike="noStrike">
+                      <a:endParaRPr lang="en-US" altLang="ko-KR" sz="1100" b="1" i="0" u="none" strike="noStrike">
+                        <a:solidFill>
+                          <a:srgbClr val="000000"/>
+                        </a:solidFill>
+                        <a:effectLst/>
+                        <a:latin typeface="굴림" panose="020B0600000101010101" pitchFamily="50" charset="-127"/>
+                        <a:ea typeface="굴림" panose="020B0600000101010101" pitchFamily="50" charset="-127"/>
+                      </a:endParaRPr>
+                    </a:p>
+                  </a:txBody>
+                  <a:tcPr marL="7289" marR="7289" marT="7289" marB="0" anchor="ctr"/>
+                </a:tc>
+                <a:tc>
+                  <a:txBody>
+                    <a:bodyPr/>
+                    <a:lstStyle/>
+                    <a:p>
+                      <a:pPr algn="ctr" fontAlgn="ctr"/>
+                      <a:r>
+                        <a:rPr lang="en-US" altLang="ko-KR" sz="1100" u="none" strike="noStrike">
                           <a:effectLst/>
                         </a:rPr>
                         <a:t>0</a:t>
                       </a:r>
-                      <a:endParaRPr lang="en-US" altLang="ko-KR" sz="1000" b="0" i="0" u="none" strike="noStrike">
-                        <a:solidFill>
-                          <a:srgbClr val="000000"/>
-                        </a:solidFill>
-                        <a:effectLst/>
-                        <a:latin typeface="굴림" panose="020B0600000101010101" pitchFamily="50" charset="-127"/>
-                        <a:ea typeface="굴림" panose="020B0600000101010101" pitchFamily="50" charset="-127"/>
-                      </a:endParaRPr>
-                    </a:p>
-                  </a:txBody>
-                  <a:tcPr marL="7620" marR="7620" marT="7620" marB="0" anchor="ctr"/>
-                </a:tc>
-                <a:tc>
-                  <a:txBody>
-                    <a:bodyPr/>
-                    <a:lstStyle/>
-                    <a:p>
-                      <a:pPr algn="r" fontAlgn="ctr"/>
-                      <a:r>
-                        <a:rPr lang="en-US" altLang="ko-KR" sz="1000" u="none" strike="noStrike">
-                          <a:effectLst/>
-                        </a:rPr>
-                        <a:t>1</a:t>
-                      </a:r>
-                      <a:endParaRPr lang="en-US" altLang="ko-KR" sz="1000" b="0" i="0" u="none" strike="noStrike">
-                        <a:solidFill>
-                          <a:srgbClr val="000000"/>
-                        </a:solidFill>
-                        <a:effectLst/>
-                        <a:latin typeface="굴림" panose="020B0600000101010101" pitchFamily="50" charset="-127"/>
-                        <a:ea typeface="굴림" panose="020B0600000101010101" pitchFamily="50" charset="-127"/>
-                      </a:endParaRPr>
-                    </a:p>
-                  </a:txBody>
-                  <a:tcPr marL="7620" marR="7620" marT="7620" marB="0" anchor="ctr"/>
-                </a:tc>
-                <a:tc>
-                  <a:txBody>
-                    <a:bodyPr/>
-                    <a:lstStyle/>
-                    <a:p>
-                      <a:pPr algn="r" fontAlgn="ctr"/>
-                      <a:r>
-                        <a:rPr lang="en-US" altLang="ko-KR" sz="1000" u="none" strike="noStrike">
-                          <a:effectLst/>
-                        </a:rPr>
-                        <a:t>0</a:t>
-                      </a:r>
-                      <a:endParaRPr lang="en-US" altLang="ko-KR" sz="1000" b="0" i="0" u="none" strike="noStrike">
-                        <a:solidFill>
-                          <a:srgbClr val="000000"/>
-                        </a:solidFill>
-                        <a:effectLst/>
-                        <a:latin typeface="굴림" panose="020B0600000101010101" pitchFamily="50" charset="-127"/>
-                        <a:ea typeface="굴림" panose="020B0600000101010101" pitchFamily="50" charset="-127"/>
-                      </a:endParaRPr>
-                    </a:p>
-                  </a:txBody>
-                  <a:tcPr marL="7620" marR="7620" marT="7620" marB="0" anchor="ctr"/>
-                </a:tc>
-                <a:tc>
-                  <a:txBody>
-                    <a:bodyPr/>
-                    <a:lstStyle/>
-                    <a:p>
-                      <a:pPr algn="r" fontAlgn="ctr"/>
-                      <a:r>
-                        <a:rPr lang="en-US" altLang="ko-KR" sz="1000" u="none" strike="noStrike">
-                          <a:effectLst/>
-                        </a:rPr>
-                        <a:t>0</a:t>
-                      </a:r>
-                      <a:endParaRPr lang="en-US" altLang="ko-KR" sz="1000" b="0" i="0" u="none" strike="noStrike">
-                        <a:solidFill>
-                          <a:srgbClr val="000000"/>
-                        </a:solidFill>
-                        <a:effectLst/>
-                        <a:latin typeface="굴림" panose="020B0600000101010101" pitchFamily="50" charset="-127"/>
-                        <a:ea typeface="굴림" panose="020B0600000101010101" pitchFamily="50" charset="-127"/>
-                      </a:endParaRPr>
-                    </a:p>
-                  </a:txBody>
-                  <a:tcPr marL="7620" marR="7620" marT="7620" marB="0" anchor="ctr"/>
-                </a:tc>
-                <a:tc>
-                  <a:txBody>
-                    <a:bodyPr/>
-                    <a:lstStyle/>
-                    <a:p>
-                      <a:pPr algn="r" fontAlgn="ctr"/>
-                      <a:r>
-                        <a:rPr lang="en-US" altLang="ko-KR" sz="1000" u="none" strike="noStrike">
-                          <a:effectLst/>
-                        </a:rPr>
-                        <a:t>0</a:t>
-                      </a:r>
-                      <a:endParaRPr lang="en-US" altLang="ko-KR" sz="1000" b="0" i="0" u="none" strike="noStrike">
-                        <a:solidFill>
-                          <a:srgbClr val="000000"/>
-                        </a:solidFill>
-                        <a:effectLst/>
-                        <a:latin typeface="굴림" panose="020B0600000101010101" pitchFamily="50" charset="-127"/>
-                        <a:ea typeface="굴림" panose="020B0600000101010101" pitchFamily="50" charset="-127"/>
-                      </a:endParaRPr>
-                    </a:p>
-                  </a:txBody>
-                  <a:tcPr marL="7620" marR="7620" marT="7620" marB="0" anchor="ctr"/>
-                </a:tc>
-                <a:tc>
-                  <a:txBody>
-                    <a:bodyPr/>
-                    <a:lstStyle/>
-                    <a:p>
-                      <a:pPr algn="r" fontAlgn="ctr"/>
-                      <a:r>
-                        <a:rPr lang="en-US" altLang="ko-KR" sz="1000" u="none" strike="noStrike">
-                          <a:effectLst/>
-                        </a:rPr>
-                        <a:t>1</a:t>
-                      </a:r>
-                      <a:endParaRPr lang="en-US" altLang="ko-KR" sz="1000" b="0" i="0" u="none" strike="noStrike">
-                        <a:solidFill>
-                          <a:srgbClr val="000000"/>
-                        </a:solidFill>
-                        <a:effectLst/>
-                        <a:latin typeface="굴림" panose="020B0600000101010101" pitchFamily="50" charset="-127"/>
-                        <a:ea typeface="굴림" panose="020B0600000101010101" pitchFamily="50" charset="-127"/>
-                      </a:endParaRPr>
-                    </a:p>
-                  </a:txBody>
-                  <a:tcPr marL="7620" marR="7620" marT="7620" marB="0" anchor="ctr"/>
+                      <a:endParaRPr lang="en-US" altLang="ko-KR" sz="1100" b="1" i="0" u="none" strike="noStrike">
+                        <a:solidFill>
+                          <a:srgbClr val="000000"/>
+                        </a:solidFill>
+                        <a:effectLst/>
+                        <a:latin typeface="굴림" panose="020B0600000101010101" pitchFamily="50" charset="-127"/>
+                        <a:ea typeface="굴림" panose="020B0600000101010101" pitchFamily="50" charset="-127"/>
+                      </a:endParaRPr>
+                    </a:p>
+                  </a:txBody>
+                  <a:tcPr marL="7289" marR="7289" marT="7289" marB="0" anchor="ctr"/>
+                </a:tc>
+                <a:tc>
+                  <a:txBody>
+                    <a:bodyPr/>
+                    <a:lstStyle/>
+                    <a:p>
+                      <a:pPr algn="ctr" fontAlgn="ctr"/>
+                      <a:r>
+                        <a:rPr lang="en-US" altLang="ko-KR" sz="1100" u="none" strike="noStrike">
+                          <a:effectLst/>
+                        </a:rPr>
+                        <a:t>4</a:t>
+                      </a:r>
+                      <a:endParaRPr lang="en-US" altLang="ko-KR" sz="1100" b="1" i="0" u="none" strike="noStrike">
+                        <a:solidFill>
+                          <a:srgbClr val="000000"/>
+                        </a:solidFill>
+                        <a:effectLst/>
+                        <a:latin typeface="굴림" panose="020B0600000101010101" pitchFamily="50" charset="-127"/>
+                        <a:ea typeface="굴림" panose="020B0600000101010101" pitchFamily="50" charset="-127"/>
+                      </a:endParaRPr>
+                    </a:p>
+                  </a:txBody>
+                  <a:tcPr marL="7289" marR="7289" marT="7289" marB="0" anchor="ctr"/>
                 </a:tc>
                 <a:extLst>
                   <a:ext uri="{0D108BD9-81ED-4DB2-BD59-A6C34878D82A}">
-                    <a16:rowId xmlns:a16="http://schemas.microsoft.com/office/drawing/2014/main" val="18460350"/>
+                    <a16:rowId xmlns:a16="http://schemas.microsoft.com/office/drawing/2014/main" val="1431193863"/>
                   </a:ext>
                 </a:extLst>
               </a:tr>
-              <a:tr h="167640">
-                <a:tc>
-                  <a:txBody>
-                    <a:bodyPr/>
-                    <a:lstStyle/>
-                    <a:p>
-                      <a:pPr algn="ctr" fontAlgn="ctr"/>
-                      <a:r>
-                        <a:rPr lang="ko-KR" altLang="en-US" sz="1000" u="none" strike="noStrike">
-                          <a:effectLst/>
-                        </a:rPr>
-                        <a:t>오렌지</a:t>
-                      </a:r>
-                      <a:endParaRPr lang="ko-KR" altLang="en-US" sz="1000" b="0" i="0" u="none" strike="noStrike">
-                        <a:solidFill>
-                          <a:srgbClr val="000000"/>
-                        </a:solidFill>
-                        <a:effectLst/>
-                        <a:latin typeface="굴림" panose="020B0600000101010101" pitchFamily="50" charset="-127"/>
-                        <a:ea typeface="굴림" panose="020B0600000101010101" pitchFamily="50" charset="-127"/>
-                      </a:endParaRPr>
-                    </a:p>
-                  </a:txBody>
-                  <a:tcPr marL="7620" marR="7620" marT="7620" marB="0" anchor="ctr"/>
-                </a:tc>
-                <a:tc>
-                  <a:txBody>
-                    <a:bodyPr/>
-                    <a:lstStyle/>
-                    <a:p>
-                      <a:pPr algn="r" fontAlgn="ctr"/>
-                      <a:r>
-                        <a:rPr lang="en-US" altLang="ko-KR" sz="1000" u="none" strike="noStrike">
-                          <a:effectLst/>
-                        </a:rPr>
-                        <a:t>29</a:t>
-                      </a:r>
-                      <a:endParaRPr lang="en-US" altLang="ko-KR" sz="1000" b="0" i="0" u="none" strike="noStrike">
-                        <a:solidFill>
-                          <a:srgbClr val="000000"/>
-                        </a:solidFill>
-                        <a:effectLst/>
-                        <a:latin typeface="굴림" panose="020B0600000101010101" pitchFamily="50" charset="-127"/>
-                        <a:ea typeface="굴림" panose="020B0600000101010101" pitchFamily="50" charset="-127"/>
-                      </a:endParaRPr>
-                    </a:p>
-                  </a:txBody>
-                  <a:tcPr marL="7620" marR="7620" marT="7620" marB="0" anchor="ctr"/>
-                </a:tc>
-                <a:tc>
-                  <a:txBody>
-                    <a:bodyPr/>
-                    <a:lstStyle/>
-                    <a:p>
-                      <a:pPr algn="r" fontAlgn="ctr"/>
-                      <a:r>
-                        <a:rPr lang="en-US" altLang="ko-KR" sz="1000" u="none" strike="noStrike">
-                          <a:effectLst/>
-                        </a:rPr>
-                        <a:t>5</a:t>
-                      </a:r>
-                      <a:endParaRPr lang="en-US" altLang="ko-KR" sz="1000" b="0" i="0" u="none" strike="noStrike">
-                        <a:solidFill>
-                          <a:srgbClr val="000000"/>
-                        </a:solidFill>
-                        <a:effectLst/>
-                        <a:latin typeface="굴림" panose="020B0600000101010101" pitchFamily="50" charset="-127"/>
-                        <a:ea typeface="굴림" panose="020B0600000101010101" pitchFamily="50" charset="-127"/>
-                      </a:endParaRPr>
-                    </a:p>
-                  </a:txBody>
-                  <a:tcPr marL="7620" marR="7620" marT="7620" marB="0" anchor="ctr"/>
-                </a:tc>
-                <a:tc>
-                  <a:txBody>
-                    <a:bodyPr/>
-                    <a:lstStyle/>
-                    <a:p>
-                      <a:pPr algn="r" fontAlgn="ctr"/>
-                      <a:r>
-                        <a:rPr lang="en-US" altLang="ko-KR" sz="1000" u="none" strike="noStrike">
-                          <a:effectLst/>
-                        </a:rPr>
-                        <a:t>78</a:t>
-                      </a:r>
-                      <a:endParaRPr lang="en-US" altLang="ko-KR" sz="1000" b="0" i="0" u="none" strike="noStrike">
-                        <a:solidFill>
-                          <a:srgbClr val="000000"/>
-                        </a:solidFill>
-                        <a:effectLst/>
-                        <a:latin typeface="굴림" panose="020B0600000101010101" pitchFamily="50" charset="-127"/>
-                        <a:ea typeface="굴림" panose="020B0600000101010101" pitchFamily="50" charset="-127"/>
-                      </a:endParaRPr>
-                    </a:p>
-                  </a:txBody>
-                  <a:tcPr marL="7620" marR="7620" marT="7620" marB="0" anchor="ctr"/>
-                </a:tc>
-                <a:tc>
-                  <a:txBody>
-                    <a:bodyPr/>
-                    <a:lstStyle/>
-                    <a:p>
-                      <a:pPr algn="r" fontAlgn="ctr"/>
-                      <a:r>
-                        <a:rPr lang="en-US" altLang="ko-KR" sz="1000" u="none" strike="noStrike">
-                          <a:effectLst/>
-                        </a:rPr>
-                        <a:t>47</a:t>
-                      </a:r>
-                      <a:endParaRPr lang="en-US" altLang="ko-KR" sz="1000" b="0" i="0" u="none" strike="noStrike">
-                        <a:solidFill>
-                          <a:srgbClr val="000000"/>
-                        </a:solidFill>
-                        <a:effectLst/>
-                        <a:latin typeface="굴림" panose="020B0600000101010101" pitchFamily="50" charset="-127"/>
-                        <a:ea typeface="굴림" panose="020B0600000101010101" pitchFamily="50" charset="-127"/>
-                      </a:endParaRPr>
-                    </a:p>
-                  </a:txBody>
-                  <a:tcPr marL="7620" marR="7620" marT="7620" marB="0" anchor="ctr"/>
-                </a:tc>
-                <a:tc>
-                  <a:txBody>
-                    <a:bodyPr/>
-                    <a:lstStyle/>
-                    <a:p>
-                      <a:pPr algn="r" fontAlgn="ctr"/>
-                      <a:r>
-                        <a:rPr lang="en-US" altLang="ko-KR" sz="1000" u="none" strike="noStrike">
-                          <a:effectLst/>
-                        </a:rPr>
-                        <a:t>32</a:t>
-                      </a:r>
-                      <a:endParaRPr lang="en-US" altLang="ko-KR" sz="1000" b="0" i="0" u="none" strike="noStrike">
-                        <a:solidFill>
-                          <a:srgbClr val="000000"/>
-                        </a:solidFill>
-                        <a:effectLst/>
-                        <a:latin typeface="굴림" panose="020B0600000101010101" pitchFamily="50" charset="-127"/>
-                        <a:ea typeface="굴림" panose="020B0600000101010101" pitchFamily="50" charset="-127"/>
-                      </a:endParaRPr>
-                    </a:p>
-                  </a:txBody>
-                  <a:tcPr marL="7620" marR="7620" marT="7620" marB="0" anchor="ctr"/>
-                </a:tc>
-                <a:tc>
-                  <a:txBody>
-                    <a:bodyPr/>
-                    <a:lstStyle/>
-                    <a:p>
-                      <a:pPr algn="r" fontAlgn="ctr"/>
-                      <a:r>
-                        <a:rPr lang="en-US" altLang="ko-KR" sz="1000" u="none" strike="noStrike">
+              <a:tr h="174928">
+                <a:tc>
+                  <a:txBody>
+                    <a:bodyPr/>
+                    <a:lstStyle/>
+                    <a:p>
+                      <a:pPr algn="ctr" fontAlgn="ctr"/>
+                      <a:r>
+                        <a:rPr lang="ko-KR" altLang="en-US" sz="1100" u="none" strike="noStrike">
+                          <a:effectLst/>
+                        </a:rPr>
+                        <a:t>바나나</a:t>
+                      </a:r>
+                      <a:endParaRPr lang="ko-KR" altLang="en-US" sz="1100" b="1" i="0" u="none" strike="noStrike">
+                        <a:solidFill>
+                          <a:srgbClr val="000000"/>
+                        </a:solidFill>
+                        <a:effectLst/>
+                        <a:latin typeface="굴림" panose="020B0600000101010101" pitchFamily="50" charset="-127"/>
+                        <a:ea typeface="굴림" panose="020B0600000101010101" pitchFamily="50" charset="-127"/>
+                      </a:endParaRPr>
+                    </a:p>
+                  </a:txBody>
+                  <a:tcPr marL="7289" marR="7289" marT="7289" marB="0" anchor="ctr"/>
+                </a:tc>
+                <a:tc>
+                  <a:txBody>
+                    <a:bodyPr/>
+                    <a:lstStyle/>
+                    <a:p>
+                      <a:pPr algn="ctr" fontAlgn="ctr"/>
+                      <a:r>
+                        <a:rPr lang="en-US" altLang="ko-KR" sz="1100" u="none" strike="noStrike">
+                          <a:effectLst/>
+                        </a:rPr>
+                        <a:t>64</a:t>
+                      </a:r>
+                      <a:endParaRPr lang="en-US" altLang="ko-KR" sz="1100" b="1" i="0" u="none" strike="noStrike">
+                        <a:solidFill>
+                          <a:srgbClr val="000000"/>
+                        </a:solidFill>
+                        <a:effectLst/>
+                        <a:latin typeface="굴림" panose="020B0600000101010101" pitchFamily="50" charset="-127"/>
+                        <a:ea typeface="굴림" panose="020B0600000101010101" pitchFamily="50" charset="-127"/>
+                      </a:endParaRPr>
+                    </a:p>
+                  </a:txBody>
+                  <a:tcPr marL="7289" marR="7289" marT="7289" marB="0" anchor="ctr"/>
+                </a:tc>
+                <a:tc>
+                  <a:txBody>
+                    <a:bodyPr/>
+                    <a:lstStyle/>
+                    <a:p>
+                      <a:pPr algn="ctr" fontAlgn="ctr"/>
+                      <a:r>
+                        <a:rPr lang="en-US" altLang="ko-KR" sz="1100" u="none" strike="noStrike">
                           <a:effectLst/>
                         </a:rPr>
                         <a:t>0</a:t>
                       </a:r>
-                      <a:endParaRPr lang="en-US" altLang="ko-KR" sz="1000" b="0" i="0" u="none" strike="noStrike">
-                        <a:solidFill>
-                          <a:srgbClr val="000000"/>
-                        </a:solidFill>
-                        <a:effectLst/>
-                        <a:latin typeface="굴림" panose="020B0600000101010101" pitchFamily="50" charset="-127"/>
-                        <a:ea typeface="굴림" panose="020B0600000101010101" pitchFamily="50" charset="-127"/>
-                      </a:endParaRPr>
-                    </a:p>
-                  </a:txBody>
-                  <a:tcPr marL="7620" marR="7620" marT="7620" marB="0" anchor="ctr"/>
-                </a:tc>
-                <a:tc>
-                  <a:txBody>
-                    <a:bodyPr/>
-                    <a:lstStyle/>
-                    <a:p>
-                      <a:pPr algn="r" fontAlgn="ctr"/>
-                      <a:r>
-                        <a:rPr lang="en-US" altLang="ko-KR" sz="1000" u="none" strike="noStrike">
-                          <a:effectLst/>
-                        </a:rPr>
-                        <a:t>192</a:t>
-                      </a:r>
-                      <a:endParaRPr lang="en-US" altLang="ko-KR" sz="1000" b="0" i="0" u="none" strike="noStrike">
-                        <a:solidFill>
-                          <a:srgbClr val="000000"/>
-                        </a:solidFill>
-                        <a:effectLst/>
-                        <a:latin typeface="굴림" panose="020B0600000101010101" pitchFamily="50" charset="-127"/>
-                        <a:ea typeface="굴림" panose="020B0600000101010101" pitchFamily="50" charset="-127"/>
-                      </a:endParaRPr>
-                    </a:p>
-                  </a:txBody>
-                  <a:tcPr marL="7620" marR="7620" marT="7620" marB="0" anchor="ctr"/>
+                      <a:endParaRPr lang="en-US" altLang="ko-KR" sz="1100" b="1" i="0" u="none" strike="noStrike">
+                        <a:solidFill>
+                          <a:srgbClr val="000000"/>
+                        </a:solidFill>
+                        <a:effectLst/>
+                        <a:latin typeface="굴림" panose="020B0600000101010101" pitchFamily="50" charset="-127"/>
+                        <a:ea typeface="굴림" panose="020B0600000101010101" pitchFamily="50" charset="-127"/>
+                      </a:endParaRPr>
+                    </a:p>
+                  </a:txBody>
+                  <a:tcPr marL="7289" marR="7289" marT="7289" marB="0" anchor="ctr"/>
+                </a:tc>
+                <a:tc>
+                  <a:txBody>
+                    <a:bodyPr/>
+                    <a:lstStyle/>
+                    <a:p>
+                      <a:pPr algn="ctr" fontAlgn="ctr"/>
+                      <a:r>
+                        <a:rPr lang="en-US" altLang="ko-KR" sz="1100" u="none" strike="noStrike">
+                          <a:effectLst/>
+                        </a:rPr>
+                        <a:t>82</a:t>
+                      </a:r>
+                      <a:endParaRPr lang="en-US" altLang="ko-KR" sz="1100" b="1" i="0" u="none" strike="noStrike">
+                        <a:solidFill>
+                          <a:srgbClr val="000000"/>
+                        </a:solidFill>
+                        <a:effectLst/>
+                        <a:latin typeface="굴림" panose="020B0600000101010101" pitchFamily="50" charset="-127"/>
+                        <a:ea typeface="굴림" panose="020B0600000101010101" pitchFamily="50" charset="-127"/>
+                      </a:endParaRPr>
+                    </a:p>
+                  </a:txBody>
+                  <a:tcPr marL="7289" marR="7289" marT="7289" marB="0" anchor="ctr"/>
+                </a:tc>
+                <a:tc>
+                  <a:txBody>
+                    <a:bodyPr/>
+                    <a:lstStyle/>
+                    <a:p>
+                      <a:pPr algn="ctr" fontAlgn="ctr"/>
+                      <a:r>
+                        <a:rPr lang="en-US" altLang="ko-KR" sz="1100" u="none" strike="noStrike">
+                          <a:effectLst/>
+                        </a:rPr>
+                        <a:t>25</a:t>
+                      </a:r>
+                      <a:endParaRPr lang="en-US" altLang="ko-KR" sz="1100" b="1" i="0" u="none" strike="noStrike">
+                        <a:solidFill>
+                          <a:srgbClr val="000000"/>
+                        </a:solidFill>
+                        <a:effectLst/>
+                        <a:latin typeface="굴림" panose="020B0600000101010101" pitchFamily="50" charset="-127"/>
+                        <a:ea typeface="굴림" panose="020B0600000101010101" pitchFamily="50" charset="-127"/>
+                      </a:endParaRPr>
+                    </a:p>
+                  </a:txBody>
+                  <a:tcPr marL="7289" marR="7289" marT="7289" marB="0" anchor="ctr"/>
+                </a:tc>
+                <a:tc>
+                  <a:txBody>
+                    <a:bodyPr/>
+                    <a:lstStyle/>
+                    <a:p>
+                      <a:pPr algn="ctr" fontAlgn="ctr"/>
+                      <a:r>
+                        <a:rPr lang="en-US" altLang="ko-KR" sz="1100" u="none" strike="noStrike">
+                          <a:effectLst/>
+                        </a:rPr>
+                        <a:t>27</a:t>
+                      </a:r>
+                      <a:endParaRPr lang="en-US" altLang="ko-KR" sz="1100" b="1" i="0" u="none" strike="noStrike">
+                        <a:solidFill>
+                          <a:srgbClr val="000000"/>
+                        </a:solidFill>
+                        <a:effectLst/>
+                        <a:latin typeface="굴림" panose="020B0600000101010101" pitchFamily="50" charset="-127"/>
+                        <a:ea typeface="굴림" panose="020B0600000101010101" pitchFamily="50" charset="-127"/>
+                      </a:endParaRPr>
+                    </a:p>
+                  </a:txBody>
+                  <a:tcPr marL="7289" marR="7289" marT="7289" marB="0" anchor="ctr"/>
+                </a:tc>
+                <a:tc>
+                  <a:txBody>
+                    <a:bodyPr/>
+                    <a:lstStyle/>
+                    <a:p>
+                      <a:pPr algn="ctr" fontAlgn="ctr"/>
+                      <a:r>
+                        <a:rPr lang="en-US" altLang="ko-KR" sz="1100" u="none" strike="noStrike">
+                          <a:effectLst/>
+                        </a:rPr>
+                        <a:t>0</a:t>
+                      </a:r>
+                      <a:endParaRPr lang="en-US" altLang="ko-KR" sz="1100" b="1" i="0" u="none" strike="noStrike">
+                        <a:solidFill>
+                          <a:srgbClr val="000000"/>
+                        </a:solidFill>
+                        <a:effectLst/>
+                        <a:latin typeface="굴림" panose="020B0600000101010101" pitchFamily="50" charset="-127"/>
+                        <a:ea typeface="굴림" panose="020B0600000101010101" pitchFamily="50" charset="-127"/>
+                      </a:endParaRPr>
+                    </a:p>
+                  </a:txBody>
+                  <a:tcPr marL="7289" marR="7289" marT="7289" marB="0" anchor="ctr"/>
+                </a:tc>
+                <a:tc>
+                  <a:txBody>
+                    <a:bodyPr/>
+                    <a:lstStyle/>
+                    <a:p>
+                      <a:pPr algn="ctr" fontAlgn="ctr"/>
+                      <a:r>
+                        <a:rPr lang="en-US" altLang="ko-KR" sz="1100" u="none" strike="noStrike">
+                          <a:effectLst/>
+                        </a:rPr>
+                        <a:t>198</a:t>
+                      </a:r>
+                      <a:endParaRPr lang="en-US" altLang="ko-KR" sz="1100" b="1" i="0" u="none" strike="noStrike">
+                        <a:solidFill>
+                          <a:srgbClr val="000000"/>
+                        </a:solidFill>
+                        <a:effectLst/>
+                        <a:latin typeface="굴림" panose="020B0600000101010101" pitchFamily="50" charset="-127"/>
+                        <a:ea typeface="굴림" panose="020B0600000101010101" pitchFamily="50" charset="-127"/>
+                      </a:endParaRPr>
+                    </a:p>
+                  </a:txBody>
+                  <a:tcPr marL="7289" marR="7289" marT="7289" marB="0" anchor="ctr"/>
                 </a:tc>
                 <a:extLst>
                   <a:ext uri="{0D108BD9-81ED-4DB2-BD59-A6C34878D82A}">
-                    <a16:rowId xmlns:a16="http://schemas.microsoft.com/office/drawing/2014/main" val="4240315979"/>
+                    <a16:rowId xmlns:a16="http://schemas.microsoft.com/office/drawing/2014/main" val="2167087509"/>
                   </a:ext>
                 </a:extLst>
               </a:tr>
-              <a:tr h="167640">
-                <a:tc>
-                  <a:txBody>
-                    <a:bodyPr/>
-                    <a:lstStyle/>
-                    <a:p>
-                      <a:pPr algn="ctr" fontAlgn="ctr"/>
-                      <a:r>
-                        <a:rPr lang="ko-KR" altLang="en-US" sz="1000" u="none" strike="noStrike">
-                          <a:effectLst/>
-                        </a:rPr>
-                        <a:t>자 몽</a:t>
-                      </a:r>
-                      <a:endParaRPr lang="ko-KR" altLang="en-US" sz="1000" b="0" i="0" u="none" strike="noStrike">
-                        <a:solidFill>
-                          <a:srgbClr val="000000"/>
-                        </a:solidFill>
-                        <a:effectLst/>
-                        <a:latin typeface="굴림" panose="020B0600000101010101" pitchFamily="50" charset="-127"/>
-                        <a:ea typeface="굴림" panose="020B0600000101010101" pitchFamily="50" charset="-127"/>
-                      </a:endParaRPr>
-                    </a:p>
-                  </a:txBody>
-                  <a:tcPr marL="7620" marR="7620" marT="7620" marB="0" anchor="ctr"/>
-                </a:tc>
-                <a:tc>
-                  <a:txBody>
-                    <a:bodyPr/>
-                    <a:lstStyle/>
-                    <a:p>
-                      <a:pPr algn="r" fontAlgn="ctr"/>
-                      <a:r>
-                        <a:rPr lang="en-US" altLang="ko-KR" sz="1000" u="none" strike="noStrike">
+              <a:tr h="174928">
+                <a:tc>
+                  <a:txBody>
+                    <a:bodyPr/>
+                    <a:lstStyle/>
+                    <a:p>
+                      <a:pPr algn="ctr" fontAlgn="ctr"/>
+                      <a:r>
+                        <a:rPr lang="ko-KR" altLang="en-US" sz="1100" u="none" strike="noStrike">
+                          <a:effectLst/>
+                        </a:rPr>
+                        <a:t>파인애플</a:t>
+                      </a:r>
+                      <a:endParaRPr lang="ko-KR" altLang="en-US" sz="1100" b="1" i="0" u="none" strike="noStrike">
+                        <a:solidFill>
+                          <a:srgbClr val="000000"/>
+                        </a:solidFill>
+                        <a:effectLst/>
+                        <a:latin typeface="굴림" panose="020B0600000101010101" pitchFamily="50" charset="-127"/>
+                        <a:ea typeface="굴림" panose="020B0600000101010101" pitchFamily="50" charset="-127"/>
+                      </a:endParaRPr>
+                    </a:p>
+                  </a:txBody>
+                  <a:tcPr marL="7289" marR="7289" marT="7289" marB="0" anchor="ctr"/>
+                </a:tc>
+                <a:tc>
+                  <a:txBody>
+                    <a:bodyPr/>
+                    <a:lstStyle/>
+                    <a:p>
+                      <a:pPr algn="ctr" fontAlgn="ctr"/>
+                      <a:r>
+                        <a:rPr lang="en-US" altLang="ko-KR" sz="1100" u="none" strike="noStrike">
+                          <a:effectLst/>
+                        </a:rPr>
+                        <a:t>12</a:t>
+                      </a:r>
+                      <a:endParaRPr lang="en-US" altLang="ko-KR" sz="1100" b="1" i="0" u="none" strike="noStrike">
+                        <a:solidFill>
+                          <a:srgbClr val="000000"/>
+                        </a:solidFill>
+                        <a:effectLst/>
+                        <a:latin typeface="굴림" panose="020B0600000101010101" pitchFamily="50" charset="-127"/>
+                        <a:ea typeface="굴림" panose="020B0600000101010101" pitchFamily="50" charset="-127"/>
+                      </a:endParaRPr>
+                    </a:p>
+                  </a:txBody>
+                  <a:tcPr marL="7289" marR="7289" marT="7289" marB="0" anchor="ctr"/>
+                </a:tc>
+                <a:tc>
+                  <a:txBody>
+                    <a:bodyPr/>
+                    <a:lstStyle/>
+                    <a:p>
+                      <a:pPr algn="ctr" fontAlgn="ctr"/>
+                      <a:r>
+                        <a:rPr lang="en-US" altLang="ko-KR" sz="1100" u="none" strike="noStrike">
                           <a:effectLst/>
                         </a:rPr>
                         <a:t>0</a:t>
                       </a:r>
-                      <a:endParaRPr lang="en-US" altLang="ko-KR" sz="1000" b="0" i="0" u="none" strike="noStrike">
-                        <a:solidFill>
-                          <a:srgbClr val="000000"/>
-                        </a:solidFill>
-                        <a:effectLst/>
-                        <a:latin typeface="굴림" panose="020B0600000101010101" pitchFamily="50" charset="-127"/>
-                        <a:ea typeface="굴림" panose="020B0600000101010101" pitchFamily="50" charset="-127"/>
-                      </a:endParaRPr>
-                    </a:p>
-                  </a:txBody>
-                  <a:tcPr marL="7620" marR="7620" marT="7620" marB="0" anchor="ctr"/>
-                </a:tc>
-                <a:tc>
-                  <a:txBody>
-                    <a:bodyPr/>
-                    <a:lstStyle/>
-                    <a:p>
-                      <a:pPr algn="r" fontAlgn="ctr"/>
-                      <a:r>
-                        <a:rPr lang="en-US" altLang="ko-KR" sz="1000" u="none" strike="noStrike">
+                      <a:endParaRPr lang="en-US" altLang="ko-KR" sz="1100" b="1" i="0" u="none" strike="noStrike">
+                        <a:solidFill>
+                          <a:srgbClr val="000000"/>
+                        </a:solidFill>
+                        <a:effectLst/>
+                        <a:latin typeface="굴림" panose="020B0600000101010101" pitchFamily="50" charset="-127"/>
+                        <a:ea typeface="굴림" panose="020B0600000101010101" pitchFamily="50" charset="-127"/>
+                      </a:endParaRPr>
+                    </a:p>
+                  </a:txBody>
+                  <a:tcPr marL="7289" marR="7289" marT="7289" marB="0" anchor="ctr"/>
+                </a:tc>
+                <a:tc>
+                  <a:txBody>
+                    <a:bodyPr/>
+                    <a:lstStyle/>
+                    <a:p>
+                      <a:pPr algn="ctr" fontAlgn="ctr"/>
+                      <a:r>
+                        <a:rPr lang="en-US" altLang="ko-KR" sz="1100" u="none" strike="noStrike">
+                          <a:effectLst/>
+                        </a:rPr>
+                        <a:t>1</a:t>
+                      </a:r>
+                      <a:endParaRPr lang="en-US" altLang="ko-KR" sz="1100" b="1" i="0" u="none" strike="noStrike">
+                        <a:solidFill>
+                          <a:srgbClr val="000000"/>
+                        </a:solidFill>
+                        <a:effectLst/>
+                        <a:latin typeface="굴림" panose="020B0600000101010101" pitchFamily="50" charset="-127"/>
+                        <a:ea typeface="굴림" panose="020B0600000101010101" pitchFamily="50" charset="-127"/>
+                      </a:endParaRPr>
+                    </a:p>
+                  </a:txBody>
+                  <a:tcPr marL="7289" marR="7289" marT="7289" marB="0" anchor="ctr"/>
+                </a:tc>
+                <a:tc>
+                  <a:txBody>
+                    <a:bodyPr/>
+                    <a:lstStyle/>
+                    <a:p>
+                      <a:pPr algn="ctr" fontAlgn="ctr"/>
+                      <a:r>
+                        <a:rPr lang="en-US" altLang="ko-KR" sz="1100" u="none" strike="noStrike">
                           <a:effectLst/>
                         </a:rPr>
                         <a:t>0</a:t>
                       </a:r>
-                      <a:endParaRPr lang="en-US" altLang="ko-KR" sz="1000" b="0" i="0" u="none" strike="noStrike">
-                        <a:solidFill>
-                          <a:srgbClr val="000000"/>
-                        </a:solidFill>
-                        <a:effectLst/>
-                        <a:latin typeface="굴림" panose="020B0600000101010101" pitchFamily="50" charset="-127"/>
-                        <a:ea typeface="굴림" panose="020B0600000101010101" pitchFamily="50" charset="-127"/>
-                      </a:endParaRPr>
-                    </a:p>
-                  </a:txBody>
-                  <a:tcPr marL="7620" marR="7620" marT="7620" marB="0" anchor="ctr"/>
-                </a:tc>
-                <a:tc>
-                  <a:txBody>
-                    <a:bodyPr/>
-                    <a:lstStyle/>
-                    <a:p>
-                      <a:pPr algn="r" fontAlgn="ctr"/>
-                      <a:r>
-                        <a:rPr lang="en-US" altLang="ko-KR" sz="1000" u="none" strike="noStrike">
-                          <a:effectLst/>
-                        </a:rPr>
-                        <a:t>4</a:t>
-                      </a:r>
-                      <a:endParaRPr lang="en-US" altLang="ko-KR" sz="1000" b="0" i="0" u="none" strike="noStrike">
-                        <a:solidFill>
-                          <a:srgbClr val="000000"/>
-                        </a:solidFill>
-                        <a:effectLst/>
-                        <a:latin typeface="굴림" panose="020B0600000101010101" pitchFamily="50" charset="-127"/>
-                        <a:ea typeface="굴림" panose="020B0600000101010101" pitchFamily="50" charset="-127"/>
-                      </a:endParaRPr>
-                    </a:p>
-                  </a:txBody>
-                  <a:tcPr marL="7620" marR="7620" marT="7620" marB="0" anchor="ctr"/>
-                </a:tc>
-                <a:tc>
-                  <a:txBody>
-                    <a:bodyPr/>
-                    <a:lstStyle/>
-                    <a:p>
-                      <a:pPr algn="r" fontAlgn="ctr"/>
-                      <a:r>
-                        <a:rPr lang="en-US" altLang="ko-KR" sz="1000" u="none" strike="noStrike">
+                      <a:endParaRPr lang="en-US" altLang="ko-KR" sz="1100" b="1" i="0" u="none" strike="noStrike">
+                        <a:solidFill>
+                          <a:srgbClr val="000000"/>
+                        </a:solidFill>
+                        <a:effectLst/>
+                        <a:latin typeface="굴림" panose="020B0600000101010101" pitchFamily="50" charset="-127"/>
+                        <a:ea typeface="굴림" panose="020B0600000101010101" pitchFamily="50" charset="-127"/>
+                      </a:endParaRPr>
+                    </a:p>
+                  </a:txBody>
+                  <a:tcPr marL="7289" marR="7289" marT="7289" marB="0" anchor="ctr"/>
+                </a:tc>
+                <a:tc>
+                  <a:txBody>
+                    <a:bodyPr/>
+                    <a:lstStyle/>
+                    <a:p>
+                      <a:pPr algn="ctr" fontAlgn="ctr"/>
+                      <a:r>
+                        <a:rPr lang="en-US" altLang="ko-KR" sz="1100" u="none" strike="noStrike">
                           <a:effectLst/>
                         </a:rPr>
                         <a:t>0</a:t>
                       </a:r>
-                      <a:endParaRPr lang="en-US" altLang="ko-KR" sz="1000" b="0" i="0" u="none" strike="noStrike">
-                        <a:solidFill>
-                          <a:srgbClr val="000000"/>
-                        </a:solidFill>
-                        <a:effectLst/>
-                        <a:latin typeface="굴림" panose="020B0600000101010101" pitchFamily="50" charset="-127"/>
-                        <a:ea typeface="굴림" panose="020B0600000101010101" pitchFamily="50" charset="-127"/>
-                      </a:endParaRPr>
-                    </a:p>
-                  </a:txBody>
-                  <a:tcPr marL="7620" marR="7620" marT="7620" marB="0" anchor="ctr"/>
-                </a:tc>
-                <a:tc>
-                  <a:txBody>
-                    <a:bodyPr/>
-                    <a:lstStyle/>
-                    <a:p>
-                      <a:pPr algn="r" fontAlgn="ctr"/>
-                      <a:r>
-                        <a:rPr lang="en-US" altLang="ko-KR" sz="1000" u="none" strike="noStrike">
+                      <a:endParaRPr lang="en-US" altLang="ko-KR" sz="1100" b="1" i="0" u="none" strike="noStrike">
+                        <a:solidFill>
+                          <a:srgbClr val="000000"/>
+                        </a:solidFill>
+                        <a:effectLst/>
+                        <a:latin typeface="굴림" panose="020B0600000101010101" pitchFamily="50" charset="-127"/>
+                        <a:ea typeface="굴림" panose="020B0600000101010101" pitchFamily="50" charset="-127"/>
+                      </a:endParaRPr>
+                    </a:p>
+                  </a:txBody>
+                  <a:tcPr marL="7289" marR="7289" marT="7289" marB="0" anchor="ctr"/>
+                </a:tc>
+                <a:tc>
+                  <a:txBody>
+                    <a:bodyPr/>
+                    <a:lstStyle/>
+                    <a:p>
+                      <a:pPr algn="ctr" fontAlgn="ctr"/>
+                      <a:r>
+                        <a:rPr lang="en-US" altLang="ko-KR" sz="1100" u="none" strike="noStrike">
                           <a:effectLst/>
                         </a:rPr>
                         <a:t>0</a:t>
                       </a:r>
-                      <a:endParaRPr lang="en-US" altLang="ko-KR" sz="1000" b="0" i="0" u="none" strike="noStrike">
-                        <a:solidFill>
-                          <a:srgbClr val="000000"/>
-                        </a:solidFill>
-                        <a:effectLst/>
-                        <a:latin typeface="굴림" panose="020B0600000101010101" pitchFamily="50" charset="-127"/>
-                        <a:ea typeface="굴림" panose="020B0600000101010101" pitchFamily="50" charset="-127"/>
-                      </a:endParaRPr>
-                    </a:p>
-                  </a:txBody>
-                  <a:tcPr marL="7620" marR="7620" marT="7620" marB="0" anchor="ctr"/>
-                </a:tc>
-                <a:tc>
-                  <a:txBody>
-                    <a:bodyPr/>
-                    <a:lstStyle/>
-                    <a:p>
-                      <a:pPr algn="r" fontAlgn="ctr"/>
-                      <a:r>
-                        <a:rPr lang="en-US" altLang="ko-KR" sz="1000" u="none" strike="noStrike">
-                          <a:effectLst/>
-                        </a:rPr>
-                        <a:t>0</a:t>
-                      </a:r>
-                      <a:endParaRPr lang="en-US" altLang="ko-KR" sz="1000" b="0" i="0" u="none" strike="noStrike">
-                        <a:solidFill>
-                          <a:srgbClr val="000000"/>
-                        </a:solidFill>
-                        <a:effectLst/>
-                        <a:latin typeface="굴림" panose="020B0600000101010101" pitchFamily="50" charset="-127"/>
-                        <a:ea typeface="굴림" panose="020B0600000101010101" pitchFamily="50" charset="-127"/>
-                      </a:endParaRPr>
-                    </a:p>
-                  </a:txBody>
-                  <a:tcPr marL="7620" marR="7620" marT="7620" marB="0" anchor="ctr"/>
-                </a:tc>
-                <a:tc>
-                  <a:txBody>
-                    <a:bodyPr/>
-                    <a:lstStyle/>
-                    <a:p>
-                      <a:pPr algn="r" fontAlgn="ctr"/>
-                      <a:r>
-                        <a:rPr lang="en-US" altLang="ko-KR" sz="1000" u="none" strike="noStrike">
-                          <a:effectLst/>
-                        </a:rPr>
-                        <a:t>4</a:t>
-                      </a:r>
-                      <a:endParaRPr lang="en-US" altLang="ko-KR" sz="1000" b="0" i="0" u="none" strike="noStrike">
-                        <a:solidFill>
-                          <a:srgbClr val="000000"/>
-                        </a:solidFill>
-                        <a:effectLst/>
-                        <a:latin typeface="굴림" panose="020B0600000101010101" pitchFamily="50" charset="-127"/>
-                        <a:ea typeface="굴림" panose="020B0600000101010101" pitchFamily="50" charset="-127"/>
-                      </a:endParaRPr>
-                    </a:p>
-                  </a:txBody>
-                  <a:tcPr marL="7620" marR="7620" marT="7620" marB="0" anchor="ctr"/>
+                      <a:endParaRPr lang="en-US" altLang="ko-KR" sz="1100" b="1" i="0" u="none" strike="noStrike">
+                        <a:solidFill>
+                          <a:srgbClr val="000000"/>
+                        </a:solidFill>
+                        <a:effectLst/>
+                        <a:latin typeface="굴림" panose="020B0600000101010101" pitchFamily="50" charset="-127"/>
+                        <a:ea typeface="굴림" panose="020B0600000101010101" pitchFamily="50" charset="-127"/>
+                      </a:endParaRPr>
+                    </a:p>
+                  </a:txBody>
+                  <a:tcPr marL="7289" marR="7289" marT="7289" marB="0" anchor="ctr"/>
+                </a:tc>
+                <a:tc>
+                  <a:txBody>
+                    <a:bodyPr/>
+                    <a:lstStyle/>
+                    <a:p>
+                      <a:pPr algn="ctr" fontAlgn="ctr"/>
+                      <a:r>
+                        <a:rPr lang="en-US" altLang="ko-KR" sz="1100" u="none" strike="noStrike">
+                          <a:effectLst/>
+                        </a:rPr>
+                        <a:t>13</a:t>
+                      </a:r>
+                      <a:endParaRPr lang="en-US" altLang="ko-KR" sz="1100" b="1" i="0" u="none" strike="noStrike">
+                        <a:solidFill>
+                          <a:srgbClr val="000000"/>
+                        </a:solidFill>
+                        <a:effectLst/>
+                        <a:latin typeface="굴림" panose="020B0600000101010101" pitchFamily="50" charset="-127"/>
+                        <a:ea typeface="굴림" panose="020B0600000101010101" pitchFamily="50" charset="-127"/>
+                      </a:endParaRPr>
+                    </a:p>
+                  </a:txBody>
+                  <a:tcPr marL="7289" marR="7289" marT="7289" marB="0" anchor="ctr"/>
                 </a:tc>
                 <a:extLst>
                   <a:ext uri="{0D108BD9-81ED-4DB2-BD59-A6C34878D82A}">
-                    <a16:rowId xmlns:a16="http://schemas.microsoft.com/office/drawing/2014/main" val="605333581"/>
+                    <a16:rowId xmlns:a16="http://schemas.microsoft.com/office/drawing/2014/main" val="3230692531"/>
                   </a:ext>
                 </a:extLst>
               </a:tr>
-              <a:tr h="167640">
-                <a:tc>
-                  <a:txBody>
-                    <a:bodyPr/>
-                    <a:lstStyle/>
-                    <a:p>
-                      <a:pPr algn="ctr" fontAlgn="ctr"/>
-                      <a:r>
-                        <a:rPr lang="ko-KR" altLang="en-US" sz="1000" u="none" strike="noStrike">
-                          <a:effectLst/>
-                        </a:rPr>
-                        <a:t>망 고</a:t>
-                      </a:r>
-                      <a:endParaRPr lang="ko-KR" altLang="en-US" sz="1000" b="0" i="0" u="none" strike="noStrike">
-                        <a:solidFill>
-                          <a:srgbClr val="000000"/>
-                        </a:solidFill>
-                        <a:effectLst/>
-                        <a:latin typeface="굴림" panose="020B0600000101010101" pitchFamily="50" charset="-127"/>
-                        <a:ea typeface="굴림" panose="020B0600000101010101" pitchFamily="50" charset="-127"/>
-                      </a:endParaRPr>
-                    </a:p>
-                  </a:txBody>
-                  <a:tcPr marL="7620" marR="7620" marT="7620" marB="0" anchor="ctr"/>
-                </a:tc>
-                <a:tc>
-                  <a:txBody>
-                    <a:bodyPr/>
-                    <a:lstStyle/>
-                    <a:p>
-                      <a:pPr algn="r" fontAlgn="ctr"/>
-                      <a:r>
-                        <a:rPr lang="en-US" altLang="ko-KR" sz="1000" u="none" strike="noStrike">
+              <a:tr h="174928">
+                <a:tc>
+                  <a:txBody>
+                    <a:bodyPr/>
+                    <a:lstStyle/>
+                    <a:p>
+                      <a:pPr algn="ctr" fontAlgn="ctr"/>
+                      <a:r>
+                        <a:rPr lang="ko-KR" altLang="en-US" sz="1100" u="none" strike="noStrike">
+                          <a:effectLst/>
+                        </a:rPr>
+                        <a:t>레몬</a:t>
+                      </a:r>
+                      <a:endParaRPr lang="ko-KR" altLang="en-US" sz="1100" b="1" i="0" u="none" strike="noStrike">
+                        <a:solidFill>
+                          <a:srgbClr val="000000"/>
+                        </a:solidFill>
+                        <a:effectLst/>
+                        <a:latin typeface="굴림" panose="020B0600000101010101" pitchFamily="50" charset="-127"/>
+                        <a:ea typeface="굴림" panose="020B0600000101010101" pitchFamily="50" charset="-127"/>
+                      </a:endParaRPr>
+                    </a:p>
+                  </a:txBody>
+                  <a:tcPr marL="7289" marR="7289" marT="7289" marB="0" anchor="ctr"/>
+                </a:tc>
+                <a:tc>
+                  <a:txBody>
+                    <a:bodyPr/>
+                    <a:lstStyle/>
+                    <a:p>
+                      <a:pPr algn="ctr" fontAlgn="ctr"/>
+                      <a:r>
+                        <a:rPr lang="en-US" altLang="ko-KR" sz="1100" u="none" strike="noStrike">
+                          <a:effectLst/>
+                        </a:rPr>
+                        <a:t>1</a:t>
+                      </a:r>
+                      <a:endParaRPr lang="en-US" altLang="ko-KR" sz="1100" b="1" i="0" u="none" strike="noStrike">
+                        <a:solidFill>
+                          <a:srgbClr val="000000"/>
+                        </a:solidFill>
+                        <a:effectLst/>
+                        <a:latin typeface="굴림" panose="020B0600000101010101" pitchFamily="50" charset="-127"/>
+                        <a:ea typeface="굴림" panose="020B0600000101010101" pitchFamily="50" charset="-127"/>
+                      </a:endParaRPr>
+                    </a:p>
+                  </a:txBody>
+                  <a:tcPr marL="7289" marR="7289" marT="7289" marB="0" anchor="ctr"/>
+                </a:tc>
+                <a:tc>
+                  <a:txBody>
+                    <a:bodyPr/>
+                    <a:lstStyle/>
+                    <a:p>
+                      <a:pPr algn="ctr" fontAlgn="ctr"/>
+                      <a:r>
+                        <a:rPr lang="en-US" altLang="ko-KR" sz="1100" u="none" strike="noStrike">
                           <a:effectLst/>
                         </a:rPr>
                         <a:t>0</a:t>
                       </a:r>
-                      <a:endParaRPr lang="en-US" altLang="ko-KR" sz="1000" b="0" i="0" u="none" strike="noStrike">
-                        <a:solidFill>
-                          <a:srgbClr val="000000"/>
-                        </a:solidFill>
-                        <a:effectLst/>
-                        <a:latin typeface="굴림" panose="020B0600000101010101" pitchFamily="50" charset="-127"/>
-                        <a:ea typeface="굴림" panose="020B0600000101010101" pitchFamily="50" charset="-127"/>
-                      </a:endParaRPr>
-                    </a:p>
-                  </a:txBody>
-                  <a:tcPr marL="7620" marR="7620" marT="7620" marB="0" anchor="ctr"/>
-                </a:tc>
-                <a:tc>
-                  <a:txBody>
-                    <a:bodyPr/>
-                    <a:lstStyle/>
-                    <a:p>
-                      <a:pPr algn="r" fontAlgn="ctr"/>
-                      <a:r>
-                        <a:rPr lang="en-US" altLang="ko-KR" sz="1000" u="none" strike="noStrike">
+                      <a:endParaRPr lang="en-US" altLang="ko-KR" sz="1100" b="1" i="0" u="none" strike="noStrike">
+                        <a:solidFill>
+                          <a:srgbClr val="000000"/>
+                        </a:solidFill>
+                        <a:effectLst/>
+                        <a:latin typeface="굴림" panose="020B0600000101010101" pitchFamily="50" charset="-127"/>
+                        <a:ea typeface="굴림" panose="020B0600000101010101" pitchFamily="50" charset="-127"/>
+                      </a:endParaRPr>
+                    </a:p>
+                  </a:txBody>
+                  <a:tcPr marL="7289" marR="7289" marT="7289" marB="0" anchor="ctr"/>
+                </a:tc>
+                <a:tc>
+                  <a:txBody>
+                    <a:bodyPr/>
+                    <a:lstStyle/>
+                    <a:p>
+                      <a:pPr algn="ctr" fontAlgn="ctr"/>
+                      <a:r>
+                        <a:rPr lang="en-US" altLang="ko-KR" sz="1100" u="none" strike="noStrike">
                           <a:effectLst/>
                         </a:rPr>
                         <a:t>0</a:t>
                       </a:r>
-                      <a:endParaRPr lang="en-US" altLang="ko-KR" sz="1000" b="0" i="0" u="none" strike="noStrike">
-                        <a:solidFill>
-                          <a:srgbClr val="000000"/>
-                        </a:solidFill>
-                        <a:effectLst/>
-                        <a:latin typeface="굴림" panose="020B0600000101010101" pitchFamily="50" charset="-127"/>
-                        <a:ea typeface="굴림" panose="020B0600000101010101" pitchFamily="50" charset="-127"/>
-                      </a:endParaRPr>
-                    </a:p>
-                  </a:txBody>
-                  <a:tcPr marL="7620" marR="7620" marT="7620" marB="0" anchor="ctr"/>
-                </a:tc>
-                <a:tc>
-                  <a:txBody>
-                    <a:bodyPr/>
-                    <a:lstStyle/>
-                    <a:p>
-                      <a:pPr algn="r" fontAlgn="ctr"/>
-                      <a:r>
-                        <a:rPr lang="en-US" altLang="ko-KR" sz="1000" u="none" strike="noStrike">
+                      <a:endParaRPr lang="en-US" altLang="ko-KR" sz="1100" b="1" i="0" u="none" strike="noStrike">
+                        <a:solidFill>
+                          <a:srgbClr val="000000"/>
+                        </a:solidFill>
+                        <a:effectLst/>
+                        <a:latin typeface="굴림" panose="020B0600000101010101" pitchFamily="50" charset="-127"/>
+                        <a:ea typeface="굴림" panose="020B0600000101010101" pitchFamily="50" charset="-127"/>
+                      </a:endParaRPr>
+                    </a:p>
+                  </a:txBody>
+                  <a:tcPr marL="7289" marR="7289" marT="7289" marB="0" anchor="ctr"/>
+                </a:tc>
+                <a:tc>
+                  <a:txBody>
+                    <a:bodyPr/>
+                    <a:lstStyle/>
+                    <a:p>
+                      <a:pPr algn="ctr" fontAlgn="ctr"/>
+                      <a:r>
+                        <a:rPr lang="en-US" altLang="ko-KR" sz="1100" u="none" strike="noStrike">
+                          <a:effectLst/>
+                        </a:rPr>
+                        <a:t>0</a:t>
+                      </a:r>
+                      <a:endParaRPr lang="en-US" altLang="ko-KR" sz="1100" b="1" i="0" u="none" strike="noStrike">
+                        <a:solidFill>
+                          <a:srgbClr val="000000"/>
+                        </a:solidFill>
+                        <a:effectLst/>
+                        <a:latin typeface="굴림" panose="020B0600000101010101" pitchFamily="50" charset="-127"/>
+                        <a:ea typeface="굴림" panose="020B0600000101010101" pitchFamily="50" charset="-127"/>
+                      </a:endParaRPr>
+                    </a:p>
+                  </a:txBody>
+                  <a:tcPr marL="7289" marR="7289" marT="7289" marB="0" anchor="ctr"/>
+                </a:tc>
+                <a:tc>
+                  <a:txBody>
+                    <a:bodyPr/>
+                    <a:lstStyle/>
+                    <a:p>
+                      <a:pPr algn="ctr" fontAlgn="ctr"/>
+                      <a:r>
+                        <a:rPr lang="en-US" altLang="ko-KR" sz="1100" u="none" strike="noStrike">
+                          <a:effectLst/>
+                        </a:rPr>
+                        <a:t>0</a:t>
+                      </a:r>
+                      <a:endParaRPr lang="en-US" altLang="ko-KR" sz="1100" b="1" i="0" u="none" strike="noStrike">
+                        <a:solidFill>
+                          <a:srgbClr val="000000"/>
+                        </a:solidFill>
+                        <a:effectLst/>
+                        <a:latin typeface="굴림" panose="020B0600000101010101" pitchFamily="50" charset="-127"/>
+                        <a:ea typeface="굴림" panose="020B0600000101010101" pitchFamily="50" charset="-127"/>
+                      </a:endParaRPr>
+                    </a:p>
+                  </a:txBody>
+                  <a:tcPr marL="7289" marR="7289" marT="7289" marB="0" anchor="ctr"/>
+                </a:tc>
+                <a:tc>
+                  <a:txBody>
+                    <a:bodyPr/>
+                    <a:lstStyle/>
+                    <a:p>
+                      <a:pPr algn="ctr" fontAlgn="ctr"/>
+                      <a:r>
+                        <a:rPr lang="en-US" altLang="ko-KR" sz="1100" u="none" strike="noStrike">
+                          <a:effectLst/>
+                        </a:rPr>
+                        <a:t>0</a:t>
+                      </a:r>
+                      <a:endParaRPr lang="en-US" altLang="ko-KR" sz="1100" b="1" i="0" u="none" strike="noStrike">
+                        <a:solidFill>
+                          <a:srgbClr val="000000"/>
+                        </a:solidFill>
+                        <a:effectLst/>
+                        <a:latin typeface="굴림" panose="020B0600000101010101" pitchFamily="50" charset="-127"/>
+                        <a:ea typeface="굴림" panose="020B0600000101010101" pitchFamily="50" charset="-127"/>
+                      </a:endParaRPr>
+                    </a:p>
+                  </a:txBody>
+                  <a:tcPr marL="7289" marR="7289" marT="7289" marB="0" anchor="ctr"/>
+                </a:tc>
+                <a:tc>
+                  <a:txBody>
+                    <a:bodyPr/>
+                    <a:lstStyle/>
+                    <a:p>
+                      <a:pPr algn="ctr" fontAlgn="ctr"/>
+                      <a:r>
+                        <a:rPr lang="en-US" altLang="ko-KR" sz="1100" u="none" strike="noStrike">
                           <a:effectLst/>
                         </a:rPr>
                         <a:t>2</a:t>
                       </a:r>
-                      <a:endParaRPr lang="en-US" altLang="ko-KR" sz="1000" b="0" i="0" u="none" strike="noStrike">
-                        <a:solidFill>
-                          <a:srgbClr val="000000"/>
-                        </a:solidFill>
-                        <a:effectLst/>
-                        <a:latin typeface="굴림" panose="020B0600000101010101" pitchFamily="50" charset="-127"/>
-                        <a:ea typeface="굴림" panose="020B0600000101010101" pitchFamily="50" charset="-127"/>
-                      </a:endParaRPr>
-                    </a:p>
-                  </a:txBody>
-                  <a:tcPr marL="7620" marR="7620" marT="7620" marB="0" anchor="ctr"/>
-                </a:tc>
-                <a:tc>
-                  <a:txBody>
-                    <a:bodyPr/>
-                    <a:lstStyle/>
-                    <a:p>
-                      <a:pPr algn="r" fontAlgn="ctr"/>
-                      <a:r>
-                        <a:rPr lang="en-US" altLang="ko-KR" sz="1000" u="none" strike="noStrike">
-                          <a:effectLst/>
-                        </a:rPr>
-                        <a:t>0</a:t>
-                      </a:r>
-                      <a:endParaRPr lang="en-US" altLang="ko-KR" sz="1000" b="0" i="0" u="none" strike="noStrike">
-                        <a:solidFill>
-                          <a:srgbClr val="000000"/>
-                        </a:solidFill>
-                        <a:effectLst/>
-                        <a:latin typeface="굴림" panose="020B0600000101010101" pitchFamily="50" charset="-127"/>
-                        <a:ea typeface="굴림" panose="020B0600000101010101" pitchFamily="50" charset="-127"/>
-                      </a:endParaRPr>
-                    </a:p>
-                  </a:txBody>
-                  <a:tcPr marL="7620" marR="7620" marT="7620" marB="0" anchor="ctr"/>
-                </a:tc>
-                <a:tc>
-                  <a:txBody>
-                    <a:bodyPr/>
-                    <a:lstStyle/>
-                    <a:p>
-                      <a:pPr algn="r" fontAlgn="ctr"/>
-                      <a:r>
-                        <a:rPr lang="en-US" altLang="ko-KR" sz="1000" u="none" strike="noStrike">
-                          <a:effectLst/>
-                        </a:rPr>
-                        <a:t>0</a:t>
-                      </a:r>
-                      <a:endParaRPr lang="en-US" altLang="ko-KR" sz="1000" b="0" i="0" u="none" strike="noStrike">
-                        <a:solidFill>
-                          <a:srgbClr val="000000"/>
-                        </a:solidFill>
-                        <a:effectLst/>
-                        <a:latin typeface="굴림" panose="020B0600000101010101" pitchFamily="50" charset="-127"/>
-                        <a:ea typeface="굴림" panose="020B0600000101010101" pitchFamily="50" charset="-127"/>
-                      </a:endParaRPr>
-                    </a:p>
-                  </a:txBody>
-                  <a:tcPr marL="7620" marR="7620" marT="7620" marB="0" anchor="ctr"/>
-                </a:tc>
-                <a:tc>
-                  <a:txBody>
-                    <a:bodyPr/>
-                    <a:lstStyle/>
-                    <a:p>
-                      <a:pPr algn="r" fontAlgn="ctr"/>
-                      <a:r>
-                        <a:rPr lang="en-US" altLang="ko-KR" sz="1000" u="none" strike="noStrike">
-                          <a:effectLst/>
-                        </a:rPr>
-                        <a:t>0</a:t>
-                      </a:r>
-                      <a:endParaRPr lang="en-US" altLang="ko-KR" sz="1000" b="0" i="0" u="none" strike="noStrike">
-                        <a:solidFill>
-                          <a:srgbClr val="000000"/>
-                        </a:solidFill>
-                        <a:effectLst/>
-                        <a:latin typeface="굴림" panose="020B0600000101010101" pitchFamily="50" charset="-127"/>
-                        <a:ea typeface="굴림" panose="020B0600000101010101" pitchFamily="50" charset="-127"/>
-                      </a:endParaRPr>
-                    </a:p>
-                  </a:txBody>
-                  <a:tcPr marL="7620" marR="7620" marT="7620" marB="0" anchor="ctr"/>
-                </a:tc>
-                <a:tc>
-                  <a:txBody>
-                    <a:bodyPr/>
-                    <a:lstStyle/>
-                    <a:p>
-                      <a:pPr algn="r" fontAlgn="ctr"/>
-                      <a:r>
-                        <a:rPr lang="en-US" altLang="ko-KR" sz="1000" u="none" strike="noStrike">
-                          <a:effectLst/>
-                        </a:rPr>
-                        <a:t>2</a:t>
-                      </a:r>
-                      <a:endParaRPr lang="en-US" altLang="ko-KR" sz="1000" b="0" i="0" u="none" strike="noStrike">
-                        <a:solidFill>
-                          <a:srgbClr val="000000"/>
-                        </a:solidFill>
-                        <a:effectLst/>
-                        <a:latin typeface="굴림" panose="020B0600000101010101" pitchFamily="50" charset="-127"/>
-                        <a:ea typeface="굴림" panose="020B0600000101010101" pitchFamily="50" charset="-127"/>
-                      </a:endParaRPr>
-                    </a:p>
-                  </a:txBody>
-                  <a:tcPr marL="7620" marR="7620" marT="7620" marB="0" anchor="ctr"/>
+                      <a:endParaRPr lang="en-US" altLang="ko-KR" sz="1100" b="1" i="0" u="none" strike="noStrike">
+                        <a:solidFill>
+                          <a:srgbClr val="000000"/>
+                        </a:solidFill>
+                        <a:effectLst/>
+                        <a:latin typeface="굴림" panose="020B0600000101010101" pitchFamily="50" charset="-127"/>
+                        <a:ea typeface="굴림" panose="020B0600000101010101" pitchFamily="50" charset="-127"/>
+                      </a:endParaRPr>
+                    </a:p>
+                  </a:txBody>
+                  <a:tcPr marL="7289" marR="7289" marT="7289" marB="0" anchor="ctr"/>
                 </a:tc>
                 <a:extLst>
                   <a:ext uri="{0D108BD9-81ED-4DB2-BD59-A6C34878D82A}">
-                    <a16:rowId xmlns:a16="http://schemas.microsoft.com/office/drawing/2014/main" val="2347446281"/>
+                    <a16:rowId xmlns:a16="http://schemas.microsoft.com/office/drawing/2014/main" val="3756098157"/>
                   </a:ext>
                 </a:extLst>
               </a:tr>
-              <a:tr h="167640">
-                <a:tc>
-                  <a:txBody>
-                    <a:bodyPr/>
-                    <a:lstStyle/>
-                    <a:p>
-                      <a:pPr algn="ctr" fontAlgn="ctr"/>
-                      <a:r>
-                        <a:rPr lang="ko-KR" altLang="en-US" sz="1000" u="none" strike="noStrike">
-                          <a:effectLst/>
-                        </a:rPr>
-                        <a:t>아보카도</a:t>
-                      </a:r>
-                      <a:endParaRPr lang="ko-KR" altLang="en-US" sz="1000" b="0" i="0" u="none" strike="noStrike">
-                        <a:solidFill>
-                          <a:srgbClr val="000000"/>
-                        </a:solidFill>
-                        <a:effectLst/>
-                        <a:latin typeface="굴림" panose="020B0600000101010101" pitchFamily="50" charset="-127"/>
-                        <a:ea typeface="굴림" panose="020B0600000101010101" pitchFamily="50" charset="-127"/>
-                      </a:endParaRPr>
-                    </a:p>
-                  </a:txBody>
-                  <a:tcPr marL="7620" marR="7620" marT="7620" marB="0" anchor="ctr"/>
-                </a:tc>
-                <a:tc>
-                  <a:txBody>
-                    <a:bodyPr/>
-                    <a:lstStyle/>
-                    <a:p>
-                      <a:pPr algn="r" fontAlgn="ctr"/>
-                      <a:r>
-                        <a:rPr lang="en-US" altLang="ko-KR" sz="1000" u="none" strike="noStrike">
-                          <a:effectLst/>
-                        </a:rPr>
-                        <a:t>3</a:t>
-                      </a:r>
-                      <a:endParaRPr lang="en-US" altLang="ko-KR" sz="1000" b="0" i="0" u="none" strike="noStrike">
-                        <a:solidFill>
-                          <a:srgbClr val="000000"/>
-                        </a:solidFill>
-                        <a:effectLst/>
-                        <a:latin typeface="굴림" panose="020B0600000101010101" pitchFamily="50" charset="-127"/>
-                        <a:ea typeface="굴림" panose="020B0600000101010101" pitchFamily="50" charset="-127"/>
-                      </a:endParaRPr>
-                    </a:p>
-                  </a:txBody>
-                  <a:tcPr marL="7620" marR="7620" marT="7620" marB="0" anchor="ctr"/>
-                </a:tc>
-                <a:tc>
-                  <a:txBody>
-                    <a:bodyPr/>
-                    <a:lstStyle/>
-                    <a:p>
-                      <a:pPr algn="r" fontAlgn="ctr"/>
-                      <a:r>
-                        <a:rPr lang="en-US" altLang="ko-KR" sz="1000" u="none" strike="noStrike">
+              <a:tr h="174928">
+                <a:tc>
+                  <a:txBody>
+                    <a:bodyPr/>
+                    <a:lstStyle/>
+                    <a:p>
+                      <a:pPr algn="ctr" fontAlgn="ctr"/>
+                      <a:r>
+                        <a:rPr lang="ko-KR" altLang="en-US" sz="1100" u="none" strike="noStrike">
+                          <a:effectLst/>
+                        </a:rPr>
+                        <a:t>산딸기</a:t>
+                      </a:r>
+                      <a:endParaRPr lang="ko-KR" altLang="en-US" sz="1100" b="1" i="0" u="none" strike="noStrike">
+                        <a:solidFill>
+                          <a:srgbClr val="000000"/>
+                        </a:solidFill>
+                        <a:effectLst/>
+                        <a:latin typeface="굴림" panose="020B0600000101010101" pitchFamily="50" charset="-127"/>
+                        <a:ea typeface="굴림" panose="020B0600000101010101" pitchFamily="50" charset="-127"/>
+                      </a:endParaRPr>
+                    </a:p>
+                  </a:txBody>
+                  <a:tcPr marL="7289" marR="7289" marT="7289" marB="0" anchor="ctr"/>
+                </a:tc>
+                <a:tc>
+                  <a:txBody>
+                    <a:bodyPr/>
+                    <a:lstStyle/>
+                    <a:p>
+                      <a:pPr algn="ctr" fontAlgn="ctr"/>
+                      <a:r>
+                        <a:rPr lang="en-US" altLang="ko-KR" sz="1100" u="none" strike="noStrike">
                           <a:effectLst/>
                         </a:rPr>
                         <a:t>0</a:t>
                       </a:r>
-                      <a:endParaRPr lang="en-US" altLang="ko-KR" sz="1000" b="0" i="0" u="none" strike="noStrike">
-                        <a:solidFill>
-                          <a:srgbClr val="000000"/>
-                        </a:solidFill>
-                        <a:effectLst/>
-                        <a:latin typeface="굴림" panose="020B0600000101010101" pitchFamily="50" charset="-127"/>
-                        <a:ea typeface="굴림" panose="020B0600000101010101" pitchFamily="50" charset="-127"/>
-                      </a:endParaRPr>
-                    </a:p>
-                  </a:txBody>
-                  <a:tcPr marL="7620" marR="7620" marT="7620" marB="0" anchor="ctr"/>
-                </a:tc>
-                <a:tc>
-                  <a:txBody>
-                    <a:bodyPr/>
-                    <a:lstStyle/>
-                    <a:p>
-                      <a:pPr algn="r" fontAlgn="ctr"/>
-                      <a:r>
-                        <a:rPr lang="en-US" altLang="ko-KR" sz="1000" u="none" strike="noStrike">
+                      <a:endParaRPr lang="en-US" altLang="ko-KR" sz="1100" b="1" i="0" u="none" strike="noStrike">
+                        <a:solidFill>
+                          <a:srgbClr val="000000"/>
+                        </a:solidFill>
+                        <a:effectLst/>
+                        <a:latin typeface="굴림" panose="020B0600000101010101" pitchFamily="50" charset="-127"/>
+                        <a:ea typeface="굴림" panose="020B0600000101010101" pitchFamily="50" charset="-127"/>
+                      </a:endParaRPr>
+                    </a:p>
+                  </a:txBody>
+                  <a:tcPr marL="7289" marR="7289" marT="7289" marB="0" anchor="ctr"/>
+                </a:tc>
+                <a:tc>
+                  <a:txBody>
+                    <a:bodyPr/>
+                    <a:lstStyle/>
+                    <a:p>
+                      <a:pPr algn="ctr" fontAlgn="ctr"/>
+                      <a:r>
+                        <a:rPr lang="en-US" altLang="ko-KR" sz="1100" u="none" strike="noStrike">
                           <a:effectLst/>
                         </a:rPr>
                         <a:t>0</a:t>
                       </a:r>
-                      <a:endParaRPr lang="en-US" altLang="ko-KR" sz="1000" b="0" i="0" u="none" strike="noStrike">
-                        <a:solidFill>
-                          <a:srgbClr val="000000"/>
-                        </a:solidFill>
-                        <a:effectLst/>
-                        <a:latin typeface="굴림" panose="020B0600000101010101" pitchFamily="50" charset="-127"/>
-                        <a:ea typeface="굴림" panose="020B0600000101010101" pitchFamily="50" charset="-127"/>
-                      </a:endParaRPr>
-                    </a:p>
-                  </a:txBody>
-                  <a:tcPr marL="7620" marR="7620" marT="7620" marB="0" anchor="ctr"/>
-                </a:tc>
-                <a:tc>
-                  <a:txBody>
-                    <a:bodyPr/>
-                    <a:lstStyle/>
-                    <a:p>
-                      <a:pPr algn="r" fontAlgn="ctr"/>
-                      <a:r>
-                        <a:rPr lang="en-US" altLang="ko-KR" sz="1000" u="none" strike="noStrike">
+                      <a:endParaRPr lang="en-US" altLang="ko-KR" sz="1100" b="1" i="0" u="none" strike="noStrike">
+                        <a:solidFill>
+                          <a:srgbClr val="000000"/>
+                        </a:solidFill>
+                        <a:effectLst/>
+                        <a:latin typeface="굴림" panose="020B0600000101010101" pitchFamily="50" charset="-127"/>
+                        <a:ea typeface="굴림" panose="020B0600000101010101" pitchFamily="50" charset="-127"/>
+                      </a:endParaRPr>
+                    </a:p>
+                  </a:txBody>
+                  <a:tcPr marL="7289" marR="7289" marT="7289" marB="0" anchor="ctr"/>
+                </a:tc>
+                <a:tc>
+                  <a:txBody>
+                    <a:bodyPr/>
+                    <a:lstStyle/>
+                    <a:p>
+                      <a:pPr algn="ctr" fontAlgn="ctr"/>
+                      <a:r>
+                        <a:rPr lang="en-US" altLang="ko-KR" sz="1100" u="none" strike="noStrike">
+                          <a:effectLst/>
+                        </a:rPr>
+                        <a:t>1</a:t>
+                      </a:r>
+                      <a:endParaRPr lang="en-US" altLang="ko-KR" sz="1100" b="1" i="0" u="none" strike="noStrike">
+                        <a:solidFill>
+                          <a:srgbClr val="000000"/>
+                        </a:solidFill>
+                        <a:effectLst/>
+                        <a:latin typeface="굴림" panose="020B0600000101010101" pitchFamily="50" charset="-127"/>
+                        <a:ea typeface="굴림" panose="020B0600000101010101" pitchFamily="50" charset="-127"/>
+                      </a:endParaRPr>
+                    </a:p>
+                  </a:txBody>
+                  <a:tcPr marL="7289" marR="7289" marT="7289" marB="0" anchor="ctr"/>
+                </a:tc>
+                <a:tc>
+                  <a:txBody>
+                    <a:bodyPr/>
+                    <a:lstStyle/>
+                    <a:p>
+                      <a:pPr algn="ctr" fontAlgn="ctr"/>
+                      <a:r>
+                        <a:rPr lang="en-US" altLang="ko-KR" sz="1100" u="none" strike="noStrike">
                           <a:effectLst/>
                         </a:rPr>
                         <a:t>0</a:t>
                       </a:r>
-                      <a:endParaRPr lang="en-US" altLang="ko-KR" sz="1000" b="0" i="0" u="none" strike="noStrike">
-                        <a:solidFill>
-                          <a:srgbClr val="000000"/>
-                        </a:solidFill>
-                        <a:effectLst/>
-                        <a:latin typeface="굴림" panose="020B0600000101010101" pitchFamily="50" charset="-127"/>
-                        <a:ea typeface="굴림" panose="020B0600000101010101" pitchFamily="50" charset="-127"/>
-                      </a:endParaRPr>
-                    </a:p>
-                  </a:txBody>
-                  <a:tcPr marL="7620" marR="7620" marT="7620" marB="0" anchor="ctr"/>
-                </a:tc>
-                <a:tc>
-                  <a:txBody>
-                    <a:bodyPr/>
-                    <a:lstStyle/>
-                    <a:p>
-                      <a:pPr algn="r" fontAlgn="ctr"/>
-                      <a:r>
-                        <a:rPr lang="en-US" altLang="ko-KR" sz="1000" u="none" strike="noStrike">
+                      <a:endParaRPr lang="en-US" altLang="ko-KR" sz="1100" b="1" i="0" u="none" strike="noStrike">
+                        <a:solidFill>
+                          <a:srgbClr val="000000"/>
+                        </a:solidFill>
+                        <a:effectLst/>
+                        <a:latin typeface="굴림" panose="020B0600000101010101" pitchFamily="50" charset="-127"/>
+                        <a:ea typeface="굴림" panose="020B0600000101010101" pitchFamily="50" charset="-127"/>
+                      </a:endParaRPr>
+                    </a:p>
+                  </a:txBody>
+                  <a:tcPr marL="7289" marR="7289" marT="7289" marB="0" anchor="ctr"/>
+                </a:tc>
+                <a:tc>
+                  <a:txBody>
+                    <a:bodyPr/>
+                    <a:lstStyle/>
+                    <a:p>
+                      <a:pPr algn="ctr" fontAlgn="ctr"/>
+                      <a:r>
+                        <a:rPr lang="en-US" altLang="ko-KR" sz="1100" u="none" strike="noStrike">
                           <a:effectLst/>
                         </a:rPr>
                         <a:t>0</a:t>
                       </a:r>
-                      <a:endParaRPr lang="en-US" altLang="ko-KR" sz="1000" b="0" i="0" u="none" strike="noStrike">
-                        <a:solidFill>
-                          <a:srgbClr val="000000"/>
-                        </a:solidFill>
-                        <a:effectLst/>
-                        <a:latin typeface="굴림" panose="020B0600000101010101" pitchFamily="50" charset="-127"/>
-                        <a:ea typeface="굴림" panose="020B0600000101010101" pitchFamily="50" charset="-127"/>
-                      </a:endParaRPr>
-                    </a:p>
-                  </a:txBody>
-                  <a:tcPr marL="7620" marR="7620" marT="7620" marB="0" anchor="ctr"/>
-                </a:tc>
-                <a:tc>
-                  <a:txBody>
-                    <a:bodyPr/>
-                    <a:lstStyle/>
-                    <a:p>
-                      <a:pPr algn="r" fontAlgn="ctr"/>
-                      <a:r>
-                        <a:rPr lang="en-US" altLang="ko-KR" sz="1000" u="none" strike="noStrike">
+                      <a:endParaRPr lang="en-US" altLang="ko-KR" sz="1100" b="1" i="0" u="none" strike="noStrike">
+                        <a:solidFill>
+                          <a:srgbClr val="000000"/>
+                        </a:solidFill>
+                        <a:effectLst/>
+                        <a:latin typeface="굴림" panose="020B0600000101010101" pitchFamily="50" charset="-127"/>
+                        <a:ea typeface="굴림" panose="020B0600000101010101" pitchFamily="50" charset="-127"/>
+                      </a:endParaRPr>
+                    </a:p>
+                  </a:txBody>
+                  <a:tcPr marL="7289" marR="7289" marT="7289" marB="0" anchor="ctr"/>
+                </a:tc>
+                <a:tc>
+                  <a:txBody>
+                    <a:bodyPr/>
+                    <a:lstStyle/>
+                    <a:p>
+                      <a:pPr algn="ctr" fontAlgn="ctr"/>
+                      <a:r>
+                        <a:rPr lang="en-US" altLang="ko-KR" sz="1100" u="none" strike="noStrike">
                           <a:effectLst/>
                         </a:rPr>
                         <a:t>0</a:t>
                       </a:r>
-                      <a:endParaRPr lang="en-US" altLang="ko-KR" sz="1000" b="0" i="0" u="none" strike="noStrike">
-                        <a:solidFill>
-                          <a:srgbClr val="000000"/>
-                        </a:solidFill>
-                        <a:effectLst/>
-                        <a:latin typeface="굴림" panose="020B0600000101010101" pitchFamily="50" charset="-127"/>
-                        <a:ea typeface="굴림" panose="020B0600000101010101" pitchFamily="50" charset="-127"/>
-                      </a:endParaRPr>
-                    </a:p>
-                  </a:txBody>
-                  <a:tcPr marL="7620" marR="7620" marT="7620" marB="0" anchor="ctr"/>
-                </a:tc>
-                <a:tc>
-                  <a:txBody>
-                    <a:bodyPr/>
-                    <a:lstStyle/>
-                    <a:p>
-                      <a:pPr algn="r" fontAlgn="ctr"/>
-                      <a:r>
-                        <a:rPr lang="en-US" altLang="ko-KR" sz="1000" u="none" strike="noStrike">
-                          <a:effectLst/>
-                        </a:rPr>
-                        <a:t>3</a:t>
-                      </a:r>
-                      <a:endParaRPr lang="en-US" altLang="ko-KR" sz="1000" b="0" i="0" u="none" strike="noStrike">
-                        <a:solidFill>
-                          <a:srgbClr val="000000"/>
-                        </a:solidFill>
-                        <a:effectLst/>
-                        <a:latin typeface="굴림" panose="020B0600000101010101" pitchFamily="50" charset="-127"/>
-                        <a:ea typeface="굴림" panose="020B0600000101010101" pitchFamily="50" charset="-127"/>
-                      </a:endParaRPr>
-                    </a:p>
-                  </a:txBody>
-                  <a:tcPr marL="7620" marR="7620" marT="7620" marB="0" anchor="ctr"/>
+                      <a:endParaRPr lang="en-US" altLang="ko-KR" sz="1100" b="1" i="0" u="none" strike="noStrike">
+                        <a:solidFill>
+                          <a:srgbClr val="000000"/>
+                        </a:solidFill>
+                        <a:effectLst/>
+                        <a:latin typeface="굴림" panose="020B0600000101010101" pitchFamily="50" charset="-127"/>
+                        <a:ea typeface="굴림" panose="020B0600000101010101" pitchFamily="50" charset="-127"/>
+                      </a:endParaRPr>
+                    </a:p>
+                  </a:txBody>
+                  <a:tcPr marL="7289" marR="7289" marT="7289" marB="0" anchor="ctr"/>
+                </a:tc>
+                <a:tc>
+                  <a:txBody>
+                    <a:bodyPr/>
+                    <a:lstStyle/>
+                    <a:p>
+                      <a:pPr algn="ctr" fontAlgn="ctr"/>
+                      <a:r>
+                        <a:rPr lang="en-US" altLang="ko-KR" sz="1100" u="none" strike="noStrike">
+                          <a:effectLst/>
+                        </a:rPr>
+                        <a:t>1</a:t>
+                      </a:r>
+                      <a:endParaRPr lang="en-US" altLang="ko-KR" sz="1100" b="1" i="0" u="none" strike="noStrike">
+                        <a:solidFill>
+                          <a:srgbClr val="000000"/>
+                        </a:solidFill>
+                        <a:effectLst/>
+                        <a:latin typeface="굴림" panose="020B0600000101010101" pitchFamily="50" charset="-127"/>
+                        <a:ea typeface="굴림" panose="020B0600000101010101" pitchFamily="50" charset="-127"/>
+                      </a:endParaRPr>
+                    </a:p>
+                  </a:txBody>
+                  <a:tcPr marL="7289" marR="7289" marT="7289" marB="0" anchor="ctr"/>
                 </a:tc>
                 <a:extLst>
                   <a:ext uri="{0D108BD9-81ED-4DB2-BD59-A6C34878D82A}">
-                    <a16:rowId xmlns:a16="http://schemas.microsoft.com/office/drawing/2014/main" val="1704608352"/>
+                    <a16:rowId xmlns:a16="http://schemas.microsoft.com/office/drawing/2014/main" val="2390661753"/>
                   </a:ext>
                 </a:extLst>
               </a:tr>
-              <a:tr h="167640">
-                <a:tc>
-                  <a:txBody>
-                    <a:bodyPr/>
-                    <a:lstStyle/>
-                    <a:p>
-                      <a:pPr algn="ctr" fontAlgn="ctr"/>
-                      <a:r>
-                        <a:rPr lang="ko-KR" altLang="en-US" sz="1000" u="none" strike="noStrike">
-                          <a:effectLst/>
-                        </a:rPr>
-                        <a:t>용과</a:t>
-                      </a:r>
-                      <a:endParaRPr lang="ko-KR" altLang="en-US" sz="1000" b="0" i="0" u="none" strike="noStrike">
-                        <a:solidFill>
-                          <a:srgbClr val="000000"/>
-                        </a:solidFill>
-                        <a:effectLst/>
-                        <a:latin typeface="굴림" panose="020B0600000101010101" pitchFamily="50" charset="-127"/>
-                        <a:ea typeface="굴림" panose="020B0600000101010101" pitchFamily="50" charset="-127"/>
-                      </a:endParaRPr>
-                    </a:p>
-                  </a:txBody>
-                  <a:tcPr marL="7620" marR="7620" marT="7620" marB="0" anchor="ctr"/>
-                </a:tc>
-                <a:tc>
-                  <a:txBody>
-                    <a:bodyPr/>
-                    <a:lstStyle/>
-                    <a:p>
-                      <a:pPr algn="r" fontAlgn="ctr"/>
-                      <a:r>
-                        <a:rPr lang="en-US" altLang="ko-KR" sz="1000" u="none" strike="noStrike">
+              <a:tr h="174928">
+                <a:tc>
+                  <a:txBody>
+                    <a:bodyPr/>
+                    <a:lstStyle/>
+                    <a:p>
+                      <a:pPr algn="ctr" fontAlgn="ctr"/>
+                      <a:r>
+                        <a:rPr lang="ko-KR" altLang="en-US" sz="1100" u="none" strike="noStrike">
+                          <a:effectLst/>
+                        </a:rPr>
+                        <a:t>오렌지</a:t>
+                      </a:r>
+                      <a:endParaRPr lang="ko-KR" altLang="en-US" sz="1100" b="1" i="0" u="none" strike="noStrike">
+                        <a:solidFill>
+                          <a:srgbClr val="000000"/>
+                        </a:solidFill>
+                        <a:effectLst/>
+                        <a:latin typeface="굴림" panose="020B0600000101010101" pitchFamily="50" charset="-127"/>
+                        <a:ea typeface="굴림" panose="020B0600000101010101" pitchFamily="50" charset="-127"/>
+                      </a:endParaRPr>
+                    </a:p>
+                  </a:txBody>
+                  <a:tcPr marL="7289" marR="7289" marT="7289" marB="0" anchor="ctr"/>
+                </a:tc>
+                <a:tc>
+                  <a:txBody>
+                    <a:bodyPr/>
+                    <a:lstStyle/>
+                    <a:p>
+                      <a:pPr algn="ctr" fontAlgn="ctr"/>
+                      <a:r>
+                        <a:rPr lang="en-US" altLang="ko-KR" sz="1100" u="none" strike="noStrike">
+                          <a:effectLst/>
+                        </a:rPr>
+                        <a:t>29</a:t>
+                      </a:r>
+                      <a:endParaRPr lang="en-US" altLang="ko-KR" sz="1100" b="1" i="0" u="none" strike="noStrike">
+                        <a:solidFill>
+                          <a:srgbClr val="000000"/>
+                        </a:solidFill>
+                        <a:effectLst/>
+                        <a:latin typeface="굴림" panose="020B0600000101010101" pitchFamily="50" charset="-127"/>
+                        <a:ea typeface="굴림" panose="020B0600000101010101" pitchFamily="50" charset="-127"/>
+                      </a:endParaRPr>
+                    </a:p>
+                  </a:txBody>
+                  <a:tcPr marL="7289" marR="7289" marT="7289" marB="0" anchor="ctr"/>
+                </a:tc>
+                <a:tc>
+                  <a:txBody>
+                    <a:bodyPr/>
+                    <a:lstStyle/>
+                    <a:p>
+                      <a:pPr algn="ctr" fontAlgn="ctr"/>
+                      <a:r>
+                        <a:rPr lang="en-US" altLang="ko-KR" sz="1100" u="none" strike="noStrike">
+                          <a:effectLst/>
+                        </a:rPr>
+                        <a:t>5</a:t>
+                      </a:r>
+                      <a:endParaRPr lang="en-US" altLang="ko-KR" sz="1100" b="1" i="0" u="none" strike="noStrike">
+                        <a:solidFill>
+                          <a:srgbClr val="000000"/>
+                        </a:solidFill>
+                        <a:effectLst/>
+                        <a:latin typeface="굴림" panose="020B0600000101010101" pitchFamily="50" charset="-127"/>
+                        <a:ea typeface="굴림" panose="020B0600000101010101" pitchFamily="50" charset="-127"/>
+                      </a:endParaRPr>
+                    </a:p>
+                  </a:txBody>
+                  <a:tcPr marL="7289" marR="7289" marT="7289" marB="0" anchor="ctr"/>
+                </a:tc>
+                <a:tc>
+                  <a:txBody>
+                    <a:bodyPr/>
+                    <a:lstStyle/>
+                    <a:p>
+                      <a:pPr algn="ctr" fontAlgn="ctr"/>
+                      <a:r>
+                        <a:rPr lang="en-US" altLang="ko-KR" sz="1100" u="none" strike="noStrike">
+                          <a:effectLst/>
+                        </a:rPr>
+                        <a:t>78</a:t>
+                      </a:r>
+                      <a:endParaRPr lang="en-US" altLang="ko-KR" sz="1100" b="1" i="0" u="none" strike="noStrike">
+                        <a:solidFill>
+                          <a:srgbClr val="000000"/>
+                        </a:solidFill>
+                        <a:effectLst/>
+                        <a:latin typeface="굴림" panose="020B0600000101010101" pitchFamily="50" charset="-127"/>
+                        <a:ea typeface="굴림" panose="020B0600000101010101" pitchFamily="50" charset="-127"/>
+                      </a:endParaRPr>
+                    </a:p>
+                  </a:txBody>
+                  <a:tcPr marL="7289" marR="7289" marT="7289" marB="0" anchor="ctr"/>
+                </a:tc>
+                <a:tc>
+                  <a:txBody>
+                    <a:bodyPr/>
+                    <a:lstStyle/>
+                    <a:p>
+                      <a:pPr algn="ctr" fontAlgn="ctr"/>
+                      <a:r>
+                        <a:rPr lang="en-US" altLang="ko-KR" sz="1100" u="none" strike="noStrike">
+                          <a:effectLst/>
+                        </a:rPr>
+                        <a:t>47</a:t>
+                      </a:r>
+                      <a:endParaRPr lang="en-US" altLang="ko-KR" sz="1100" b="1" i="0" u="none" strike="noStrike">
+                        <a:solidFill>
+                          <a:srgbClr val="000000"/>
+                        </a:solidFill>
+                        <a:effectLst/>
+                        <a:latin typeface="굴림" panose="020B0600000101010101" pitchFamily="50" charset="-127"/>
+                        <a:ea typeface="굴림" panose="020B0600000101010101" pitchFamily="50" charset="-127"/>
+                      </a:endParaRPr>
+                    </a:p>
+                  </a:txBody>
+                  <a:tcPr marL="7289" marR="7289" marT="7289" marB="0" anchor="ctr"/>
+                </a:tc>
+                <a:tc>
+                  <a:txBody>
+                    <a:bodyPr/>
+                    <a:lstStyle/>
+                    <a:p>
+                      <a:pPr algn="ctr" fontAlgn="ctr"/>
+                      <a:r>
+                        <a:rPr lang="en-US" altLang="ko-KR" sz="1100" u="none" strike="noStrike">
+                          <a:effectLst/>
+                        </a:rPr>
+                        <a:t>32</a:t>
+                      </a:r>
+                      <a:endParaRPr lang="en-US" altLang="ko-KR" sz="1100" b="1" i="0" u="none" strike="noStrike">
+                        <a:solidFill>
+                          <a:srgbClr val="000000"/>
+                        </a:solidFill>
+                        <a:effectLst/>
+                        <a:latin typeface="굴림" panose="020B0600000101010101" pitchFamily="50" charset="-127"/>
+                        <a:ea typeface="굴림" panose="020B0600000101010101" pitchFamily="50" charset="-127"/>
+                      </a:endParaRPr>
+                    </a:p>
+                  </a:txBody>
+                  <a:tcPr marL="7289" marR="7289" marT="7289" marB="0" anchor="ctr"/>
+                </a:tc>
+                <a:tc>
+                  <a:txBody>
+                    <a:bodyPr/>
+                    <a:lstStyle/>
+                    <a:p>
+                      <a:pPr algn="ctr" fontAlgn="ctr"/>
+                      <a:r>
+                        <a:rPr lang="en-US" altLang="ko-KR" sz="1100" u="none" strike="noStrike">
                           <a:effectLst/>
                         </a:rPr>
                         <a:t>0</a:t>
                       </a:r>
-                      <a:endParaRPr lang="en-US" altLang="ko-KR" sz="1000" b="0" i="0" u="none" strike="noStrike">
-                        <a:solidFill>
-                          <a:srgbClr val="000000"/>
-                        </a:solidFill>
-                        <a:effectLst/>
-                        <a:latin typeface="굴림" panose="020B0600000101010101" pitchFamily="50" charset="-127"/>
-                        <a:ea typeface="굴림" panose="020B0600000101010101" pitchFamily="50" charset="-127"/>
-                      </a:endParaRPr>
-                    </a:p>
-                  </a:txBody>
-                  <a:tcPr marL="7620" marR="7620" marT="7620" marB="0" anchor="ctr"/>
-                </a:tc>
-                <a:tc>
-                  <a:txBody>
-                    <a:bodyPr/>
-                    <a:lstStyle/>
-                    <a:p>
-                      <a:pPr algn="r" fontAlgn="ctr"/>
-                      <a:r>
-                        <a:rPr lang="en-US" altLang="ko-KR" sz="1000" u="none" strike="noStrike">
-                          <a:effectLst/>
-                        </a:rPr>
-                        <a:t>0</a:t>
-                      </a:r>
-                      <a:endParaRPr lang="en-US" altLang="ko-KR" sz="1000" b="0" i="0" u="none" strike="noStrike">
-                        <a:solidFill>
-                          <a:srgbClr val="000000"/>
-                        </a:solidFill>
-                        <a:effectLst/>
-                        <a:latin typeface="굴림" panose="020B0600000101010101" pitchFamily="50" charset="-127"/>
-                        <a:ea typeface="굴림" panose="020B0600000101010101" pitchFamily="50" charset="-127"/>
-                      </a:endParaRPr>
-                    </a:p>
-                  </a:txBody>
-                  <a:tcPr marL="7620" marR="7620" marT="7620" marB="0" anchor="ctr"/>
-                </a:tc>
-                <a:tc>
-                  <a:txBody>
-                    <a:bodyPr/>
-                    <a:lstStyle/>
-                    <a:p>
-                      <a:pPr algn="r" fontAlgn="ctr"/>
-                      <a:r>
-                        <a:rPr lang="en-US" altLang="ko-KR" sz="1000" u="none" strike="noStrike">
-                          <a:effectLst/>
-                        </a:rPr>
-                        <a:t>0</a:t>
-                      </a:r>
-                      <a:endParaRPr lang="en-US" altLang="ko-KR" sz="1000" b="0" i="0" u="none" strike="noStrike">
-                        <a:solidFill>
-                          <a:srgbClr val="000000"/>
-                        </a:solidFill>
-                        <a:effectLst/>
-                        <a:latin typeface="굴림" panose="020B0600000101010101" pitchFamily="50" charset="-127"/>
-                        <a:ea typeface="굴림" panose="020B0600000101010101" pitchFamily="50" charset="-127"/>
-                      </a:endParaRPr>
-                    </a:p>
-                  </a:txBody>
-                  <a:tcPr marL="7620" marR="7620" marT="7620" marB="0" anchor="ctr"/>
-                </a:tc>
-                <a:tc>
-                  <a:txBody>
-                    <a:bodyPr/>
-                    <a:lstStyle/>
-                    <a:p>
-                      <a:pPr algn="r" fontAlgn="ctr"/>
-                      <a:r>
-                        <a:rPr lang="en-US" altLang="ko-KR" sz="1000" u="none" strike="noStrike">
-                          <a:effectLst/>
-                        </a:rPr>
-                        <a:t>0</a:t>
-                      </a:r>
-                      <a:endParaRPr lang="en-US" altLang="ko-KR" sz="1000" b="0" i="0" u="none" strike="noStrike">
-                        <a:solidFill>
-                          <a:srgbClr val="000000"/>
-                        </a:solidFill>
-                        <a:effectLst/>
-                        <a:latin typeface="굴림" panose="020B0600000101010101" pitchFamily="50" charset="-127"/>
-                        <a:ea typeface="굴림" panose="020B0600000101010101" pitchFamily="50" charset="-127"/>
-                      </a:endParaRPr>
-                    </a:p>
-                  </a:txBody>
-                  <a:tcPr marL="7620" marR="7620" marT="7620" marB="0" anchor="ctr"/>
-                </a:tc>
-                <a:tc>
-                  <a:txBody>
-                    <a:bodyPr/>
-                    <a:lstStyle/>
-                    <a:p>
-                      <a:pPr algn="r" fontAlgn="ctr"/>
-                      <a:r>
-                        <a:rPr lang="en-US" altLang="ko-KR" sz="1000" u="none" strike="noStrike">
-                          <a:effectLst/>
-                        </a:rPr>
-                        <a:t>0</a:t>
-                      </a:r>
-                      <a:endParaRPr lang="en-US" altLang="ko-KR" sz="1000" b="0" i="0" u="none" strike="noStrike">
-                        <a:solidFill>
-                          <a:srgbClr val="000000"/>
-                        </a:solidFill>
-                        <a:effectLst/>
-                        <a:latin typeface="굴림" panose="020B0600000101010101" pitchFamily="50" charset="-127"/>
-                        <a:ea typeface="굴림" panose="020B0600000101010101" pitchFamily="50" charset="-127"/>
-                      </a:endParaRPr>
-                    </a:p>
-                  </a:txBody>
-                  <a:tcPr marL="7620" marR="7620" marT="7620" marB="0" anchor="ctr"/>
-                </a:tc>
-                <a:tc>
-                  <a:txBody>
-                    <a:bodyPr/>
-                    <a:lstStyle/>
-                    <a:p>
-                      <a:pPr algn="r" fontAlgn="ctr"/>
-                      <a:r>
-                        <a:rPr lang="en-US" altLang="ko-KR" sz="1000" u="none" strike="noStrike">
-                          <a:effectLst/>
-                        </a:rPr>
-                        <a:t>0</a:t>
-                      </a:r>
-                      <a:endParaRPr lang="en-US" altLang="ko-KR" sz="1000" b="0" i="0" u="none" strike="noStrike">
-                        <a:solidFill>
-                          <a:srgbClr val="000000"/>
-                        </a:solidFill>
-                        <a:effectLst/>
-                        <a:latin typeface="굴림" panose="020B0600000101010101" pitchFamily="50" charset="-127"/>
-                        <a:ea typeface="굴림" panose="020B0600000101010101" pitchFamily="50" charset="-127"/>
-                      </a:endParaRPr>
-                    </a:p>
-                  </a:txBody>
-                  <a:tcPr marL="7620" marR="7620" marT="7620" marB="0" anchor="ctr"/>
-                </a:tc>
-                <a:tc>
-                  <a:txBody>
-                    <a:bodyPr/>
-                    <a:lstStyle/>
-                    <a:p>
-                      <a:pPr algn="r" fontAlgn="ctr"/>
-                      <a:r>
-                        <a:rPr lang="en-US" altLang="ko-KR" sz="1000" u="none" strike="noStrike">
-                          <a:effectLst/>
-                        </a:rPr>
-                        <a:t>0</a:t>
-                      </a:r>
-                      <a:endParaRPr lang="en-US" altLang="ko-KR" sz="1000" b="0" i="0" u="none" strike="noStrike">
-                        <a:solidFill>
-                          <a:srgbClr val="000000"/>
-                        </a:solidFill>
-                        <a:effectLst/>
-                        <a:latin typeface="굴림" panose="020B0600000101010101" pitchFamily="50" charset="-127"/>
-                        <a:ea typeface="굴림" panose="020B0600000101010101" pitchFamily="50" charset="-127"/>
-                      </a:endParaRPr>
-                    </a:p>
-                  </a:txBody>
-                  <a:tcPr marL="7620" marR="7620" marT="7620" marB="0" anchor="ctr"/>
+                      <a:endParaRPr lang="en-US" altLang="ko-KR" sz="1100" b="1" i="0" u="none" strike="noStrike">
+                        <a:solidFill>
+                          <a:srgbClr val="000000"/>
+                        </a:solidFill>
+                        <a:effectLst/>
+                        <a:latin typeface="굴림" panose="020B0600000101010101" pitchFamily="50" charset="-127"/>
+                        <a:ea typeface="굴림" panose="020B0600000101010101" pitchFamily="50" charset="-127"/>
+                      </a:endParaRPr>
+                    </a:p>
+                  </a:txBody>
+                  <a:tcPr marL="7289" marR="7289" marT="7289" marB="0" anchor="ctr"/>
+                </a:tc>
+                <a:tc>
+                  <a:txBody>
+                    <a:bodyPr/>
+                    <a:lstStyle/>
+                    <a:p>
+                      <a:pPr algn="ctr" fontAlgn="ctr"/>
+                      <a:r>
+                        <a:rPr lang="en-US" altLang="ko-KR" sz="1100" u="none" strike="noStrike">
+                          <a:effectLst/>
+                        </a:rPr>
+                        <a:t>192</a:t>
+                      </a:r>
+                      <a:endParaRPr lang="en-US" altLang="ko-KR" sz="1100" b="1" i="0" u="none" strike="noStrike">
+                        <a:solidFill>
+                          <a:srgbClr val="000000"/>
+                        </a:solidFill>
+                        <a:effectLst/>
+                        <a:latin typeface="굴림" panose="020B0600000101010101" pitchFamily="50" charset="-127"/>
+                        <a:ea typeface="굴림" panose="020B0600000101010101" pitchFamily="50" charset="-127"/>
+                      </a:endParaRPr>
+                    </a:p>
+                  </a:txBody>
+                  <a:tcPr marL="7289" marR="7289" marT="7289" marB="0" anchor="ctr"/>
                 </a:tc>
                 <a:extLst>
                   <a:ext uri="{0D108BD9-81ED-4DB2-BD59-A6C34878D82A}">
-                    <a16:rowId xmlns:a16="http://schemas.microsoft.com/office/drawing/2014/main" val="1329023544"/>
+                    <a16:rowId xmlns:a16="http://schemas.microsoft.com/office/drawing/2014/main" val="437351636"/>
                   </a:ext>
                 </a:extLst>
               </a:tr>
-              <a:tr h="167640">
-                <a:tc>
-                  <a:txBody>
-                    <a:bodyPr/>
-                    <a:lstStyle/>
-                    <a:p>
-                      <a:pPr algn="ctr" fontAlgn="ctr"/>
-                      <a:r>
-                        <a:rPr lang="ko-KR" altLang="en-US" sz="1000" u="none" strike="noStrike">
-                          <a:effectLst/>
-                        </a:rPr>
-                        <a:t>블루베리</a:t>
-                      </a:r>
-                      <a:endParaRPr lang="ko-KR" altLang="en-US" sz="1000" b="0" i="0" u="none" strike="noStrike">
-                        <a:solidFill>
-                          <a:srgbClr val="000000"/>
-                        </a:solidFill>
-                        <a:effectLst/>
-                        <a:latin typeface="굴림" panose="020B0600000101010101" pitchFamily="50" charset="-127"/>
-                        <a:ea typeface="굴림" panose="020B0600000101010101" pitchFamily="50" charset="-127"/>
-                      </a:endParaRPr>
-                    </a:p>
-                  </a:txBody>
-                  <a:tcPr marL="7620" marR="7620" marT="7620" marB="0" anchor="ctr"/>
-                </a:tc>
-                <a:tc>
-                  <a:txBody>
-                    <a:bodyPr/>
-                    <a:lstStyle/>
-                    <a:p>
-                      <a:pPr algn="r" fontAlgn="ctr"/>
-                      <a:r>
-                        <a:rPr lang="en-US" altLang="ko-KR" sz="1000" u="none" strike="noStrike">
-                          <a:effectLst/>
-                        </a:rPr>
-                        <a:t>1</a:t>
-                      </a:r>
-                      <a:endParaRPr lang="en-US" altLang="ko-KR" sz="1000" b="0" i="0" u="none" strike="noStrike">
-                        <a:solidFill>
-                          <a:srgbClr val="000000"/>
-                        </a:solidFill>
-                        <a:effectLst/>
-                        <a:latin typeface="굴림" panose="020B0600000101010101" pitchFamily="50" charset="-127"/>
-                        <a:ea typeface="굴림" panose="020B0600000101010101" pitchFamily="50" charset="-127"/>
-                      </a:endParaRPr>
-                    </a:p>
-                  </a:txBody>
-                  <a:tcPr marL="7620" marR="7620" marT="7620" marB="0" anchor="ctr"/>
-                </a:tc>
-                <a:tc>
-                  <a:txBody>
-                    <a:bodyPr/>
-                    <a:lstStyle/>
-                    <a:p>
-                      <a:pPr algn="r" fontAlgn="ctr"/>
-                      <a:r>
-                        <a:rPr lang="en-US" altLang="ko-KR" sz="1000" u="none" strike="noStrike">
+              <a:tr h="174928">
+                <a:tc>
+                  <a:txBody>
+                    <a:bodyPr/>
+                    <a:lstStyle/>
+                    <a:p>
+                      <a:pPr algn="ctr" fontAlgn="ctr"/>
+                      <a:r>
+                        <a:rPr lang="ko-KR" altLang="en-US" sz="1100" u="none" strike="noStrike">
+                          <a:effectLst/>
+                        </a:rPr>
+                        <a:t>자 몽</a:t>
+                      </a:r>
+                      <a:endParaRPr lang="ko-KR" altLang="en-US" sz="1100" b="1" i="0" u="none" strike="noStrike">
+                        <a:solidFill>
+                          <a:srgbClr val="000000"/>
+                        </a:solidFill>
+                        <a:effectLst/>
+                        <a:latin typeface="굴림" panose="020B0600000101010101" pitchFamily="50" charset="-127"/>
+                        <a:ea typeface="굴림" panose="020B0600000101010101" pitchFamily="50" charset="-127"/>
+                      </a:endParaRPr>
+                    </a:p>
+                  </a:txBody>
+                  <a:tcPr marL="7289" marR="7289" marT="7289" marB="0" anchor="ctr"/>
+                </a:tc>
+                <a:tc>
+                  <a:txBody>
+                    <a:bodyPr/>
+                    <a:lstStyle/>
+                    <a:p>
+                      <a:pPr algn="ctr" fontAlgn="ctr"/>
+                      <a:r>
+                        <a:rPr lang="en-US" altLang="ko-KR" sz="1100" u="none" strike="noStrike">
                           <a:effectLst/>
                         </a:rPr>
                         <a:t>0</a:t>
                       </a:r>
-                      <a:endParaRPr lang="en-US" altLang="ko-KR" sz="1000" b="0" i="0" u="none" strike="noStrike">
-                        <a:solidFill>
-                          <a:srgbClr val="000000"/>
-                        </a:solidFill>
-                        <a:effectLst/>
-                        <a:latin typeface="굴림" panose="020B0600000101010101" pitchFamily="50" charset="-127"/>
-                        <a:ea typeface="굴림" panose="020B0600000101010101" pitchFamily="50" charset="-127"/>
-                      </a:endParaRPr>
-                    </a:p>
-                  </a:txBody>
-                  <a:tcPr marL="7620" marR="7620" marT="7620" marB="0" anchor="ctr"/>
-                </a:tc>
-                <a:tc>
-                  <a:txBody>
-                    <a:bodyPr/>
-                    <a:lstStyle/>
-                    <a:p>
-                      <a:pPr algn="r" fontAlgn="ctr"/>
-                      <a:r>
-                        <a:rPr lang="en-US" altLang="ko-KR" sz="1000" u="none" strike="noStrike">
-                          <a:effectLst/>
-                        </a:rPr>
-                        <a:t>1</a:t>
-                      </a:r>
-                      <a:endParaRPr lang="en-US" altLang="ko-KR" sz="1000" b="0" i="0" u="none" strike="noStrike">
-                        <a:solidFill>
-                          <a:srgbClr val="000000"/>
-                        </a:solidFill>
-                        <a:effectLst/>
-                        <a:latin typeface="굴림" panose="020B0600000101010101" pitchFamily="50" charset="-127"/>
-                        <a:ea typeface="굴림" panose="020B0600000101010101" pitchFamily="50" charset="-127"/>
-                      </a:endParaRPr>
-                    </a:p>
-                  </a:txBody>
-                  <a:tcPr marL="7620" marR="7620" marT="7620" marB="0" anchor="ctr"/>
-                </a:tc>
-                <a:tc>
-                  <a:txBody>
-                    <a:bodyPr/>
-                    <a:lstStyle/>
-                    <a:p>
-                      <a:pPr algn="r" fontAlgn="ctr"/>
-                      <a:r>
-                        <a:rPr lang="en-US" altLang="ko-KR" sz="1000" u="none" strike="noStrike">
+                      <a:endParaRPr lang="en-US" altLang="ko-KR" sz="1100" b="1" i="0" u="none" strike="noStrike">
+                        <a:solidFill>
+                          <a:srgbClr val="000000"/>
+                        </a:solidFill>
+                        <a:effectLst/>
+                        <a:latin typeface="굴림" panose="020B0600000101010101" pitchFamily="50" charset="-127"/>
+                        <a:ea typeface="굴림" panose="020B0600000101010101" pitchFamily="50" charset="-127"/>
+                      </a:endParaRPr>
+                    </a:p>
+                  </a:txBody>
+                  <a:tcPr marL="7289" marR="7289" marT="7289" marB="0" anchor="ctr"/>
+                </a:tc>
+                <a:tc>
+                  <a:txBody>
+                    <a:bodyPr/>
+                    <a:lstStyle/>
+                    <a:p>
+                      <a:pPr algn="ctr" fontAlgn="ctr"/>
+                      <a:r>
+                        <a:rPr lang="en-US" altLang="ko-KR" sz="1100" u="none" strike="noStrike">
                           <a:effectLst/>
                         </a:rPr>
                         <a:t>0</a:t>
                       </a:r>
-                      <a:endParaRPr lang="en-US" altLang="ko-KR" sz="1000" b="0" i="0" u="none" strike="noStrike">
-                        <a:solidFill>
-                          <a:srgbClr val="000000"/>
-                        </a:solidFill>
-                        <a:effectLst/>
-                        <a:latin typeface="굴림" panose="020B0600000101010101" pitchFamily="50" charset="-127"/>
-                        <a:ea typeface="굴림" panose="020B0600000101010101" pitchFamily="50" charset="-127"/>
-                      </a:endParaRPr>
-                    </a:p>
-                  </a:txBody>
-                  <a:tcPr marL="7620" marR="7620" marT="7620" marB="0" anchor="ctr"/>
-                </a:tc>
-                <a:tc>
-                  <a:txBody>
-                    <a:bodyPr/>
-                    <a:lstStyle/>
-                    <a:p>
-                      <a:pPr algn="r" fontAlgn="ctr"/>
-                      <a:r>
-                        <a:rPr lang="en-US" altLang="ko-KR" sz="1000" u="none" strike="noStrike">
+                      <a:endParaRPr lang="en-US" altLang="ko-KR" sz="1100" b="1" i="0" u="none" strike="noStrike">
+                        <a:solidFill>
+                          <a:srgbClr val="000000"/>
+                        </a:solidFill>
+                        <a:effectLst/>
+                        <a:latin typeface="굴림" panose="020B0600000101010101" pitchFamily="50" charset="-127"/>
+                        <a:ea typeface="굴림" panose="020B0600000101010101" pitchFamily="50" charset="-127"/>
+                      </a:endParaRPr>
+                    </a:p>
+                  </a:txBody>
+                  <a:tcPr marL="7289" marR="7289" marT="7289" marB="0" anchor="ctr"/>
+                </a:tc>
+                <a:tc>
+                  <a:txBody>
+                    <a:bodyPr/>
+                    <a:lstStyle/>
+                    <a:p>
+                      <a:pPr algn="ctr" fontAlgn="ctr"/>
+                      <a:r>
+                        <a:rPr lang="en-US" altLang="ko-KR" sz="1100" u="none" strike="noStrike">
+                          <a:effectLst/>
+                        </a:rPr>
+                        <a:t>4</a:t>
+                      </a:r>
+                      <a:endParaRPr lang="en-US" altLang="ko-KR" sz="1100" b="1" i="0" u="none" strike="noStrike">
+                        <a:solidFill>
+                          <a:srgbClr val="000000"/>
+                        </a:solidFill>
+                        <a:effectLst/>
+                        <a:latin typeface="굴림" panose="020B0600000101010101" pitchFamily="50" charset="-127"/>
+                        <a:ea typeface="굴림" panose="020B0600000101010101" pitchFamily="50" charset="-127"/>
+                      </a:endParaRPr>
+                    </a:p>
+                  </a:txBody>
+                  <a:tcPr marL="7289" marR="7289" marT="7289" marB="0" anchor="ctr"/>
+                </a:tc>
+                <a:tc>
+                  <a:txBody>
+                    <a:bodyPr/>
+                    <a:lstStyle/>
+                    <a:p>
+                      <a:pPr algn="ctr" fontAlgn="ctr"/>
+                      <a:r>
+                        <a:rPr lang="en-US" altLang="ko-KR" sz="1100" u="none" strike="noStrike">
                           <a:effectLst/>
                         </a:rPr>
                         <a:t>0</a:t>
                       </a:r>
-                      <a:endParaRPr lang="en-US" altLang="ko-KR" sz="1000" b="0" i="0" u="none" strike="noStrike">
-                        <a:solidFill>
-                          <a:srgbClr val="000000"/>
-                        </a:solidFill>
-                        <a:effectLst/>
-                        <a:latin typeface="굴림" panose="020B0600000101010101" pitchFamily="50" charset="-127"/>
-                        <a:ea typeface="굴림" panose="020B0600000101010101" pitchFamily="50" charset="-127"/>
-                      </a:endParaRPr>
-                    </a:p>
-                  </a:txBody>
-                  <a:tcPr marL="7620" marR="7620" marT="7620" marB="0" anchor="ctr"/>
-                </a:tc>
-                <a:tc>
-                  <a:txBody>
-                    <a:bodyPr/>
-                    <a:lstStyle/>
-                    <a:p>
-                      <a:pPr algn="r" fontAlgn="ctr"/>
-                      <a:r>
-                        <a:rPr lang="en-US" altLang="ko-KR" sz="1000" u="none" strike="noStrike">
+                      <a:endParaRPr lang="en-US" altLang="ko-KR" sz="1100" b="1" i="0" u="none" strike="noStrike">
+                        <a:solidFill>
+                          <a:srgbClr val="000000"/>
+                        </a:solidFill>
+                        <a:effectLst/>
+                        <a:latin typeface="굴림" panose="020B0600000101010101" pitchFamily="50" charset="-127"/>
+                        <a:ea typeface="굴림" panose="020B0600000101010101" pitchFamily="50" charset="-127"/>
+                      </a:endParaRPr>
+                    </a:p>
+                  </a:txBody>
+                  <a:tcPr marL="7289" marR="7289" marT="7289" marB="0" anchor="ctr"/>
+                </a:tc>
+                <a:tc>
+                  <a:txBody>
+                    <a:bodyPr/>
+                    <a:lstStyle/>
+                    <a:p>
+                      <a:pPr algn="ctr" fontAlgn="ctr"/>
+                      <a:r>
+                        <a:rPr lang="en-US" altLang="ko-KR" sz="1100" u="none" strike="noStrike">
                           <a:effectLst/>
                         </a:rPr>
                         <a:t>0</a:t>
                       </a:r>
-                      <a:endParaRPr lang="en-US" altLang="ko-KR" sz="1000" b="0" i="0" u="none" strike="noStrike">
-                        <a:solidFill>
-                          <a:srgbClr val="000000"/>
-                        </a:solidFill>
-                        <a:effectLst/>
-                        <a:latin typeface="굴림" panose="020B0600000101010101" pitchFamily="50" charset="-127"/>
-                        <a:ea typeface="굴림" panose="020B0600000101010101" pitchFamily="50" charset="-127"/>
-                      </a:endParaRPr>
-                    </a:p>
-                  </a:txBody>
-                  <a:tcPr marL="7620" marR="7620" marT="7620" marB="0" anchor="ctr"/>
-                </a:tc>
-                <a:tc>
-                  <a:txBody>
-                    <a:bodyPr/>
-                    <a:lstStyle/>
-                    <a:p>
-                      <a:pPr algn="r" fontAlgn="ctr"/>
-                      <a:r>
-                        <a:rPr lang="en-US" altLang="ko-KR" sz="1000" u="none" strike="noStrike">
-                          <a:effectLst/>
-                        </a:rPr>
-                        <a:t>2</a:t>
-                      </a:r>
-                      <a:endParaRPr lang="en-US" altLang="ko-KR" sz="1000" b="0" i="0" u="none" strike="noStrike">
-                        <a:solidFill>
-                          <a:srgbClr val="000000"/>
-                        </a:solidFill>
-                        <a:effectLst/>
-                        <a:latin typeface="굴림" panose="020B0600000101010101" pitchFamily="50" charset="-127"/>
-                        <a:ea typeface="굴림" panose="020B0600000101010101" pitchFamily="50" charset="-127"/>
-                      </a:endParaRPr>
-                    </a:p>
-                  </a:txBody>
-                  <a:tcPr marL="7620" marR="7620" marT="7620" marB="0" anchor="ctr"/>
+                      <a:endParaRPr lang="en-US" altLang="ko-KR" sz="1100" b="1" i="0" u="none" strike="noStrike">
+                        <a:solidFill>
+                          <a:srgbClr val="000000"/>
+                        </a:solidFill>
+                        <a:effectLst/>
+                        <a:latin typeface="굴림" panose="020B0600000101010101" pitchFamily="50" charset="-127"/>
+                        <a:ea typeface="굴림" panose="020B0600000101010101" pitchFamily="50" charset="-127"/>
+                      </a:endParaRPr>
+                    </a:p>
+                  </a:txBody>
+                  <a:tcPr marL="7289" marR="7289" marT="7289" marB="0" anchor="ctr"/>
+                </a:tc>
+                <a:tc>
+                  <a:txBody>
+                    <a:bodyPr/>
+                    <a:lstStyle/>
+                    <a:p>
+                      <a:pPr algn="ctr" fontAlgn="ctr"/>
+                      <a:r>
+                        <a:rPr lang="en-US" altLang="ko-KR" sz="1100" u="none" strike="noStrike">
+                          <a:effectLst/>
+                        </a:rPr>
+                        <a:t>0</a:t>
+                      </a:r>
+                      <a:endParaRPr lang="en-US" altLang="ko-KR" sz="1100" b="1" i="0" u="none" strike="noStrike">
+                        <a:solidFill>
+                          <a:srgbClr val="000000"/>
+                        </a:solidFill>
+                        <a:effectLst/>
+                        <a:latin typeface="굴림" panose="020B0600000101010101" pitchFamily="50" charset="-127"/>
+                        <a:ea typeface="굴림" panose="020B0600000101010101" pitchFamily="50" charset="-127"/>
+                      </a:endParaRPr>
+                    </a:p>
+                  </a:txBody>
+                  <a:tcPr marL="7289" marR="7289" marT="7289" marB="0" anchor="ctr"/>
+                </a:tc>
+                <a:tc>
+                  <a:txBody>
+                    <a:bodyPr/>
+                    <a:lstStyle/>
+                    <a:p>
+                      <a:pPr algn="ctr" fontAlgn="ctr"/>
+                      <a:r>
+                        <a:rPr lang="en-US" altLang="ko-KR" sz="1100" u="none" strike="noStrike">
+                          <a:effectLst/>
+                        </a:rPr>
+                        <a:t>4</a:t>
+                      </a:r>
+                      <a:endParaRPr lang="en-US" altLang="ko-KR" sz="1100" b="1" i="0" u="none" strike="noStrike">
+                        <a:solidFill>
+                          <a:srgbClr val="000000"/>
+                        </a:solidFill>
+                        <a:effectLst/>
+                        <a:latin typeface="굴림" panose="020B0600000101010101" pitchFamily="50" charset="-127"/>
+                        <a:ea typeface="굴림" panose="020B0600000101010101" pitchFamily="50" charset="-127"/>
+                      </a:endParaRPr>
+                    </a:p>
+                  </a:txBody>
+                  <a:tcPr marL="7289" marR="7289" marT="7289" marB="0" anchor="ctr"/>
                 </a:tc>
                 <a:extLst>
                   <a:ext uri="{0D108BD9-81ED-4DB2-BD59-A6C34878D82A}">
-                    <a16:rowId xmlns:a16="http://schemas.microsoft.com/office/drawing/2014/main" val="2008622864"/>
+                    <a16:rowId xmlns:a16="http://schemas.microsoft.com/office/drawing/2014/main" val="1923115654"/>
                   </a:ext>
                 </a:extLst>
               </a:tr>
-              <a:tr h="167640">
-                <a:tc>
-                  <a:txBody>
-                    <a:bodyPr/>
-                    <a:lstStyle/>
-                    <a:p>
-                      <a:pPr algn="ctr" fontAlgn="ctr"/>
-                      <a:r>
-                        <a:rPr lang="ko-KR" altLang="en-US" sz="1000" u="none" strike="noStrike">
-                          <a:effectLst/>
-                        </a:rPr>
-                        <a:t>수입과일 기타</a:t>
-                      </a:r>
-                      <a:endParaRPr lang="ko-KR" altLang="en-US" sz="1000" b="0" i="0" u="none" strike="noStrike">
-                        <a:solidFill>
-                          <a:srgbClr val="000000"/>
-                        </a:solidFill>
-                        <a:effectLst/>
-                        <a:latin typeface="굴림" panose="020B0600000101010101" pitchFamily="50" charset="-127"/>
-                        <a:ea typeface="굴림" panose="020B0600000101010101" pitchFamily="50" charset="-127"/>
-                      </a:endParaRPr>
-                    </a:p>
-                  </a:txBody>
-                  <a:tcPr marL="7620" marR="7620" marT="7620" marB="0" anchor="ctr"/>
-                </a:tc>
-                <a:tc>
-                  <a:txBody>
-                    <a:bodyPr/>
-                    <a:lstStyle/>
-                    <a:p>
-                      <a:pPr algn="r" fontAlgn="ctr"/>
-                      <a:r>
-                        <a:rPr lang="en-US" altLang="ko-KR" sz="1000" u="none" strike="noStrike">
+              <a:tr h="174928">
+                <a:tc>
+                  <a:txBody>
+                    <a:bodyPr/>
+                    <a:lstStyle/>
+                    <a:p>
+                      <a:pPr algn="ctr" fontAlgn="ctr"/>
+                      <a:r>
+                        <a:rPr lang="ko-KR" altLang="en-US" sz="1100" u="none" strike="noStrike">
+                          <a:effectLst/>
+                        </a:rPr>
+                        <a:t>망 고</a:t>
+                      </a:r>
+                      <a:endParaRPr lang="ko-KR" altLang="en-US" sz="1100" b="1" i="0" u="none" strike="noStrike">
+                        <a:solidFill>
+                          <a:srgbClr val="000000"/>
+                        </a:solidFill>
+                        <a:effectLst/>
+                        <a:latin typeface="굴림" panose="020B0600000101010101" pitchFamily="50" charset="-127"/>
+                        <a:ea typeface="굴림" panose="020B0600000101010101" pitchFamily="50" charset="-127"/>
+                      </a:endParaRPr>
+                    </a:p>
+                  </a:txBody>
+                  <a:tcPr marL="7289" marR="7289" marT="7289" marB="0" anchor="ctr"/>
+                </a:tc>
+                <a:tc>
+                  <a:txBody>
+                    <a:bodyPr/>
+                    <a:lstStyle/>
+                    <a:p>
+                      <a:pPr algn="ctr" fontAlgn="ctr"/>
+                      <a:r>
+                        <a:rPr lang="en-US" altLang="ko-KR" sz="1100" u="none" strike="noStrike">
                           <a:effectLst/>
                         </a:rPr>
                         <a:t>0</a:t>
                       </a:r>
-                      <a:endParaRPr lang="en-US" altLang="ko-KR" sz="1000" b="0" i="0" u="none" strike="noStrike">
-                        <a:solidFill>
-                          <a:srgbClr val="000000"/>
-                        </a:solidFill>
-                        <a:effectLst/>
-                        <a:latin typeface="굴림" panose="020B0600000101010101" pitchFamily="50" charset="-127"/>
-                        <a:ea typeface="굴림" panose="020B0600000101010101" pitchFamily="50" charset="-127"/>
-                      </a:endParaRPr>
-                    </a:p>
-                  </a:txBody>
-                  <a:tcPr marL="7620" marR="7620" marT="7620" marB="0" anchor="ctr"/>
-                </a:tc>
-                <a:tc>
-                  <a:txBody>
-                    <a:bodyPr/>
-                    <a:lstStyle/>
-                    <a:p>
-                      <a:pPr algn="r" fontAlgn="ctr"/>
-                      <a:r>
-                        <a:rPr lang="en-US" altLang="ko-KR" sz="1000" u="none" strike="noStrike">
+                      <a:endParaRPr lang="en-US" altLang="ko-KR" sz="1100" b="1" i="0" u="none" strike="noStrike">
+                        <a:solidFill>
+                          <a:srgbClr val="000000"/>
+                        </a:solidFill>
+                        <a:effectLst/>
+                        <a:latin typeface="굴림" panose="020B0600000101010101" pitchFamily="50" charset="-127"/>
+                        <a:ea typeface="굴림" panose="020B0600000101010101" pitchFamily="50" charset="-127"/>
+                      </a:endParaRPr>
+                    </a:p>
+                  </a:txBody>
+                  <a:tcPr marL="7289" marR="7289" marT="7289" marB="0" anchor="ctr"/>
+                </a:tc>
+                <a:tc>
+                  <a:txBody>
+                    <a:bodyPr/>
+                    <a:lstStyle/>
+                    <a:p>
+                      <a:pPr algn="ctr" fontAlgn="ctr"/>
+                      <a:r>
+                        <a:rPr lang="en-US" altLang="ko-KR" sz="1100" u="none" strike="noStrike">
                           <a:effectLst/>
                         </a:rPr>
                         <a:t>0</a:t>
                       </a:r>
-                      <a:endParaRPr lang="en-US" altLang="ko-KR" sz="1000" b="0" i="0" u="none" strike="noStrike">
-                        <a:solidFill>
-                          <a:srgbClr val="000000"/>
-                        </a:solidFill>
-                        <a:effectLst/>
-                        <a:latin typeface="굴림" panose="020B0600000101010101" pitchFamily="50" charset="-127"/>
-                        <a:ea typeface="굴림" panose="020B0600000101010101" pitchFamily="50" charset="-127"/>
-                      </a:endParaRPr>
-                    </a:p>
-                  </a:txBody>
-                  <a:tcPr marL="7620" marR="7620" marT="7620" marB="0" anchor="ctr"/>
-                </a:tc>
-                <a:tc>
-                  <a:txBody>
-                    <a:bodyPr/>
-                    <a:lstStyle/>
-                    <a:p>
-                      <a:pPr algn="r" fontAlgn="ctr"/>
-                      <a:r>
-                        <a:rPr lang="en-US" altLang="ko-KR" sz="1000" u="none" strike="noStrike">
+                      <a:endParaRPr lang="en-US" altLang="ko-KR" sz="1100" b="1" i="0" u="none" strike="noStrike">
+                        <a:solidFill>
+                          <a:srgbClr val="000000"/>
+                        </a:solidFill>
+                        <a:effectLst/>
+                        <a:latin typeface="굴림" panose="020B0600000101010101" pitchFamily="50" charset="-127"/>
+                        <a:ea typeface="굴림" panose="020B0600000101010101" pitchFamily="50" charset="-127"/>
+                      </a:endParaRPr>
+                    </a:p>
+                  </a:txBody>
+                  <a:tcPr marL="7289" marR="7289" marT="7289" marB="0" anchor="ctr"/>
+                </a:tc>
+                <a:tc>
+                  <a:txBody>
+                    <a:bodyPr/>
+                    <a:lstStyle/>
+                    <a:p>
+                      <a:pPr algn="ctr" fontAlgn="ctr"/>
+                      <a:r>
+                        <a:rPr lang="en-US" altLang="ko-KR" sz="1100" u="none" strike="noStrike">
+                          <a:effectLst/>
+                        </a:rPr>
+                        <a:t>2</a:t>
+                      </a:r>
+                      <a:endParaRPr lang="en-US" altLang="ko-KR" sz="1100" b="1" i="0" u="none" strike="noStrike">
+                        <a:solidFill>
+                          <a:srgbClr val="000000"/>
+                        </a:solidFill>
+                        <a:effectLst/>
+                        <a:latin typeface="굴림" panose="020B0600000101010101" pitchFamily="50" charset="-127"/>
+                        <a:ea typeface="굴림" panose="020B0600000101010101" pitchFamily="50" charset="-127"/>
+                      </a:endParaRPr>
+                    </a:p>
+                  </a:txBody>
+                  <a:tcPr marL="7289" marR="7289" marT="7289" marB="0" anchor="ctr"/>
+                </a:tc>
+                <a:tc>
+                  <a:txBody>
+                    <a:bodyPr/>
+                    <a:lstStyle/>
+                    <a:p>
+                      <a:pPr algn="ctr" fontAlgn="ctr"/>
+                      <a:r>
+                        <a:rPr lang="en-US" altLang="ko-KR" sz="1100" u="none" strike="noStrike">
                           <a:effectLst/>
                         </a:rPr>
                         <a:t>0</a:t>
                       </a:r>
-                      <a:endParaRPr lang="en-US" altLang="ko-KR" sz="1000" b="0" i="0" u="none" strike="noStrike">
-                        <a:solidFill>
-                          <a:srgbClr val="000000"/>
-                        </a:solidFill>
-                        <a:effectLst/>
-                        <a:latin typeface="굴림" panose="020B0600000101010101" pitchFamily="50" charset="-127"/>
-                        <a:ea typeface="굴림" panose="020B0600000101010101" pitchFamily="50" charset="-127"/>
-                      </a:endParaRPr>
-                    </a:p>
-                  </a:txBody>
-                  <a:tcPr marL="7620" marR="7620" marT="7620" marB="0" anchor="ctr"/>
-                </a:tc>
-                <a:tc>
-                  <a:txBody>
-                    <a:bodyPr/>
-                    <a:lstStyle/>
-                    <a:p>
-                      <a:pPr algn="r" fontAlgn="ctr"/>
-                      <a:r>
-                        <a:rPr lang="en-US" altLang="ko-KR" sz="1000" u="none" strike="noStrike">
+                      <a:endParaRPr lang="en-US" altLang="ko-KR" sz="1100" b="1" i="0" u="none" strike="noStrike">
+                        <a:solidFill>
+                          <a:srgbClr val="000000"/>
+                        </a:solidFill>
+                        <a:effectLst/>
+                        <a:latin typeface="굴림" panose="020B0600000101010101" pitchFamily="50" charset="-127"/>
+                        <a:ea typeface="굴림" panose="020B0600000101010101" pitchFamily="50" charset="-127"/>
+                      </a:endParaRPr>
+                    </a:p>
+                  </a:txBody>
+                  <a:tcPr marL="7289" marR="7289" marT="7289" marB="0" anchor="ctr"/>
+                </a:tc>
+                <a:tc>
+                  <a:txBody>
+                    <a:bodyPr/>
+                    <a:lstStyle/>
+                    <a:p>
+                      <a:pPr algn="ctr" fontAlgn="ctr"/>
+                      <a:r>
+                        <a:rPr lang="en-US" altLang="ko-KR" sz="1100" u="none" strike="noStrike">
                           <a:effectLst/>
                         </a:rPr>
                         <a:t>0</a:t>
                       </a:r>
-                      <a:endParaRPr lang="en-US" altLang="ko-KR" sz="1000" b="0" i="0" u="none" strike="noStrike">
-                        <a:solidFill>
-                          <a:srgbClr val="000000"/>
-                        </a:solidFill>
-                        <a:effectLst/>
-                        <a:latin typeface="굴림" panose="020B0600000101010101" pitchFamily="50" charset="-127"/>
-                        <a:ea typeface="굴림" panose="020B0600000101010101" pitchFamily="50" charset="-127"/>
-                      </a:endParaRPr>
-                    </a:p>
-                  </a:txBody>
-                  <a:tcPr marL="7620" marR="7620" marT="7620" marB="0" anchor="ctr"/>
-                </a:tc>
-                <a:tc>
-                  <a:txBody>
-                    <a:bodyPr/>
-                    <a:lstStyle/>
-                    <a:p>
-                      <a:pPr algn="r" fontAlgn="ctr"/>
-                      <a:r>
-                        <a:rPr lang="en-US" altLang="ko-KR" sz="1000" u="none" strike="noStrike">
+                      <a:endParaRPr lang="en-US" altLang="ko-KR" sz="1100" b="1" i="0" u="none" strike="noStrike">
+                        <a:solidFill>
+                          <a:srgbClr val="000000"/>
+                        </a:solidFill>
+                        <a:effectLst/>
+                        <a:latin typeface="굴림" panose="020B0600000101010101" pitchFamily="50" charset="-127"/>
+                        <a:ea typeface="굴림" panose="020B0600000101010101" pitchFamily="50" charset="-127"/>
+                      </a:endParaRPr>
+                    </a:p>
+                  </a:txBody>
+                  <a:tcPr marL="7289" marR="7289" marT="7289" marB="0" anchor="ctr"/>
+                </a:tc>
+                <a:tc>
+                  <a:txBody>
+                    <a:bodyPr/>
+                    <a:lstStyle/>
+                    <a:p>
+                      <a:pPr algn="ctr" fontAlgn="ctr"/>
+                      <a:r>
+                        <a:rPr lang="en-US" altLang="ko-KR" sz="1100" u="none" strike="noStrike">
                           <a:effectLst/>
                         </a:rPr>
                         <a:t>0</a:t>
                       </a:r>
-                      <a:endParaRPr lang="en-US" altLang="ko-KR" sz="1000" b="0" i="0" u="none" strike="noStrike">
-                        <a:solidFill>
-                          <a:srgbClr val="000000"/>
-                        </a:solidFill>
-                        <a:effectLst/>
-                        <a:latin typeface="굴림" panose="020B0600000101010101" pitchFamily="50" charset="-127"/>
-                        <a:ea typeface="굴림" panose="020B0600000101010101" pitchFamily="50" charset="-127"/>
-                      </a:endParaRPr>
-                    </a:p>
-                  </a:txBody>
-                  <a:tcPr marL="7620" marR="7620" marT="7620" marB="0" anchor="ctr"/>
-                </a:tc>
-                <a:tc>
-                  <a:txBody>
-                    <a:bodyPr/>
-                    <a:lstStyle/>
-                    <a:p>
-                      <a:pPr algn="r" fontAlgn="ctr"/>
-                      <a:r>
-                        <a:rPr lang="en-US" altLang="ko-KR" sz="1000" u="none" strike="noStrike">
-                          <a:effectLst/>
-                        </a:rPr>
-                        <a:t>0</a:t>
-                      </a:r>
-                      <a:endParaRPr lang="en-US" altLang="ko-KR" sz="1000" b="0" i="0" u="none" strike="noStrike">
-                        <a:solidFill>
-                          <a:srgbClr val="000000"/>
-                        </a:solidFill>
-                        <a:effectLst/>
-                        <a:latin typeface="굴림" panose="020B0600000101010101" pitchFamily="50" charset="-127"/>
-                        <a:ea typeface="굴림" panose="020B0600000101010101" pitchFamily="50" charset="-127"/>
-                      </a:endParaRPr>
-                    </a:p>
-                  </a:txBody>
-                  <a:tcPr marL="7620" marR="7620" marT="7620" marB="0" anchor="ctr"/>
-                </a:tc>
-                <a:tc>
-                  <a:txBody>
-                    <a:bodyPr/>
-                    <a:lstStyle/>
-                    <a:p>
-                      <a:pPr algn="r" fontAlgn="ctr"/>
-                      <a:r>
-                        <a:rPr lang="en-US" altLang="ko-KR" sz="1000" u="none" strike="noStrike" dirty="0">
-                          <a:effectLst/>
-                        </a:rPr>
-                        <a:t>0</a:t>
-                      </a:r>
-                      <a:endParaRPr lang="en-US" altLang="ko-KR" sz="1000" b="0" i="0" u="none" strike="noStrike" dirty="0">
-                        <a:solidFill>
-                          <a:srgbClr val="000000"/>
-                        </a:solidFill>
-                        <a:effectLst/>
-                        <a:latin typeface="굴림" panose="020B0600000101010101" pitchFamily="50" charset="-127"/>
-                        <a:ea typeface="굴림" panose="020B0600000101010101" pitchFamily="50" charset="-127"/>
-                      </a:endParaRPr>
-                    </a:p>
-                  </a:txBody>
-                  <a:tcPr marL="7620" marR="7620" marT="7620" marB="0" anchor="ctr"/>
+                      <a:endParaRPr lang="en-US" altLang="ko-KR" sz="1100" b="1" i="0" u="none" strike="noStrike">
+                        <a:solidFill>
+                          <a:srgbClr val="000000"/>
+                        </a:solidFill>
+                        <a:effectLst/>
+                        <a:latin typeface="굴림" panose="020B0600000101010101" pitchFamily="50" charset="-127"/>
+                        <a:ea typeface="굴림" panose="020B0600000101010101" pitchFamily="50" charset="-127"/>
+                      </a:endParaRPr>
+                    </a:p>
+                  </a:txBody>
+                  <a:tcPr marL="7289" marR="7289" marT="7289" marB="0" anchor="ctr"/>
+                </a:tc>
+                <a:tc>
+                  <a:txBody>
+                    <a:bodyPr/>
+                    <a:lstStyle/>
+                    <a:p>
+                      <a:pPr algn="ctr" fontAlgn="ctr"/>
+                      <a:r>
+                        <a:rPr lang="en-US" altLang="ko-KR" sz="1100" u="none" strike="noStrike">
+                          <a:effectLst/>
+                        </a:rPr>
+                        <a:t>2</a:t>
+                      </a:r>
+                      <a:endParaRPr lang="en-US" altLang="ko-KR" sz="1100" b="1" i="0" u="none" strike="noStrike">
+                        <a:solidFill>
+                          <a:srgbClr val="000000"/>
+                        </a:solidFill>
+                        <a:effectLst/>
+                        <a:latin typeface="굴림" panose="020B0600000101010101" pitchFamily="50" charset="-127"/>
+                        <a:ea typeface="굴림" panose="020B0600000101010101" pitchFamily="50" charset="-127"/>
+                      </a:endParaRPr>
+                    </a:p>
+                  </a:txBody>
+                  <a:tcPr marL="7289" marR="7289" marT="7289" marB="0" anchor="ctr"/>
                 </a:tc>
                 <a:extLst>
                   <a:ext uri="{0D108BD9-81ED-4DB2-BD59-A6C34878D82A}">
-                    <a16:rowId xmlns:a16="http://schemas.microsoft.com/office/drawing/2014/main" val="1744093961"/>
+                    <a16:rowId xmlns:a16="http://schemas.microsoft.com/office/drawing/2014/main" val="2998793372"/>
+                  </a:ext>
+                </a:extLst>
+              </a:tr>
+              <a:tr h="174928">
+                <a:tc>
+                  <a:txBody>
+                    <a:bodyPr/>
+                    <a:lstStyle/>
+                    <a:p>
+                      <a:pPr algn="ctr" fontAlgn="ctr"/>
+                      <a:r>
+                        <a:rPr lang="ko-KR" altLang="en-US" sz="1100" u="none" strike="noStrike">
+                          <a:effectLst/>
+                        </a:rPr>
+                        <a:t>아보카도</a:t>
+                      </a:r>
+                      <a:endParaRPr lang="ko-KR" altLang="en-US" sz="1100" b="1" i="0" u="none" strike="noStrike">
+                        <a:solidFill>
+                          <a:srgbClr val="000000"/>
+                        </a:solidFill>
+                        <a:effectLst/>
+                        <a:latin typeface="굴림" panose="020B0600000101010101" pitchFamily="50" charset="-127"/>
+                        <a:ea typeface="굴림" panose="020B0600000101010101" pitchFamily="50" charset="-127"/>
+                      </a:endParaRPr>
+                    </a:p>
+                  </a:txBody>
+                  <a:tcPr marL="7289" marR="7289" marT="7289" marB="0" anchor="ctr"/>
+                </a:tc>
+                <a:tc>
+                  <a:txBody>
+                    <a:bodyPr/>
+                    <a:lstStyle/>
+                    <a:p>
+                      <a:pPr algn="ctr" fontAlgn="ctr"/>
+                      <a:r>
+                        <a:rPr lang="en-US" altLang="ko-KR" sz="1100" u="none" strike="noStrike">
+                          <a:effectLst/>
+                        </a:rPr>
+                        <a:t>3</a:t>
+                      </a:r>
+                      <a:endParaRPr lang="en-US" altLang="ko-KR" sz="1100" b="1" i="0" u="none" strike="noStrike">
+                        <a:solidFill>
+                          <a:srgbClr val="000000"/>
+                        </a:solidFill>
+                        <a:effectLst/>
+                        <a:latin typeface="굴림" panose="020B0600000101010101" pitchFamily="50" charset="-127"/>
+                        <a:ea typeface="굴림" panose="020B0600000101010101" pitchFamily="50" charset="-127"/>
+                      </a:endParaRPr>
+                    </a:p>
+                  </a:txBody>
+                  <a:tcPr marL="7289" marR="7289" marT="7289" marB="0" anchor="ctr"/>
+                </a:tc>
+                <a:tc>
+                  <a:txBody>
+                    <a:bodyPr/>
+                    <a:lstStyle/>
+                    <a:p>
+                      <a:pPr algn="ctr" fontAlgn="ctr"/>
+                      <a:r>
+                        <a:rPr lang="en-US" altLang="ko-KR" sz="1100" u="none" strike="noStrike">
+                          <a:effectLst/>
+                        </a:rPr>
+                        <a:t>0</a:t>
+                      </a:r>
+                      <a:endParaRPr lang="en-US" altLang="ko-KR" sz="1100" b="1" i="0" u="none" strike="noStrike">
+                        <a:solidFill>
+                          <a:srgbClr val="000000"/>
+                        </a:solidFill>
+                        <a:effectLst/>
+                        <a:latin typeface="굴림" panose="020B0600000101010101" pitchFamily="50" charset="-127"/>
+                        <a:ea typeface="굴림" panose="020B0600000101010101" pitchFamily="50" charset="-127"/>
+                      </a:endParaRPr>
+                    </a:p>
+                  </a:txBody>
+                  <a:tcPr marL="7289" marR="7289" marT="7289" marB="0" anchor="ctr"/>
+                </a:tc>
+                <a:tc>
+                  <a:txBody>
+                    <a:bodyPr/>
+                    <a:lstStyle/>
+                    <a:p>
+                      <a:pPr algn="ctr" fontAlgn="ctr"/>
+                      <a:r>
+                        <a:rPr lang="en-US" altLang="ko-KR" sz="1100" u="none" strike="noStrike">
+                          <a:effectLst/>
+                        </a:rPr>
+                        <a:t>0</a:t>
+                      </a:r>
+                      <a:endParaRPr lang="en-US" altLang="ko-KR" sz="1100" b="1" i="0" u="none" strike="noStrike">
+                        <a:solidFill>
+                          <a:srgbClr val="000000"/>
+                        </a:solidFill>
+                        <a:effectLst/>
+                        <a:latin typeface="굴림" panose="020B0600000101010101" pitchFamily="50" charset="-127"/>
+                        <a:ea typeface="굴림" panose="020B0600000101010101" pitchFamily="50" charset="-127"/>
+                      </a:endParaRPr>
+                    </a:p>
+                  </a:txBody>
+                  <a:tcPr marL="7289" marR="7289" marT="7289" marB="0" anchor="ctr"/>
+                </a:tc>
+                <a:tc>
+                  <a:txBody>
+                    <a:bodyPr/>
+                    <a:lstStyle/>
+                    <a:p>
+                      <a:pPr algn="ctr" fontAlgn="ctr"/>
+                      <a:r>
+                        <a:rPr lang="en-US" altLang="ko-KR" sz="1100" u="none" strike="noStrike">
+                          <a:effectLst/>
+                        </a:rPr>
+                        <a:t>0</a:t>
+                      </a:r>
+                      <a:endParaRPr lang="en-US" altLang="ko-KR" sz="1100" b="1" i="0" u="none" strike="noStrike">
+                        <a:solidFill>
+                          <a:srgbClr val="000000"/>
+                        </a:solidFill>
+                        <a:effectLst/>
+                        <a:latin typeface="굴림" panose="020B0600000101010101" pitchFamily="50" charset="-127"/>
+                        <a:ea typeface="굴림" panose="020B0600000101010101" pitchFamily="50" charset="-127"/>
+                      </a:endParaRPr>
+                    </a:p>
+                  </a:txBody>
+                  <a:tcPr marL="7289" marR="7289" marT="7289" marB="0" anchor="ctr"/>
+                </a:tc>
+                <a:tc>
+                  <a:txBody>
+                    <a:bodyPr/>
+                    <a:lstStyle/>
+                    <a:p>
+                      <a:pPr algn="ctr" fontAlgn="ctr"/>
+                      <a:r>
+                        <a:rPr lang="en-US" altLang="ko-KR" sz="1100" u="none" strike="noStrike">
+                          <a:effectLst/>
+                        </a:rPr>
+                        <a:t>0</a:t>
+                      </a:r>
+                      <a:endParaRPr lang="en-US" altLang="ko-KR" sz="1100" b="1" i="0" u="none" strike="noStrike">
+                        <a:solidFill>
+                          <a:srgbClr val="000000"/>
+                        </a:solidFill>
+                        <a:effectLst/>
+                        <a:latin typeface="굴림" panose="020B0600000101010101" pitchFamily="50" charset="-127"/>
+                        <a:ea typeface="굴림" panose="020B0600000101010101" pitchFamily="50" charset="-127"/>
+                      </a:endParaRPr>
+                    </a:p>
+                  </a:txBody>
+                  <a:tcPr marL="7289" marR="7289" marT="7289" marB="0" anchor="ctr"/>
+                </a:tc>
+                <a:tc>
+                  <a:txBody>
+                    <a:bodyPr/>
+                    <a:lstStyle/>
+                    <a:p>
+                      <a:pPr algn="ctr" fontAlgn="ctr"/>
+                      <a:r>
+                        <a:rPr lang="en-US" altLang="ko-KR" sz="1100" u="none" strike="noStrike">
+                          <a:effectLst/>
+                        </a:rPr>
+                        <a:t>0</a:t>
+                      </a:r>
+                      <a:endParaRPr lang="en-US" altLang="ko-KR" sz="1100" b="1" i="0" u="none" strike="noStrike">
+                        <a:solidFill>
+                          <a:srgbClr val="000000"/>
+                        </a:solidFill>
+                        <a:effectLst/>
+                        <a:latin typeface="굴림" panose="020B0600000101010101" pitchFamily="50" charset="-127"/>
+                        <a:ea typeface="굴림" panose="020B0600000101010101" pitchFamily="50" charset="-127"/>
+                      </a:endParaRPr>
+                    </a:p>
+                  </a:txBody>
+                  <a:tcPr marL="7289" marR="7289" marT="7289" marB="0" anchor="ctr"/>
+                </a:tc>
+                <a:tc>
+                  <a:txBody>
+                    <a:bodyPr/>
+                    <a:lstStyle/>
+                    <a:p>
+                      <a:pPr algn="ctr" fontAlgn="ctr"/>
+                      <a:r>
+                        <a:rPr lang="en-US" altLang="ko-KR" sz="1100" u="none" strike="noStrike">
+                          <a:effectLst/>
+                        </a:rPr>
+                        <a:t>3</a:t>
+                      </a:r>
+                      <a:endParaRPr lang="en-US" altLang="ko-KR" sz="1100" b="1" i="0" u="none" strike="noStrike">
+                        <a:solidFill>
+                          <a:srgbClr val="000000"/>
+                        </a:solidFill>
+                        <a:effectLst/>
+                        <a:latin typeface="굴림" panose="020B0600000101010101" pitchFamily="50" charset="-127"/>
+                        <a:ea typeface="굴림" panose="020B0600000101010101" pitchFamily="50" charset="-127"/>
+                      </a:endParaRPr>
+                    </a:p>
+                  </a:txBody>
+                  <a:tcPr marL="7289" marR="7289" marT="7289" marB="0" anchor="ctr"/>
+                </a:tc>
+                <a:extLst>
+                  <a:ext uri="{0D108BD9-81ED-4DB2-BD59-A6C34878D82A}">
+                    <a16:rowId xmlns:a16="http://schemas.microsoft.com/office/drawing/2014/main" val="3560892674"/>
+                  </a:ext>
+                </a:extLst>
+              </a:tr>
+              <a:tr h="174928">
+                <a:tc>
+                  <a:txBody>
+                    <a:bodyPr/>
+                    <a:lstStyle/>
+                    <a:p>
+                      <a:pPr algn="ctr" fontAlgn="ctr"/>
+                      <a:r>
+                        <a:rPr lang="ko-KR" altLang="en-US" sz="1100" u="none" strike="noStrike">
+                          <a:effectLst/>
+                        </a:rPr>
+                        <a:t>용과</a:t>
+                      </a:r>
+                      <a:endParaRPr lang="ko-KR" altLang="en-US" sz="1100" b="1" i="0" u="none" strike="noStrike">
+                        <a:solidFill>
+                          <a:srgbClr val="000000"/>
+                        </a:solidFill>
+                        <a:effectLst/>
+                        <a:latin typeface="굴림" panose="020B0600000101010101" pitchFamily="50" charset="-127"/>
+                        <a:ea typeface="굴림" panose="020B0600000101010101" pitchFamily="50" charset="-127"/>
+                      </a:endParaRPr>
+                    </a:p>
+                  </a:txBody>
+                  <a:tcPr marL="7289" marR="7289" marT="7289" marB="0" anchor="ctr"/>
+                </a:tc>
+                <a:tc>
+                  <a:txBody>
+                    <a:bodyPr/>
+                    <a:lstStyle/>
+                    <a:p>
+                      <a:pPr algn="ctr" fontAlgn="ctr"/>
+                      <a:r>
+                        <a:rPr lang="en-US" altLang="ko-KR" sz="1100" u="none" strike="noStrike">
+                          <a:effectLst/>
+                        </a:rPr>
+                        <a:t>0</a:t>
+                      </a:r>
+                      <a:endParaRPr lang="en-US" altLang="ko-KR" sz="1100" b="1" i="0" u="none" strike="noStrike">
+                        <a:solidFill>
+                          <a:srgbClr val="000000"/>
+                        </a:solidFill>
+                        <a:effectLst/>
+                        <a:latin typeface="굴림" panose="020B0600000101010101" pitchFamily="50" charset="-127"/>
+                        <a:ea typeface="굴림" panose="020B0600000101010101" pitchFamily="50" charset="-127"/>
+                      </a:endParaRPr>
+                    </a:p>
+                  </a:txBody>
+                  <a:tcPr marL="7289" marR="7289" marT="7289" marB="0" anchor="ctr"/>
+                </a:tc>
+                <a:tc>
+                  <a:txBody>
+                    <a:bodyPr/>
+                    <a:lstStyle/>
+                    <a:p>
+                      <a:pPr algn="ctr" fontAlgn="ctr"/>
+                      <a:r>
+                        <a:rPr lang="en-US" altLang="ko-KR" sz="1100" u="none" strike="noStrike">
+                          <a:effectLst/>
+                        </a:rPr>
+                        <a:t>0</a:t>
+                      </a:r>
+                      <a:endParaRPr lang="en-US" altLang="ko-KR" sz="1100" b="1" i="0" u="none" strike="noStrike">
+                        <a:solidFill>
+                          <a:srgbClr val="000000"/>
+                        </a:solidFill>
+                        <a:effectLst/>
+                        <a:latin typeface="굴림" panose="020B0600000101010101" pitchFamily="50" charset="-127"/>
+                        <a:ea typeface="굴림" panose="020B0600000101010101" pitchFamily="50" charset="-127"/>
+                      </a:endParaRPr>
+                    </a:p>
+                  </a:txBody>
+                  <a:tcPr marL="7289" marR="7289" marT="7289" marB="0" anchor="ctr"/>
+                </a:tc>
+                <a:tc>
+                  <a:txBody>
+                    <a:bodyPr/>
+                    <a:lstStyle/>
+                    <a:p>
+                      <a:pPr algn="ctr" fontAlgn="ctr"/>
+                      <a:r>
+                        <a:rPr lang="en-US" altLang="ko-KR" sz="1100" u="none" strike="noStrike">
+                          <a:effectLst/>
+                        </a:rPr>
+                        <a:t>0</a:t>
+                      </a:r>
+                      <a:endParaRPr lang="en-US" altLang="ko-KR" sz="1100" b="1" i="0" u="none" strike="noStrike">
+                        <a:solidFill>
+                          <a:srgbClr val="000000"/>
+                        </a:solidFill>
+                        <a:effectLst/>
+                        <a:latin typeface="굴림" panose="020B0600000101010101" pitchFamily="50" charset="-127"/>
+                        <a:ea typeface="굴림" panose="020B0600000101010101" pitchFamily="50" charset="-127"/>
+                      </a:endParaRPr>
+                    </a:p>
+                  </a:txBody>
+                  <a:tcPr marL="7289" marR="7289" marT="7289" marB="0" anchor="ctr"/>
+                </a:tc>
+                <a:tc>
+                  <a:txBody>
+                    <a:bodyPr/>
+                    <a:lstStyle/>
+                    <a:p>
+                      <a:pPr algn="ctr" fontAlgn="ctr"/>
+                      <a:r>
+                        <a:rPr lang="en-US" altLang="ko-KR" sz="1100" u="none" strike="noStrike">
+                          <a:effectLst/>
+                        </a:rPr>
+                        <a:t>0</a:t>
+                      </a:r>
+                      <a:endParaRPr lang="en-US" altLang="ko-KR" sz="1100" b="1" i="0" u="none" strike="noStrike">
+                        <a:solidFill>
+                          <a:srgbClr val="000000"/>
+                        </a:solidFill>
+                        <a:effectLst/>
+                        <a:latin typeface="굴림" panose="020B0600000101010101" pitchFamily="50" charset="-127"/>
+                        <a:ea typeface="굴림" panose="020B0600000101010101" pitchFamily="50" charset="-127"/>
+                      </a:endParaRPr>
+                    </a:p>
+                  </a:txBody>
+                  <a:tcPr marL="7289" marR="7289" marT="7289" marB="0" anchor="ctr"/>
+                </a:tc>
+                <a:tc>
+                  <a:txBody>
+                    <a:bodyPr/>
+                    <a:lstStyle/>
+                    <a:p>
+                      <a:pPr algn="ctr" fontAlgn="ctr"/>
+                      <a:r>
+                        <a:rPr lang="en-US" altLang="ko-KR" sz="1100" u="none" strike="noStrike">
+                          <a:effectLst/>
+                        </a:rPr>
+                        <a:t>0</a:t>
+                      </a:r>
+                      <a:endParaRPr lang="en-US" altLang="ko-KR" sz="1100" b="1" i="0" u="none" strike="noStrike">
+                        <a:solidFill>
+                          <a:srgbClr val="000000"/>
+                        </a:solidFill>
+                        <a:effectLst/>
+                        <a:latin typeface="굴림" panose="020B0600000101010101" pitchFamily="50" charset="-127"/>
+                        <a:ea typeface="굴림" panose="020B0600000101010101" pitchFamily="50" charset="-127"/>
+                      </a:endParaRPr>
+                    </a:p>
+                  </a:txBody>
+                  <a:tcPr marL="7289" marR="7289" marT="7289" marB="0" anchor="ctr"/>
+                </a:tc>
+                <a:tc>
+                  <a:txBody>
+                    <a:bodyPr/>
+                    <a:lstStyle/>
+                    <a:p>
+                      <a:pPr algn="ctr" fontAlgn="ctr"/>
+                      <a:r>
+                        <a:rPr lang="en-US" altLang="ko-KR" sz="1100" u="none" strike="noStrike">
+                          <a:effectLst/>
+                        </a:rPr>
+                        <a:t>0</a:t>
+                      </a:r>
+                      <a:endParaRPr lang="en-US" altLang="ko-KR" sz="1100" b="1" i="0" u="none" strike="noStrike">
+                        <a:solidFill>
+                          <a:srgbClr val="000000"/>
+                        </a:solidFill>
+                        <a:effectLst/>
+                        <a:latin typeface="굴림" panose="020B0600000101010101" pitchFamily="50" charset="-127"/>
+                        <a:ea typeface="굴림" panose="020B0600000101010101" pitchFamily="50" charset="-127"/>
+                      </a:endParaRPr>
+                    </a:p>
+                  </a:txBody>
+                  <a:tcPr marL="7289" marR="7289" marT="7289" marB="0" anchor="ctr"/>
+                </a:tc>
+                <a:tc>
+                  <a:txBody>
+                    <a:bodyPr/>
+                    <a:lstStyle/>
+                    <a:p>
+                      <a:pPr algn="ctr" fontAlgn="ctr"/>
+                      <a:r>
+                        <a:rPr lang="en-US" altLang="ko-KR" sz="1100" u="none" strike="noStrike">
+                          <a:effectLst/>
+                        </a:rPr>
+                        <a:t>0</a:t>
+                      </a:r>
+                      <a:endParaRPr lang="en-US" altLang="ko-KR" sz="1100" b="1" i="0" u="none" strike="noStrike">
+                        <a:solidFill>
+                          <a:srgbClr val="000000"/>
+                        </a:solidFill>
+                        <a:effectLst/>
+                        <a:latin typeface="굴림" panose="020B0600000101010101" pitchFamily="50" charset="-127"/>
+                        <a:ea typeface="굴림" panose="020B0600000101010101" pitchFamily="50" charset="-127"/>
+                      </a:endParaRPr>
+                    </a:p>
+                  </a:txBody>
+                  <a:tcPr marL="7289" marR="7289" marT="7289" marB="0" anchor="ctr"/>
+                </a:tc>
+                <a:extLst>
+                  <a:ext uri="{0D108BD9-81ED-4DB2-BD59-A6C34878D82A}">
+                    <a16:rowId xmlns:a16="http://schemas.microsoft.com/office/drawing/2014/main" val="2480285172"/>
+                  </a:ext>
+                </a:extLst>
+              </a:tr>
+              <a:tr h="174928">
+                <a:tc>
+                  <a:txBody>
+                    <a:bodyPr/>
+                    <a:lstStyle/>
+                    <a:p>
+                      <a:pPr algn="ctr" fontAlgn="ctr"/>
+                      <a:r>
+                        <a:rPr lang="ko-KR" altLang="en-US" sz="1100" u="none" strike="noStrike">
+                          <a:effectLst/>
+                        </a:rPr>
+                        <a:t>블루베리</a:t>
+                      </a:r>
+                      <a:endParaRPr lang="ko-KR" altLang="en-US" sz="1100" b="1" i="0" u="none" strike="noStrike">
+                        <a:solidFill>
+                          <a:srgbClr val="000000"/>
+                        </a:solidFill>
+                        <a:effectLst/>
+                        <a:latin typeface="굴림" panose="020B0600000101010101" pitchFamily="50" charset="-127"/>
+                        <a:ea typeface="굴림" panose="020B0600000101010101" pitchFamily="50" charset="-127"/>
+                      </a:endParaRPr>
+                    </a:p>
+                  </a:txBody>
+                  <a:tcPr marL="7289" marR="7289" marT="7289" marB="0" anchor="ctr"/>
+                </a:tc>
+                <a:tc>
+                  <a:txBody>
+                    <a:bodyPr/>
+                    <a:lstStyle/>
+                    <a:p>
+                      <a:pPr algn="ctr" fontAlgn="ctr"/>
+                      <a:r>
+                        <a:rPr lang="en-US" altLang="ko-KR" sz="1100" u="none" strike="noStrike">
+                          <a:effectLst/>
+                        </a:rPr>
+                        <a:t>1</a:t>
+                      </a:r>
+                      <a:endParaRPr lang="en-US" altLang="ko-KR" sz="1100" b="1" i="0" u="none" strike="noStrike">
+                        <a:solidFill>
+                          <a:srgbClr val="000000"/>
+                        </a:solidFill>
+                        <a:effectLst/>
+                        <a:latin typeface="굴림" panose="020B0600000101010101" pitchFamily="50" charset="-127"/>
+                        <a:ea typeface="굴림" panose="020B0600000101010101" pitchFamily="50" charset="-127"/>
+                      </a:endParaRPr>
+                    </a:p>
+                  </a:txBody>
+                  <a:tcPr marL="7289" marR="7289" marT="7289" marB="0" anchor="ctr"/>
+                </a:tc>
+                <a:tc>
+                  <a:txBody>
+                    <a:bodyPr/>
+                    <a:lstStyle/>
+                    <a:p>
+                      <a:pPr algn="ctr" fontAlgn="ctr"/>
+                      <a:r>
+                        <a:rPr lang="en-US" altLang="ko-KR" sz="1100" u="none" strike="noStrike">
+                          <a:effectLst/>
+                        </a:rPr>
+                        <a:t>0</a:t>
+                      </a:r>
+                      <a:endParaRPr lang="en-US" altLang="ko-KR" sz="1100" b="1" i="0" u="none" strike="noStrike">
+                        <a:solidFill>
+                          <a:srgbClr val="000000"/>
+                        </a:solidFill>
+                        <a:effectLst/>
+                        <a:latin typeface="굴림" panose="020B0600000101010101" pitchFamily="50" charset="-127"/>
+                        <a:ea typeface="굴림" panose="020B0600000101010101" pitchFamily="50" charset="-127"/>
+                      </a:endParaRPr>
+                    </a:p>
+                  </a:txBody>
+                  <a:tcPr marL="7289" marR="7289" marT="7289" marB="0" anchor="ctr"/>
+                </a:tc>
+                <a:tc>
+                  <a:txBody>
+                    <a:bodyPr/>
+                    <a:lstStyle/>
+                    <a:p>
+                      <a:pPr algn="ctr" fontAlgn="ctr"/>
+                      <a:r>
+                        <a:rPr lang="en-US" altLang="ko-KR" sz="1100" u="none" strike="noStrike">
+                          <a:effectLst/>
+                        </a:rPr>
+                        <a:t>1</a:t>
+                      </a:r>
+                      <a:endParaRPr lang="en-US" altLang="ko-KR" sz="1100" b="1" i="0" u="none" strike="noStrike">
+                        <a:solidFill>
+                          <a:srgbClr val="000000"/>
+                        </a:solidFill>
+                        <a:effectLst/>
+                        <a:latin typeface="굴림" panose="020B0600000101010101" pitchFamily="50" charset="-127"/>
+                        <a:ea typeface="굴림" panose="020B0600000101010101" pitchFamily="50" charset="-127"/>
+                      </a:endParaRPr>
+                    </a:p>
+                  </a:txBody>
+                  <a:tcPr marL="7289" marR="7289" marT="7289" marB="0" anchor="ctr"/>
+                </a:tc>
+                <a:tc>
+                  <a:txBody>
+                    <a:bodyPr/>
+                    <a:lstStyle/>
+                    <a:p>
+                      <a:pPr algn="ctr" fontAlgn="ctr"/>
+                      <a:r>
+                        <a:rPr lang="en-US" altLang="ko-KR" sz="1100" u="none" strike="noStrike">
+                          <a:effectLst/>
+                        </a:rPr>
+                        <a:t>0</a:t>
+                      </a:r>
+                      <a:endParaRPr lang="en-US" altLang="ko-KR" sz="1100" b="1" i="0" u="none" strike="noStrike">
+                        <a:solidFill>
+                          <a:srgbClr val="000000"/>
+                        </a:solidFill>
+                        <a:effectLst/>
+                        <a:latin typeface="굴림" panose="020B0600000101010101" pitchFamily="50" charset="-127"/>
+                        <a:ea typeface="굴림" panose="020B0600000101010101" pitchFamily="50" charset="-127"/>
+                      </a:endParaRPr>
+                    </a:p>
+                  </a:txBody>
+                  <a:tcPr marL="7289" marR="7289" marT="7289" marB="0" anchor="ctr"/>
+                </a:tc>
+                <a:tc>
+                  <a:txBody>
+                    <a:bodyPr/>
+                    <a:lstStyle/>
+                    <a:p>
+                      <a:pPr algn="ctr" fontAlgn="ctr"/>
+                      <a:r>
+                        <a:rPr lang="en-US" altLang="ko-KR" sz="1100" u="none" strike="noStrike">
+                          <a:effectLst/>
+                        </a:rPr>
+                        <a:t>0</a:t>
+                      </a:r>
+                      <a:endParaRPr lang="en-US" altLang="ko-KR" sz="1100" b="1" i="0" u="none" strike="noStrike">
+                        <a:solidFill>
+                          <a:srgbClr val="000000"/>
+                        </a:solidFill>
+                        <a:effectLst/>
+                        <a:latin typeface="굴림" panose="020B0600000101010101" pitchFamily="50" charset="-127"/>
+                        <a:ea typeface="굴림" panose="020B0600000101010101" pitchFamily="50" charset="-127"/>
+                      </a:endParaRPr>
+                    </a:p>
+                  </a:txBody>
+                  <a:tcPr marL="7289" marR="7289" marT="7289" marB="0" anchor="ctr"/>
+                </a:tc>
+                <a:tc>
+                  <a:txBody>
+                    <a:bodyPr/>
+                    <a:lstStyle/>
+                    <a:p>
+                      <a:pPr algn="ctr" fontAlgn="ctr"/>
+                      <a:r>
+                        <a:rPr lang="en-US" altLang="ko-KR" sz="1100" u="none" strike="noStrike">
+                          <a:effectLst/>
+                        </a:rPr>
+                        <a:t>0</a:t>
+                      </a:r>
+                      <a:endParaRPr lang="en-US" altLang="ko-KR" sz="1100" b="1" i="0" u="none" strike="noStrike">
+                        <a:solidFill>
+                          <a:srgbClr val="000000"/>
+                        </a:solidFill>
+                        <a:effectLst/>
+                        <a:latin typeface="굴림" panose="020B0600000101010101" pitchFamily="50" charset="-127"/>
+                        <a:ea typeface="굴림" panose="020B0600000101010101" pitchFamily="50" charset="-127"/>
+                      </a:endParaRPr>
+                    </a:p>
+                  </a:txBody>
+                  <a:tcPr marL="7289" marR="7289" marT="7289" marB="0" anchor="ctr"/>
+                </a:tc>
+                <a:tc>
+                  <a:txBody>
+                    <a:bodyPr/>
+                    <a:lstStyle/>
+                    <a:p>
+                      <a:pPr algn="ctr" fontAlgn="ctr"/>
+                      <a:r>
+                        <a:rPr lang="en-US" altLang="ko-KR" sz="1100" u="none" strike="noStrike">
+                          <a:effectLst/>
+                        </a:rPr>
+                        <a:t>2</a:t>
+                      </a:r>
+                      <a:endParaRPr lang="en-US" altLang="ko-KR" sz="1100" b="1" i="0" u="none" strike="noStrike">
+                        <a:solidFill>
+                          <a:srgbClr val="000000"/>
+                        </a:solidFill>
+                        <a:effectLst/>
+                        <a:latin typeface="굴림" panose="020B0600000101010101" pitchFamily="50" charset="-127"/>
+                        <a:ea typeface="굴림" panose="020B0600000101010101" pitchFamily="50" charset="-127"/>
+                      </a:endParaRPr>
+                    </a:p>
+                  </a:txBody>
+                  <a:tcPr marL="7289" marR="7289" marT="7289" marB="0" anchor="ctr"/>
+                </a:tc>
+                <a:extLst>
+                  <a:ext uri="{0D108BD9-81ED-4DB2-BD59-A6C34878D82A}">
+                    <a16:rowId xmlns:a16="http://schemas.microsoft.com/office/drawing/2014/main" val="662653621"/>
+                  </a:ext>
+                </a:extLst>
+              </a:tr>
+              <a:tr h="327990">
+                <a:tc>
+                  <a:txBody>
+                    <a:bodyPr/>
+                    <a:lstStyle/>
+                    <a:p>
+                      <a:pPr algn="ctr" fontAlgn="ctr"/>
+                      <a:r>
+                        <a:rPr lang="ko-KR" altLang="en-US" sz="1100" u="none" strike="noStrike">
+                          <a:effectLst/>
+                        </a:rPr>
+                        <a:t>수입과일 기타</a:t>
+                      </a:r>
+                      <a:endParaRPr lang="ko-KR" altLang="en-US" sz="1100" b="1" i="0" u="none" strike="noStrike">
+                        <a:solidFill>
+                          <a:srgbClr val="000000"/>
+                        </a:solidFill>
+                        <a:effectLst/>
+                        <a:latin typeface="굴림" panose="020B0600000101010101" pitchFamily="50" charset="-127"/>
+                        <a:ea typeface="굴림" panose="020B0600000101010101" pitchFamily="50" charset="-127"/>
+                      </a:endParaRPr>
+                    </a:p>
+                  </a:txBody>
+                  <a:tcPr marL="7289" marR="7289" marT="7289" marB="0" anchor="ctr"/>
+                </a:tc>
+                <a:tc>
+                  <a:txBody>
+                    <a:bodyPr/>
+                    <a:lstStyle/>
+                    <a:p>
+                      <a:pPr algn="ctr" fontAlgn="ctr"/>
+                      <a:r>
+                        <a:rPr lang="en-US" altLang="ko-KR" sz="1100" u="none" strike="noStrike">
+                          <a:effectLst/>
+                        </a:rPr>
+                        <a:t>0</a:t>
+                      </a:r>
+                      <a:endParaRPr lang="en-US" altLang="ko-KR" sz="1100" b="1" i="0" u="none" strike="noStrike">
+                        <a:solidFill>
+                          <a:srgbClr val="000000"/>
+                        </a:solidFill>
+                        <a:effectLst/>
+                        <a:latin typeface="굴림" panose="020B0600000101010101" pitchFamily="50" charset="-127"/>
+                        <a:ea typeface="굴림" panose="020B0600000101010101" pitchFamily="50" charset="-127"/>
+                      </a:endParaRPr>
+                    </a:p>
+                  </a:txBody>
+                  <a:tcPr marL="7289" marR="7289" marT="7289" marB="0" anchor="ctr"/>
+                </a:tc>
+                <a:tc>
+                  <a:txBody>
+                    <a:bodyPr/>
+                    <a:lstStyle/>
+                    <a:p>
+                      <a:pPr algn="ctr" fontAlgn="ctr"/>
+                      <a:r>
+                        <a:rPr lang="en-US" altLang="ko-KR" sz="1100" u="none" strike="noStrike">
+                          <a:effectLst/>
+                        </a:rPr>
+                        <a:t>0</a:t>
+                      </a:r>
+                      <a:endParaRPr lang="en-US" altLang="ko-KR" sz="1100" b="1" i="0" u="none" strike="noStrike">
+                        <a:solidFill>
+                          <a:srgbClr val="000000"/>
+                        </a:solidFill>
+                        <a:effectLst/>
+                        <a:latin typeface="굴림" panose="020B0600000101010101" pitchFamily="50" charset="-127"/>
+                        <a:ea typeface="굴림" panose="020B0600000101010101" pitchFamily="50" charset="-127"/>
+                      </a:endParaRPr>
+                    </a:p>
+                  </a:txBody>
+                  <a:tcPr marL="7289" marR="7289" marT="7289" marB="0" anchor="ctr"/>
+                </a:tc>
+                <a:tc>
+                  <a:txBody>
+                    <a:bodyPr/>
+                    <a:lstStyle/>
+                    <a:p>
+                      <a:pPr algn="ctr" fontAlgn="ctr"/>
+                      <a:r>
+                        <a:rPr lang="en-US" altLang="ko-KR" sz="1100" u="none" strike="noStrike">
+                          <a:effectLst/>
+                        </a:rPr>
+                        <a:t>0</a:t>
+                      </a:r>
+                      <a:endParaRPr lang="en-US" altLang="ko-KR" sz="1100" b="1" i="0" u="none" strike="noStrike">
+                        <a:solidFill>
+                          <a:srgbClr val="000000"/>
+                        </a:solidFill>
+                        <a:effectLst/>
+                        <a:latin typeface="굴림" panose="020B0600000101010101" pitchFamily="50" charset="-127"/>
+                        <a:ea typeface="굴림" panose="020B0600000101010101" pitchFamily="50" charset="-127"/>
+                      </a:endParaRPr>
+                    </a:p>
+                  </a:txBody>
+                  <a:tcPr marL="7289" marR="7289" marT="7289" marB="0" anchor="ctr"/>
+                </a:tc>
+                <a:tc>
+                  <a:txBody>
+                    <a:bodyPr/>
+                    <a:lstStyle/>
+                    <a:p>
+                      <a:pPr algn="ctr" fontAlgn="ctr"/>
+                      <a:r>
+                        <a:rPr lang="en-US" altLang="ko-KR" sz="1100" u="none" strike="noStrike">
+                          <a:effectLst/>
+                        </a:rPr>
+                        <a:t>0</a:t>
+                      </a:r>
+                      <a:endParaRPr lang="en-US" altLang="ko-KR" sz="1100" b="1" i="0" u="none" strike="noStrike">
+                        <a:solidFill>
+                          <a:srgbClr val="000000"/>
+                        </a:solidFill>
+                        <a:effectLst/>
+                        <a:latin typeface="굴림" panose="020B0600000101010101" pitchFamily="50" charset="-127"/>
+                        <a:ea typeface="굴림" panose="020B0600000101010101" pitchFamily="50" charset="-127"/>
+                      </a:endParaRPr>
+                    </a:p>
+                  </a:txBody>
+                  <a:tcPr marL="7289" marR="7289" marT="7289" marB="0" anchor="ctr"/>
+                </a:tc>
+                <a:tc>
+                  <a:txBody>
+                    <a:bodyPr/>
+                    <a:lstStyle/>
+                    <a:p>
+                      <a:pPr algn="ctr" fontAlgn="ctr"/>
+                      <a:r>
+                        <a:rPr lang="en-US" altLang="ko-KR" sz="1100" u="none" strike="noStrike">
+                          <a:effectLst/>
+                        </a:rPr>
+                        <a:t>0</a:t>
+                      </a:r>
+                      <a:endParaRPr lang="en-US" altLang="ko-KR" sz="1100" b="1" i="0" u="none" strike="noStrike">
+                        <a:solidFill>
+                          <a:srgbClr val="000000"/>
+                        </a:solidFill>
+                        <a:effectLst/>
+                        <a:latin typeface="굴림" panose="020B0600000101010101" pitchFamily="50" charset="-127"/>
+                        <a:ea typeface="굴림" panose="020B0600000101010101" pitchFamily="50" charset="-127"/>
+                      </a:endParaRPr>
+                    </a:p>
+                  </a:txBody>
+                  <a:tcPr marL="7289" marR="7289" marT="7289" marB="0" anchor="ctr"/>
+                </a:tc>
+                <a:tc>
+                  <a:txBody>
+                    <a:bodyPr/>
+                    <a:lstStyle/>
+                    <a:p>
+                      <a:pPr algn="ctr" fontAlgn="ctr"/>
+                      <a:r>
+                        <a:rPr lang="en-US" altLang="ko-KR" sz="1100" u="none" strike="noStrike">
+                          <a:effectLst/>
+                        </a:rPr>
+                        <a:t>0</a:t>
+                      </a:r>
+                      <a:endParaRPr lang="en-US" altLang="ko-KR" sz="1100" b="1" i="0" u="none" strike="noStrike">
+                        <a:solidFill>
+                          <a:srgbClr val="000000"/>
+                        </a:solidFill>
+                        <a:effectLst/>
+                        <a:latin typeface="굴림" panose="020B0600000101010101" pitchFamily="50" charset="-127"/>
+                        <a:ea typeface="굴림" panose="020B0600000101010101" pitchFamily="50" charset="-127"/>
+                      </a:endParaRPr>
+                    </a:p>
+                  </a:txBody>
+                  <a:tcPr marL="7289" marR="7289" marT="7289" marB="0" anchor="ctr"/>
+                </a:tc>
+                <a:tc>
+                  <a:txBody>
+                    <a:bodyPr/>
+                    <a:lstStyle/>
+                    <a:p>
+                      <a:pPr algn="ctr" fontAlgn="ctr"/>
+                      <a:r>
+                        <a:rPr lang="en-US" altLang="ko-KR" sz="1100" u="none" strike="noStrike" dirty="0">
+                          <a:effectLst/>
+                        </a:rPr>
+                        <a:t>0</a:t>
+                      </a:r>
+                      <a:endParaRPr lang="en-US" altLang="ko-KR" sz="1100" b="1" i="0" u="none" strike="noStrike" dirty="0">
+                        <a:solidFill>
+                          <a:srgbClr val="000000"/>
+                        </a:solidFill>
+                        <a:effectLst/>
+                        <a:latin typeface="굴림" panose="020B0600000101010101" pitchFamily="50" charset="-127"/>
+                        <a:ea typeface="굴림" panose="020B0600000101010101" pitchFamily="50" charset="-127"/>
+                      </a:endParaRPr>
+                    </a:p>
+                  </a:txBody>
+                  <a:tcPr marL="7289" marR="7289" marT="7289" marB="0" anchor="ctr"/>
+                </a:tc>
+                <a:extLst>
+                  <a:ext uri="{0D108BD9-81ED-4DB2-BD59-A6C34878D82A}">
+                    <a16:rowId xmlns:a16="http://schemas.microsoft.com/office/drawing/2014/main" val="4079764122"/>
                   </a:ext>
                 </a:extLst>
               </a:tr>
